--- a/docs/slides/02/02_stack_queue.pptx
+++ b/docs/slides/02/02_stack_queue.pptx
@@ -5,7 +5,7 @@
     <p:sldMasterId id="2147483648" r:id="rId1"/>
   </p:sldMasterIdLst>
   <p:notesMasterIdLst>
-    <p:notesMasterId r:id="rId34"/>
+    <p:notesMasterId r:id="rId41"/>
   </p:notesMasterIdLst>
   <p:sldIdLst>
     <p:sldId id="290" r:id="rId2"/>
@@ -39,7 +39,14 @@
     <p:sldId id="311" r:id="rId30"/>
     <p:sldId id="312" r:id="rId31"/>
     <p:sldId id="313" r:id="rId32"/>
-    <p:sldId id="314" r:id="rId33"/>
+    <p:sldId id="315" r:id="rId33"/>
+    <p:sldId id="316" r:id="rId34"/>
+    <p:sldId id="317" r:id="rId35"/>
+    <p:sldId id="318" r:id="rId36"/>
+    <p:sldId id="319" r:id="rId37"/>
+    <p:sldId id="320" r:id="rId38"/>
+    <p:sldId id="321" r:id="rId39"/>
+    <p:sldId id="314" r:id="rId40"/>
   </p:sldIdLst>
   <p:sldSz cx="13004800" cy="9753600"/>
   <p:notesSz cx="6858000" cy="9144000"/>
@@ -593,6 +600,67 @@
 </p:notes>
 </file>
 
+<file path=ppt/notesSlides/notesSlide2.xml><?xml version="1.0" encoding="utf-8"?>
+<p:notes xmlns:a="http://schemas.openxmlformats.org/drawingml/2006/main" xmlns:r="http://schemas.openxmlformats.org/officeDocument/2006/relationships" xmlns:p="http://schemas.openxmlformats.org/presentationml/2006/main">
+  <p:cSld>
+    <p:spTree>
+      <p:nvGrpSpPr>
+        <p:cNvPr id="1" name=""/>
+        <p:cNvGrpSpPr/>
+        <p:nvPr/>
+      </p:nvGrpSpPr>
+      <p:grpSpPr>
+        <a:xfrm>
+          <a:off x="0" y="0"/>
+          <a:ext cx="0" cy="0"/>
+          <a:chOff x="0" y="0"/>
+          <a:chExt cx="0" cy="0"/>
+        </a:xfrm>
+      </p:grpSpPr>
+      <p:sp>
+        <p:nvSpPr>
+          <p:cNvPr id="2" name="Slide Image Placeholder 1"/>
+          <p:cNvSpPr>
+            <a:spLocks noGrp="1" noRot="1" noChangeAspect="1"/>
+          </p:cNvSpPr>
+          <p:nvPr>
+            <p:ph type="sldImg"/>
+          </p:nvPr>
+        </p:nvSpPr>
+        <p:spPr/>
+      </p:sp>
+      <p:sp>
+        <p:nvSpPr>
+          <p:cNvPr id="3" name="Notes Placeholder 2"/>
+          <p:cNvSpPr>
+            <a:spLocks noGrp="1"/>
+          </p:cNvSpPr>
+          <p:nvPr>
+            <p:ph type="body" idx="1"/>
+          </p:nvPr>
+        </p:nvSpPr>
+        <p:spPr/>
+        <p:txBody>
+          <a:bodyPr/>
+          <a:lstStyle/>
+          <a:p>
+            <a:endParaRPr lang="en-US" dirty="0"/>
+          </a:p>
+        </p:txBody>
+      </p:sp>
+    </p:spTree>
+    <p:extLst>
+      <p:ext uri="{BB962C8B-B14F-4D97-AF65-F5344CB8AC3E}">
+        <p14:creationId xmlns:p14="http://schemas.microsoft.com/office/powerpoint/2010/main" val="1655862976"/>
+      </p:ext>
+    </p:extLst>
+  </p:cSld>
+  <p:clrMapOvr>
+    <a:masterClrMapping/>
+  </p:clrMapOvr>
+</p:notes>
+</file>
+
 <file path=ppt/slideLayouts/slideLayout1.xml><?xml version="1.0" encoding="utf-8"?>
 <p:sldLayout xmlns:a="http://schemas.openxmlformats.org/drawingml/2006/main" xmlns:r="http://schemas.openxmlformats.org/officeDocument/2006/relationships" xmlns:p="http://schemas.openxmlformats.org/presentationml/2006/main" type="title">
   <p:cSld name="Title &amp; Subtitle">
@@ -2248,7 +2316,7 @@
           </a:ln>
           <a:extLst>
             <a:ext uri="{C572A759-6A51-4108-AA02-DFA0A04FC94B}">
-              <ma14:wrappingTextBoxFlag xmlns:ma14="http://schemas.microsoft.com/office/mac/drawingml/2011/main" xmlns="" val="1"/>
+              <ma14:wrappingTextBoxFlag xmlns="" xmlns:ma14="http://schemas.microsoft.com/office/mac/drawingml/2011/main" val="1"/>
             </a:ext>
           </a:extLst>
         </p:spPr>
@@ -2287,7 +2355,7 @@
           </a:ln>
           <a:extLst>
             <a:ext uri="{C572A759-6A51-4108-AA02-DFA0A04FC94B}">
-              <ma14:wrappingTextBoxFlag xmlns:ma14="http://schemas.microsoft.com/office/mac/drawingml/2011/main" xmlns="" val="1"/>
+              <ma14:wrappingTextBoxFlag xmlns="" xmlns:ma14="http://schemas.microsoft.com/office/mac/drawingml/2011/main" val="1"/>
             </a:ext>
           </a:extLst>
         </p:spPr>
@@ -3234,11 +3302,7 @@
             </a:br>
             <a:r>
               <a:rPr lang="en-US" dirty="0" smtClean="0"/>
-              <a:t>Lesson </a:t>
-            </a:r>
-            <a:r>
-              <a:rPr lang="en-US" dirty="0" smtClean="0"/>
-              <a:t>02: Stack and Queue</a:t>
+              <a:t>Lesson 02: Stack and Queue</a:t>
             </a:r>
             <a:endParaRPr lang="en-US" dirty="0"/>
           </a:p>
@@ -3444,7 +3508,6 @@
               <a:rPr lang="en-US" dirty="0" smtClean="0"/>
               <a:t>re objects created or deleted? </a:t>
             </a:r>
-            <a:endParaRPr lang="en-US" dirty="0" smtClean="0"/>
           </a:p>
         </p:txBody>
       </p:sp>
@@ -3527,7 +3590,6 @@
               <a:rPr lang="en-US" dirty="0" smtClean="0"/>
               <a:t>Java</a:t>
             </a:r>
-            <a:endParaRPr lang="en-US" dirty="0" smtClean="0"/>
           </a:p>
           <a:p>
             <a:r>
@@ -3544,38 +3606,13 @@
             </a:r>
             <a:r>
               <a:rPr lang="en-US" dirty="0" smtClean="0"/>
-              <a:t> are usually hard to understand… but critical, otherwise </a:t>
-            </a:r>
+              <a:t> are usually hard to understand… but critical, otherwise it will be nearly impossible to understand the data structures in this course</a:t>
+            </a:r>
+          </a:p>
+          <a:p>
             <a:r>
               <a:rPr lang="en-US" dirty="0" smtClean="0"/>
-              <a:t>it will be nearly impossible to understand </a:t>
-            </a:r>
-            <a:r>
-              <a:rPr lang="en-US" dirty="0" smtClean="0"/>
-              <a:t>the</a:t>
-            </a:r>
-            <a:r>
-              <a:rPr lang="en-US" dirty="0" smtClean="0"/>
-              <a:t> </a:t>
-            </a:r>
-            <a:r>
-              <a:rPr lang="en-US" dirty="0" smtClean="0"/>
-              <a:t>data </a:t>
-            </a:r>
-            <a:r>
-              <a:rPr lang="en-US" dirty="0" smtClean="0"/>
-              <a:t>structures in this course</a:t>
-            </a:r>
-            <a:endParaRPr lang="en-US" dirty="0" smtClean="0"/>
-          </a:p>
-          <a:p>
-            <a:r>
-              <a:rPr lang="en-US" dirty="0" smtClean="0"/>
-              <a:t>Should </a:t>
-            </a:r>
-            <a:r>
-              <a:rPr lang="en-US" dirty="0" smtClean="0"/>
-              <a:t>had been covered in the 1</a:t>
+              <a:t>Should had been covered in the 1</a:t>
             </a:r>
             <a:r>
               <a:rPr lang="en-US" baseline="30000" dirty="0" smtClean="0"/>
@@ -5736,6 +5773,13 @@
     <a:masterClrMapping/>
   </p:clrMapOvr>
   <p:transition spd="med"/>
+  <p:timing>
+    <p:tnLst>
+      <p:par>
+        <p:cTn id="1" dur="indefinite" restart="never" nodeType="tmRoot"/>
+      </p:par>
+    </p:tnLst>
+  </p:timing>
 </p:sld>
 </file>
 
@@ -6698,6 +6742,13 @@
     <a:masterClrMapping/>
   </p:clrMapOvr>
   <p:transition spd="med"/>
+  <p:timing>
+    <p:tnLst>
+      <p:par>
+        <p:cTn id="1" dur="indefinite" restart="never" nodeType="tmRoot"/>
+      </p:par>
+    </p:tnLst>
+  </p:timing>
 </p:sld>
 </file>
 
@@ -7510,6 +7561,13 @@
     <a:masterClrMapping/>
   </p:clrMapOvr>
   <p:transition spd="med"/>
+  <p:timing>
+    <p:tnLst>
+      <p:par>
+        <p:cTn id="1" dur="indefinite" restart="never" nodeType="tmRoot"/>
+      </p:par>
+    </p:tnLst>
+  </p:timing>
 </p:sld>
 </file>
 
@@ -8695,7 +8753,7 @@
           </a:ln>
           <a:extLst>
             <a:ext uri="{C572A759-6A51-4108-AA02-DFA0A04FC94B}">
-              <ma14:wrappingTextBoxFlag xmlns="" xmlns:ma14="http://schemas.microsoft.com/office/mac/drawingml/2011/main" val="1"/>
+              <ma14:wrappingTextBoxFlag xmlns:ma14="http://schemas.microsoft.com/office/mac/drawingml/2011/main" xmlns="" val="1"/>
             </a:ext>
           </a:extLst>
         </p:spPr>
@@ -8990,6 +9048,13 @@
     <a:masterClrMapping/>
   </p:clrMapOvr>
   <p:transition spd="med"/>
+  <p:timing>
+    <p:tnLst>
+      <p:par>
+        <p:cTn id="1" dur="indefinite" restart="never" nodeType="tmRoot"/>
+      </p:par>
+    </p:tnLst>
+  </p:timing>
 </p:sld>
 </file>
 
@@ -9604,6 +9669,13 @@
     <a:masterClrMapping/>
   </p:clrMapOvr>
   <p:transition spd="med"/>
+  <p:timing>
+    <p:tnLst>
+      <p:par>
+        <p:cTn id="1" dur="indefinite" restart="never" nodeType="tmRoot"/>
+      </p:par>
+    </p:tnLst>
+  </p:timing>
 </p:sld>
 </file>
 
@@ -9669,19 +9741,7 @@
           <a:p>
             <a:r>
               <a:rPr lang="en-US" dirty="0" smtClean="0"/>
-              <a:t>Java does not allow you </a:t>
-            </a:r>
-            <a:r>
-              <a:rPr lang="en-US" dirty="0" smtClean="0"/>
-              <a:t>(yet) </a:t>
-            </a:r>
-            <a:r>
-              <a:rPr lang="en-US" dirty="0" smtClean="0"/>
-              <a:t>to </a:t>
-            </a:r>
-            <a:r>
-              <a:rPr lang="en-US" dirty="0" smtClean="0"/>
-              <a:t>have objects on the FCS</a:t>
+              <a:t>Java does not allow you (yet) to have objects on the FCS</a:t>
             </a:r>
           </a:p>
           <a:p>
@@ -9776,6 +9836,13 @@
     <a:masterClrMapping/>
   </p:clrMapOvr>
   <p:transition spd="med"/>
+  <p:timing>
+    <p:tnLst>
+      <p:par>
+        <p:cTn id="1" dur="indefinite" restart="never" nodeType="tmRoot"/>
+      </p:par>
+    </p:tnLst>
+  </p:timing>
 </p:sld>
 </file>
 
@@ -10523,6 +10590,13 @@
     <a:masterClrMapping/>
   </p:clrMapOvr>
   <p:transition spd="med"/>
+  <p:timing>
+    <p:tnLst>
+      <p:par>
+        <p:cTn id="1" dur="indefinite" restart="never" nodeType="tmRoot"/>
+      </p:par>
+    </p:tnLst>
+  </p:timing>
 </p:sld>
 </file>
 
@@ -11304,6 +11378,13 @@
     <a:masterClrMapping/>
   </p:clrMapOvr>
   <p:transition spd="med"/>
+  <p:timing>
+    <p:tnLst>
+      <p:par>
+        <p:cTn id="1" dur="indefinite" restart="never" nodeType="tmRoot"/>
+      </p:par>
+    </p:tnLst>
+  </p:timing>
 </p:sld>
 </file>
 
@@ -12625,6 +12706,13 @@
     <a:masterClrMapping/>
   </p:clrMapOvr>
   <p:transition spd="med"/>
+  <p:timing>
+    <p:tnLst>
+      <p:par>
+        <p:cTn id="1" dur="indefinite" restart="never" nodeType="tmRoot"/>
+      </p:par>
+    </p:tnLst>
+  </p:timing>
 </p:sld>
 </file>
 
@@ -14017,8 +14105,8 @@
         </p:nvSpPr>
         <p:spPr>
           <a:xfrm>
-            <a:off x="7664432" y="185401"/>
-            <a:ext cx="5419725" cy="1826141"/>
+            <a:off x="7060676" y="185401"/>
+            <a:ext cx="6023481" cy="1826141"/>
           </a:xfrm>
           <a:prstGeom prst="rect">
             <a:avLst/>
@@ -14369,6 +14457,13 @@
     <a:masterClrMapping/>
   </p:clrMapOvr>
   <p:transition spd="med"/>
+  <p:timing>
+    <p:tnLst>
+      <p:par>
+        <p:cTn id="1" dur="indefinite" restart="never" nodeType="tmRoot"/>
+      </p:par>
+    </p:tnLst>
+  </p:timing>
 </p:sld>
 </file>
 
@@ -14783,6 +14878,13 @@
     <a:masterClrMapping/>
   </p:clrMapOvr>
   <p:transition spd="med"/>
+  <p:timing>
+    <p:tnLst>
+      <p:par>
+        <p:cTn id="1" dur="indefinite" restart="never" nodeType="tmRoot"/>
+      </p:par>
+    </p:tnLst>
+  </p:timing>
 </p:sld>
 </file>
 
@@ -16417,6 +16519,13 @@
     <a:masterClrMapping/>
   </p:clrMapOvr>
   <p:transition spd="med"/>
+  <p:timing>
+    <p:tnLst>
+      <p:par>
+        <p:cTn id="1" dur="indefinite" restart="never" nodeType="tmRoot"/>
+      </p:par>
+    </p:tnLst>
+  </p:timing>
 </p:sld>
 </file>
 
@@ -18953,6 +19062,13 @@
     <a:masterClrMapping/>
   </p:clrMapOvr>
   <p:transition spd="med"/>
+  <p:timing>
+    <p:tnLst>
+      <p:par>
+        <p:cTn id="1" dur="indefinite" restart="never" nodeType="tmRoot"/>
+      </p:par>
+    </p:tnLst>
+  </p:timing>
 </p:sld>
 </file>
 
@@ -20376,6 +20492,13 @@
     <a:masterClrMapping/>
   </p:clrMapOvr>
   <p:transition spd="med"/>
+  <p:timing>
+    <p:tnLst>
+      <p:par>
+        <p:cTn id="1" dur="indefinite" restart="never" nodeType="tmRoot"/>
+      </p:par>
+    </p:tnLst>
+  </p:timing>
 </p:sld>
 </file>
 
@@ -20500,10 +20623,78 @@
     <a:masterClrMapping/>
   </p:clrMapOvr>
   <p:transition spd="med"/>
+  <p:timing>
+    <p:tnLst>
+      <p:par>
+        <p:cTn id="1" dur="indefinite" restart="never" nodeType="tmRoot"/>
+      </p:par>
+    </p:tnLst>
+  </p:timing>
 </p:sld>
 </file>
 
 <file path=ppt/slides/slide32.xml><?xml version="1.0" encoding="utf-8"?>
+<p:sld xmlns:a="http://schemas.openxmlformats.org/drawingml/2006/main" xmlns:r="http://schemas.openxmlformats.org/officeDocument/2006/relationships" xmlns:p="http://schemas.openxmlformats.org/presentationml/2006/main">
+  <p:cSld>
+    <p:spTree>
+      <p:nvGrpSpPr>
+        <p:cNvPr id="1" name=""/>
+        <p:cNvGrpSpPr/>
+        <p:nvPr/>
+      </p:nvGrpSpPr>
+      <p:grpSpPr>
+        <a:xfrm>
+          <a:off x="0" y="0"/>
+          <a:ext cx="0" cy="0"/>
+          <a:chOff x="0" y="0"/>
+          <a:chExt cx="0" cy="0"/>
+        </a:xfrm>
+      </p:grpSpPr>
+      <p:sp>
+        <p:nvSpPr>
+          <p:cNvPr id="4" name="Title 3"/>
+          <p:cNvSpPr>
+            <a:spLocks noGrp="1"/>
+          </p:cNvSpPr>
+          <p:nvPr>
+            <p:ph type="title"/>
+          </p:nvPr>
+        </p:nvSpPr>
+        <p:spPr/>
+        <p:txBody>
+          <a:bodyPr/>
+          <a:lstStyle/>
+          <a:p>
+            <a:r>
+              <a:rPr lang="en-US" dirty="0" smtClean="0"/>
+              <a:t>Java Generics</a:t>
+            </a:r>
+            <a:endParaRPr lang="en-US" dirty="0"/>
+          </a:p>
+        </p:txBody>
+      </p:sp>
+    </p:spTree>
+    <p:extLst>
+      <p:ext uri="{BB962C8B-B14F-4D97-AF65-F5344CB8AC3E}">
+        <p14:creationId xmlns:p14="http://schemas.microsoft.com/office/powerpoint/2010/main" val="1333761269"/>
+      </p:ext>
+    </p:extLst>
+  </p:cSld>
+  <p:clrMapOvr>
+    <a:masterClrMapping/>
+  </p:clrMapOvr>
+  <p:transition spd="med"/>
+  <p:timing>
+    <p:tnLst>
+      <p:par>
+        <p:cTn id="1" dur="indefinite" restart="never" nodeType="tmRoot"/>
+      </p:par>
+    </p:tnLst>
+  </p:timing>
+</p:sld>
+</file>
+
+<file path=ppt/slides/slide33.xml><?xml version="1.0" encoding="utf-8"?>
 <p:sld xmlns:a="http://schemas.openxmlformats.org/drawingml/2006/main" xmlns:r="http://schemas.openxmlformats.org/officeDocument/2006/relationships" xmlns:p="http://schemas.openxmlformats.org/presentationml/2006/main">
   <p:cSld>
     <p:spTree>
@@ -20537,6 +20728,1474 @@
           <a:p>
             <a:r>
               <a:rPr lang="en-US" dirty="0" smtClean="0"/>
+              <a:t>Data Types</a:t>
+            </a:r>
+            <a:endParaRPr lang="en-US" dirty="0"/>
+          </a:p>
+        </p:txBody>
+      </p:sp>
+      <p:sp>
+        <p:nvSpPr>
+          <p:cNvPr id="3" name="Text Placeholder 2"/>
+          <p:cNvSpPr>
+            <a:spLocks noGrp="1"/>
+          </p:cNvSpPr>
+          <p:nvPr>
+            <p:ph type="body" idx="1"/>
+          </p:nvPr>
+        </p:nvSpPr>
+        <p:spPr>
+          <a:xfrm>
+            <a:off x="461913" y="2603499"/>
+            <a:ext cx="12273699" cy="6832731"/>
+          </a:xfrm>
+        </p:spPr>
+        <p:txBody>
+          <a:bodyPr/>
+          <a:lstStyle/>
+          <a:p>
+            <a:r>
+              <a:rPr lang="en-US" dirty="0" smtClean="0"/>
+              <a:t>In Java (and statically typed languages) you need to declare the </a:t>
+            </a:r>
+            <a:r>
+              <a:rPr lang="en-US" i="1" dirty="0" smtClean="0"/>
+              <a:t>type</a:t>
+            </a:r>
+            <a:r>
+              <a:rPr lang="en-US" dirty="0" smtClean="0"/>
+              <a:t> of the variable</a:t>
+            </a:r>
+          </a:p>
+          <a:p>
+            <a:pPr lvl="1"/>
+            <a:r>
+              <a:rPr lang="en-US" dirty="0" err="1" smtClean="0"/>
+              <a:t>eg</a:t>
+            </a:r>
+            <a:r>
+              <a:rPr lang="en-US" dirty="0" smtClean="0"/>
+              <a:t>, “</a:t>
+            </a:r>
+            <a:r>
+              <a:rPr lang="en-US" i="1" dirty="0" err="1" smtClean="0"/>
+              <a:t>int</a:t>
+            </a:r>
+            <a:r>
+              <a:rPr lang="en-US" i="1" dirty="0" smtClean="0"/>
+              <a:t> x</a:t>
+            </a:r>
+            <a:r>
+              <a:rPr lang="en-US" dirty="0" smtClean="0"/>
+              <a:t>” or “</a:t>
+            </a:r>
+            <a:r>
+              <a:rPr lang="en-US" i="1" dirty="0" smtClean="0"/>
+              <a:t>String y</a:t>
+            </a:r>
+            <a:r>
+              <a:rPr lang="en-US" dirty="0" smtClean="0"/>
+              <a:t>”</a:t>
+            </a:r>
+          </a:p>
+          <a:p>
+            <a:r>
+              <a:rPr lang="en-US" dirty="0" smtClean="0"/>
+              <a:t>In collections (arrays, lists, queues, stacks, etc.) you store data, but of which type?</a:t>
+            </a:r>
+            <a:endParaRPr lang="en-US" dirty="0"/>
+          </a:p>
+        </p:txBody>
+      </p:sp>
+    </p:spTree>
+    <p:extLst>
+      <p:ext uri="{BB962C8B-B14F-4D97-AF65-F5344CB8AC3E}">
+        <p14:creationId xmlns:p14="http://schemas.microsoft.com/office/powerpoint/2010/main" val="811167933"/>
+      </p:ext>
+    </p:extLst>
+  </p:cSld>
+  <p:clrMapOvr>
+    <a:masterClrMapping/>
+  </p:clrMapOvr>
+  <p:transition spd="med"/>
+  <p:timing>
+    <p:tnLst>
+      <p:par>
+        <p:cTn id="1" dur="indefinite" restart="never" nodeType="tmRoot"/>
+      </p:par>
+    </p:tnLst>
+  </p:timing>
+</p:sld>
+</file>
+
+<file path=ppt/slides/slide34.xml><?xml version="1.0" encoding="utf-8"?>
+<p:sld xmlns:a="http://schemas.openxmlformats.org/drawingml/2006/main" xmlns:r="http://schemas.openxmlformats.org/officeDocument/2006/relationships" xmlns:p="http://schemas.openxmlformats.org/presentationml/2006/main">
+  <p:cSld>
+    <p:spTree>
+      <p:nvGrpSpPr>
+        <p:cNvPr id="1" name=""/>
+        <p:cNvGrpSpPr/>
+        <p:nvPr/>
+      </p:nvGrpSpPr>
+      <p:grpSpPr>
+        <a:xfrm>
+          <a:off x="0" y="0"/>
+          <a:ext cx="0" cy="0"/>
+          <a:chOff x="0" y="0"/>
+          <a:chExt cx="0" cy="0"/>
+        </a:xfrm>
+      </p:grpSpPr>
+      <p:sp>
+        <p:nvSpPr>
+          <p:cNvPr id="2" name="Title 1"/>
+          <p:cNvSpPr>
+            <a:spLocks noGrp="1"/>
+          </p:cNvSpPr>
+          <p:nvPr>
+            <p:ph type="title"/>
+          </p:nvPr>
+        </p:nvSpPr>
+        <p:spPr/>
+        <p:txBody>
+          <a:bodyPr/>
+          <a:lstStyle/>
+          <a:p>
+            <a:r>
+              <a:rPr lang="en-US" dirty="0" smtClean="0"/>
+              <a:t>Example</a:t>
+            </a:r>
+            <a:endParaRPr lang="en-US" dirty="0"/>
+          </a:p>
+        </p:txBody>
+      </p:sp>
+      <p:sp>
+        <p:nvSpPr>
+          <p:cNvPr id="3" name="Text Placeholder 2"/>
+          <p:cNvSpPr>
+            <a:spLocks noGrp="1"/>
+          </p:cNvSpPr>
+          <p:nvPr>
+            <p:ph type="body" idx="1"/>
+          </p:nvPr>
+        </p:nvSpPr>
+        <p:spPr>
+          <a:xfrm>
+            <a:off x="461913" y="2603499"/>
+            <a:ext cx="12141724" cy="6785597"/>
+          </a:xfrm>
+        </p:spPr>
+        <p:txBody>
+          <a:bodyPr>
+            <a:normAutofit lnSpcReduction="10000"/>
+          </a:bodyPr>
+          <a:lstStyle/>
+          <a:p>
+            <a:r>
+              <a:rPr lang="en-US" i="1" dirty="0" err="1" smtClean="0"/>
+              <a:t>StringContainer</a:t>
+            </a:r>
+            <a:r>
+              <a:rPr lang="en-US" dirty="0" smtClean="0"/>
+              <a:t>: to store strings</a:t>
+            </a:r>
+          </a:p>
+          <a:p>
+            <a:r>
+              <a:rPr lang="en-US" i="1" dirty="0" err="1" smtClean="0"/>
+              <a:t>IntegerContainer</a:t>
+            </a:r>
+            <a:r>
+              <a:rPr lang="en-US" dirty="0" smtClean="0"/>
+              <a:t>: to store integers</a:t>
+            </a:r>
+          </a:p>
+          <a:p>
+            <a:r>
+              <a:rPr lang="en-US" i="1" dirty="0" err="1" smtClean="0"/>
+              <a:t>WebSocketContainer</a:t>
+            </a:r>
+            <a:r>
+              <a:rPr lang="en-US" dirty="0" smtClean="0"/>
+              <a:t>: to store web socket objects</a:t>
+            </a:r>
+          </a:p>
+          <a:p>
+            <a:r>
+              <a:rPr lang="en-US" i="1" dirty="0" err="1" smtClean="0"/>
+              <a:t>SongContainer</a:t>
+            </a:r>
+            <a:r>
+              <a:rPr lang="en-US" dirty="0" smtClean="0"/>
+              <a:t>: to store song objects</a:t>
+            </a:r>
+          </a:p>
+          <a:p>
+            <a:r>
+              <a:rPr lang="en-US" i="1" dirty="0" err="1" smtClean="0"/>
+              <a:t>ShopCartContainer</a:t>
+            </a:r>
+            <a:r>
+              <a:rPr lang="en-US" dirty="0" smtClean="0"/>
+              <a:t>: to store items in a shop cart</a:t>
+            </a:r>
+          </a:p>
+          <a:p>
+            <a:r>
+              <a:rPr lang="en-US" dirty="0"/>
+              <a:t>e</a:t>
+            </a:r>
+            <a:r>
+              <a:rPr lang="en-US" dirty="0" smtClean="0"/>
+              <a:t>tc.</a:t>
+            </a:r>
+          </a:p>
+          <a:p>
+            <a:r>
+              <a:rPr lang="en-US" i="1" dirty="0" smtClean="0"/>
+              <a:t>Do you see the problem here?</a:t>
+            </a:r>
+          </a:p>
+        </p:txBody>
+      </p:sp>
+    </p:spTree>
+    <p:extLst>
+      <p:ext uri="{BB962C8B-B14F-4D97-AF65-F5344CB8AC3E}">
+        <p14:creationId xmlns:p14="http://schemas.microsoft.com/office/powerpoint/2010/main" val="593843825"/>
+      </p:ext>
+    </p:extLst>
+  </p:cSld>
+  <p:clrMapOvr>
+    <a:masterClrMapping/>
+  </p:clrMapOvr>
+  <p:transition spd="med"/>
+  <p:timing>
+    <p:tnLst>
+      <p:par>
+        <p:cTn id="1" dur="indefinite" restart="never" nodeType="tmRoot"/>
+      </p:par>
+    </p:tnLst>
+  </p:timing>
+</p:sld>
+</file>
+
+<file path=ppt/slides/slide35.xml><?xml version="1.0" encoding="utf-8"?>
+<p:sld xmlns:a="http://schemas.openxmlformats.org/drawingml/2006/main" xmlns:r="http://schemas.openxmlformats.org/officeDocument/2006/relationships" xmlns:p="http://schemas.openxmlformats.org/presentationml/2006/main">
+  <p:cSld>
+    <p:spTree>
+      <p:nvGrpSpPr>
+        <p:cNvPr id="1" name=""/>
+        <p:cNvGrpSpPr/>
+        <p:nvPr/>
+      </p:nvGrpSpPr>
+      <p:grpSpPr>
+        <a:xfrm>
+          <a:off x="0" y="0"/>
+          <a:ext cx="0" cy="0"/>
+          <a:chOff x="0" y="0"/>
+          <a:chExt cx="0" cy="0"/>
+        </a:xfrm>
+      </p:grpSpPr>
+      <p:sp>
+        <p:nvSpPr>
+          <p:cNvPr id="2" name="Title 1"/>
+          <p:cNvSpPr>
+            <a:spLocks noGrp="1"/>
+          </p:cNvSpPr>
+          <p:nvPr>
+            <p:ph type="title"/>
+          </p:nvPr>
+        </p:nvSpPr>
+        <p:spPr/>
+        <p:txBody>
+          <a:bodyPr/>
+          <a:lstStyle/>
+          <a:p>
+            <a:r>
+              <a:rPr lang="en-US" dirty="0" smtClean="0"/>
+              <a:t>Polymorphism?</a:t>
+            </a:r>
+            <a:endParaRPr lang="en-US" dirty="0"/>
+          </a:p>
+        </p:txBody>
+      </p:sp>
+      <p:sp>
+        <p:nvSpPr>
+          <p:cNvPr id="3" name="Text Placeholder 2"/>
+          <p:cNvSpPr>
+            <a:spLocks noGrp="1"/>
+          </p:cNvSpPr>
+          <p:nvPr>
+            <p:ph type="body" idx="1"/>
+          </p:nvPr>
+        </p:nvSpPr>
+        <p:spPr>
+          <a:xfrm>
+            <a:off x="433633" y="2603499"/>
+            <a:ext cx="12330260" cy="6898719"/>
+          </a:xfrm>
+        </p:spPr>
+        <p:txBody>
+          <a:bodyPr/>
+          <a:lstStyle/>
+          <a:p>
+            <a:r>
+              <a:rPr lang="en-US" dirty="0" smtClean="0"/>
+              <a:t>Issue: would need a different implementation for each container for each possible type class ever</a:t>
+            </a:r>
+          </a:p>
+          <a:p>
+            <a:r>
+              <a:rPr lang="en-US" dirty="0" smtClean="0"/>
+              <a:t>What about using a </a:t>
+            </a:r>
+            <a:r>
+              <a:rPr lang="en-US" i="1" dirty="0" err="1" smtClean="0"/>
+              <a:t>ObjectContainer</a:t>
+            </a:r>
+            <a:r>
+              <a:rPr lang="en-US" dirty="0"/>
+              <a:t> </a:t>
+            </a:r>
+            <a:r>
+              <a:rPr lang="en-US" dirty="0" smtClean="0"/>
+              <a:t>to store </a:t>
+            </a:r>
+            <a:r>
+              <a:rPr lang="en-US" i="1" dirty="0" err="1" smtClean="0"/>
+              <a:t>java.lang.Object</a:t>
+            </a:r>
+            <a:r>
+              <a:rPr lang="en-US" dirty="0" smtClean="0"/>
+              <a:t> instances?</a:t>
+            </a:r>
+          </a:p>
+          <a:p>
+            <a:r>
+              <a:rPr lang="en-US" dirty="0" smtClean="0"/>
+              <a:t>In Java, all objects have </a:t>
+            </a:r>
+            <a:r>
+              <a:rPr lang="en-US" i="1" dirty="0" smtClean="0"/>
+              <a:t>Object</a:t>
+            </a:r>
+            <a:r>
+              <a:rPr lang="en-US" dirty="0" smtClean="0"/>
+              <a:t> class as ancestor, so could add any type due to polymorphism</a:t>
+            </a:r>
+          </a:p>
+          <a:p>
+            <a:pPr lvl="1"/>
+            <a:r>
+              <a:rPr lang="en-US" dirty="0"/>
+              <a:t>e</a:t>
+            </a:r>
+            <a:r>
+              <a:rPr lang="en-US" dirty="0" smtClean="0"/>
+              <a:t>.g., can add </a:t>
+            </a:r>
+            <a:r>
+              <a:rPr lang="en-US" i="1" dirty="0" smtClean="0"/>
+              <a:t>String</a:t>
+            </a:r>
+            <a:r>
+              <a:rPr lang="en-US" dirty="0" smtClean="0"/>
+              <a:t> and </a:t>
+            </a:r>
+            <a:r>
+              <a:rPr lang="en-US" i="1" dirty="0" smtClean="0"/>
+              <a:t>Song</a:t>
+            </a:r>
+            <a:r>
+              <a:rPr lang="en-US" dirty="0" smtClean="0"/>
+              <a:t> in same </a:t>
+            </a:r>
+            <a:r>
+              <a:rPr lang="en-US" i="1" dirty="0" err="1" smtClean="0"/>
+              <a:t>ObjectContainer</a:t>
+            </a:r>
+            <a:endParaRPr lang="en-US" i="1" dirty="0" smtClean="0"/>
+          </a:p>
+          <a:p>
+            <a:r>
+              <a:rPr lang="en-US" dirty="0" smtClean="0"/>
+              <a:t>Problem: yes, we can insert anything, but what would we read back is </a:t>
+            </a:r>
+            <a:r>
+              <a:rPr lang="en-US" i="1" dirty="0" smtClean="0"/>
+              <a:t>Object</a:t>
+            </a:r>
+            <a:r>
+              <a:rPr lang="en-US" dirty="0" smtClean="0"/>
+              <a:t>, and not </a:t>
+            </a:r>
+            <a:r>
+              <a:rPr lang="en-US" i="1" dirty="0" smtClean="0"/>
+              <a:t>String</a:t>
+            </a:r>
+            <a:r>
+              <a:rPr lang="en-US" dirty="0" smtClean="0"/>
+              <a:t> or </a:t>
+            </a:r>
+            <a:r>
+              <a:rPr lang="en-US" i="1" dirty="0" smtClean="0"/>
+              <a:t>Song</a:t>
+            </a:r>
+            <a:endParaRPr lang="en-US" i="1" dirty="0"/>
+          </a:p>
+        </p:txBody>
+      </p:sp>
+    </p:spTree>
+    <p:extLst>
+      <p:ext uri="{BB962C8B-B14F-4D97-AF65-F5344CB8AC3E}">
+        <p14:creationId xmlns:p14="http://schemas.microsoft.com/office/powerpoint/2010/main" val="1153917826"/>
+      </p:ext>
+    </p:extLst>
+  </p:cSld>
+  <p:clrMapOvr>
+    <a:masterClrMapping/>
+  </p:clrMapOvr>
+  <p:transition spd="med"/>
+  <p:timing>
+    <p:tnLst>
+      <p:par>
+        <p:cTn id="1" dur="indefinite" restart="never" nodeType="tmRoot"/>
+      </p:par>
+    </p:tnLst>
+  </p:timing>
+</p:sld>
+</file>
+
+<file path=ppt/slides/slide36.xml><?xml version="1.0" encoding="utf-8"?>
+<p:sld xmlns:a="http://schemas.openxmlformats.org/drawingml/2006/main" xmlns:r="http://schemas.openxmlformats.org/officeDocument/2006/relationships" xmlns:p="http://schemas.openxmlformats.org/presentationml/2006/main">
+  <p:cSld>
+    <p:spTree>
+      <p:nvGrpSpPr>
+        <p:cNvPr id="1" name=""/>
+        <p:cNvGrpSpPr/>
+        <p:nvPr/>
+      </p:nvGrpSpPr>
+      <p:grpSpPr>
+        <a:xfrm>
+          <a:off x="0" y="0"/>
+          <a:ext cx="0" cy="0"/>
+          <a:chOff x="0" y="0"/>
+          <a:chExt cx="0" cy="0"/>
+        </a:xfrm>
+      </p:grpSpPr>
+      <p:graphicFrame>
+        <p:nvGraphicFramePr>
+          <p:cNvPr id="4" name="Table 3"/>
+          <p:cNvGraphicFramePr>
+            <a:graphicFrameLocks noGrp="1"/>
+          </p:cNvGraphicFramePr>
+          <p:nvPr>
+            <p:extLst>
+              <p:ext uri="{D42A27DB-BD31-4B8C-83A1-F6EECF244321}">
+                <p14:modId xmlns:p14="http://schemas.microsoft.com/office/powerpoint/2010/main" val="2890469853"/>
+              </p:ext>
+            </p:extLst>
+          </p:nvPr>
+        </p:nvGraphicFramePr>
+        <p:xfrm>
+          <a:off x="7824246" y="3073138"/>
+          <a:ext cx="4440026" cy="2988296"/>
+        </p:xfrm>
+        <a:graphic>
+          <a:graphicData uri="http://schemas.openxmlformats.org/drawingml/2006/table">
+            <a:tbl>
+              <a:tblPr firstRow="1" bandRow="1">
+                <a:tableStyleId>{5940675A-B579-460E-94D1-54222C63F5DA}</a:tableStyleId>
+              </a:tblPr>
+              <a:tblGrid>
+                <a:gridCol w="2220013">
+                  <a:extLst>
+                    <a:ext uri="{9D8B030D-6E8A-4147-A177-3AD203B41FA5}">
+                      <a16:colId xmlns:a16="http://schemas.microsoft.com/office/drawing/2014/main" val="749675568"/>
+                    </a:ext>
+                  </a:extLst>
+                </a:gridCol>
+                <a:gridCol w="2220013">
+                  <a:extLst>
+                    <a:ext uri="{9D8B030D-6E8A-4147-A177-3AD203B41FA5}">
+                      <a16:colId xmlns:a16="http://schemas.microsoft.com/office/drawing/2014/main" val="2734500869"/>
+                    </a:ext>
+                  </a:extLst>
+                </a:gridCol>
+              </a:tblGrid>
+              <a:tr h="1494148">
+                <a:tc>
+                  <a:txBody>
+                    <a:bodyPr/>
+                    <a:lstStyle/>
+                    <a:p>
+                      <a:endParaRPr lang="en-US" sz="3600" dirty="0" smtClean="0"/>
+                    </a:p>
+                    <a:p>
+                      <a:r>
+                        <a:rPr lang="en-US" sz="3600" dirty="0" smtClean="0"/>
+                        <a:t>[0]</a:t>
+                      </a:r>
+                      <a:endParaRPr lang="en-US" sz="3600" dirty="0"/>
+                    </a:p>
+                  </a:txBody>
+                  <a:tcPr>
+                    <a:solidFill>
+                      <a:schemeClr val="accent2">
+                        <a:lumMod val="40000"/>
+                        <a:lumOff val="60000"/>
+                      </a:schemeClr>
+                    </a:solidFill>
+                  </a:tcPr>
+                </a:tc>
+                <a:tc>
+                  <a:txBody>
+                    <a:bodyPr/>
+                    <a:lstStyle/>
+                    <a:p>
+                      <a:endParaRPr lang="en-US" sz="3600" dirty="0" smtClean="0"/>
+                    </a:p>
+                    <a:p>
+                      <a:r>
+                        <a:rPr lang="en-US" sz="3600" dirty="0" smtClean="0"/>
+                        <a:t>“foo”</a:t>
+                      </a:r>
+                      <a:endParaRPr lang="en-US" sz="3600" dirty="0"/>
+                    </a:p>
+                  </a:txBody>
+                  <a:tcPr>
+                    <a:solidFill>
+                      <a:schemeClr val="accent2">
+                        <a:lumMod val="40000"/>
+                        <a:lumOff val="60000"/>
+                      </a:schemeClr>
+                    </a:solidFill>
+                  </a:tcPr>
+                </a:tc>
+                <a:extLst>
+                  <a:ext uri="{0D108BD9-81ED-4DB2-BD59-A6C34878D82A}">
+                    <a16:rowId xmlns:a16="http://schemas.microsoft.com/office/drawing/2014/main" val="3687126481"/>
+                  </a:ext>
+                </a:extLst>
+              </a:tr>
+              <a:tr h="1494148">
+                <a:tc>
+                  <a:txBody>
+                    <a:bodyPr/>
+                    <a:lstStyle/>
+                    <a:p>
+                      <a:endParaRPr lang="en-US" sz="3600" dirty="0" smtClean="0"/>
+                    </a:p>
+                    <a:p>
+                      <a:r>
+                        <a:rPr lang="en-US" sz="3600" dirty="0" smtClean="0"/>
+                        <a:t>[1]</a:t>
+                      </a:r>
+                      <a:endParaRPr lang="en-US" sz="3600" dirty="0"/>
+                    </a:p>
+                  </a:txBody>
+                  <a:tcPr>
+                    <a:solidFill>
+                      <a:schemeClr val="accent2">
+                        <a:lumMod val="40000"/>
+                        <a:lumOff val="60000"/>
+                      </a:schemeClr>
+                    </a:solidFill>
+                  </a:tcPr>
+                </a:tc>
+                <a:tc>
+                  <a:txBody>
+                    <a:bodyPr/>
+                    <a:lstStyle/>
+                    <a:p>
+                      <a:endParaRPr lang="en-US" sz="3600" dirty="0" smtClean="0"/>
+                    </a:p>
+                    <a:p>
+                      <a:r>
+                        <a:rPr lang="en-US" sz="3600" dirty="0" smtClean="0"/>
+                        <a:t>5</a:t>
+                      </a:r>
+                      <a:endParaRPr lang="en-US" sz="3600" dirty="0"/>
+                    </a:p>
+                  </a:txBody>
+                  <a:tcPr>
+                    <a:solidFill>
+                      <a:schemeClr val="accent2">
+                        <a:lumMod val="40000"/>
+                        <a:lumOff val="60000"/>
+                      </a:schemeClr>
+                    </a:solidFill>
+                  </a:tcPr>
+                </a:tc>
+                <a:extLst>
+                  <a:ext uri="{0D108BD9-81ED-4DB2-BD59-A6C34878D82A}">
+                    <a16:rowId xmlns:a16="http://schemas.microsoft.com/office/drawing/2014/main" val="3997074350"/>
+                  </a:ext>
+                </a:extLst>
+              </a:tr>
+            </a:tbl>
+          </a:graphicData>
+        </a:graphic>
+      </p:graphicFrame>
+      <p:sp>
+        <p:nvSpPr>
+          <p:cNvPr id="5" name="TextBox 4"/>
+          <p:cNvSpPr txBox="1"/>
+          <p:nvPr/>
+        </p:nvSpPr>
+        <p:spPr>
+          <a:xfrm>
+            <a:off x="8197600" y="1662068"/>
+            <a:ext cx="3693319" cy="1210588"/>
+          </a:xfrm>
+          <a:prstGeom prst="rect">
+            <a:avLst/>
+          </a:prstGeom>
+          <a:noFill/>
+          <a:ln w="12700" cap="flat">
+            <a:noFill/>
+            <a:miter lim="400000"/>
+          </a:ln>
+          <a:effectLst/>
+          <a:sp3d/>
+        </p:spPr>
+        <p:style>
+          <a:lnRef idx="0">
+            <a:scrgbClr r="0" g="0" b="0"/>
+          </a:lnRef>
+          <a:fillRef idx="0">
+            <a:scrgbClr r="0" g="0" b="0"/>
+          </a:fillRef>
+          <a:effectRef idx="0">
+            <a:scrgbClr r="0" g="0" b="0"/>
+          </a:effectRef>
+          <a:fontRef idx="none"/>
+        </p:style>
+        <p:txBody>
+          <a:bodyPr rot="0" spcFirstLastPara="1" vertOverflow="overflow" horzOverflow="overflow" vert="horz" wrap="none" lIns="50800" tIns="50800" rIns="50800" bIns="50800" numCol="1" spcCol="38100" rtlCol="0" anchor="ctr">
+            <a:spAutoFit/>
+          </a:bodyPr>
+          <a:lstStyle/>
+          <a:p>
+            <a:pPr marL="0" marR="0" indent="0" algn="ctr" defTabSz="584200" rtl="0" fontAlgn="auto" latinLnBrk="0" hangingPunct="0">
+              <a:lnSpc>
+                <a:spcPct val="100000"/>
+              </a:lnSpc>
+              <a:spcBef>
+                <a:spcPts val="0"/>
+              </a:spcBef>
+              <a:spcAft>
+                <a:spcPts val="0"/>
+              </a:spcAft>
+              <a:buClrTx/>
+              <a:buSzTx/>
+              <a:buFontTx/>
+              <a:buNone/>
+              <a:tabLst/>
+            </a:pPr>
+            <a:r>
+              <a:rPr kumimoji="0" lang="en-US" sz="3600" b="1" i="0" u="none" strike="noStrike" cap="none" spc="0" normalizeH="0" baseline="0" dirty="0" err="1" smtClean="0">
+                <a:ln>
+                  <a:noFill/>
+                </a:ln>
+                <a:solidFill>
+                  <a:srgbClr val="000000"/>
+                </a:solidFill>
+                <a:effectLst/>
+                <a:uFillTx/>
+                <a:latin typeface="+mn-lt"/>
+                <a:ea typeface="+mn-ea"/>
+                <a:cs typeface="+mn-cs"/>
+                <a:sym typeface="Helvetica Light"/>
+              </a:rPr>
+              <a:t>ObjectContainer</a:t>
+            </a:r>
+            <a:endParaRPr kumimoji="0" lang="en-US" sz="3600" b="1" i="0" u="none" strike="noStrike" cap="none" spc="0" normalizeH="0" baseline="0" dirty="0" smtClean="0">
+              <a:ln>
+                <a:noFill/>
+              </a:ln>
+              <a:solidFill>
+                <a:srgbClr val="000000"/>
+              </a:solidFill>
+              <a:effectLst/>
+              <a:uFillTx/>
+              <a:latin typeface="+mn-lt"/>
+              <a:ea typeface="+mn-ea"/>
+              <a:cs typeface="+mn-cs"/>
+              <a:sym typeface="Helvetica Light"/>
+            </a:endParaRPr>
+          </a:p>
+          <a:p>
+            <a:pPr marL="0" marR="0" indent="0" algn="ctr" defTabSz="584200" rtl="0" fontAlgn="auto" latinLnBrk="0" hangingPunct="0">
+              <a:lnSpc>
+                <a:spcPct val="100000"/>
+              </a:lnSpc>
+              <a:spcBef>
+                <a:spcPts val="0"/>
+              </a:spcBef>
+              <a:spcAft>
+                <a:spcPts val="0"/>
+              </a:spcAft>
+              <a:buClrTx/>
+              <a:buSzTx/>
+              <a:buFontTx/>
+              <a:buNone/>
+              <a:tabLst/>
+            </a:pPr>
+            <a:r>
+              <a:rPr lang="en-US" i="1" dirty="0"/>
+              <a:t>a</a:t>
+            </a:r>
+            <a:r>
+              <a:rPr lang="en-US" i="1" dirty="0" smtClean="0"/>
+              <a:t>dd(Object x)</a:t>
+            </a:r>
+            <a:endParaRPr kumimoji="0" lang="en-US" sz="3600" b="0" i="1" u="none" strike="noStrike" cap="none" spc="0" normalizeH="0" baseline="0" dirty="0">
+              <a:ln>
+                <a:noFill/>
+              </a:ln>
+              <a:solidFill>
+                <a:srgbClr val="000000"/>
+              </a:solidFill>
+              <a:effectLst/>
+              <a:uFillTx/>
+              <a:sym typeface="Helvetica Light"/>
+            </a:endParaRPr>
+          </a:p>
+        </p:txBody>
+      </p:sp>
+      <p:sp>
+        <p:nvSpPr>
+          <p:cNvPr id="6" name="TextBox 5"/>
+          <p:cNvSpPr txBox="1"/>
+          <p:nvPr/>
+        </p:nvSpPr>
+        <p:spPr>
+          <a:xfrm>
+            <a:off x="888206" y="1108070"/>
+            <a:ext cx="5796460" cy="1764586"/>
+          </a:xfrm>
+          <a:prstGeom prst="rect">
+            <a:avLst/>
+          </a:prstGeom>
+          <a:noFill/>
+          <a:ln w="12700" cap="flat">
+            <a:noFill/>
+            <a:miter lim="400000"/>
+          </a:ln>
+          <a:effectLst/>
+          <a:sp3d/>
+        </p:spPr>
+        <p:style>
+          <a:lnRef idx="0">
+            <a:scrgbClr r="0" g="0" b="0"/>
+          </a:lnRef>
+          <a:fillRef idx="0">
+            <a:scrgbClr r="0" g="0" b="0"/>
+          </a:fillRef>
+          <a:effectRef idx="0">
+            <a:scrgbClr r="0" g="0" b="0"/>
+          </a:effectRef>
+          <a:fontRef idx="none"/>
+        </p:style>
+        <p:txBody>
+          <a:bodyPr rot="0" spcFirstLastPara="1" vertOverflow="overflow" horzOverflow="overflow" vert="horz" wrap="none" lIns="50800" tIns="50800" rIns="50800" bIns="50800" numCol="1" spcCol="38100" rtlCol="0" anchor="ctr">
+            <a:spAutoFit/>
+          </a:bodyPr>
+          <a:lstStyle/>
+          <a:p>
+            <a:pPr marL="0" marR="0" indent="0" algn="l" defTabSz="584200" rtl="0" fontAlgn="auto" latinLnBrk="0" hangingPunct="0">
+              <a:lnSpc>
+                <a:spcPct val="100000"/>
+              </a:lnSpc>
+              <a:spcBef>
+                <a:spcPts val="0"/>
+              </a:spcBef>
+              <a:spcAft>
+                <a:spcPts val="0"/>
+              </a:spcAft>
+              <a:buClrTx/>
+              <a:buSzTx/>
+              <a:buFontTx/>
+              <a:buNone/>
+              <a:tabLst/>
+            </a:pPr>
+            <a:r>
+              <a:rPr kumimoji="0" lang="en-US" sz="3600" b="0" i="0" u="none" strike="noStrike" cap="none" spc="0" normalizeH="0" baseline="0" dirty="0" smtClean="0">
+                <a:ln>
+                  <a:noFill/>
+                </a:ln>
+                <a:solidFill>
+                  <a:srgbClr val="000000"/>
+                </a:solidFill>
+                <a:effectLst/>
+                <a:uFillTx/>
+                <a:latin typeface="+mn-lt"/>
+                <a:ea typeface="+mn-ea"/>
+                <a:cs typeface="+mn-cs"/>
+                <a:sym typeface="Helvetica Light"/>
+              </a:rPr>
+              <a:t>//Add: String “foo”, Integer 5</a:t>
+            </a:r>
+          </a:p>
+          <a:p>
+            <a:pPr marL="0" marR="0" indent="0" algn="l" defTabSz="584200" rtl="0" fontAlgn="auto" latinLnBrk="0" hangingPunct="0">
+              <a:lnSpc>
+                <a:spcPct val="100000"/>
+              </a:lnSpc>
+              <a:spcBef>
+                <a:spcPts val="0"/>
+              </a:spcBef>
+              <a:spcAft>
+                <a:spcPts val="0"/>
+              </a:spcAft>
+              <a:buClrTx/>
+              <a:buSzTx/>
+              <a:buFontTx/>
+              <a:buNone/>
+              <a:tabLst/>
+            </a:pPr>
+            <a:r>
+              <a:rPr lang="en-US" i="1" dirty="0" err="1" smtClean="0"/>
+              <a:t>container.add</a:t>
+            </a:r>
+            <a:r>
+              <a:rPr lang="en-US" i="1" dirty="0" smtClean="0"/>
+              <a:t>(“foo”);</a:t>
+            </a:r>
+          </a:p>
+          <a:p>
+            <a:pPr marL="0" marR="0" indent="0" algn="l" defTabSz="584200" rtl="0" fontAlgn="auto" latinLnBrk="0" hangingPunct="0">
+              <a:lnSpc>
+                <a:spcPct val="100000"/>
+              </a:lnSpc>
+              <a:spcBef>
+                <a:spcPts val="0"/>
+              </a:spcBef>
+              <a:spcAft>
+                <a:spcPts val="0"/>
+              </a:spcAft>
+              <a:buClrTx/>
+              <a:buSzTx/>
+              <a:buFontTx/>
+              <a:buNone/>
+              <a:tabLst/>
+            </a:pPr>
+            <a:r>
+              <a:rPr kumimoji="0" lang="en-US" sz="3600" b="0" i="1" u="none" strike="noStrike" cap="none" spc="0" normalizeH="0" baseline="0" dirty="0" err="1" smtClean="0">
+                <a:ln>
+                  <a:noFill/>
+                </a:ln>
+                <a:solidFill>
+                  <a:srgbClr val="000000"/>
+                </a:solidFill>
+                <a:effectLst/>
+                <a:uFillTx/>
+                <a:sym typeface="Helvetica Light"/>
+              </a:rPr>
+              <a:t>container.add</a:t>
+            </a:r>
+            <a:r>
+              <a:rPr kumimoji="0" lang="en-US" sz="3600" b="0" i="1" u="none" strike="noStrike" cap="none" spc="0" normalizeH="0" baseline="0" dirty="0" smtClean="0">
+                <a:ln>
+                  <a:noFill/>
+                </a:ln>
+                <a:solidFill>
+                  <a:srgbClr val="000000"/>
+                </a:solidFill>
+                <a:effectLst/>
+                <a:uFillTx/>
+                <a:sym typeface="Helvetica Light"/>
+              </a:rPr>
+              <a:t>(5);</a:t>
+            </a:r>
+            <a:endParaRPr kumimoji="0" lang="en-US" sz="3600" b="0" i="1" u="none" strike="noStrike" cap="none" spc="0" normalizeH="0" baseline="0" dirty="0">
+              <a:ln>
+                <a:noFill/>
+              </a:ln>
+              <a:solidFill>
+                <a:srgbClr val="000000"/>
+              </a:solidFill>
+              <a:effectLst/>
+              <a:uFillTx/>
+              <a:sym typeface="Helvetica Light"/>
+            </a:endParaRPr>
+          </a:p>
+        </p:txBody>
+      </p:sp>
+      <p:sp>
+        <p:nvSpPr>
+          <p:cNvPr id="7" name="Right Arrow 6"/>
+          <p:cNvSpPr/>
+          <p:nvPr/>
+        </p:nvSpPr>
+        <p:spPr>
+          <a:xfrm>
+            <a:off x="999241" y="3073138"/>
+            <a:ext cx="6136849" cy="791851"/>
+          </a:xfrm>
+          <a:prstGeom prst="rightArrow">
+            <a:avLst>
+              <a:gd name="adj1" fmla="val 50000"/>
+              <a:gd name="adj2" fmla="val 160873"/>
+            </a:avLst>
+          </a:prstGeom>
+          <a:solidFill>
+            <a:schemeClr val="tx1"/>
+          </a:solidFill>
+          <a:ln w="12700" cap="flat">
+            <a:noFill/>
+            <a:miter lim="400000"/>
+          </a:ln>
+          <a:effectLst>
+            <a:outerShdw blurRad="38100" dist="25400" dir="5400000" rotWithShape="0">
+              <a:srgbClr val="000000">
+                <a:alpha val="50000"/>
+              </a:srgbClr>
+            </a:outerShdw>
+          </a:effectLst>
+          <a:sp3d/>
+        </p:spPr>
+        <p:style>
+          <a:lnRef idx="0">
+            <a:scrgbClr r="0" g="0" b="0"/>
+          </a:lnRef>
+          <a:fillRef idx="0">
+            <a:scrgbClr r="0" g="0" b="0"/>
+          </a:fillRef>
+          <a:effectRef idx="0">
+            <a:scrgbClr r="0" g="0" b="0"/>
+          </a:effectRef>
+          <a:fontRef idx="none"/>
+        </p:style>
+        <p:txBody>
+          <a:bodyPr rot="0" spcFirstLastPara="1" vertOverflow="overflow" horzOverflow="overflow" vert="horz" wrap="square" lIns="50800" tIns="50800" rIns="50800" bIns="50800" numCol="1" spcCol="38100" rtlCol="0" anchor="ctr">
+            <a:spAutoFit/>
+          </a:bodyPr>
+          <a:lstStyle/>
+          <a:p>
+            <a:pPr marL="0" marR="0" indent="0" algn="ctr" defTabSz="584200" rtl="0" fontAlgn="auto" latinLnBrk="0" hangingPunct="0">
+              <a:lnSpc>
+                <a:spcPct val="100000"/>
+              </a:lnSpc>
+              <a:spcBef>
+                <a:spcPts val="0"/>
+              </a:spcBef>
+              <a:spcAft>
+                <a:spcPts val="0"/>
+              </a:spcAft>
+              <a:buClrTx/>
+              <a:buSzTx/>
+              <a:buFontTx/>
+              <a:buNone/>
+              <a:tabLst/>
+            </a:pPr>
+            <a:endParaRPr kumimoji="0" lang="en-US" sz="2400" b="0" i="0" u="none" strike="noStrike" cap="none" spc="0" normalizeH="0" baseline="0">
+              <a:ln>
+                <a:noFill/>
+              </a:ln>
+              <a:solidFill>
+                <a:srgbClr val="FFFFFF"/>
+              </a:solidFill>
+              <a:effectLst/>
+              <a:uFillTx/>
+              <a:latin typeface="+mn-lt"/>
+              <a:ea typeface="+mn-ea"/>
+              <a:cs typeface="+mn-cs"/>
+              <a:sym typeface="Helvetica Light"/>
+            </a:endParaRPr>
+          </a:p>
+        </p:txBody>
+      </p:sp>
+      <p:sp>
+        <p:nvSpPr>
+          <p:cNvPr id="8" name="Right Arrow 7"/>
+          <p:cNvSpPr/>
+          <p:nvPr/>
+        </p:nvSpPr>
+        <p:spPr>
+          <a:xfrm rot="10800000">
+            <a:off x="999240" y="5355997"/>
+            <a:ext cx="6136849" cy="791851"/>
+          </a:xfrm>
+          <a:prstGeom prst="rightArrow">
+            <a:avLst>
+              <a:gd name="adj1" fmla="val 50000"/>
+              <a:gd name="adj2" fmla="val 160873"/>
+            </a:avLst>
+          </a:prstGeom>
+          <a:solidFill>
+            <a:schemeClr val="tx1"/>
+          </a:solidFill>
+          <a:ln w="12700" cap="flat">
+            <a:noFill/>
+            <a:miter lim="400000"/>
+          </a:ln>
+          <a:effectLst>
+            <a:outerShdw blurRad="38100" dist="25400" dir="5400000" rotWithShape="0">
+              <a:srgbClr val="000000">
+                <a:alpha val="50000"/>
+              </a:srgbClr>
+            </a:outerShdw>
+          </a:effectLst>
+          <a:sp3d/>
+        </p:spPr>
+        <p:style>
+          <a:lnRef idx="0">
+            <a:scrgbClr r="0" g="0" b="0"/>
+          </a:lnRef>
+          <a:fillRef idx="0">
+            <a:scrgbClr r="0" g="0" b="0"/>
+          </a:fillRef>
+          <a:effectRef idx="0">
+            <a:scrgbClr r="0" g="0" b="0"/>
+          </a:effectRef>
+          <a:fontRef idx="none"/>
+        </p:style>
+        <p:txBody>
+          <a:bodyPr rot="0" spcFirstLastPara="1" vertOverflow="overflow" horzOverflow="overflow" vert="horz" wrap="square" lIns="50800" tIns="50800" rIns="50800" bIns="50800" numCol="1" spcCol="38100" rtlCol="0" anchor="ctr">
+            <a:spAutoFit/>
+          </a:bodyPr>
+          <a:lstStyle/>
+          <a:p>
+            <a:pPr marL="0" marR="0" indent="0" algn="ctr" defTabSz="584200" rtl="0" fontAlgn="auto" latinLnBrk="0" hangingPunct="0">
+              <a:lnSpc>
+                <a:spcPct val="100000"/>
+              </a:lnSpc>
+              <a:spcBef>
+                <a:spcPts val="0"/>
+              </a:spcBef>
+              <a:spcAft>
+                <a:spcPts val="0"/>
+              </a:spcAft>
+              <a:buClrTx/>
+              <a:buSzTx/>
+              <a:buFontTx/>
+              <a:buNone/>
+              <a:tabLst/>
+            </a:pPr>
+            <a:endParaRPr kumimoji="0" lang="en-US" sz="2400" b="0" i="0" u="none" strike="noStrike" cap="none" spc="0" normalizeH="0" baseline="0">
+              <a:ln>
+                <a:noFill/>
+              </a:ln>
+              <a:solidFill>
+                <a:srgbClr val="FFFFFF"/>
+              </a:solidFill>
+              <a:effectLst/>
+              <a:uFillTx/>
+              <a:latin typeface="+mn-lt"/>
+              <a:ea typeface="+mn-ea"/>
+              <a:cs typeface="+mn-cs"/>
+              <a:sym typeface="Helvetica Light"/>
+            </a:endParaRPr>
+          </a:p>
+        </p:txBody>
+      </p:sp>
+      <p:sp>
+        <p:nvSpPr>
+          <p:cNvPr id="9" name="Rectangle 8"/>
+          <p:cNvSpPr/>
+          <p:nvPr/>
+        </p:nvSpPr>
+        <p:spPr>
+          <a:xfrm>
+            <a:off x="888206" y="6585252"/>
+            <a:ext cx="6502400" cy="1754326"/>
+          </a:xfrm>
+          <a:prstGeom prst="rect">
+            <a:avLst/>
+          </a:prstGeom>
+        </p:spPr>
+        <p:txBody>
+          <a:bodyPr>
+            <a:spAutoFit/>
+          </a:bodyPr>
+          <a:lstStyle/>
+          <a:p>
+            <a:pPr algn="l"/>
+            <a:r>
+              <a:rPr lang="en-US" i="1" dirty="0" smtClean="0"/>
+              <a:t>Object x = </a:t>
+            </a:r>
+            <a:r>
+              <a:rPr lang="en-US" i="1" dirty="0" err="1" smtClean="0"/>
+              <a:t>container.get</a:t>
+            </a:r>
+            <a:r>
+              <a:rPr lang="en-US" i="1" dirty="0" smtClean="0"/>
+              <a:t>(0);</a:t>
+            </a:r>
+          </a:p>
+          <a:p>
+            <a:pPr algn="l"/>
+            <a:r>
+              <a:rPr lang="en-US" dirty="0" smtClean="0"/>
+              <a:t>//we do not know if String or </a:t>
+            </a:r>
+          </a:p>
+          <a:p>
+            <a:pPr algn="l"/>
+            <a:r>
+              <a:rPr lang="en-US" dirty="0" smtClean="0"/>
+              <a:t>//something else</a:t>
+            </a:r>
+            <a:endParaRPr lang="en-US" dirty="0"/>
+          </a:p>
+        </p:txBody>
+      </p:sp>
+    </p:spTree>
+    <p:extLst>
+      <p:ext uri="{BB962C8B-B14F-4D97-AF65-F5344CB8AC3E}">
+        <p14:creationId xmlns:p14="http://schemas.microsoft.com/office/powerpoint/2010/main" val="441504905"/>
+      </p:ext>
+    </p:extLst>
+  </p:cSld>
+  <p:clrMapOvr>
+    <a:masterClrMapping/>
+  </p:clrMapOvr>
+  <p:transition spd="med"/>
+  <p:timing>
+    <p:tnLst>
+      <p:par>
+        <p:cTn id="1" dur="indefinite" restart="never" nodeType="tmRoot"/>
+      </p:par>
+    </p:tnLst>
+  </p:timing>
+</p:sld>
+</file>
+
+<file path=ppt/slides/slide37.xml><?xml version="1.0" encoding="utf-8"?>
+<p:sld xmlns:a="http://schemas.openxmlformats.org/drawingml/2006/main" xmlns:r="http://schemas.openxmlformats.org/officeDocument/2006/relationships" xmlns:p="http://schemas.openxmlformats.org/presentationml/2006/main">
+  <p:cSld>
+    <p:spTree>
+      <p:nvGrpSpPr>
+        <p:cNvPr id="1" name=""/>
+        <p:cNvGrpSpPr/>
+        <p:nvPr/>
+      </p:nvGrpSpPr>
+      <p:grpSpPr>
+        <a:xfrm>
+          <a:off x="0" y="0"/>
+          <a:ext cx="0" cy="0"/>
+          <a:chOff x="0" y="0"/>
+          <a:chExt cx="0" cy="0"/>
+        </a:xfrm>
+      </p:grpSpPr>
+      <p:sp>
+        <p:nvSpPr>
+          <p:cNvPr id="2" name="Title 1"/>
+          <p:cNvSpPr>
+            <a:spLocks noGrp="1"/>
+          </p:cNvSpPr>
+          <p:nvPr>
+            <p:ph type="title"/>
+          </p:nvPr>
+        </p:nvSpPr>
+        <p:spPr/>
+        <p:txBody>
+          <a:bodyPr/>
+          <a:lstStyle/>
+          <a:p>
+            <a:r>
+              <a:rPr lang="en-US" dirty="0" smtClean="0"/>
+              <a:t>Java Generics &lt;T&gt;</a:t>
+            </a:r>
+            <a:endParaRPr lang="en-US" dirty="0"/>
+          </a:p>
+        </p:txBody>
+      </p:sp>
+      <p:sp>
+        <p:nvSpPr>
+          <p:cNvPr id="3" name="Text Placeholder 2"/>
+          <p:cNvSpPr>
+            <a:spLocks noGrp="1"/>
+          </p:cNvSpPr>
+          <p:nvPr>
+            <p:ph type="body" idx="1"/>
+          </p:nvPr>
+        </p:nvSpPr>
+        <p:spPr>
+          <a:xfrm>
+            <a:off x="414779" y="2603500"/>
+            <a:ext cx="12301980" cy="6785598"/>
+          </a:xfrm>
+        </p:spPr>
+        <p:txBody>
+          <a:bodyPr/>
+          <a:lstStyle/>
+          <a:p>
+            <a:r>
+              <a:rPr lang="en-US" i="1" dirty="0" smtClean="0"/>
+              <a:t>List&lt;T&gt;</a:t>
+            </a:r>
+            <a:r>
+              <a:rPr lang="en-US" dirty="0" smtClean="0"/>
+              <a:t>: define a </a:t>
+            </a:r>
+            <a:r>
+              <a:rPr lang="en-US" i="1" dirty="0" smtClean="0"/>
+              <a:t>generic</a:t>
+            </a:r>
+            <a:r>
+              <a:rPr lang="en-US" dirty="0" smtClean="0"/>
+              <a:t> type, which can be substituted with any type</a:t>
+            </a:r>
+          </a:p>
+          <a:p>
+            <a:pPr lvl="1"/>
+            <a:r>
+              <a:rPr lang="en-US" dirty="0"/>
+              <a:t>n</a:t>
+            </a:r>
+            <a:r>
+              <a:rPr lang="en-US" dirty="0" smtClean="0"/>
+              <a:t>ote: “T” is just a label, could be anything</a:t>
+            </a:r>
+          </a:p>
+          <a:p>
+            <a:r>
+              <a:rPr lang="en-US" dirty="0" err="1" smtClean="0"/>
+              <a:t>Eg</a:t>
+            </a:r>
+            <a:r>
+              <a:rPr lang="en-US" dirty="0" smtClean="0"/>
+              <a:t>. </a:t>
+            </a:r>
+            <a:r>
+              <a:rPr lang="en-US" i="1" dirty="0" smtClean="0"/>
+              <a:t>List&lt;String&gt;, List&lt;Integer&gt;, List&lt;Song&gt;</a:t>
+            </a:r>
+            <a:r>
+              <a:rPr lang="en-US" dirty="0" smtClean="0"/>
+              <a:t> </a:t>
+            </a:r>
+          </a:p>
+          <a:p>
+            <a:r>
+              <a:rPr lang="en-US" dirty="0" smtClean="0"/>
+              <a:t>If I am only storing a variable (e.g., in a class field or array), I do need to care of its type, as not going to call any method on it</a:t>
+            </a:r>
+          </a:p>
+          <a:p>
+            <a:pPr lvl="1"/>
+            <a:r>
+              <a:rPr lang="en-US" dirty="0" err="1" smtClean="0"/>
+              <a:t>eg</a:t>
+            </a:r>
+            <a:r>
+              <a:rPr lang="en-US" dirty="0" smtClean="0"/>
+              <a:t>, “</a:t>
+            </a:r>
+            <a:r>
+              <a:rPr lang="en-US" i="1" dirty="0" smtClean="0"/>
+              <a:t>T x = input;</a:t>
+            </a:r>
+            <a:r>
+              <a:rPr lang="en-US" dirty="0" smtClean="0"/>
+              <a:t>”  do not need to care of actual type of T, as long as </a:t>
+            </a:r>
+            <a:r>
+              <a:rPr lang="en-US" i="1" dirty="0" smtClean="0"/>
+              <a:t>input</a:t>
+            </a:r>
+            <a:r>
+              <a:rPr lang="en-US" dirty="0" smtClean="0"/>
+              <a:t> is of that type</a:t>
+            </a:r>
+            <a:endParaRPr lang="en-US" dirty="0"/>
+          </a:p>
+        </p:txBody>
+      </p:sp>
+    </p:spTree>
+    <p:extLst>
+      <p:ext uri="{BB962C8B-B14F-4D97-AF65-F5344CB8AC3E}">
+        <p14:creationId xmlns:p14="http://schemas.microsoft.com/office/powerpoint/2010/main" val="370847235"/>
+      </p:ext>
+    </p:extLst>
+  </p:cSld>
+  <p:clrMapOvr>
+    <a:masterClrMapping/>
+  </p:clrMapOvr>
+  <p:transition spd="med"/>
+  <p:timing>
+    <p:tnLst>
+      <p:par>
+        <p:cTn id="1" dur="indefinite" restart="never" nodeType="tmRoot"/>
+      </p:par>
+    </p:tnLst>
+  </p:timing>
+</p:sld>
+</file>
+
+<file path=ppt/slides/slide38.xml><?xml version="1.0" encoding="utf-8"?>
+<p:sld xmlns:a="http://schemas.openxmlformats.org/drawingml/2006/main" xmlns:r="http://schemas.openxmlformats.org/officeDocument/2006/relationships" xmlns:p="http://schemas.openxmlformats.org/presentationml/2006/main">
+  <p:cSld>
+    <p:spTree>
+      <p:nvGrpSpPr>
+        <p:cNvPr id="1" name=""/>
+        <p:cNvGrpSpPr/>
+        <p:nvPr/>
+      </p:nvGrpSpPr>
+      <p:grpSpPr>
+        <a:xfrm>
+          <a:off x="0" y="0"/>
+          <a:ext cx="0" cy="0"/>
+          <a:chOff x="0" y="0"/>
+          <a:chExt cx="0" cy="0"/>
+        </a:xfrm>
+      </p:grpSpPr>
+      <p:sp>
+        <p:nvSpPr>
+          <p:cNvPr id="2" name="Title 1"/>
+          <p:cNvSpPr>
+            <a:spLocks noGrp="1"/>
+          </p:cNvSpPr>
+          <p:nvPr>
+            <p:ph type="title"/>
+          </p:nvPr>
+        </p:nvSpPr>
+        <p:spPr/>
+        <p:txBody>
+          <a:bodyPr/>
+          <a:lstStyle/>
+          <a:p>
+            <a:r>
+              <a:rPr lang="en-US" dirty="0" smtClean="0"/>
+              <a:t>&lt;T extends Foo&gt;</a:t>
+            </a:r>
+            <a:endParaRPr lang="en-US" dirty="0"/>
+          </a:p>
+        </p:txBody>
+      </p:sp>
+      <p:sp>
+        <p:nvSpPr>
+          <p:cNvPr id="3" name="Text Placeholder 2"/>
+          <p:cNvSpPr>
+            <a:spLocks noGrp="1"/>
+          </p:cNvSpPr>
+          <p:nvPr>
+            <p:ph type="body" idx="1"/>
+          </p:nvPr>
+        </p:nvSpPr>
+        <p:spPr>
+          <a:xfrm>
+            <a:off x="301658" y="2603499"/>
+            <a:ext cx="12424528" cy="6738463"/>
+          </a:xfrm>
+        </p:spPr>
+        <p:txBody>
+          <a:bodyPr/>
+          <a:lstStyle/>
+          <a:p>
+            <a:r>
+              <a:rPr lang="en-US" dirty="0" smtClean="0"/>
+              <a:t>In some cases you need Generics, but still need to call methods on it</a:t>
+            </a:r>
+          </a:p>
+          <a:p>
+            <a:r>
+              <a:rPr lang="en-US" dirty="0" smtClean="0"/>
+              <a:t>With </a:t>
+            </a:r>
+            <a:r>
+              <a:rPr lang="en-US" i="1" dirty="0" smtClean="0"/>
+              <a:t>&lt;T&gt;</a:t>
+            </a:r>
+            <a:r>
+              <a:rPr lang="en-US" dirty="0" smtClean="0"/>
+              <a:t> you would only be allowed to call methods from </a:t>
+            </a:r>
+            <a:r>
+              <a:rPr lang="en-US" i="1" dirty="0" err="1" smtClean="0"/>
+              <a:t>java.lang.Objects</a:t>
+            </a:r>
+            <a:endParaRPr lang="en-US" i="1" dirty="0" smtClean="0"/>
+          </a:p>
+          <a:p>
+            <a:r>
+              <a:rPr lang="en-US" i="1" dirty="0" smtClean="0"/>
+              <a:t>&lt;T extends Foo&gt;</a:t>
+            </a:r>
+            <a:r>
+              <a:rPr lang="en-US" dirty="0" smtClean="0"/>
+              <a:t> means any type that extends/implements the class/interface </a:t>
+            </a:r>
+            <a:r>
+              <a:rPr lang="en-US" i="1" dirty="0" smtClean="0"/>
+              <a:t>Foo </a:t>
+            </a:r>
+          </a:p>
+          <a:p>
+            <a:r>
+              <a:rPr lang="en-US" dirty="0" smtClean="0"/>
+              <a:t>Note: there is also a </a:t>
+            </a:r>
+            <a:r>
+              <a:rPr lang="en-US" i="1" dirty="0" smtClean="0"/>
+              <a:t>&lt;T super Foo&gt;</a:t>
+            </a:r>
+            <a:r>
+              <a:rPr lang="en-US" dirty="0" smtClean="0"/>
+              <a:t>, but we will not need it</a:t>
+            </a:r>
+            <a:endParaRPr lang="en-US" dirty="0"/>
+          </a:p>
+        </p:txBody>
+      </p:sp>
+    </p:spTree>
+    <p:extLst>
+      <p:ext uri="{BB962C8B-B14F-4D97-AF65-F5344CB8AC3E}">
+        <p14:creationId xmlns:p14="http://schemas.microsoft.com/office/powerpoint/2010/main" val="2079244274"/>
+      </p:ext>
+    </p:extLst>
+  </p:cSld>
+  <p:clrMapOvr>
+    <a:masterClrMapping/>
+  </p:clrMapOvr>
+  <p:transition spd="med"/>
+  <p:timing>
+    <p:tnLst>
+      <p:par>
+        <p:cTn id="1" dur="indefinite" restart="never" nodeType="tmRoot"/>
+      </p:par>
+    </p:tnLst>
+  </p:timing>
+</p:sld>
+</file>
+
+<file path=ppt/slides/slide39.xml><?xml version="1.0" encoding="utf-8"?>
+<p:sld xmlns:a="http://schemas.openxmlformats.org/drawingml/2006/main" xmlns:r="http://schemas.openxmlformats.org/officeDocument/2006/relationships" xmlns:p="http://schemas.openxmlformats.org/presentationml/2006/main">
+  <p:cSld>
+    <p:spTree>
+      <p:nvGrpSpPr>
+        <p:cNvPr id="1" name=""/>
+        <p:cNvGrpSpPr/>
+        <p:nvPr/>
+      </p:nvGrpSpPr>
+      <p:grpSpPr>
+        <a:xfrm>
+          <a:off x="0" y="0"/>
+          <a:ext cx="0" cy="0"/>
+          <a:chOff x="0" y="0"/>
+          <a:chExt cx="0" cy="0"/>
+        </a:xfrm>
+      </p:grpSpPr>
+      <p:sp>
+        <p:nvSpPr>
+          <p:cNvPr id="2" name="Title 1"/>
+          <p:cNvSpPr>
+            <a:spLocks noGrp="1"/>
+          </p:cNvSpPr>
+          <p:nvPr>
+            <p:ph type="title"/>
+          </p:nvPr>
+        </p:nvSpPr>
+        <p:spPr/>
+        <p:txBody>
+          <a:bodyPr/>
+          <a:lstStyle/>
+          <a:p>
+            <a:r>
+              <a:rPr lang="en-US" dirty="0" smtClean="0"/>
               <a:t>Homework</a:t>
             </a:r>
             <a:endParaRPr lang="en-US" dirty="0"/>
@@ -20566,7 +22225,6 @@
               <a:rPr lang="en-US" dirty="0" smtClean="0"/>
               <a:t>1.3</a:t>
             </a:r>
-            <a:endParaRPr lang="en-US" dirty="0" smtClean="0"/>
           </a:p>
           <a:p>
             <a:r>
@@ -20579,11 +22237,7 @@
             </a:r>
             <a:r>
               <a:rPr lang="en-US" dirty="0" smtClean="0"/>
-              <a:t> </a:t>
-            </a:r>
-            <a:r>
-              <a:rPr lang="en-US" dirty="0" smtClean="0"/>
-              <a:t>package</a:t>
+              <a:t> package</a:t>
             </a:r>
           </a:p>
           <a:p>
@@ -20595,7 +22249,6 @@
               <a:rPr lang="en-US" i="1" dirty="0" smtClean="0"/>
               <a:t>exercises/ex02</a:t>
             </a:r>
-            <a:endParaRPr lang="en-US" i="1" dirty="0" smtClean="0"/>
           </a:p>
           <a:p>
             <a:r>
@@ -20617,6 +22270,13 @@
     <a:masterClrMapping/>
   </p:clrMapOvr>
   <p:transition spd="med"/>
+  <p:timing>
+    <p:tnLst>
+      <p:par>
+        <p:cTn id="1" dur="indefinite" restart="never" nodeType="tmRoot"/>
+      </p:par>
+    </p:tnLst>
+  </p:timing>
 </p:sld>
 </file>
 
@@ -22812,15 +24472,7 @@
           <a:p>
             <a:r>
               <a:rPr lang="en-US" dirty="0" smtClean="0"/>
-              <a:t>While workers are executing tasks, new </a:t>
-            </a:r>
-            <a:r>
-              <a:rPr lang="en-US" dirty="0" smtClean="0"/>
-              <a:t>tasks </a:t>
-            </a:r>
-            <a:r>
-              <a:rPr lang="en-US" dirty="0" smtClean="0"/>
-              <a:t>could be added to the queue</a:t>
+              <a:t>While workers are executing tasks, new tasks could be added to the queue</a:t>
             </a:r>
           </a:p>
           <a:p>

--- a/docs/slides/02/02_stack_queue.pptx
+++ b/docs/slides/02/02_stack_queue.pptx
@@ -5,48 +5,55 @@
     <p:sldMasterId id="2147483648" r:id="rId1"/>
   </p:sldMasterIdLst>
   <p:notesMasterIdLst>
-    <p:notesMasterId r:id="rId41"/>
+    <p:notesMasterId r:id="rId48"/>
   </p:notesMasterIdLst>
   <p:sldIdLst>
     <p:sldId id="290" r:id="rId2"/>
-    <p:sldId id="283" r:id="rId3"/>
-    <p:sldId id="284" r:id="rId4"/>
-    <p:sldId id="285" r:id="rId5"/>
-    <p:sldId id="286" r:id="rId6"/>
-    <p:sldId id="287" r:id="rId7"/>
-    <p:sldId id="288" r:id="rId8"/>
-    <p:sldId id="289" r:id="rId9"/>
-    <p:sldId id="291" r:id="rId10"/>
-    <p:sldId id="292" r:id="rId11"/>
-    <p:sldId id="293" r:id="rId12"/>
-    <p:sldId id="294" r:id="rId13"/>
-    <p:sldId id="295" r:id="rId14"/>
-    <p:sldId id="296" r:id="rId15"/>
-    <p:sldId id="297" r:id="rId16"/>
-    <p:sldId id="298" r:id="rId17"/>
-    <p:sldId id="299" r:id="rId18"/>
-    <p:sldId id="300" r:id="rId19"/>
-    <p:sldId id="301" r:id="rId20"/>
-    <p:sldId id="302" r:id="rId21"/>
-    <p:sldId id="303" r:id="rId22"/>
-    <p:sldId id="304" r:id="rId23"/>
-    <p:sldId id="305" r:id="rId24"/>
-    <p:sldId id="306" r:id="rId25"/>
-    <p:sldId id="307" r:id="rId26"/>
-    <p:sldId id="308" r:id="rId27"/>
-    <p:sldId id="309" r:id="rId28"/>
-    <p:sldId id="310" r:id="rId29"/>
-    <p:sldId id="311" r:id="rId30"/>
-    <p:sldId id="312" r:id="rId31"/>
-    <p:sldId id="313" r:id="rId32"/>
-    <p:sldId id="315" r:id="rId33"/>
-    <p:sldId id="316" r:id="rId34"/>
-    <p:sldId id="317" r:id="rId35"/>
-    <p:sldId id="318" r:id="rId36"/>
-    <p:sldId id="319" r:id="rId37"/>
-    <p:sldId id="320" r:id="rId38"/>
-    <p:sldId id="321" r:id="rId39"/>
-    <p:sldId id="314" r:id="rId40"/>
+    <p:sldId id="315" r:id="rId3"/>
+    <p:sldId id="316" r:id="rId4"/>
+    <p:sldId id="317" r:id="rId5"/>
+    <p:sldId id="318" r:id="rId6"/>
+    <p:sldId id="319" r:id="rId7"/>
+    <p:sldId id="320" r:id="rId8"/>
+    <p:sldId id="321" r:id="rId9"/>
+    <p:sldId id="322" r:id="rId10"/>
+    <p:sldId id="283" r:id="rId11"/>
+    <p:sldId id="284" r:id="rId12"/>
+    <p:sldId id="285" r:id="rId13"/>
+    <p:sldId id="286" r:id="rId14"/>
+    <p:sldId id="287" r:id="rId15"/>
+    <p:sldId id="288" r:id="rId16"/>
+    <p:sldId id="289" r:id="rId17"/>
+    <p:sldId id="291" r:id="rId18"/>
+    <p:sldId id="292" r:id="rId19"/>
+    <p:sldId id="293" r:id="rId20"/>
+    <p:sldId id="294" r:id="rId21"/>
+    <p:sldId id="295" r:id="rId22"/>
+    <p:sldId id="296" r:id="rId23"/>
+    <p:sldId id="297" r:id="rId24"/>
+    <p:sldId id="298" r:id="rId25"/>
+    <p:sldId id="299" r:id="rId26"/>
+    <p:sldId id="300" r:id="rId27"/>
+    <p:sldId id="301" r:id="rId28"/>
+    <p:sldId id="302" r:id="rId29"/>
+    <p:sldId id="303" r:id="rId30"/>
+    <p:sldId id="304" r:id="rId31"/>
+    <p:sldId id="305" r:id="rId32"/>
+    <p:sldId id="306" r:id="rId33"/>
+    <p:sldId id="307" r:id="rId34"/>
+    <p:sldId id="308" r:id="rId35"/>
+    <p:sldId id="309" r:id="rId36"/>
+    <p:sldId id="310" r:id="rId37"/>
+    <p:sldId id="311" r:id="rId38"/>
+    <p:sldId id="312" r:id="rId39"/>
+    <p:sldId id="313" r:id="rId40"/>
+    <p:sldId id="323" r:id="rId41"/>
+    <p:sldId id="324" r:id="rId42"/>
+    <p:sldId id="325" r:id="rId43"/>
+    <p:sldId id="326" r:id="rId44"/>
+    <p:sldId id="327" r:id="rId45"/>
+    <p:sldId id="328" r:id="rId46"/>
+    <p:sldId id="314" r:id="rId47"/>
   </p:sldIdLst>
   <p:sldSz cx="13004800" cy="9753600"/>
   <p:notesSz cx="6858000" cy="9144000"/>
@@ -590,7 +597,7 @@
     </p:spTree>
     <p:extLst>
       <p:ext uri="{BB962C8B-B14F-4D97-AF65-F5344CB8AC3E}">
-        <p14:creationId xmlns:p14="http://schemas.microsoft.com/office/powerpoint/2010/main" val="770524244"/>
+        <p14:creationId xmlns:p14="http://schemas.microsoft.com/office/powerpoint/2010/main" val="1885622604"/>
       </p:ext>
     </p:extLst>
   </p:cSld>
@@ -651,7 +658,7 @@
     </p:spTree>
     <p:extLst>
       <p:ext uri="{BB962C8B-B14F-4D97-AF65-F5344CB8AC3E}">
-        <p14:creationId xmlns:p14="http://schemas.microsoft.com/office/powerpoint/2010/main" val="1655862976"/>
+        <p14:creationId xmlns:p14="http://schemas.microsoft.com/office/powerpoint/2010/main" val="770524244"/>
       </p:ext>
     </p:extLst>
   </p:cSld>
@@ -2316,7 +2323,7 @@
           </a:ln>
           <a:extLst>
             <a:ext uri="{C572A759-6A51-4108-AA02-DFA0A04FC94B}">
-              <ma14:wrappingTextBoxFlag xmlns="" xmlns:ma14="http://schemas.microsoft.com/office/mac/drawingml/2011/main" val="1"/>
+              <ma14:wrappingTextBoxFlag xmlns:ma14="http://schemas.microsoft.com/office/mac/drawingml/2011/main" xmlns="" val="1"/>
             </a:ext>
           </a:extLst>
         </p:spPr>
@@ -2355,7 +2362,7 @@
           </a:ln>
           <a:extLst>
             <a:ext uri="{C572A759-6A51-4108-AA02-DFA0A04FC94B}">
-              <ma14:wrappingTextBoxFlag xmlns="" xmlns:ma14="http://schemas.microsoft.com/office/mac/drawingml/2011/main" val="1"/>
+              <ma14:wrappingTextBoxFlag xmlns:ma14="http://schemas.microsoft.com/office/mac/drawingml/2011/main" xmlns="" val="1"/>
             </a:ext>
           </a:extLst>
         </p:spPr>
@@ -3276,12 +3283,12 @@
         <p:spPr>
           <a:xfrm>
             <a:off x="433953" y="294468"/>
-            <a:ext cx="12274657" cy="4645832"/>
+            <a:ext cx="12274657" cy="6232456"/>
           </a:xfrm>
         </p:spPr>
         <p:txBody>
           <a:bodyPr>
-            <a:normAutofit fontScale="90000"/>
+            <a:normAutofit/>
           </a:bodyPr>
           <a:lstStyle/>
           <a:p>
@@ -3302,7 +3309,19 @@
             </a:br>
             <a:r>
               <a:rPr lang="en-US" dirty="0" smtClean="0"/>
-              <a:t>Lesson 02: Stack and Queue</a:t>
+              <a:t>Lesson 02: </a:t>
+            </a:r>
+            <a:r>
+              <a:rPr lang="en-US" dirty="0" smtClean="0"/>
+              <a:t>Generics, Stacks </a:t>
+            </a:r>
+            <a:r>
+              <a:rPr lang="en-US" dirty="0" smtClean="0"/>
+              <a:t>and </a:t>
+            </a:r>
+            <a:r>
+              <a:rPr lang="en-US" dirty="0" smtClean="0"/>
+              <a:t>Queues</a:t>
             </a:r>
             <a:endParaRPr lang="en-US" dirty="0"/>
           </a:p>
@@ -3385,7 +3404,7 @@
           <a:p>
             <a:r>
               <a:rPr lang="en-US" dirty="0" smtClean="0"/>
-              <a:t>Questions</a:t>
+              <a:t>Stack</a:t>
             </a:r>
             <a:endParaRPr lang="en-US" dirty="0"/>
           </a:p>
@@ -3403,118 +3422,115 @@
         </p:nvSpPr>
         <p:spPr>
           <a:xfrm>
-            <a:off x="381000" y="2603500"/>
-            <a:ext cx="12325350" cy="6286500"/>
+            <a:off x="952500" y="2603500"/>
+            <a:ext cx="6953250" cy="6286500"/>
           </a:xfrm>
         </p:spPr>
         <p:txBody>
-          <a:bodyPr>
-            <a:normAutofit/>
-          </a:bodyPr>
+          <a:bodyPr/>
           <a:lstStyle/>
           <a:p>
             <a:r>
-              <a:rPr lang="en-US" dirty="0" smtClean="0">
-                <a:latin typeface="Source Sans Pro" panose="020B0503030403020204" pitchFamily="34" charset="0"/>
-                <a:ea typeface="Source Sans Pro" panose="020B0503030403020204" pitchFamily="34" charset="0"/>
-              </a:rPr>
-              <a:t>Node bar = new Node();</a:t>
-            </a:r>
-          </a:p>
-          <a:p>
-            <a:pPr lvl="1"/>
-            <a:r>
-              <a:rPr lang="en-US" dirty="0"/>
-              <a:t>w</a:t>
-            </a:r>
-            <a:r>
               <a:rPr lang="en-US" dirty="0" smtClean="0"/>
-              <a:t>hat is the variable “bar” </a:t>
-            </a:r>
-            <a:r>
-              <a:rPr lang="en-US" dirty="0"/>
-              <a:t>concretely</a:t>
-            </a:r>
+              <a:t>Type of collection</a:t>
+            </a:r>
+          </a:p>
+          <a:p>
             <a:r>
               <a:rPr lang="en-US" dirty="0" smtClean="0"/>
-              <a:t>?</a:t>
-            </a:r>
-          </a:p>
-          <a:p>
-            <a:pPr lvl="1"/>
+              <a:t>Add on top of the stack (</a:t>
+            </a:r>
+            <a:r>
+              <a:rPr lang="en-US" b="1" dirty="0" smtClean="0"/>
+              <a:t>push</a:t>
+            </a:r>
             <a:r>
               <a:rPr lang="en-US" dirty="0" smtClean="0"/>
-              <a:t>what does “new” actually do?  </a:t>
-            </a:r>
-          </a:p>
-          <a:p>
-            <a:pPr lvl="1"/>
+              <a:t>) </a:t>
+            </a:r>
+          </a:p>
+          <a:p>
             <a:r>
               <a:rPr lang="en-US" dirty="0" smtClean="0"/>
-              <a:t>what is the difference between “bar” variable and the object  created by “new Node()”?</a:t>
-            </a:r>
-          </a:p>
-          <a:p>
-            <a:r>
-              <a:rPr lang="en-US" dirty="0" err="1">
-                <a:latin typeface="Source Sans Pro" panose="020B0503030403020204" pitchFamily="34" charset="0"/>
-                <a:ea typeface="Source Sans Pro" panose="020B0503030403020204" pitchFamily="34" charset="0"/>
-              </a:rPr>
-              <a:t>b</a:t>
-            </a:r>
-            <a:r>
-              <a:rPr lang="en-US" dirty="0" err="1" smtClean="0">
-                <a:latin typeface="Source Sans Pro" panose="020B0503030403020204" pitchFamily="34" charset="0"/>
-                <a:ea typeface="Source Sans Pro" panose="020B0503030403020204" pitchFamily="34" charset="0"/>
-              </a:rPr>
-              <a:t>ar.next</a:t>
-            </a:r>
-            <a:r>
-              <a:rPr lang="en-US" dirty="0" smtClean="0">
-                <a:latin typeface="Source Sans Pro" panose="020B0503030403020204" pitchFamily="34" charset="0"/>
-                <a:ea typeface="Source Sans Pro" panose="020B0503030403020204" pitchFamily="34" charset="0"/>
-              </a:rPr>
-              <a:t> = </a:t>
-            </a:r>
-            <a:r>
-              <a:rPr lang="en-US" dirty="0" err="1" smtClean="0">
-                <a:latin typeface="Source Sans Pro" panose="020B0503030403020204" pitchFamily="34" charset="0"/>
-                <a:ea typeface="Source Sans Pro" panose="020B0503030403020204" pitchFamily="34" charset="0"/>
-              </a:rPr>
-              <a:t>bar.next.next</a:t>
-            </a:r>
-            <a:r>
-              <a:rPr lang="en-US" dirty="0" smtClean="0">
-                <a:latin typeface="Source Sans Pro" panose="020B0503030403020204" pitchFamily="34" charset="0"/>
-                <a:ea typeface="Source Sans Pro" panose="020B0503030403020204" pitchFamily="34" charset="0"/>
-              </a:rPr>
-              <a:t>;</a:t>
-            </a:r>
-          </a:p>
-          <a:p>
-            <a:pPr lvl="1"/>
+              <a:t>Remove from top (</a:t>
+            </a:r>
+            <a:r>
+              <a:rPr lang="en-US" b="1" dirty="0" smtClean="0"/>
+              <a:t>pop</a:t>
+            </a:r>
             <a:r>
               <a:rPr lang="en-US" dirty="0" smtClean="0"/>
-              <a:t>what is happening here?</a:t>
-            </a:r>
-          </a:p>
-          <a:p>
-            <a:pPr lvl="1"/>
-            <a:r>
-              <a:rPr lang="en-US" dirty="0"/>
-              <a:t>a</a:t>
-            </a:r>
+              <a:t>)</a:t>
+            </a:r>
+          </a:p>
+          <a:p>
             <a:r>
               <a:rPr lang="en-US" dirty="0" smtClean="0"/>
-              <a:t>re objects created or deleted? </a:t>
-            </a:r>
+              <a:t>Can only read from top (</a:t>
+            </a:r>
+            <a:r>
+              <a:rPr lang="en-US" b="1" dirty="0" smtClean="0"/>
+              <a:t>peek</a:t>
+            </a:r>
+            <a:r>
+              <a:rPr lang="en-US" dirty="0" smtClean="0"/>
+              <a:t>)</a:t>
+            </a:r>
+          </a:p>
+          <a:p>
+            <a:r>
+              <a:rPr lang="en-US" i="1" dirty="0" smtClean="0"/>
+              <a:t>LIFO: Last In, First Out</a:t>
+            </a:r>
+            <a:endParaRPr lang="en-US" i="1" dirty="0"/>
           </a:p>
         </p:txBody>
       </p:sp>
+      <p:pic>
+        <p:nvPicPr>
+          <p:cNvPr id="1026" name="Picture 2" descr="Image result for stack plates"/>
+          <p:cNvPicPr>
+            <a:picLocks noChangeAspect="1" noChangeArrowheads="1"/>
+          </p:cNvPicPr>
+          <p:nvPr/>
+        </p:nvPicPr>
+        <p:blipFill>
+          <a:blip r:embed="rId2" cstate="print">
+            <a:extLst>
+              <a:ext uri="{28A0092B-C50C-407E-A947-70E740481C1C}">
+                <a14:useLocalDpi xmlns:a14="http://schemas.microsoft.com/office/drawing/2010/main" val="0"/>
+              </a:ext>
+            </a:extLst>
+          </a:blip>
+          <a:srcRect/>
+          <a:stretch>
+            <a:fillRect/>
+          </a:stretch>
+        </p:blipFill>
+        <p:spPr bwMode="auto">
+          <a:xfrm>
+            <a:off x="8267700" y="2979981"/>
+            <a:ext cx="4146550" cy="5533537"/>
+          </a:xfrm>
+          <a:prstGeom prst="rect">
+            <a:avLst/>
+          </a:prstGeom>
+          <a:noFill/>
+          <a:extLst>
+            <a:ext uri="{909E8E84-426E-40DD-AFC4-6F175D3DCCD1}">
+              <a14:hiddenFill xmlns:a14="http://schemas.microsoft.com/office/drawing/2010/main">
+                <a:solidFill>
+                  <a:srgbClr val="FFFFFF"/>
+                </a:solidFill>
+              </a14:hiddenFill>
+            </a:ext>
+          </a:extLst>
+        </p:spPr>
+      </p:pic>
     </p:spTree>
     <p:extLst>
       <p:ext uri="{BB962C8B-B14F-4D97-AF65-F5344CB8AC3E}">
-        <p14:creationId xmlns:p14="http://schemas.microsoft.com/office/powerpoint/2010/main" val="2911189296"/>
+        <p14:creationId xmlns:p14="http://schemas.microsoft.com/office/powerpoint/2010/main" val="2526421012"/>
       </p:ext>
     </p:extLst>
   </p:cSld>
@@ -3559,7 +3575,7 @@
           <a:p>
             <a:r>
               <a:rPr lang="en-US" dirty="0" smtClean="0"/>
-              <a:t>Overview</a:t>
+              <a:t>Why?</a:t>
             </a:r>
             <a:endParaRPr lang="en-US" dirty="0"/>
           </a:p>
@@ -3577,61 +3593,26 @@
         </p:nvSpPr>
         <p:spPr/>
         <p:txBody>
-          <a:bodyPr>
-            <a:normAutofit/>
-          </a:bodyPr>
+          <a:bodyPr/>
           <a:lstStyle/>
           <a:p>
             <a:r>
-              <a:rPr lang="en-US" dirty="0"/>
-              <a:t>Before we go into details of how to implement a Stack or a Queue, we need to have clear understanding of how memory is handled in </a:t>
-            </a:r>
-            <a:r>
               <a:rPr lang="en-US" dirty="0" smtClean="0"/>
-              <a:t>Java</a:t>
-            </a:r>
-          </a:p>
-          <a:p>
+              <a:t>The type of operations are more restricted compared to other collections we saw so far</a:t>
+            </a:r>
+          </a:p>
+          <a:p>
+            <a:r>
+              <a:rPr lang="en-US" dirty="0" smtClean="0"/>
+              <a:t>But if you are only interested in the operations of a stack, you can have specialized, </a:t>
+            </a:r>
             <a:r>
               <a:rPr lang="en-US" i="1" dirty="0" smtClean="0"/>
-              <a:t>Pointers</a:t>
+              <a:t>high-performant</a:t>
             </a:r>
             <a:r>
               <a:rPr lang="en-US" dirty="0" smtClean="0"/>
-              <a:t> and </a:t>
-            </a:r>
-            <a:r>
-              <a:rPr lang="en-US" i="1" dirty="0" smtClean="0"/>
-              <a:t>memory</a:t>
-            </a:r>
-            <a:r>
-              <a:rPr lang="en-US" dirty="0" smtClean="0"/>
-              <a:t> are usually hard to understand… but critical, otherwise it will be nearly impossible to understand the data structures in this course</a:t>
-            </a:r>
-          </a:p>
-          <a:p>
-            <a:r>
-              <a:rPr lang="en-US" dirty="0" smtClean="0"/>
-              <a:t>Should had been covered in the 1</a:t>
-            </a:r>
-            <a:r>
-              <a:rPr lang="en-US" baseline="30000" dirty="0" smtClean="0"/>
-              <a:t>st</a:t>
-            </a:r>
-            <a:r>
-              <a:rPr lang="en-US" dirty="0" smtClean="0"/>
-              <a:t> year</a:t>
-            </a:r>
-          </a:p>
-          <a:p>
-            <a:pPr lvl="1"/>
-            <a:r>
-              <a:rPr lang="en-US" dirty="0"/>
-              <a:t>s</a:t>
-            </a:r>
-            <a:r>
-              <a:rPr lang="en-US" dirty="0" smtClean="0"/>
-              <a:t>o this is just a high level revision…</a:t>
+              <a:t> implementations for it </a:t>
             </a:r>
             <a:endParaRPr lang="en-US" dirty="0"/>
           </a:p>
@@ -3640,7 +3621,7 @@
     </p:spTree>
     <p:extLst>
       <p:ext uri="{BB962C8B-B14F-4D97-AF65-F5344CB8AC3E}">
-        <p14:creationId xmlns:p14="http://schemas.microsoft.com/office/powerpoint/2010/main" val="1219543197"/>
+        <p14:creationId xmlns:p14="http://schemas.microsoft.com/office/powerpoint/2010/main" val="965660112"/>
       </p:ext>
     </p:extLst>
   </p:cSld>
@@ -3685,6 +3666,2667 @@
           <a:p>
             <a:r>
               <a:rPr lang="en-US" dirty="0" smtClean="0"/>
+              <a:t>Example</a:t>
+            </a:r>
+            <a:endParaRPr lang="en-US" dirty="0"/>
+          </a:p>
+        </p:txBody>
+      </p:sp>
+      <p:sp>
+        <p:nvSpPr>
+          <p:cNvPr id="3" name="Text Placeholder 2"/>
+          <p:cNvSpPr>
+            <a:spLocks noGrp="1"/>
+          </p:cNvSpPr>
+          <p:nvPr>
+            <p:ph type="body" idx="1"/>
+          </p:nvPr>
+        </p:nvSpPr>
+        <p:spPr/>
+        <p:txBody>
+          <a:bodyPr/>
+          <a:lstStyle/>
+          <a:p>
+            <a:r>
+              <a:rPr lang="en-US" dirty="0" smtClean="0"/>
+              <a:t>You need to work on some data X, so you push X on stack</a:t>
+            </a:r>
+          </a:p>
+          <a:p>
+            <a:r>
+              <a:rPr lang="en-US" dirty="0" smtClean="0"/>
+              <a:t>While working with X, you need to work on some other Y (</a:t>
+            </a:r>
+            <a:r>
+              <a:rPr lang="en-US" b="1" dirty="0" smtClean="0"/>
+              <a:t>push</a:t>
+            </a:r>
+            <a:r>
+              <a:rPr lang="en-US" dirty="0" smtClean="0"/>
+              <a:t> Y), but, once done with it (</a:t>
+            </a:r>
+            <a:r>
+              <a:rPr lang="en-US" b="1" dirty="0" smtClean="0"/>
+              <a:t>pop</a:t>
+            </a:r>
+            <a:r>
+              <a:rPr lang="en-US" dirty="0" smtClean="0"/>
+              <a:t>), need to go back to X (</a:t>
+            </a:r>
+            <a:r>
+              <a:rPr lang="en-US" b="1" dirty="0" smtClean="0"/>
+              <a:t>peek</a:t>
+            </a:r>
+            <a:r>
+              <a:rPr lang="en-US" dirty="0" smtClean="0"/>
+              <a:t>)</a:t>
+            </a:r>
+          </a:p>
+          <a:p>
+            <a:r>
+              <a:rPr lang="en-US" dirty="0" smtClean="0"/>
+              <a:t>While working on Y, might need to work on a Z (</a:t>
+            </a:r>
+            <a:r>
+              <a:rPr lang="en-US" b="1" dirty="0" smtClean="0"/>
+              <a:t>push</a:t>
+            </a:r>
+            <a:r>
+              <a:rPr lang="en-US" dirty="0" smtClean="0"/>
+              <a:t> Z), which itself might need to push more data on stack, etc.</a:t>
+            </a:r>
+            <a:endParaRPr lang="en-US" dirty="0"/>
+          </a:p>
+        </p:txBody>
+      </p:sp>
+    </p:spTree>
+    <p:extLst>
+      <p:ext uri="{BB962C8B-B14F-4D97-AF65-F5344CB8AC3E}">
+        <p14:creationId xmlns:p14="http://schemas.microsoft.com/office/powerpoint/2010/main" val="3388846950"/>
+      </p:ext>
+    </p:extLst>
+  </p:cSld>
+  <p:clrMapOvr>
+    <a:masterClrMapping/>
+  </p:clrMapOvr>
+  <p:transition spd="med"/>
+</p:sld>
+</file>
+
+<file path=ppt/slides/slide13.xml><?xml version="1.0" encoding="utf-8"?>
+<p:sld xmlns:a="http://schemas.openxmlformats.org/drawingml/2006/main" xmlns:r="http://schemas.openxmlformats.org/officeDocument/2006/relationships" xmlns:p="http://schemas.openxmlformats.org/presentationml/2006/main">
+  <p:cSld>
+    <p:spTree>
+      <p:nvGrpSpPr>
+        <p:cNvPr id="1" name=""/>
+        <p:cNvGrpSpPr/>
+        <p:nvPr/>
+      </p:nvGrpSpPr>
+      <p:grpSpPr>
+        <a:xfrm>
+          <a:off x="0" y="0"/>
+          <a:ext cx="0" cy="0"/>
+          <a:chOff x="0" y="0"/>
+          <a:chExt cx="0" cy="0"/>
+        </a:xfrm>
+      </p:grpSpPr>
+      <p:sp>
+        <p:nvSpPr>
+          <p:cNvPr id="2" name="Title 1"/>
+          <p:cNvSpPr>
+            <a:spLocks noGrp="1"/>
+          </p:cNvSpPr>
+          <p:nvPr>
+            <p:ph type="title"/>
+          </p:nvPr>
+        </p:nvSpPr>
+        <p:spPr/>
+        <p:txBody>
+          <a:bodyPr/>
+          <a:lstStyle/>
+          <a:p>
+            <a:r>
+              <a:rPr lang="en-US" dirty="0" smtClean="0"/>
+              <a:t>Method Call Stack</a:t>
+            </a:r>
+            <a:endParaRPr lang="en-US" dirty="0"/>
+          </a:p>
+        </p:txBody>
+      </p:sp>
+      <p:sp>
+        <p:nvSpPr>
+          <p:cNvPr id="3" name="Text Placeholder 2"/>
+          <p:cNvSpPr>
+            <a:spLocks noGrp="1"/>
+          </p:cNvSpPr>
+          <p:nvPr>
+            <p:ph type="body" idx="1"/>
+          </p:nvPr>
+        </p:nvSpPr>
+        <p:spPr>
+          <a:xfrm>
+            <a:off x="952500" y="2603500"/>
+            <a:ext cx="4057650" cy="6286500"/>
+          </a:xfrm>
+        </p:spPr>
+        <p:txBody>
+          <a:bodyPr>
+            <a:normAutofit lnSpcReduction="10000"/>
+          </a:bodyPr>
+          <a:lstStyle/>
+          <a:p>
+            <a:r>
+              <a:rPr lang="en-US" dirty="0" smtClean="0"/>
+              <a:t>For each method call, there is a frame, </a:t>
+            </a:r>
+            <a:r>
+              <a:rPr lang="en-US" dirty="0" err="1" smtClean="0"/>
+              <a:t>eg</a:t>
+            </a:r>
+            <a:r>
+              <a:rPr lang="en-US" dirty="0" smtClean="0"/>
+              <a:t> containing input parameters</a:t>
+            </a:r>
+          </a:p>
+          <a:p>
+            <a:r>
+              <a:rPr lang="en-US" dirty="0" smtClean="0"/>
+              <a:t>At each call, the JVM needs to push frame, and pop it once method is completed</a:t>
+            </a:r>
+            <a:endParaRPr lang="en-US" dirty="0"/>
+          </a:p>
+        </p:txBody>
+      </p:sp>
+      <p:sp>
+        <p:nvSpPr>
+          <p:cNvPr id="4" name="Rectangle 1"/>
+          <p:cNvSpPr>
+            <a:spLocks noChangeArrowheads="1"/>
+          </p:cNvSpPr>
+          <p:nvPr/>
+        </p:nvSpPr>
+        <p:spPr bwMode="auto">
+          <a:xfrm>
+            <a:off x="5381624" y="2756712"/>
+            <a:ext cx="7296151" cy="5632311"/>
+          </a:xfrm>
+          <a:prstGeom prst="rect">
+            <a:avLst/>
+          </a:prstGeom>
+          <a:solidFill>
+            <a:srgbClr val="FFFFFF"/>
+          </a:solidFill>
+          <a:ln>
+            <a:noFill/>
+          </a:ln>
+          <a:effectLst/>
+          <a:extLst>
+            <a:ext uri="{91240B29-F687-4F45-9708-019B960494DF}">
+              <a14:hiddenLine xmlns:a14="http://schemas.microsoft.com/office/drawing/2010/main" w="9525">
+                <a:solidFill>
+                  <a:schemeClr val="tx1"/>
+                </a:solidFill>
+                <a:miter lim="800000"/>
+                <a:headEnd/>
+                <a:tailEnd/>
+              </a14:hiddenLine>
+            </a:ext>
+            <a:ext uri="{AF507438-7753-43E0-B8FC-AC1667EBCBE1}">
+              <a14:hiddenEffects xmlns:a14="http://schemas.microsoft.com/office/drawing/2010/main">
+                <a:effectLst>
+                  <a:outerShdw dist="35921" dir="2700000" algn="ctr" rotWithShape="0">
+                    <a:schemeClr val="bg2"/>
+                  </a:outerShdw>
+                </a:effectLst>
+              </a14:hiddenEffects>
+            </a:ext>
+          </a:extLst>
+        </p:spPr>
+        <p:txBody>
+          <a:bodyPr vert="horz" wrap="square" lIns="91440" tIns="45720" rIns="91440" bIns="45720" numCol="1" anchor="ctr" anchorCtr="0" compatLnSpc="1">
+            <a:prstTxWarp prst="textNoShape">
+              <a:avLst/>
+            </a:prstTxWarp>
+            <a:spAutoFit/>
+          </a:bodyPr>
+          <a:lstStyle/>
+          <a:p>
+            <a:pPr marL="0" marR="0" lvl="0" indent="0" algn="l" defTabSz="914400" rtl="0" eaLnBrk="0" fontAlgn="base" latinLnBrk="0" hangingPunct="0">
+              <a:lnSpc>
+                <a:spcPct val="100000"/>
+              </a:lnSpc>
+              <a:spcBef>
+                <a:spcPct val="0"/>
+              </a:spcBef>
+              <a:spcAft>
+                <a:spcPct val="0"/>
+              </a:spcAft>
+              <a:buClrTx/>
+              <a:buSzTx/>
+              <a:buFontTx/>
+              <a:buNone/>
+              <a:tabLst/>
+            </a:pPr>
+            <a:r>
+              <a:rPr kumimoji="0" lang="en-US" altLang="en-US" sz="2000" b="1" i="0" u="none" strike="noStrike" cap="none" normalizeH="0" baseline="0" dirty="0" smtClean="0">
+                <a:ln>
+                  <a:noFill/>
+                </a:ln>
+                <a:solidFill>
+                  <a:srgbClr val="000080"/>
+                </a:solidFill>
+                <a:effectLst/>
+                <a:latin typeface="Courier New" panose="02070309020205020404" pitchFamily="49" charset="0"/>
+                <a:cs typeface="Courier New" panose="02070309020205020404" pitchFamily="49" charset="0"/>
+              </a:rPr>
+              <a:t>public class </a:t>
+            </a:r>
+            <a:r>
+              <a:rPr kumimoji="0" lang="en-US" altLang="en-US" sz="2000" b="0" i="0" u="none" strike="noStrike" cap="none" normalizeH="0" baseline="0" dirty="0" err="1" smtClean="0">
+                <a:ln>
+                  <a:noFill/>
+                </a:ln>
+                <a:solidFill>
+                  <a:srgbClr val="000000"/>
+                </a:solidFill>
+                <a:effectLst/>
+                <a:latin typeface="Courier New" panose="02070309020205020404" pitchFamily="49" charset="0"/>
+                <a:cs typeface="Courier New" panose="02070309020205020404" pitchFamily="49" charset="0"/>
+              </a:rPr>
+              <a:t>StackOverflow</a:t>
+            </a:r>
+            <a:r>
+              <a:rPr kumimoji="0" lang="en-US" altLang="en-US" sz="2000" b="0" i="0" u="none" strike="noStrike" cap="none" normalizeH="0" baseline="0" dirty="0" smtClean="0">
+                <a:ln>
+                  <a:noFill/>
+                </a:ln>
+                <a:solidFill>
+                  <a:srgbClr val="000000"/>
+                </a:solidFill>
+                <a:effectLst/>
+                <a:latin typeface="Courier New" panose="02070309020205020404" pitchFamily="49" charset="0"/>
+                <a:cs typeface="Courier New" panose="02070309020205020404" pitchFamily="49" charset="0"/>
+              </a:rPr>
+              <a:t> {</a:t>
+            </a:r>
+            <a:br>
+              <a:rPr kumimoji="0" lang="en-US" altLang="en-US" sz="2000" b="0" i="0" u="none" strike="noStrike" cap="none" normalizeH="0" baseline="0" dirty="0" smtClean="0">
+                <a:ln>
+                  <a:noFill/>
+                </a:ln>
+                <a:solidFill>
+                  <a:srgbClr val="000000"/>
+                </a:solidFill>
+                <a:effectLst/>
+                <a:latin typeface="Courier New" panose="02070309020205020404" pitchFamily="49" charset="0"/>
+                <a:cs typeface="Courier New" panose="02070309020205020404" pitchFamily="49" charset="0"/>
+              </a:rPr>
+            </a:br>
+            <a:r>
+              <a:rPr kumimoji="0" lang="en-US" altLang="en-US" sz="2000" b="0" i="0" u="none" strike="noStrike" cap="none" normalizeH="0" baseline="0" dirty="0" smtClean="0">
+                <a:ln>
+                  <a:noFill/>
+                </a:ln>
+                <a:solidFill>
+                  <a:srgbClr val="000000"/>
+                </a:solidFill>
+                <a:effectLst/>
+                <a:latin typeface="Courier New" panose="02070309020205020404" pitchFamily="49" charset="0"/>
+                <a:cs typeface="Courier New" panose="02070309020205020404" pitchFamily="49" charset="0"/>
+              </a:rPr>
+              <a:t/>
+            </a:r>
+            <a:br>
+              <a:rPr kumimoji="0" lang="en-US" altLang="en-US" sz="2000" b="0" i="0" u="none" strike="noStrike" cap="none" normalizeH="0" baseline="0" dirty="0" smtClean="0">
+                <a:ln>
+                  <a:noFill/>
+                </a:ln>
+                <a:solidFill>
+                  <a:srgbClr val="000000"/>
+                </a:solidFill>
+                <a:effectLst/>
+                <a:latin typeface="Courier New" panose="02070309020205020404" pitchFamily="49" charset="0"/>
+                <a:cs typeface="Courier New" panose="02070309020205020404" pitchFamily="49" charset="0"/>
+              </a:rPr>
+            </a:br>
+            <a:r>
+              <a:rPr kumimoji="0" lang="en-US" altLang="en-US" sz="2000" b="0" i="0" u="none" strike="noStrike" cap="none" normalizeH="0" baseline="0" dirty="0" smtClean="0">
+                <a:ln>
+                  <a:noFill/>
+                </a:ln>
+                <a:solidFill>
+                  <a:srgbClr val="000000"/>
+                </a:solidFill>
+                <a:effectLst/>
+                <a:latin typeface="Courier New" panose="02070309020205020404" pitchFamily="49" charset="0"/>
+                <a:cs typeface="Courier New" panose="02070309020205020404" pitchFamily="49" charset="0"/>
+              </a:rPr>
+              <a:t>    </a:t>
+            </a:r>
+            <a:r>
+              <a:rPr kumimoji="0" lang="en-US" altLang="en-US" sz="2000" b="1" i="0" u="none" strike="noStrike" cap="none" normalizeH="0" baseline="0" dirty="0" smtClean="0">
+                <a:ln>
+                  <a:noFill/>
+                </a:ln>
+                <a:solidFill>
+                  <a:srgbClr val="000080"/>
+                </a:solidFill>
+                <a:effectLst/>
+                <a:latin typeface="Courier New" panose="02070309020205020404" pitchFamily="49" charset="0"/>
+                <a:cs typeface="Courier New" panose="02070309020205020404" pitchFamily="49" charset="0"/>
+              </a:rPr>
+              <a:t>public static void </a:t>
+            </a:r>
+            <a:r>
+              <a:rPr kumimoji="0" lang="en-US" altLang="en-US" sz="2000" b="0" i="0" u="none" strike="noStrike" cap="none" normalizeH="0" baseline="0" dirty="0" smtClean="0">
+                <a:ln>
+                  <a:noFill/>
+                </a:ln>
+                <a:solidFill>
+                  <a:srgbClr val="000000"/>
+                </a:solidFill>
+                <a:effectLst/>
+                <a:latin typeface="Courier New" panose="02070309020205020404" pitchFamily="49" charset="0"/>
+                <a:cs typeface="Courier New" panose="02070309020205020404" pitchFamily="49" charset="0"/>
+              </a:rPr>
+              <a:t>main(String[] </a:t>
+            </a:r>
+            <a:r>
+              <a:rPr kumimoji="0" lang="en-US" altLang="en-US" sz="2000" b="0" i="0" u="none" strike="noStrike" cap="none" normalizeH="0" baseline="0" dirty="0" err="1" smtClean="0">
+                <a:ln>
+                  <a:noFill/>
+                </a:ln>
+                <a:solidFill>
+                  <a:srgbClr val="000000"/>
+                </a:solidFill>
+                <a:effectLst/>
+                <a:latin typeface="Courier New" panose="02070309020205020404" pitchFamily="49" charset="0"/>
+                <a:cs typeface="Courier New" panose="02070309020205020404" pitchFamily="49" charset="0"/>
+              </a:rPr>
+              <a:t>args</a:t>
+            </a:r>
+            <a:r>
+              <a:rPr kumimoji="0" lang="en-US" altLang="en-US" sz="2000" b="0" i="0" u="none" strike="noStrike" cap="none" normalizeH="0" baseline="0" dirty="0" smtClean="0">
+                <a:ln>
+                  <a:noFill/>
+                </a:ln>
+                <a:solidFill>
+                  <a:srgbClr val="000000"/>
+                </a:solidFill>
+                <a:effectLst/>
+                <a:latin typeface="Courier New" panose="02070309020205020404" pitchFamily="49" charset="0"/>
+                <a:cs typeface="Courier New" panose="02070309020205020404" pitchFamily="49" charset="0"/>
+              </a:rPr>
+              <a:t>){</a:t>
+            </a:r>
+            <a:br>
+              <a:rPr kumimoji="0" lang="en-US" altLang="en-US" sz="2000" b="0" i="0" u="none" strike="noStrike" cap="none" normalizeH="0" baseline="0" dirty="0" smtClean="0">
+                <a:ln>
+                  <a:noFill/>
+                </a:ln>
+                <a:solidFill>
+                  <a:srgbClr val="000000"/>
+                </a:solidFill>
+                <a:effectLst/>
+                <a:latin typeface="Courier New" panose="02070309020205020404" pitchFamily="49" charset="0"/>
+                <a:cs typeface="Courier New" panose="02070309020205020404" pitchFamily="49" charset="0"/>
+              </a:rPr>
+            </a:br>
+            <a:r>
+              <a:rPr kumimoji="0" lang="en-US" altLang="en-US" sz="2000" b="0" i="0" u="none" strike="noStrike" cap="none" normalizeH="0" baseline="0" dirty="0" smtClean="0">
+                <a:ln>
+                  <a:noFill/>
+                </a:ln>
+                <a:solidFill>
+                  <a:srgbClr val="000000"/>
+                </a:solidFill>
+                <a:effectLst/>
+                <a:latin typeface="Courier New" panose="02070309020205020404" pitchFamily="49" charset="0"/>
+                <a:cs typeface="Courier New" panose="02070309020205020404" pitchFamily="49" charset="0"/>
+              </a:rPr>
+              <a:t>        </a:t>
+            </a:r>
+            <a:r>
+              <a:rPr kumimoji="0" lang="en-US" altLang="en-US" sz="2000" b="0" i="1" u="none" strike="noStrike" cap="none" normalizeH="0" baseline="0" dirty="0" smtClean="0">
+                <a:ln>
+                  <a:noFill/>
+                </a:ln>
+                <a:solidFill>
+                  <a:srgbClr val="000000"/>
+                </a:solidFill>
+                <a:effectLst/>
+                <a:latin typeface="Courier New" panose="02070309020205020404" pitchFamily="49" charset="0"/>
+                <a:cs typeface="Courier New" panose="02070309020205020404" pitchFamily="49" charset="0"/>
+              </a:rPr>
+              <a:t>a</a:t>
+            </a:r>
+            <a:r>
+              <a:rPr kumimoji="0" lang="en-US" altLang="en-US" sz="2000" b="0" i="0" u="none" strike="noStrike" cap="none" normalizeH="0" baseline="0" dirty="0" smtClean="0">
+                <a:ln>
+                  <a:noFill/>
+                </a:ln>
+                <a:solidFill>
+                  <a:srgbClr val="000000"/>
+                </a:solidFill>
+                <a:effectLst/>
+                <a:latin typeface="Courier New" panose="02070309020205020404" pitchFamily="49" charset="0"/>
+                <a:cs typeface="Courier New" panose="02070309020205020404" pitchFamily="49" charset="0"/>
+              </a:rPr>
+              <a:t>(</a:t>
+            </a:r>
+            <a:r>
+              <a:rPr kumimoji="0" lang="en-US" altLang="en-US" sz="2000" b="0" i="0" u="none" strike="noStrike" cap="none" normalizeH="0" baseline="0" dirty="0" smtClean="0">
+                <a:ln>
+                  <a:noFill/>
+                </a:ln>
+                <a:solidFill>
+                  <a:srgbClr val="0000FF"/>
+                </a:solidFill>
+                <a:effectLst/>
+                <a:latin typeface="Courier New" panose="02070309020205020404" pitchFamily="49" charset="0"/>
+                <a:cs typeface="Courier New" panose="02070309020205020404" pitchFamily="49" charset="0"/>
+              </a:rPr>
+              <a:t>0</a:t>
+            </a:r>
+            <a:r>
+              <a:rPr kumimoji="0" lang="en-US" altLang="en-US" sz="2000" b="0" i="0" u="none" strike="noStrike" cap="none" normalizeH="0" baseline="0" dirty="0" smtClean="0">
+                <a:ln>
+                  <a:noFill/>
+                </a:ln>
+                <a:solidFill>
+                  <a:srgbClr val="000000"/>
+                </a:solidFill>
+                <a:effectLst/>
+                <a:latin typeface="Courier New" panose="02070309020205020404" pitchFamily="49" charset="0"/>
+                <a:cs typeface="Courier New" panose="02070309020205020404" pitchFamily="49" charset="0"/>
+              </a:rPr>
+              <a:t>);</a:t>
+            </a:r>
+            <a:br>
+              <a:rPr kumimoji="0" lang="en-US" altLang="en-US" sz="2000" b="0" i="0" u="none" strike="noStrike" cap="none" normalizeH="0" baseline="0" dirty="0" smtClean="0">
+                <a:ln>
+                  <a:noFill/>
+                </a:ln>
+                <a:solidFill>
+                  <a:srgbClr val="000000"/>
+                </a:solidFill>
+                <a:effectLst/>
+                <a:latin typeface="Courier New" panose="02070309020205020404" pitchFamily="49" charset="0"/>
+                <a:cs typeface="Courier New" panose="02070309020205020404" pitchFamily="49" charset="0"/>
+              </a:rPr>
+            </a:br>
+            <a:r>
+              <a:rPr kumimoji="0" lang="en-US" altLang="en-US" sz="2000" b="0" i="0" u="none" strike="noStrike" cap="none" normalizeH="0" baseline="0" dirty="0" smtClean="0">
+                <a:ln>
+                  <a:noFill/>
+                </a:ln>
+                <a:solidFill>
+                  <a:srgbClr val="000000"/>
+                </a:solidFill>
+                <a:effectLst/>
+                <a:latin typeface="Courier New" panose="02070309020205020404" pitchFamily="49" charset="0"/>
+                <a:cs typeface="Courier New" panose="02070309020205020404" pitchFamily="49" charset="0"/>
+              </a:rPr>
+              <a:t>    }</a:t>
+            </a:r>
+            <a:br>
+              <a:rPr kumimoji="0" lang="en-US" altLang="en-US" sz="2000" b="0" i="0" u="none" strike="noStrike" cap="none" normalizeH="0" baseline="0" dirty="0" smtClean="0">
+                <a:ln>
+                  <a:noFill/>
+                </a:ln>
+                <a:solidFill>
+                  <a:srgbClr val="000000"/>
+                </a:solidFill>
+                <a:effectLst/>
+                <a:latin typeface="Courier New" panose="02070309020205020404" pitchFamily="49" charset="0"/>
+                <a:cs typeface="Courier New" panose="02070309020205020404" pitchFamily="49" charset="0"/>
+              </a:rPr>
+            </a:br>
+            <a:r>
+              <a:rPr kumimoji="0" lang="en-US" altLang="en-US" sz="2000" b="0" i="0" u="none" strike="noStrike" cap="none" normalizeH="0" baseline="0" dirty="0" smtClean="0">
+                <a:ln>
+                  <a:noFill/>
+                </a:ln>
+                <a:solidFill>
+                  <a:srgbClr val="000000"/>
+                </a:solidFill>
+                <a:effectLst/>
+                <a:latin typeface="Courier New" panose="02070309020205020404" pitchFamily="49" charset="0"/>
+                <a:cs typeface="Courier New" panose="02070309020205020404" pitchFamily="49" charset="0"/>
+              </a:rPr>
+              <a:t/>
+            </a:r>
+            <a:br>
+              <a:rPr kumimoji="0" lang="en-US" altLang="en-US" sz="2000" b="0" i="0" u="none" strike="noStrike" cap="none" normalizeH="0" baseline="0" dirty="0" smtClean="0">
+                <a:ln>
+                  <a:noFill/>
+                </a:ln>
+                <a:solidFill>
+                  <a:srgbClr val="000000"/>
+                </a:solidFill>
+                <a:effectLst/>
+                <a:latin typeface="Courier New" panose="02070309020205020404" pitchFamily="49" charset="0"/>
+                <a:cs typeface="Courier New" panose="02070309020205020404" pitchFamily="49" charset="0"/>
+              </a:rPr>
+            </a:br>
+            <a:r>
+              <a:rPr kumimoji="0" lang="en-US" altLang="en-US" sz="2000" b="0" i="0" u="none" strike="noStrike" cap="none" normalizeH="0" baseline="0" dirty="0" smtClean="0">
+                <a:ln>
+                  <a:noFill/>
+                </a:ln>
+                <a:solidFill>
+                  <a:srgbClr val="000000"/>
+                </a:solidFill>
+                <a:effectLst/>
+                <a:latin typeface="Courier New" panose="02070309020205020404" pitchFamily="49" charset="0"/>
+                <a:cs typeface="Courier New" panose="02070309020205020404" pitchFamily="49" charset="0"/>
+              </a:rPr>
+              <a:t>    </a:t>
+            </a:r>
+            <a:r>
+              <a:rPr kumimoji="0" lang="en-US" altLang="en-US" sz="2000" b="1" i="0" u="none" strike="noStrike" cap="none" normalizeH="0" baseline="0" dirty="0" smtClean="0">
+                <a:ln>
+                  <a:noFill/>
+                </a:ln>
+                <a:solidFill>
+                  <a:srgbClr val="000080"/>
+                </a:solidFill>
+                <a:effectLst/>
+                <a:latin typeface="Courier New" panose="02070309020205020404" pitchFamily="49" charset="0"/>
+                <a:cs typeface="Courier New" panose="02070309020205020404" pitchFamily="49" charset="0"/>
+              </a:rPr>
+              <a:t>public static </a:t>
+            </a:r>
+            <a:r>
+              <a:rPr kumimoji="0" lang="en-US" altLang="en-US" sz="2000" b="1" i="0" u="none" strike="noStrike" cap="none" normalizeH="0" baseline="0" dirty="0" err="1" smtClean="0">
+                <a:ln>
+                  <a:noFill/>
+                </a:ln>
+                <a:solidFill>
+                  <a:srgbClr val="000080"/>
+                </a:solidFill>
+                <a:effectLst/>
+                <a:latin typeface="Courier New" panose="02070309020205020404" pitchFamily="49" charset="0"/>
+                <a:cs typeface="Courier New" panose="02070309020205020404" pitchFamily="49" charset="0"/>
+              </a:rPr>
+              <a:t>int</a:t>
+            </a:r>
+            <a:r>
+              <a:rPr kumimoji="0" lang="en-US" altLang="en-US" sz="2000" b="1" i="0" u="none" strike="noStrike" cap="none" normalizeH="0" baseline="0" dirty="0" smtClean="0">
+                <a:ln>
+                  <a:noFill/>
+                </a:ln>
+                <a:solidFill>
+                  <a:srgbClr val="000080"/>
+                </a:solidFill>
+                <a:effectLst/>
+                <a:latin typeface="Courier New" panose="02070309020205020404" pitchFamily="49" charset="0"/>
+                <a:cs typeface="Courier New" panose="02070309020205020404" pitchFamily="49" charset="0"/>
+              </a:rPr>
+              <a:t> </a:t>
+            </a:r>
+            <a:r>
+              <a:rPr kumimoji="0" lang="en-US" altLang="en-US" sz="2000" b="0" i="0" u="none" strike="noStrike" cap="none" normalizeH="0" baseline="0" dirty="0" smtClean="0">
+                <a:ln>
+                  <a:noFill/>
+                </a:ln>
+                <a:solidFill>
+                  <a:srgbClr val="000000"/>
+                </a:solidFill>
+                <a:effectLst/>
+                <a:latin typeface="Courier New" panose="02070309020205020404" pitchFamily="49" charset="0"/>
+                <a:cs typeface="Courier New" panose="02070309020205020404" pitchFamily="49" charset="0"/>
+              </a:rPr>
+              <a:t>a(</a:t>
+            </a:r>
+            <a:r>
+              <a:rPr kumimoji="0" lang="en-US" altLang="en-US" sz="2000" b="1" i="0" u="none" strike="noStrike" cap="none" normalizeH="0" baseline="0" dirty="0" err="1" smtClean="0">
+                <a:ln>
+                  <a:noFill/>
+                </a:ln>
+                <a:solidFill>
+                  <a:srgbClr val="000080"/>
+                </a:solidFill>
+                <a:effectLst/>
+                <a:latin typeface="Courier New" panose="02070309020205020404" pitchFamily="49" charset="0"/>
+                <a:cs typeface="Courier New" panose="02070309020205020404" pitchFamily="49" charset="0"/>
+              </a:rPr>
+              <a:t>int</a:t>
+            </a:r>
+            <a:r>
+              <a:rPr kumimoji="0" lang="en-US" altLang="en-US" sz="2000" b="1" i="0" u="none" strike="noStrike" cap="none" normalizeH="0" baseline="0" dirty="0" smtClean="0">
+                <a:ln>
+                  <a:noFill/>
+                </a:ln>
+                <a:solidFill>
+                  <a:srgbClr val="000080"/>
+                </a:solidFill>
+                <a:effectLst/>
+                <a:latin typeface="Courier New" panose="02070309020205020404" pitchFamily="49" charset="0"/>
+                <a:cs typeface="Courier New" panose="02070309020205020404" pitchFamily="49" charset="0"/>
+              </a:rPr>
+              <a:t> </a:t>
+            </a:r>
+            <a:r>
+              <a:rPr kumimoji="0" lang="en-US" altLang="en-US" sz="2000" b="0" i="0" u="none" strike="noStrike" cap="none" normalizeH="0" baseline="0" dirty="0" smtClean="0">
+                <a:ln>
+                  <a:noFill/>
+                </a:ln>
+                <a:solidFill>
+                  <a:srgbClr val="000000"/>
+                </a:solidFill>
+                <a:effectLst/>
+                <a:latin typeface="Courier New" panose="02070309020205020404" pitchFamily="49" charset="0"/>
+                <a:cs typeface="Courier New" panose="02070309020205020404" pitchFamily="49" charset="0"/>
+              </a:rPr>
+              <a:t>x){</a:t>
+            </a:r>
+            <a:br>
+              <a:rPr kumimoji="0" lang="en-US" altLang="en-US" sz="2000" b="0" i="0" u="none" strike="noStrike" cap="none" normalizeH="0" baseline="0" dirty="0" smtClean="0">
+                <a:ln>
+                  <a:noFill/>
+                </a:ln>
+                <a:solidFill>
+                  <a:srgbClr val="000000"/>
+                </a:solidFill>
+                <a:effectLst/>
+                <a:latin typeface="Courier New" panose="02070309020205020404" pitchFamily="49" charset="0"/>
+                <a:cs typeface="Courier New" panose="02070309020205020404" pitchFamily="49" charset="0"/>
+              </a:rPr>
+            </a:br>
+            <a:r>
+              <a:rPr kumimoji="0" lang="en-US" altLang="en-US" sz="2000" b="0" i="0" u="none" strike="noStrike" cap="none" normalizeH="0" baseline="0" dirty="0" smtClean="0">
+                <a:ln>
+                  <a:noFill/>
+                </a:ln>
+                <a:solidFill>
+                  <a:srgbClr val="000000"/>
+                </a:solidFill>
+                <a:effectLst/>
+                <a:latin typeface="Courier New" panose="02070309020205020404" pitchFamily="49" charset="0"/>
+                <a:cs typeface="Courier New" panose="02070309020205020404" pitchFamily="49" charset="0"/>
+              </a:rPr>
+              <a:t>        x++;</a:t>
+            </a:r>
+            <a:br>
+              <a:rPr kumimoji="0" lang="en-US" altLang="en-US" sz="2000" b="0" i="0" u="none" strike="noStrike" cap="none" normalizeH="0" baseline="0" dirty="0" smtClean="0">
+                <a:ln>
+                  <a:noFill/>
+                </a:ln>
+                <a:solidFill>
+                  <a:srgbClr val="000000"/>
+                </a:solidFill>
+                <a:effectLst/>
+                <a:latin typeface="Courier New" panose="02070309020205020404" pitchFamily="49" charset="0"/>
+                <a:cs typeface="Courier New" panose="02070309020205020404" pitchFamily="49" charset="0"/>
+              </a:rPr>
+            </a:br>
+            <a:r>
+              <a:rPr kumimoji="0" lang="en-US" altLang="en-US" sz="2000" b="0" i="0" u="none" strike="noStrike" cap="none" normalizeH="0" baseline="0" dirty="0" smtClean="0">
+                <a:ln>
+                  <a:noFill/>
+                </a:ln>
+                <a:solidFill>
+                  <a:srgbClr val="000000"/>
+                </a:solidFill>
+                <a:effectLst/>
+                <a:latin typeface="Courier New" panose="02070309020205020404" pitchFamily="49" charset="0"/>
+                <a:cs typeface="Courier New" panose="02070309020205020404" pitchFamily="49" charset="0"/>
+              </a:rPr>
+              <a:t/>
+            </a:r>
+            <a:br>
+              <a:rPr kumimoji="0" lang="en-US" altLang="en-US" sz="2000" b="0" i="0" u="none" strike="noStrike" cap="none" normalizeH="0" baseline="0" dirty="0" smtClean="0">
+                <a:ln>
+                  <a:noFill/>
+                </a:ln>
+                <a:solidFill>
+                  <a:srgbClr val="000000"/>
+                </a:solidFill>
+                <a:effectLst/>
+                <a:latin typeface="Courier New" panose="02070309020205020404" pitchFamily="49" charset="0"/>
+                <a:cs typeface="Courier New" panose="02070309020205020404" pitchFamily="49" charset="0"/>
+              </a:rPr>
+            </a:br>
+            <a:r>
+              <a:rPr kumimoji="0" lang="en-US" altLang="en-US" sz="2000" b="0" i="0" u="none" strike="noStrike" cap="none" normalizeH="0" baseline="0" dirty="0" smtClean="0">
+                <a:ln>
+                  <a:noFill/>
+                </a:ln>
+                <a:solidFill>
+                  <a:srgbClr val="000000"/>
+                </a:solidFill>
+                <a:effectLst/>
+                <a:latin typeface="Courier New" panose="02070309020205020404" pitchFamily="49" charset="0"/>
+                <a:cs typeface="Courier New" panose="02070309020205020404" pitchFamily="49" charset="0"/>
+              </a:rPr>
+              <a:t>        x = </a:t>
+            </a:r>
+            <a:r>
+              <a:rPr kumimoji="0" lang="en-US" altLang="en-US" sz="2000" b="0" i="1" u="none" strike="noStrike" cap="none" normalizeH="0" baseline="0" dirty="0" smtClean="0">
+                <a:ln>
+                  <a:noFill/>
+                </a:ln>
+                <a:solidFill>
+                  <a:srgbClr val="000000"/>
+                </a:solidFill>
+                <a:effectLst/>
+                <a:latin typeface="Courier New" panose="02070309020205020404" pitchFamily="49" charset="0"/>
+                <a:cs typeface="Courier New" panose="02070309020205020404" pitchFamily="49" charset="0"/>
+              </a:rPr>
+              <a:t>b</a:t>
+            </a:r>
+            <a:r>
+              <a:rPr kumimoji="0" lang="en-US" altLang="en-US" sz="2000" b="0" i="0" u="none" strike="noStrike" cap="none" normalizeH="0" baseline="0" dirty="0" smtClean="0">
+                <a:ln>
+                  <a:noFill/>
+                </a:ln>
+                <a:solidFill>
+                  <a:srgbClr val="000000"/>
+                </a:solidFill>
+                <a:effectLst/>
+                <a:latin typeface="Courier New" panose="02070309020205020404" pitchFamily="49" charset="0"/>
+                <a:cs typeface="Courier New" panose="02070309020205020404" pitchFamily="49" charset="0"/>
+              </a:rPr>
+              <a:t>(x);</a:t>
+            </a:r>
+            <a:br>
+              <a:rPr kumimoji="0" lang="en-US" altLang="en-US" sz="2000" b="0" i="0" u="none" strike="noStrike" cap="none" normalizeH="0" baseline="0" dirty="0" smtClean="0">
+                <a:ln>
+                  <a:noFill/>
+                </a:ln>
+                <a:solidFill>
+                  <a:srgbClr val="000000"/>
+                </a:solidFill>
+                <a:effectLst/>
+                <a:latin typeface="Courier New" panose="02070309020205020404" pitchFamily="49" charset="0"/>
+                <a:cs typeface="Courier New" panose="02070309020205020404" pitchFamily="49" charset="0"/>
+              </a:rPr>
+            </a:br>
+            <a:r>
+              <a:rPr kumimoji="0" lang="en-US" altLang="en-US" sz="2000" b="0" i="0" u="none" strike="noStrike" cap="none" normalizeH="0" baseline="0" dirty="0" smtClean="0">
+                <a:ln>
+                  <a:noFill/>
+                </a:ln>
+                <a:solidFill>
+                  <a:srgbClr val="000000"/>
+                </a:solidFill>
+                <a:effectLst/>
+                <a:latin typeface="Courier New" panose="02070309020205020404" pitchFamily="49" charset="0"/>
+                <a:cs typeface="Courier New" panose="02070309020205020404" pitchFamily="49" charset="0"/>
+              </a:rPr>
+              <a:t/>
+            </a:r>
+            <a:br>
+              <a:rPr kumimoji="0" lang="en-US" altLang="en-US" sz="2000" b="0" i="0" u="none" strike="noStrike" cap="none" normalizeH="0" baseline="0" dirty="0" smtClean="0">
+                <a:ln>
+                  <a:noFill/>
+                </a:ln>
+                <a:solidFill>
+                  <a:srgbClr val="000000"/>
+                </a:solidFill>
+                <a:effectLst/>
+                <a:latin typeface="Courier New" panose="02070309020205020404" pitchFamily="49" charset="0"/>
+                <a:cs typeface="Courier New" panose="02070309020205020404" pitchFamily="49" charset="0"/>
+              </a:rPr>
+            </a:br>
+            <a:r>
+              <a:rPr kumimoji="0" lang="en-US" altLang="en-US" sz="2000" b="0" i="0" u="none" strike="noStrike" cap="none" normalizeH="0" baseline="0" dirty="0" smtClean="0">
+                <a:ln>
+                  <a:noFill/>
+                </a:ln>
+                <a:solidFill>
+                  <a:srgbClr val="000000"/>
+                </a:solidFill>
+                <a:effectLst/>
+                <a:latin typeface="Courier New" panose="02070309020205020404" pitchFamily="49" charset="0"/>
+                <a:cs typeface="Courier New" panose="02070309020205020404" pitchFamily="49" charset="0"/>
+              </a:rPr>
+              <a:t>        </a:t>
+            </a:r>
+            <a:r>
+              <a:rPr kumimoji="0" lang="en-US" altLang="en-US" sz="2000" b="1" i="0" u="none" strike="noStrike" cap="none" normalizeH="0" baseline="0" dirty="0" smtClean="0">
+                <a:ln>
+                  <a:noFill/>
+                </a:ln>
+                <a:solidFill>
+                  <a:srgbClr val="000080"/>
+                </a:solidFill>
+                <a:effectLst/>
+                <a:latin typeface="Courier New" panose="02070309020205020404" pitchFamily="49" charset="0"/>
+                <a:cs typeface="Courier New" panose="02070309020205020404" pitchFamily="49" charset="0"/>
+              </a:rPr>
+              <a:t>return </a:t>
+            </a:r>
+            <a:r>
+              <a:rPr kumimoji="0" lang="en-US" altLang="en-US" sz="2000" b="0" i="0" u="none" strike="noStrike" cap="none" normalizeH="0" baseline="0" dirty="0" smtClean="0">
+                <a:ln>
+                  <a:noFill/>
+                </a:ln>
+                <a:solidFill>
+                  <a:srgbClr val="000000"/>
+                </a:solidFill>
+                <a:effectLst/>
+                <a:latin typeface="Courier New" panose="02070309020205020404" pitchFamily="49" charset="0"/>
+                <a:cs typeface="Courier New" panose="02070309020205020404" pitchFamily="49" charset="0"/>
+              </a:rPr>
+              <a:t>x;</a:t>
+            </a:r>
+            <a:br>
+              <a:rPr kumimoji="0" lang="en-US" altLang="en-US" sz="2000" b="0" i="0" u="none" strike="noStrike" cap="none" normalizeH="0" baseline="0" dirty="0" smtClean="0">
+                <a:ln>
+                  <a:noFill/>
+                </a:ln>
+                <a:solidFill>
+                  <a:srgbClr val="000000"/>
+                </a:solidFill>
+                <a:effectLst/>
+                <a:latin typeface="Courier New" panose="02070309020205020404" pitchFamily="49" charset="0"/>
+                <a:cs typeface="Courier New" panose="02070309020205020404" pitchFamily="49" charset="0"/>
+              </a:rPr>
+            </a:br>
+            <a:r>
+              <a:rPr kumimoji="0" lang="en-US" altLang="en-US" sz="2000" b="0" i="0" u="none" strike="noStrike" cap="none" normalizeH="0" baseline="0" dirty="0" smtClean="0">
+                <a:ln>
+                  <a:noFill/>
+                </a:ln>
+                <a:solidFill>
+                  <a:srgbClr val="000000"/>
+                </a:solidFill>
+                <a:effectLst/>
+                <a:latin typeface="Courier New" panose="02070309020205020404" pitchFamily="49" charset="0"/>
+                <a:cs typeface="Courier New" panose="02070309020205020404" pitchFamily="49" charset="0"/>
+              </a:rPr>
+              <a:t>    }</a:t>
+            </a:r>
+            <a:br>
+              <a:rPr kumimoji="0" lang="en-US" altLang="en-US" sz="2000" b="0" i="0" u="none" strike="noStrike" cap="none" normalizeH="0" baseline="0" dirty="0" smtClean="0">
+                <a:ln>
+                  <a:noFill/>
+                </a:ln>
+                <a:solidFill>
+                  <a:srgbClr val="000000"/>
+                </a:solidFill>
+                <a:effectLst/>
+                <a:latin typeface="Courier New" panose="02070309020205020404" pitchFamily="49" charset="0"/>
+                <a:cs typeface="Courier New" panose="02070309020205020404" pitchFamily="49" charset="0"/>
+              </a:rPr>
+            </a:br>
+            <a:r>
+              <a:rPr kumimoji="0" lang="en-US" altLang="en-US" sz="2000" b="0" i="0" u="none" strike="noStrike" cap="none" normalizeH="0" baseline="0" dirty="0" smtClean="0">
+                <a:ln>
+                  <a:noFill/>
+                </a:ln>
+                <a:solidFill>
+                  <a:srgbClr val="000000"/>
+                </a:solidFill>
+                <a:effectLst/>
+                <a:latin typeface="Courier New" panose="02070309020205020404" pitchFamily="49" charset="0"/>
+                <a:cs typeface="Courier New" panose="02070309020205020404" pitchFamily="49" charset="0"/>
+              </a:rPr>
+              <a:t/>
+            </a:r>
+            <a:br>
+              <a:rPr kumimoji="0" lang="en-US" altLang="en-US" sz="2000" b="0" i="0" u="none" strike="noStrike" cap="none" normalizeH="0" baseline="0" dirty="0" smtClean="0">
+                <a:ln>
+                  <a:noFill/>
+                </a:ln>
+                <a:solidFill>
+                  <a:srgbClr val="000000"/>
+                </a:solidFill>
+                <a:effectLst/>
+                <a:latin typeface="Courier New" panose="02070309020205020404" pitchFamily="49" charset="0"/>
+                <a:cs typeface="Courier New" panose="02070309020205020404" pitchFamily="49" charset="0"/>
+              </a:rPr>
+            </a:br>
+            <a:r>
+              <a:rPr kumimoji="0" lang="en-US" altLang="en-US" sz="2000" b="0" i="0" u="none" strike="noStrike" cap="none" normalizeH="0" baseline="0" dirty="0" smtClean="0">
+                <a:ln>
+                  <a:noFill/>
+                </a:ln>
+                <a:solidFill>
+                  <a:srgbClr val="000000"/>
+                </a:solidFill>
+                <a:effectLst/>
+                <a:latin typeface="Courier New" panose="02070309020205020404" pitchFamily="49" charset="0"/>
+                <a:cs typeface="Courier New" panose="02070309020205020404" pitchFamily="49" charset="0"/>
+              </a:rPr>
+              <a:t>    </a:t>
+            </a:r>
+            <a:r>
+              <a:rPr kumimoji="0" lang="en-US" altLang="en-US" sz="2000" b="1" i="0" u="none" strike="noStrike" cap="none" normalizeH="0" baseline="0" dirty="0" smtClean="0">
+                <a:ln>
+                  <a:noFill/>
+                </a:ln>
+                <a:solidFill>
+                  <a:srgbClr val="000080"/>
+                </a:solidFill>
+                <a:effectLst/>
+                <a:latin typeface="Courier New" panose="02070309020205020404" pitchFamily="49" charset="0"/>
+                <a:cs typeface="Courier New" panose="02070309020205020404" pitchFamily="49" charset="0"/>
+              </a:rPr>
+              <a:t>public static </a:t>
+            </a:r>
+            <a:r>
+              <a:rPr kumimoji="0" lang="en-US" altLang="en-US" sz="2000" b="1" i="0" u="none" strike="noStrike" cap="none" normalizeH="0" baseline="0" dirty="0" err="1" smtClean="0">
+                <a:ln>
+                  <a:noFill/>
+                </a:ln>
+                <a:solidFill>
+                  <a:srgbClr val="000080"/>
+                </a:solidFill>
+                <a:effectLst/>
+                <a:latin typeface="Courier New" panose="02070309020205020404" pitchFamily="49" charset="0"/>
+                <a:cs typeface="Courier New" panose="02070309020205020404" pitchFamily="49" charset="0"/>
+              </a:rPr>
+              <a:t>int</a:t>
+            </a:r>
+            <a:r>
+              <a:rPr kumimoji="0" lang="en-US" altLang="en-US" sz="2000" b="1" i="0" u="none" strike="noStrike" cap="none" normalizeH="0" baseline="0" dirty="0" smtClean="0">
+                <a:ln>
+                  <a:noFill/>
+                </a:ln>
+                <a:solidFill>
+                  <a:srgbClr val="000080"/>
+                </a:solidFill>
+                <a:effectLst/>
+                <a:latin typeface="Courier New" panose="02070309020205020404" pitchFamily="49" charset="0"/>
+                <a:cs typeface="Courier New" panose="02070309020205020404" pitchFamily="49" charset="0"/>
+              </a:rPr>
+              <a:t> </a:t>
+            </a:r>
+            <a:r>
+              <a:rPr kumimoji="0" lang="en-US" altLang="en-US" sz="2000" b="0" i="0" u="none" strike="noStrike" cap="none" normalizeH="0" baseline="0" dirty="0" smtClean="0">
+                <a:ln>
+                  <a:noFill/>
+                </a:ln>
+                <a:solidFill>
+                  <a:srgbClr val="000000"/>
+                </a:solidFill>
+                <a:effectLst/>
+                <a:latin typeface="Courier New" panose="02070309020205020404" pitchFamily="49" charset="0"/>
+                <a:cs typeface="Courier New" panose="02070309020205020404" pitchFamily="49" charset="0"/>
+              </a:rPr>
+              <a:t>b(</a:t>
+            </a:r>
+            <a:r>
+              <a:rPr kumimoji="0" lang="en-US" altLang="en-US" sz="2000" b="1" i="0" u="none" strike="noStrike" cap="none" normalizeH="0" baseline="0" dirty="0" err="1" smtClean="0">
+                <a:ln>
+                  <a:noFill/>
+                </a:ln>
+                <a:solidFill>
+                  <a:srgbClr val="000080"/>
+                </a:solidFill>
+                <a:effectLst/>
+                <a:latin typeface="Courier New" panose="02070309020205020404" pitchFamily="49" charset="0"/>
+                <a:cs typeface="Courier New" panose="02070309020205020404" pitchFamily="49" charset="0"/>
+              </a:rPr>
+              <a:t>int</a:t>
+            </a:r>
+            <a:r>
+              <a:rPr kumimoji="0" lang="en-US" altLang="en-US" sz="2000" b="1" i="0" u="none" strike="noStrike" cap="none" normalizeH="0" baseline="0" dirty="0" smtClean="0">
+                <a:ln>
+                  <a:noFill/>
+                </a:ln>
+                <a:solidFill>
+                  <a:srgbClr val="000080"/>
+                </a:solidFill>
+                <a:effectLst/>
+                <a:latin typeface="Courier New" panose="02070309020205020404" pitchFamily="49" charset="0"/>
+                <a:cs typeface="Courier New" panose="02070309020205020404" pitchFamily="49" charset="0"/>
+              </a:rPr>
+              <a:t> </a:t>
+            </a:r>
+            <a:r>
+              <a:rPr kumimoji="0" lang="en-US" altLang="en-US" sz="2000" b="0" i="0" u="none" strike="noStrike" cap="none" normalizeH="0" baseline="0" dirty="0" smtClean="0">
+                <a:ln>
+                  <a:noFill/>
+                </a:ln>
+                <a:solidFill>
+                  <a:srgbClr val="000000"/>
+                </a:solidFill>
+                <a:effectLst/>
+                <a:latin typeface="Courier New" panose="02070309020205020404" pitchFamily="49" charset="0"/>
+                <a:cs typeface="Courier New" panose="02070309020205020404" pitchFamily="49" charset="0"/>
+              </a:rPr>
+              <a:t>y){</a:t>
+            </a:r>
+            <a:br>
+              <a:rPr kumimoji="0" lang="en-US" altLang="en-US" sz="2000" b="0" i="0" u="none" strike="noStrike" cap="none" normalizeH="0" baseline="0" dirty="0" smtClean="0">
+                <a:ln>
+                  <a:noFill/>
+                </a:ln>
+                <a:solidFill>
+                  <a:srgbClr val="000000"/>
+                </a:solidFill>
+                <a:effectLst/>
+                <a:latin typeface="Courier New" panose="02070309020205020404" pitchFamily="49" charset="0"/>
+                <a:cs typeface="Courier New" panose="02070309020205020404" pitchFamily="49" charset="0"/>
+              </a:rPr>
+            </a:br>
+            <a:r>
+              <a:rPr kumimoji="0" lang="en-US" altLang="en-US" sz="2000" b="0" i="0" u="none" strike="noStrike" cap="none" normalizeH="0" baseline="0" dirty="0" smtClean="0">
+                <a:ln>
+                  <a:noFill/>
+                </a:ln>
+                <a:solidFill>
+                  <a:srgbClr val="000000"/>
+                </a:solidFill>
+                <a:effectLst/>
+                <a:latin typeface="Courier New" panose="02070309020205020404" pitchFamily="49" charset="0"/>
+                <a:cs typeface="Courier New" panose="02070309020205020404" pitchFamily="49" charset="0"/>
+              </a:rPr>
+              <a:t>        </a:t>
+            </a:r>
+            <a:r>
+              <a:rPr kumimoji="0" lang="en-US" altLang="en-US" sz="2000" b="1" i="0" u="none" strike="noStrike" cap="none" normalizeH="0" baseline="0" dirty="0" smtClean="0">
+                <a:ln>
+                  <a:noFill/>
+                </a:ln>
+                <a:solidFill>
+                  <a:srgbClr val="000080"/>
+                </a:solidFill>
+                <a:effectLst/>
+                <a:latin typeface="Courier New" panose="02070309020205020404" pitchFamily="49" charset="0"/>
+                <a:cs typeface="Courier New" panose="02070309020205020404" pitchFamily="49" charset="0"/>
+              </a:rPr>
+              <a:t>return </a:t>
+            </a:r>
+            <a:r>
+              <a:rPr kumimoji="0" lang="en-US" altLang="en-US" sz="2000" b="0" i="1" u="none" strike="noStrike" cap="none" normalizeH="0" baseline="0" dirty="0" smtClean="0">
+                <a:ln>
+                  <a:noFill/>
+                </a:ln>
+                <a:solidFill>
+                  <a:srgbClr val="000000"/>
+                </a:solidFill>
+                <a:effectLst/>
+                <a:latin typeface="Courier New" panose="02070309020205020404" pitchFamily="49" charset="0"/>
+                <a:cs typeface="Courier New" panose="02070309020205020404" pitchFamily="49" charset="0"/>
+              </a:rPr>
+              <a:t>a</a:t>
+            </a:r>
+            <a:r>
+              <a:rPr kumimoji="0" lang="en-US" altLang="en-US" sz="2000" b="0" i="0" u="none" strike="noStrike" cap="none" normalizeH="0" baseline="0" dirty="0" smtClean="0">
+                <a:ln>
+                  <a:noFill/>
+                </a:ln>
+                <a:solidFill>
+                  <a:srgbClr val="000000"/>
+                </a:solidFill>
+                <a:effectLst/>
+                <a:latin typeface="Courier New" panose="02070309020205020404" pitchFamily="49" charset="0"/>
+                <a:cs typeface="Courier New" panose="02070309020205020404" pitchFamily="49" charset="0"/>
+              </a:rPr>
+              <a:t>(y);</a:t>
+            </a:r>
+            <a:br>
+              <a:rPr kumimoji="0" lang="en-US" altLang="en-US" sz="2000" b="0" i="0" u="none" strike="noStrike" cap="none" normalizeH="0" baseline="0" dirty="0" smtClean="0">
+                <a:ln>
+                  <a:noFill/>
+                </a:ln>
+                <a:solidFill>
+                  <a:srgbClr val="000000"/>
+                </a:solidFill>
+                <a:effectLst/>
+                <a:latin typeface="Courier New" panose="02070309020205020404" pitchFamily="49" charset="0"/>
+                <a:cs typeface="Courier New" panose="02070309020205020404" pitchFamily="49" charset="0"/>
+              </a:rPr>
+            </a:br>
+            <a:r>
+              <a:rPr kumimoji="0" lang="en-US" altLang="en-US" sz="2000" b="0" i="0" u="none" strike="noStrike" cap="none" normalizeH="0" baseline="0" dirty="0" smtClean="0">
+                <a:ln>
+                  <a:noFill/>
+                </a:ln>
+                <a:solidFill>
+                  <a:srgbClr val="000000"/>
+                </a:solidFill>
+                <a:effectLst/>
+                <a:latin typeface="Courier New" panose="02070309020205020404" pitchFamily="49" charset="0"/>
+                <a:cs typeface="Courier New" panose="02070309020205020404" pitchFamily="49" charset="0"/>
+              </a:rPr>
+              <a:t>    }</a:t>
+            </a:r>
+            <a:br>
+              <a:rPr kumimoji="0" lang="en-US" altLang="en-US" sz="2000" b="0" i="0" u="none" strike="noStrike" cap="none" normalizeH="0" baseline="0" dirty="0" smtClean="0">
+                <a:ln>
+                  <a:noFill/>
+                </a:ln>
+                <a:solidFill>
+                  <a:srgbClr val="000000"/>
+                </a:solidFill>
+                <a:effectLst/>
+                <a:latin typeface="Courier New" panose="02070309020205020404" pitchFamily="49" charset="0"/>
+                <a:cs typeface="Courier New" panose="02070309020205020404" pitchFamily="49" charset="0"/>
+              </a:rPr>
+            </a:br>
+            <a:r>
+              <a:rPr kumimoji="0" lang="en-US" altLang="en-US" sz="2000" b="0" i="0" u="none" strike="noStrike" cap="none" normalizeH="0" baseline="0" dirty="0" smtClean="0">
+                <a:ln>
+                  <a:noFill/>
+                </a:ln>
+                <a:solidFill>
+                  <a:srgbClr val="000000"/>
+                </a:solidFill>
+                <a:effectLst/>
+                <a:latin typeface="Courier New" panose="02070309020205020404" pitchFamily="49" charset="0"/>
+                <a:cs typeface="Courier New" panose="02070309020205020404" pitchFamily="49" charset="0"/>
+              </a:rPr>
+              <a:t>}</a:t>
+            </a:r>
+            <a:endParaRPr kumimoji="0" lang="en-US" altLang="en-US" sz="2000" b="0" i="0" u="none" strike="noStrike" cap="none" normalizeH="0" baseline="0" dirty="0" smtClean="0">
+              <a:ln>
+                <a:noFill/>
+              </a:ln>
+              <a:solidFill>
+                <a:schemeClr val="tx1"/>
+              </a:solidFill>
+              <a:effectLst/>
+              <a:latin typeface="Arial" panose="020B0604020202020204" pitchFamily="34" charset="0"/>
+            </a:endParaRPr>
+          </a:p>
+        </p:txBody>
+      </p:sp>
+    </p:spTree>
+    <p:extLst>
+      <p:ext uri="{BB962C8B-B14F-4D97-AF65-F5344CB8AC3E}">
+        <p14:creationId xmlns:p14="http://schemas.microsoft.com/office/powerpoint/2010/main" val="2103447596"/>
+      </p:ext>
+    </p:extLst>
+  </p:cSld>
+  <p:clrMapOvr>
+    <a:masterClrMapping/>
+  </p:clrMapOvr>
+  <p:transition spd="med"/>
+</p:sld>
+</file>
+
+<file path=ppt/slides/slide14.xml><?xml version="1.0" encoding="utf-8"?>
+<p:sld xmlns:a="http://schemas.openxmlformats.org/drawingml/2006/main" xmlns:r="http://schemas.openxmlformats.org/officeDocument/2006/relationships" xmlns:p="http://schemas.openxmlformats.org/presentationml/2006/main">
+  <p:cSld>
+    <p:spTree>
+      <p:nvGrpSpPr>
+        <p:cNvPr id="1" name=""/>
+        <p:cNvGrpSpPr/>
+        <p:nvPr/>
+      </p:nvGrpSpPr>
+      <p:grpSpPr>
+        <a:xfrm>
+          <a:off x="0" y="0"/>
+          <a:ext cx="0" cy="0"/>
+          <a:chOff x="0" y="0"/>
+          <a:chExt cx="0" cy="0"/>
+        </a:xfrm>
+      </p:grpSpPr>
+      <p:sp>
+        <p:nvSpPr>
+          <p:cNvPr id="2" name="Title 1"/>
+          <p:cNvSpPr>
+            <a:spLocks noGrp="1"/>
+          </p:cNvSpPr>
+          <p:nvPr>
+            <p:ph type="title"/>
+          </p:nvPr>
+        </p:nvSpPr>
+        <p:spPr/>
+        <p:txBody>
+          <a:bodyPr/>
+          <a:lstStyle/>
+          <a:p>
+            <a:r>
+              <a:rPr lang="en-US" dirty="0" smtClean="0"/>
+              <a:t>Stack Overflow</a:t>
+            </a:r>
+            <a:endParaRPr lang="en-US" dirty="0"/>
+          </a:p>
+        </p:txBody>
+      </p:sp>
+      <p:sp>
+        <p:nvSpPr>
+          <p:cNvPr id="6" name="Rectangle 1"/>
+          <p:cNvSpPr>
+            <a:spLocks noChangeArrowheads="1"/>
+          </p:cNvSpPr>
+          <p:nvPr/>
+        </p:nvSpPr>
+        <p:spPr bwMode="auto">
+          <a:xfrm>
+            <a:off x="95250" y="2440990"/>
+            <a:ext cx="9458326" cy="4585871"/>
+          </a:xfrm>
+          <a:prstGeom prst="rect">
+            <a:avLst/>
+          </a:prstGeom>
+          <a:solidFill>
+            <a:srgbClr val="FFFFFF"/>
+          </a:solidFill>
+          <a:ln>
+            <a:noFill/>
+          </a:ln>
+          <a:effectLst/>
+          <a:extLst>
+            <a:ext uri="{91240B29-F687-4F45-9708-019B960494DF}">
+              <a14:hiddenLine xmlns:a14="http://schemas.microsoft.com/office/drawing/2010/main" w="9525">
+                <a:solidFill>
+                  <a:schemeClr val="tx1"/>
+                </a:solidFill>
+                <a:miter lim="800000"/>
+                <a:headEnd/>
+                <a:tailEnd/>
+              </a14:hiddenLine>
+            </a:ext>
+            <a:ext uri="{AF507438-7753-43E0-B8FC-AC1667EBCBE1}">
+              <a14:hiddenEffects xmlns:a14="http://schemas.microsoft.com/office/drawing/2010/main">
+                <a:effectLst>
+                  <a:outerShdw dist="35921" dir="2700000" algn="ctr" rotWithShape="0">
+                    <a:schemeClr val="bg2"/>
+                  </a:outerShdw>
+                </a:effectLst>
+              </a14:hiddenEffects>
+            </a:ext>
+          </a:extLst>
+        </p:spPr>
+        <p:txBody>
+          <a:bodyPr vert="horz" wrap="square" lIns="91440" tIns="45720" rIns="91440" bIns="45720" numCol="1" anchor="ctr" anchorCtr="0" compatLnSpc="1">
+            <a:prstTxWarp prst="textNoShape">
+              <a:avLst/>
+            </a:prstTxWarp>
+            <a:spAutoFit/>
+          </a:bodyPr>
+          <a:lstStyle/>
+          <a:p>
+            <a:pPr marL="0" marR="0" lvl="0" indent="0" algn="l" defTabSz="914400" rtl="0" eaLnBrk="0" fontAlgn="base" latinLnBrk="0" hangingPunct="0">
+              <a:lnSpc>
+                <a:spcPct val="100000"/>
+              </a:lnSpc>
+              <a:spcBef>
+                <a:spcPct val="0"/>
+              </a:spcBef>
+              <a:spcAft>
+                <a:spcPct val="0"/>
+              </a:spcAft>
+              <a:buClrTx/>
+              <a:buSzTx/>
+              <a:buFontTx/>
+              <a:buNone/>
+              <a:tabLst/>
+            </a:pPr>
+            <a:r>
+              <a:rPr kumimoji="0" lang="en-US" altLang="en-US" sz="1600" b="0" i="1" u="none" strike="noStrike" cap="none" normalizeH="0" baseline="0" dirty="0" smtClean="0">
+                <a:ln>
+                  <a:noFill/>
+                </a:ln>
+                <a:solidFill>
+                  <a:srgbClr val="808080"/>
+                </a:solidFill>
+                <a:effectLst/>
+                <a:latin typeface="Courier New" panose="02070309020205020404" pitchFamily="49" charset="0"/>
+                <a:cs typeface="Courier New" panose="02070309020205020404" pitchFamily="49" charset="0"/>
+              </a:rPr>
+              <a:t>Exception in thread "main" </a:t>
+            </a:r>
+            <a:r>
+              <a:rPr kumimoji="0" lang="en-US" altLang="en-US" sz="2000" b="1" i="1" u="none" strike="noStrike" cap="none" normalizeH="0" baseline="0" dirty="0" err="1" smtClean="0">
+                <a:ln>
+                  <a:noFill/>
+                </a:ln>
+                <a:solidFill>
+                  <a:srgbClr val="808080"/>
+                </a:solidFill>
+                <a:effectLst/>
+                <a:latin typeface="Courier New" panose="02070309020205020404" pitchFamily="49" charset="0"/>
+                <a:cs typeface="Courier New" panose="02070309020205020404" pitchFamily="49" charset="0"/>
+              </a:rPr>
+              <a:t>java.lang.StackOverflowError</a:t>
+            </a:r>
+            <a:r>
+              <a:rPr kumimoji="0" lang="en-US" altLang="en-US" sz="1600" b="1" i="1" u="none" strike="noStrike" cap="none" normalizeH="0" baseline="0" dirty="0" smtClean="0">
+                <a:ln>
+                  <a:noFill/>
+                </a:ln>
+                <a:solidFill>
+                  <a:srgbClr val="808080"/>
+                </a:solidFill>
+                <a:effectLst/>
+                <a:latin typeface="Courier New" panose="02070309020205020404" pitchFamily="49" charset="0"/>
+                <a:cs typeface="Courier New" panose="02070309020205020404" pitchFamily="49" charset="0"/>
+              </a:rPr>
+              <a:t/>
+            </a:r>
+            <a:br>
+              <a:rPr kumimoji="0" lang="en-US" altLang="en-US" sz="1600" b="1" i="1" u="none" strike="noStrike" cap="none" normalizeH="0" baseline="0" dirty="0" smtClean="0">
+                <a:ln>
+                  <a:noFill/>
+                </a:ln>
+                <a:solidFill>
+                  <a:srgbClr val="808080"/>
+                </a:solidFill>
+                <a:effectLst/>
+                <a:latin typeface="Courier New" panose="02070309020205020404" pitchFamily="49" charset="0"/>
+                <a:cs typeface="Courier New" panose="02070309020205020404" pitchFamily="49" charset="0"/>
+              </a:rPr>
+            </a:br>
+            <a:r>
+              <a:rPr kumimoji="0" lang="en-US" altLang="en-US" sz="1600" b="0" i="1" u="none" strike="noStrike" cap="none" normalizeH="0" baseline="0" dirty="0" smtClean="0">
+                <a:ln>
+                  <a:noFill/>
+                </a:ln>
+                <a:solidFill>
+                  <a:srgbClr val="808080"/>
+                </a:solidFill>
+                <a:effectLst/>
+                <a:latin typeface="Courier New" panose="02070309020205020404" pitchFamily="49" charset="0"/>
+                <a:cs typeface="Courier New" panose="02070309020205020404" pitchFamily="49" charset="0"/>
+              </a:rPr>
+              <a:t>   at org.pg4200.datastructure.stack.StackOverflow.b(StackOverflow.java:22)</a:t>
+            </a:r>
+            <a:br>
+              <a:rPr kumimoji="0" lang="en-US" altLang="en-US" sz="1600" b="0" i="1" u="none" strike="noStrike" cap="none" normalizeH="0" baseline="0" dirty="0" smtClean="0">
+                <a:ln>
+                  <a:noFill/>
+                </a:ln>
+                <a:solidFill>
+                  <a:srgbClr val="808080"/>
+                </a:solidFill>
+                <a:effectLst/>
+                <a:latin typeface="Courier New" panose="02070309020205020404" pitchFamily="49" charset="0"/>
+                <a:cs typeface="Courier New" panose="02070309020205020404" pitchFamily="49" charset="0"/>
+              </a:rPr>
+            </a:br>
+            <a:r>
+              <a:rPr kumimoji="0" lang="en-US" altLang="en-US" sz="1600" b="0" i="1" u="none" strike="noStrike" cap="none" normalizeH="0" baseline="0" dirty="0" smtClean="0">
+                <a:ln>
+                  <a:noFill/>
+                </a:ln>
+                <a:solidFill>
+                  <a:srgbClr val="808080"/>
+                </a:solidFill>
+                <a:effectLst/>
+                <a:latin typeface="Courier New" panose="02070309020205020404" pitchFamily="49" charset="0"/>
+                <a:cs typeface="Courier New" panose="02070309020205020404" pitchFamily="49" charset="0"/>
+              </a:rPr>
+              <a:t>   at org.pg4200.datastructure.stack.StackOverflow.a(StackOverflow.java:16)</a:t>
+            </a:r>
+            <a:br>
+              <a:rPr kumimoji="0" lang="en-US" altLang="en-US" sz="1600" b="0" i="1" u="none" strike="noStrike" cap="none" normalizeH="0" baseline="0" dirty="0" smtClean="0">
+                <a:ln>
+                  <a:noFill/>
+                </a:ln>
+                <a:solidFill>
+                  <a:srgbClr val="808080"/>
+                </a:solidFill>
+                <a:effectLst/>
+                <a:latin typeface="Courier New" panose="02070309020205020404" pitchFamily="49" charset="0"/>
+                <a:cs typeface="Courier New" panose="02070309020205020404" pitchFamily="49" charset="0"/>
+              </a:rPr>
+            </a:br>
+            <a:r>
+              <a:rPr kumimoji="0" lang="en-US" altLang="en-US" sz="1600" b="0" i="1" u="none" strike="noStrike" cap="none" normalizeH="0" baseline="0" dirty="0" smtClean="0">
+                <a:ln>
+                  <a:noFill/>
+                </a:ln>
+                <a:solidFill>
+                  <a:srgbClr val="808080"/>
+                </a:solidFill>
+                <a:effectLst/>
+                <a:latin typeface="Courier New" panose="02070309020205020404" pitchFamily="49" charset="0"/>
+                <a:cs typeface="Courier New" panose="02070309020205020404" pitchFamily="49" charset="0"/>
+              </a:rPr>
+              <a:t>   at org.pg4200.datastructure.stack.StackOverflow.b(StackOverflow.java:22)</a:t>
+            </a:r>
+            <a:br>
+              <a:rPr kumimoji="0" lang="en-US" altLang="en-US" sz="1600" b="0" i="1" u="none" strike="noStrike" cap="none" normalizeH="0" baseline="0" dirty="0" smtClean="0">
+                <a:ln>
+                  <a:noFill/>
+                </a:ln>
+                <a:solidFill>
+                  <a:srgbClr val="808080"/>
+                </a:solidFill>
+                <a:effectLst/>
+                <a:latin typeface="Courier New" panose="02070309020205020404" pitchFamily="49" charset="0"/>
+                <a:cs typeface="Courier New" panose="02070309020205020404" pitchFamily="49" charset="0"/>
+              </a:rPr>
+            </a:br>
+            <a:r>
+              <a:rPr kumimoji="0" lang="en-US" altLang="en-US" sz="1600" b="0" i="1" u="none" strike="noStrike" cap="none" normalizeH="0" baseline="0" dirty="0" smtClean="0">
+                <a:ln>
+                  <a:noFill/>
+                </a:ln>
+                <a:solidFill>
+                  <a:srgbClr val="808080"/>
+                </a:solidFill>
+                <a:effectLst/>
+                <a:latin typeface="Courier New" panose="02070309020205020404" pitchFamily="49" charset="0"/>
+                <a:cs typeface="Courier New" panose="02070309020205020404" pitchFamily="49" charset="0"/>
+              </a:rPr>
+              <a:t>   at org.pg4200.datastructure.stack.StackOverflow.a(StackOverflow.java:16)</a:t>
+            </a:r>
+            <a:br>
+              <a:rPr kumimoji="0" lang="en-US" altLang="en-US" sz="1600" b="0" i="1" u="none" strike="noStrike" cap="none" normalizeH="0" baseline="0" dirty="0" smtClean="0">
+                <a:ln>
+                  <a:noFill/>
+                </a:ln>
+                <a:solidFill>
+                  <a:srgbClr val="808080"/>
+                </a:solidFill>
+                <a:effectLst/>
+                <a:latin typeface="Courier New" panose="02070309020205020404" pitchFamily="49" charset="0"/>
+                <a:cs typeface="Courier New" panose="02070309020205020404" pitchFamily="49" charset="0"/>
+              </a:rPr>
+            </a:br>
+            <a:r>
+              <a:rPr kumimoji="0" lang="en-US" altLang="en-US" sz="1600" b="0" i="1" u="none" strike="noStrike" cap="none" normalizeH="0" baseline="0" dirty="0" smtClean="0">
+                <a:ln>
+                  <a:noFill/>
+                </a:ln>
+                <a:solidFill>
+                  <a:srgbClr val="808080"/>
+                </a:solidFill>
+                <a:effectLst/>
+                <a:latin typeface="Courier New" panose="02070309020205020404" pitchFamily="49" charset="0"/>
+                <a:cs typeface="Courier New" panose="02070309020205020404" pitchFamily="49" charset="0"/>
+              </a:rPr>
+              <a:t>   at org.pg4200.datastructure.stack.StackOverflow.b(StackOverflow.java:22)</a:t>
+            </a:r>
+            <a:br>
+              <a:rPr kumimoji="0" lang="en-US" altLang="en-US" sz="1600" b="0" i="1" u="none" strike="noStrike" cap="none" normalizeH="0" baseline="0" dirty="0" smtClean="0">
+                <a:ln>
+                  <a:noFill/>
+                </a:ln>
+                <a:solidFill>
+                  <a:srgbClr val="808080"/>
+                </a:solidFill>
+                <a:effectLst/>
+                <a:latin typeface="Courier New" panose="02070309020205020404" pitchFamily="49" charset="0"/>
+                <a:cs typeface="Courier New" panose="02070309020205020404" pitchFamily="49" charset="0"/>
+              </a:rPr>
+            </a:br>
+            <a:r>
+              <a:rPr kumimoji="0" lang="en-US" altLang="en-US" sz="1600" b="0" i="1" u="none" strike="noStrike" cap="none" normalizeH="0" baseline="0" dirty="0" smtClean="0">
+                <a:ln>
+                  <a:noFill/>
+                </a:ln>
+                <a:solidFill>
+                  <a:srgbClr val="808080"/>
+                </a:solidFill>
+                <a:effectLst/>
+                <a:latin typeface="Courier New" panose="02070309020205020404" pitchFamily="49" charset="0"/>
+                <a:cs typeface="Courier New" panose="02070309020205020404" pitchFamily="49" charset="0"/>
+              </a:rPr>
+              <a:t>   at org.pg4200.datastructure.stack.StackOverflow.a(StackOverflow.java:16)</a:t>
+            </a:r>
+            <a:br>
+              <a:rPr kumimoji="0" lang="en-US" altLang="en-US" sz="1600" b="0" i="1" u="none" strike="noStrike" cap="none" normalizeH="0" baseline="0" dirty="0" smtClean="0">
+                <a:ln>
+                  <a:noFill/>
+                </a:ln>
+                <a:solidFill>
+                  <a:srgbClr val="808080"/>
+                </a:solidFill>
+                <a:effectLst/>
+                <a:latin typeface="Courier New" panose="02070309020205020404" pitchFamily="49" charset="0"/>
+                <a:cs typeface="Courier New" panose="02070309020205020404" pitchFamily="49" charset="0"/>
+              </a:rPr>
+            </a:br>
+            <a:r>
+              <a:rPr kumimoji="0" lang="en-US" altLang="en-US" sz="1600" b="0" i="1" u="none" strike="noStrike" cap="none" normalizeH="0" baseline="0" dirty="0" smtClean="0">
+                <a:ln>
+                  <a:noFill/>
+                </a:ln>
+                <a:solidFill>
+                  <a:srgbClr val="808080"/>
+                </a:solidFill>
+                <a:effectLst/>
+                <a:latin typeface="Courier New" panose="02070309020205020404" pitchFamily="49" charset="0"/>
+                <a:cs typeface="Courier New" panose="02070309020205020404" pitchFamily="49" charset="0"/>
+              </a:rPr>
+              <a:t>   at org.pg4200.datastructure.stack.StackOverflow.b(StackOverflow.java:22)</a:t>
+            </a:r>
+            <a:br>
+              <a:rPr kumimoji="0" lang="en-US" altLang="en-US" sz="1600" b="0" i="1" u="none" strike="noStrike" cap="none" normalizeH="0" baseline="0" dirty="0" smtClean="0">
+                <a:ln>
+                  <a:noFill/>
+                </a:ln>
+                <a:solidFill>
+                  <a:srgbClr val="808080"/>
+                </a:solidFill>
+                <a:effectLst/>
+                <a:latin typeface="Courier New" panose="02070309020205020404" pitchFamily="49" charset="0"/>
+                <a:cs typeface="Courier New" panose="02070309020205020404" pitchFamily="49" charset="0"/>
+              </a:rPr>
+            </a:br>
+            <a:r>
+              <a:rPr kumimoji="0" lang="en-US" altLang="en-US" sz="1600" b="0" i="1" u="none" strike="noStrike" cap="none" normalizeH="0" baseline="0" dirty="0" smtClean="0">
+                <a:ln>
+                  <a:noFill/>
+                </a:ln>
+                <a:solidFill>
+                  <a:srgbClr val="808080"/>
+                </a:solidFill>
+                <a:effectLst/>
+                <a:latin typeface="Courier New" panose="02070309020205020404" pitchFamily="49" charset="0"/>
+                <a:cs typeface="Courier New" panose="02070309020205020404" pitchFamily="49" charset="0"/>
+              </a:rPr>
+              <a:t>   at org.pg4200.datastructure.stack.StackOverflow.a(StackOverflow.java:16)</a:t>
+            </a:r>
+            <a:br>
+              <a:rPr kumimoji="0" lang="en-US" altLang="en-US" sz="1600" b="0" i="1" u="none" strike="noStrike" cap="none" normalizeH="0" baseline="0" dirty="0" smtClean="0">
+                <a:ln>
+                  <a:noFill/>
+                </a:ln>
+                <a:solidFill>
+                  <a:srgbClr val="808080"/>
+                </a:solidFill>
+                <a:effectLst/>
+                <a:latin typeface="Courier New" panose="02070309020205020404" pitchFamily="49" charset="0"/>
+                <a:cs typeface="Courier New" panose="02070309020205020404" pitchFamily="49" charset="0"/>
+              </a:rPr>
+            </a:br>
+            <a:r>
+              <a:rPr kumimoji="0" lang="en-US" altLang="en-US" sz="1600" b="0" i="1" u="none" strike="noStrike" cap="none" normalizeH="0" baseline="0" dirty="0" smtClean="0">
+                <a:ln>
+                  <a:noFill/>
+                </a:ln>
+                <a:solidFill>
+                  <a:srgbClr val="808080"/>
+                </a:solidFill>
+                <a:effectLst/>
+                <a:latin typeface="Courier New" panose="02070309020205020404" pitchFamily="49" charset="0"/>
+                <a:cs typeface="Courier New" panose="02070309020205020404" pitchFamily="49" charset="0"/>
+              </a:rPr>
+              <a:t>   at org.pg4200.datastructure.stack.StackOverflow.b(StackOverflow.java:22)</a:t>
+            </a:r>
+            <a:br>
+              <a:rPr kumimoji="0" lang="en-US" altLang="en-US" sz="1600" b="0" i="1" u="none" strike="noStrike" cap="none" normalizeH="0" baseline="0" dirty="0" smtClean="0">
+                <a:ln>
+                  <a:noFill/>
+                </a:ln>
+                <a:solidFill>
+                  <a:srgbClr val="808080"/>
+                </a:solidFill>
+                <a:effectLst/>
+                <a:latin typeface="Courier New" panose="02070309020205020404" pitchFamily="49" charset="0"/>
+                <a:cs typeface="Courier New" panose="02070309020205020404" pitchFamily="49" charset="0"/>
+              </a:rPr>
+            </a:br>
+            <a:r>
+              <a:rPr kumimoji="0" lang="en-US" altLang="en-US" sz="1600" b="0" i="1" u="none" strike="noStrike" cap="none" normalizeH="0" baseline="0" dirty="0" smtClean="0">
+                <a:ln>
+                  <a:noFill/>
+                </a:ln>
+                <a:solidFill>
+                  <a:srgbClr val="808080"/>
+                </a:solidFill>
+                <a:effectLst/>
+                <a:latin typeface="Courier New" panose="02070309020205020404" pitchFamily="49" charset="0"/>
+                <a:cs typeface="Courier New" panose="02070309020205020404" pitchFamily="49" charset="0"/>
+              </a:rPr>
+              <a:t>   at org.pg4200.datastructure.stack.StackOverflow.a(StackOverflow.java:16)</a:t>
+            </a:r>
+            <a:br>
+              <a:rPr kumimoji="0" lang="en-US" altLang="en-US" sz="1600" b="0" i="1" u="none" strike="noStrike" cap="none" normalizeH="0" baseline="0" dirty="0" smtClean="0">
+                <a:ln>
+                  <a:noFill/>
+                </a:ln>
+                <a:solidFill>
+                  <a:srgbClr val="808080"/>
+                </a:solidFill>
+                <a:effectLst/>
+                <a:latin typeface="Courier New" panose="02070309020205020404" pitchFamily="49" charset="0"/>
+                <a:cs typeface="Courier New" panose="02070309020205020404" pitchFamily="49" charset="0"/>
+              </a:rPr>
+            </a:br>
+            <a:r>
+              <a:rPr kumimoji="0" lang="en-US" altLang="en-US" sz="1600" b="0" i="1" u="none" strike="noStrike" cap="none" normalizeH="0" baseline="0" dirty="0" smtClean="0">
+                <a:ln>
+                  <a:noFill/>
+                </a:ln>
+                <a:solidFill>
+                  <a:srgbClr val="808080"/>
+                </a:solidFill>
+                <a:effectLst/>
+                <a:latin typeface="Courier New" panose="02070309020205020404" pitchFamily="49" charset="0"/>
+                <a:cs typeface="Courier New" panose="02070309020205020404" pitchFamily="49" charset="0"/>
+              </a:rPr>
+              <a:t>   at org.pg4200.datastructure.stack.StackOverflow.b(StackOverflow.java:22)</a:t>
+            </a:r>
+            <a:br>
+              <a:rPr kumimoji="0" lang="en-US" altLang="en-US" sz="1600" b="0" i="1" u="none" strike="noStrike" cap="none" normalizeH="0" baseline="0" dirty="0" smtClean="0">
+                <a:ln>
+                  <a:noFill/>
+                </a:ln>
+                <a:solidFill>
+                  <a:srgbClr val="808080"/>
+                </a:solidFill>
+                <a:effectLst/>
+                <a:latin typeface="Courier New" panose="02070309020205020404" pitchFamily="49" charset="0"/>
+                <a:cs typeface="Courier New" panose="02070309020205020404" pitchFamily="49" charset="0"/>
+              </a:rPr>
+            </a:br>
+            <a:r>
+              <a:rPr kumimoji="0" lang="en-US" altLang="en-US" sz="1600" b="0" i="1" u="none" strike="noStrike" cap="none" normalizeH="0" baseline="0" dirty="0" smtClean="0">
+                <a:ln>
+                  <a:noFill/>
+                </a:ln>
+                <a:solidFill>
+                  <a:srgbClr val="808080"/>
+                </a:solidFill>
+                <a:effectLst/>
+                <a:latin typeface="Courier New" panose="02070309020205020404" pitchFamily="49" charset="0"/>
+                <a:cs typeface="Courier New" panose="02070309020205020404" pitchFamily="49" charset="0"/>
+              </a:rPr>
+              <a:t>   at org.pg4200.datastructure.stack.StackOverflow.a(StackOverflow.java:16)</a:t>
+            </a:r>
+            <a:br>
+              <a:rPr kumimoji="0" lang="en-US" altLang="en-US" sz="1600" b="0" i="1" u="none" strike="noStrike" cap="none" normalizeH="0" baseline="0" dirty="0" smtClean="0">
+                <a:ln>
+                  <a:noFill/>
+                </a:ln>
+                <a:solidFill>
+                  <a:srgbClr val="808080"/>
+                </a:solidFill>
+                <a:effectLst/>
+                <a:latin typeface="Courier New" panose="02070309020205020404" pitchFamily="49" charset="0"/>
+                <a:cs typeface="Courier New" panose="02070309020205020404" pitchFamily="49" charset="0"/>
+              </a:rPr>
+            </a:br>
+            <a:r>
+              <a:rPr kumimoji="0" lang="en-US" altLang="en-US" sz="1600" b="0" i="1" u="none" strike="noStrike" cap="none" normalizeH="0" baseline="0" dirty="0" smtClean="0">
+                <a:ln>
+                  <a:noFill/>
+                </a:ln>
+                <a:solidFill>
+                  <a:srgbClr val="808080"/>
+                </a:solidFill>
+                <a:effectLst/>
+                <a:latin typeface="Courier New" panose="02070309020205020404" pitchFamily="49" charset="0"/>
+                <a:cs typeface="Courier New" panose="02070309020205020404" pitchFamily="49" charset="0"/>
+              </a:rPr>
+              <a:t>   at org.pg4200.datastructure.stack.StackOverflow.b(StackOverflow.java:22)</a:t>
+            </a:r>
+            <a:br>
+              <a:rPr kumimoji="0" lang="en-US" altLang="en-US" sz="1600" b="0" i="1" u="none" strike="noStrike" cap="none" normalizeH="0" baseline="0" dirty="0" smtClean="0">
+                <a:ln>
+                  <a:noFill/>
+                </a:ln>
+                <a:solidFill>
+                  <a:srgbClr val="808080"/>
+                </a:solidFill>
+                <a:effectLst/>
+                <a:latin typeface="Courier New" panose="02070309020205020404" pitchFamily="49" charset="0"/>
+                <a:cs typeface="Courier New" panose="02070309020205020404" pitchFamily="49" charset="0"/>
+              </a:rPr>
+            </a:br>
+            <a:r>
+              <a:rPr kumimoji="0" lang="en-US" altLang="en-US" sz="1600" b="0" i="1" u="none" strike="noStrike" cap="none" normalizeH="0" baseline="0" dirty="0" smtClean="0">
+                <a:ln>
+                  <a:noFill/>
+                </a:ln>
+                <a:solidFill>
+                  <a:srgbClr val="808080"/>
+                </a:solidFill>
+                <a:effectLst/>
+                <a:latin typeface="Courier New" panose="02070309020205020404" pitchFamily="49" charset="0"/>
+                <a:cs typeface="Courier New" panose="02070309020205020404" pitchFamily="49" charset="0"/>
+              </a:rPr>
+              <a:t>   at org.pg4200.datastructure.stack.StackOverflow.a(StackOverflow.java:16)</a:t>
+            </a:r>
+            <a:br>
+              <a:rPr kumimoji="0" lang="en-US" altLang="en-US" sz="1600" b="0" i="1" u="none" strike="noStrike" cap="none" normalizeH="0" baseline="0" dirty="0" smtClean="0">
+                <a:ln>
+                  <a:noFill/>
+                </a:ln>
+                <a:solidFill>
+                  <a:srgbClr val="808080"/>
+                </a:solidFill>
+                <a:effectLst/>
+                <a:latin typeface="Courier New" panose="02070309020205020404" pitchFamily="49" charset="0"/>
+                <a:cs typeface="Courier New" panose="02070309020205020404" pitchFamily="49" charset="0"/>
+              </a:rPr>
+            </a:br>
+            <a:r>
+              <a:rPr kumimoji="0" lang="en-US" altLang="en-US" sz="1600" b="0" i="1" u="none" strike="noStrike" cap="none" normalizeH="0" baseline="0" dirty="0" smtClean="0">
+                <a:ln>
+                  <a:noFill/>
+                </a:ln>
+                <a:solidFill>
+                  <a:srgbClr val="808080"/>
+                </a:solidFill>
+                <a:effectLst/>
+                <a:latin typeface="Courier New" panose="02070309020205020404" pitchFamily="49" charset="0"/>
+                <a:cs typeface="Courier New" panose="02070309020205020404" pitchFamily="49" charset="0"/>
+              </a:rPr>
+              <a:t>   at org.pg4200.datastructure.stack.StackOverflow.b(StackOverflow.java:22)</a:t>
+            </a:r>
+            <a:br>
+              <a:rPr kumimoji="0" lang="en-US" altLang="en-US" sz="1600" b="0" i="1" u="none" strike="noStrike" cap="none" normalizeH="0" baseline="0" dirty="0" smtClean="0">
+                <a:ln>
+                  <a:noFill/>
+                </a:ln>
+                <a:solidFill>
+                  <a:srgbClr val="808080"/>
+                </a:solidFill>
+                <a:effectLst/>
+                <a:latin typeface="Courier New" panose="02070309020205020404" pitchFamily="49" charset="0"/>
+                <a:cs typeface="Courier New" panose="02070309020205020404" pitchFamily="49" charset="0"/>
+              </a:rPr>
+            </a:br>
+            <a:r>
+              <a:rPr kumimoji="0" lang="en-US" altLang="en-US" sz="1600" b="0" i="1" u="none" strike="noStrike" cap="none" normalizeH="0" baseline="0" dirty="0" smtClean="0">
+                <a:ln>
+                  <a:noFill/>
+                </a:ln>
+                <a:solidFill>
+                  <a:srgbClr val="808080"/>
+                </a:solidFill>
+                <a:effectLst/>
+                <a:latin typeface="Courier New" panose="02070309020205020404" pitchFamily="49" charset="0"/>
+                <a:cs typeface="Courier New" panose="02070309020205020404" pitchFamily="49" charset="0"/>
+              </a:rPr>
+              <a:t>   at org.pg4200.datastructure.stack.StackOverflow.a(StackOverflow.java:16)</a:t>
+            </a:r>
+            <a:br>
+              <a:rPr kumimoji="0" lang="en-US" altLang="en-US" sz="1600" b="0" i="1" u="none" strike="noStrike" cap="none" normalizeH="0" baseline="0" dirty="0" smtClean="0">
+                <a:ln>
+                  <a:noFill/>
+                </a:ln>
+                <a:solidFill>
+                  <a:srgbClr val="808080"/>
+                </a:solidFill>
+                <a:effectLst/>
+                <a:latin typeface="Courier New" panose="02070309020205020404" pitchFamily="49" charset="0"/>
+                <a:cs typeface="Courier New" panose="02070309020205020404" pitchFamily="49" charset="0"/>
+              </a:rPr>
+            </a:br>
+            <a:r>
+              <a:rPr kumimoji="0" lang="en-US" altLang="en-US" sz="1600" b="0" i="1" u="none" strike="noStrike" cap="none" normalizeH="0" baseline="0" dirty="0" smtClean="0">
+                <a:ln>
+                  <a:noFill/>
+                </a:ln>
+                <a:solidFill>
+                  <a:srgbClr val="808080"/>
+                </a:solidFill>
+                <a:effectLst/>
+                <a:latin typeface="Courier New" panose="02070309020205020404" pitchFamily="49" charset="0"/>
+                <a:cs typeface="Courier New" panose="02070309020205020404" pitchFamily="49" charset="0"/>
+              </a:rPr>
+              <a:t>   ...</a:t>
+            </a:r>
+            <a:endParaRPr kumimoji="0" lang="en-US" altLang="en-US" sz="1600" b="0" i="0" u="none" strike="noStrike" cap="none" normalizeH="0" baseline="0" dirty="0" smtClean="0">
+              <a:ln>
+                <a:noFill/>
+              </a:ln>
+              <a:solidFill>
+                <a:schemeClr val="tx1"/>
+              </a:solidFill>
+              <a:effectLst/>
+              <a:latin typeface="Arial" panose="020B0604020202020204" pitchFamily="34" charset="0"/>
+            </a:endParaRPr>
+          </a:p>
+        </p:txBody>
+      </p:sp>
+      <p:pic>
+        <p:nvPicPr>
+          <p:cNvPr id="7" name="Picture 6"/>
+          <p:cNvPicPr>
+            <a:picLocks noChangeAspect="1"/>
+          </p:cNvPicPr>
+          <p:nvPr/>
+        </p:nvPicPr>
+        <p:blipFill>
+          <a:blip r:embed="rId2"/>
+          <a:stretch>
+            <a:fillRect/>
+          </a:stretch>
+        </p:blipFill>
+        <p:spPr>
+          <a:xfrm>
+            <a:off x="6257925" y="5730782"/>
+            <a:ext cx="6178550" cy="3292569"/>
+          </a:xfrm>
+          <a:prstGeom prst="rect">
+            <a:avLst/>
+          </a:prstGeom>
+        </p:spPr>
+      </p:pic>
+    </p:spTree>
+    <p:extLst>
+      <p:ext uri="{BB962C8B-B14F-4D97-AF65-F5344CB8AC3E}">
+        <p14:creationId xmlns:p14="http://schemas.microsoft.com/office/powerpoint/2010/main" val="2778162561"/>
+      </p:ext>
+    </p:extLst>
+  </p:cSld>
+  <p:clrMapOvr>
+    <a:masterClrMapping/>
+  </p:clrMapOvr>
+  <p:transition spd="med"/>
+</p:sld>
+</file>
+
+<file path=ppt/slides/slide15.xml><?xml version="1.0" encoding="utf-8"?>
+<p:sld xmlns:a="http://schemas.openxmlformats.org/drawingml/2006/main" xmlns:r="http://schemas.openxmlformats.org/officeDocument/2006/relationships" xmlns:p="http://schemas.openxmlformats.org/presentationml/2006/main">
+  <p:cSld>
+    <p:spTree>
+      <p:nvGrpSpPr>
+        <p:cNvPr id="1" name=""/>
+        <p:cNvGrpSpPr/>
+        <p:nvPr/>
+      </p:nvGrpSpPr>
+      <p:grpSpPr>
+        <a:xfrm>
+          <a:off x="0" y="0"/>
+          <a:ext cx="0" cy="0"/>
+          <a:chOff x="0" y="0"/>
+          <a:chExt cx="0" cy="0"/>
+        </a:xfrm>
+      </p:grpSpPr>
+      <p:sp>
+        <p:nvSpPr>
+          <p:cNvPr id="2" name="Title 1"/>
+          <p:cNvSpPr>
+            <a:spLocks noGrp="1"/>
+          </p:cNvSpPr>
+          <p:nvPr>
+            <p:ph type="title"/>
+          </p:nvPr>
+        </p:nvSpPr>
+        <p:spPr/>
+        <p:txBody>
+          <a:bodyPr/>
+          <a:lstStyle/>
+          <a:p>
+            <a:r>
+              <a:rPr lang="en-US" dirty="0" smtClean="0"/>
+              <a:t>Queue</a:t>
+            </a:r>
+            <a:endParaRPr lang="en-US" dirty="0"/>
+          </a:p>
+        </p:txBody>
+      </p:sp>
+      <p:sp>
+        <p:nvSpPr>
+          <p:cNvPr id="3" name="Text Placeholder 2"/>
+          <p:cNvSpPr>
+            <a:spLocks noGrp="1"/>
+          </p:cNvSpPr>
+          <p:nvPr>
+            <p:ph type="body" idx="1"/>
+          </p:nvPr>
+        </p:nvSpPr>
+        <p:spPr>
+          <a:xfrm>
+            <a:off x="381000" y="2603500"/>
+            <a:ext cx="5857875" cy="6286500"/>
+          </a:xfrm>
+        </p:spPr>
+        <p:txBody>
+          <a:bodyPr/>
+          <a:lstStyle/>
+          <a:p>
+            <a:r>
+              <a:rPr lang="en-US" dirty="0" smtClean="0"/>
+              <a:t>Type of collection</a:t>
+            </a:r>
+          </a:p>
+          <a:p>
+            <a:r>
+              <a:rPr lang="en-US" dirty="0" smtClean="0"/>
+              <a:t>Add at the back, </a:t>
+            </a:r>
+            <a:r>
+              <a:rPr lang="en-US" i="1" dirty="0" smtClean="0"/>
+              <a:t>tail</a:t>
+            </a:r>
+            <a:r>
+              <a:rPr lang="en-US" dirty="0" smtClean="0"/>
+              <a:t> of the queue/line (</a:t>
+            </a:r>
+            <a:r>
+              <a:rPr lang="en-US" b="1" dirty="0" err="1" smtClean="0"/>
+              <a:t>enqueue</a:t>
+            </a:r>
+            <a:r>
+              <a:rPr lang="en-US" dirty="0" smtClean="0"/>
+              <a:t>)</a:t>
+            </a:r>
+          </a:p>
+          <a:p>
+            <a:r>
+              <a:rPr lang="en-US" dirty="0" smtClean="0"/>
+              <a:t>Remove from the head of the line (</a:t>
+            </a:r>
+            <a:r>
+              <a:rPr lang="en-US" b="1" dirty="0" err="1" smtClean="0"/>
+              <a:t>dequeue</a:t>
+            </a:r>
+            <a:r>
+              <a:rPr lang="en-US" dirty="0" smtClean="0"/>
+              <a:t>)</a:t>
+            </a:r>
+          </a:p>
+          <a:p>
+            <a:r>
+              <a:rPr lang="en-US" i="1" dirty="0" smtClean="0"/>
+              <a:t>FIFO: First In, First Out</a:t>
+            </a:r>
+          </a:p>
+          <a:p>
+            <a:endParaRPr lang="en-US" dirty="0"/>
+          </a:p>
+        </p:txBody>
+      </p:sp>
+      <p:pic>
+        <p:nvPicPr>
+          <p:cNvPr id="4098" name="Picture 2" descr="Image result for systembolaget line"/>
+          <p:cNvPicPr>
+            <a:picLocks noChangeAspect="1" noChangeArrowheads="1"/>
+          </p:cNvPicPr>
+          <p:nvPr/>
+        </p:nvPicPr>
+        <p:blipFill>
+          <a:blip r:embed="rId2">
+            <a:extLst>
+              <a:ext uri="{28A0092B-C50C-407E-A947-70E740481C1C}">
+                <a14:useLocalDpi xmlns:a14="http://schemas.microsoft.com/office/drawing/2010/main" val="0"/>
+              </a:ext>
+            </a:extLst>
+          </a:blip>
+          <a:srcRect/>
+          <a:stretch>
+            <a:fillRect/>
+          </a:stretch>
+        </p:blipFill>
+        <p:spPr bwMode="auto">
+          <a:xfrm>
+            <a:off x="9095636" y="7219950"/>
+            <a:ext cx="3528164" cy="1981200"/>
+          </a:xfrm>
+          <a:prstGeom prst="rect">
+            <a:avLst/>
+          </a:prstGeom>
+          <a:noFill/>
+          <a:extLst>
+            <a:ext uri="{909E8E84-426E-40DD-AFC4-6F175D3DCCD1}">
+              <a14:hiddenFill xmlns:a14="http://schemas.microsoft.com/office/drawing/2010/main">
+                <a:solidFill>
+                  <a:srgbClr val="FFFFFF"/>
+                </a:solidFill>
+              </a14:hiddenFill>
+            </a:ext>
+          </a:extLst>
+        </p:spPr>
+      </p:pic>
+      <p:pic>
+        <p:nvPicPr>
+          <p:cNvPr id="4100" name="Picture 4" descr="Image result for queue"/>
+          <p:cNvPicPr>
+            <a:picLocks noChangeAspect="1" noChangeArrowheads="1"/>
+          </p:cNvPicPr>
+          <p:nvPr/>
+        </p:nvPicPr>
+        <p:blipFill>
+          <a:blip r:embed="rId3">
+            <a:extLst>
+              <a:ext uri="{28A0092B-C50C-407E-A947-70E740481C1C}">
+                <a14:useLocalDpi xmlns:a14="http://schemas.microsoft.com/office/drawing/2010/main" val="0"/>
+              </a:ext>
+            </a:extLst>
+          </a:blip>
+          <a:srcRect/>
+          <a:stretch>
+            <a:fillRect/>
+          </a:stretch>
+        </p:blipFill>
+        <p:spPr bwMode="auto">
+          <a:xfrm>
+            <a:off x="6362700" y="2487082"/>
+            <a:ext cx="6413500" cy="4275667"/>
+          </a:xfrm>
+          <a:prstGeom prst="rect">
+            <a:avLst/>
+          </a:prstGeom>
+          <a:noFill/>
+          <a:extLst>
+            <a:ext uri="{909E8E84-426E-40DD-AFC4-6F175D3DCCD1}">
+              <a14:hiddenFill xmlns:a14="http://schemas.microsoft.com/office/drawing/2010/main">
+                <a:solidFill>
+                  <a:srgbClr val="FFFFFF"/>
+                </a:solidFill>
+              </a14:hiddenFill>
+            </a:ext>
+          </a:extLst>
+        </p:spPr>
+      </p:pic>
+    </p:spTree>
+    <p:extLst>
+      <p:ext uri="{BB962C8B-B14F-4D97-AF65-F5344CB8AC3E}">
+        <p14:creationId xmlns:p14="http://schemas.microsoft.com/office/powerpoint/2010/main" val="1078409934"/>
+      </p:ext>
+    </p:extLst>
+  </p:cSld>
+  <p:clrMapOvr>
+    <a:masterClrMapping/>
+  </p:clrMapOvr>
+  <p:transition spd="med"/>
+</p:sld>
+</file>
+
+<file path=ppt/slides/slide16.xml><?xml version="1.0" encoding="utf-8"?>
+<p:sld xmlns:a="http://schemas.openxmlformats.org/drawingml/2006/main" xmlns:r="http://schemas.openxmlformats.org/officeDocument/2006/relationships" xmlns:p="http://schemas.openxmlformats.org/presentationml/2006/main">
+  <p:cSld>
+    <p:spTree>
+      <p:nvGrpSpPr>
+        <p:cNvPr id="1" name=""/>
+        <p:cNvGrpSpPr/>
+        <p:nvPr/>
+      </p:nvGrpSpPr>
+      <p:grpSpPr>
+        <a:xfrm>
+          <a:off x="0" y="0"/>
+          <a:ext cx="0" cy="0"/>
+          <a:chOff x="0" y="0"/>
+          <a:chExt cx="0" cy="0"/>
+        </a:xfrm>
+      </p:grpSpPr>
+      <p:sp>
+        <p:nvSpPr>
+          <p:cNvPr id="2" name="Title 1"/>
+          <p:cNvSpPr>
+            <a:spLocks noGrp="1"/>
+          </p:cNvSpPr>
+          <p:nvPr>
+            <p:ph type="title"/>
+          </p:nvPr>
+        </p:nvSpPr>
+        <p:spPr/>
+        <p:txBody>
+          <a:bodyPr>
+            <a:normAutofit fontScale="90000"/>
+          </a:bodyPr>
+          <a:lstStyle/>
+          <a:p>
+            <a:r>
+              <a:rPr lang="en-US" dirty="0" smtClean="0"/>
+              <a:t>Example: </a:t>
+            </a:r>
+            <a:br>
+              <a:rPr lang="en-US" dirty="0" smtClean="0"/>
+            </a:br>
+            <a:r>
+              <a:rPr lang="en-US" dirty="0" smtClean="0"/>
+              <a:t>Task Scheduler</a:t>
+            </a:r>
+            <a:endParaRPr lang="en-US" dirty="0"/>
+          </a:p>
+        </p:txBody>
+      </p:sp>
+      <p:sp>
+        <p:nvSpPr>
+          <p:cNvPr id="3" name="Text Placeholder 2"/>
+          <p:cNvSpPr>
+            <a:spLocks noGrp="1"/>
+          </p:cNvSpPr>
+          <p:nvPr>
+            <p:ph type="body" idx="1"/>
+          </p:nvPr>
+        </p:nvSpPr>
+        <p:spPr>
+          <a:xfrm>
+            <a:off x="952500" y="3136900"/>
+            <a:ext cx="11099800" cy="6286500"/>
+          </a:xfrm>
+        </p:spPr>
+        <p:txBody>
+          <a:bodyPr/>
+          <a:lstStyle/>
+          <a:p>
+            <a:r>
+              <a:rPr lang="en-US" dirty="0" smtClean="0"/>
+              <a:t>Process/thread add </a:t>
+            </a:r>
+            <a:r>
+              <a:rPr lang="en-US" i="1" dirty="0" smtClean="0"/>
+              <a:t>tasks to do </a:t>
+            </a:r>
+            <a:r>
+              <a:rPr lang="en-US" dirty="0" smtClean="0"/>
+              <a:t>on a queue</a:t>
+            </a:r>
+          </a:p>
+          <a:p>
+            <a:r>
+              <a:rPr lang="en-US" dirty="0" smtClean="0"/>
+              <a:t>Other process/thread workers read from queue and execute the task</a:t>
+            </a:r>
+          </a:p>
+          <a:p>
+            <a:r>
+              <a:rPr lang="en-US" dirty="0" smtClean="0"/>
+              <a:t>The </a:t>
+            </a:r>
+            <a:r>
+              <a:rPr lang="en-US" i="1" dirty="0" smtClean="0"/>
+              <a:t>oldest</a:t>
+            </a:r>
+            <a:r>
+              <a:rPr lang="en-US" dirty="0" smtClean="0"/>
+              <a:t> tasks need to be completed </a:t>
+            </a:r>
+            <a:r>
+              <a:rPr lang="en-US" i="1" dirty="0" smtClean="0"/>
+              <a:t>first</a:t>
+            </a:r>
+            <a:r>
+              <a:rPr lang="en-US" dirty="0" smtClean="0"/>
+              <a:t> </a:t>
+            </a:r>
+          </a:p>
+          <a:p>
+            <a:r>
+              <a:rPr lang="en-US" dirty="0" smtClean="0"/>
+              <a:t>While workers are executing tasks, new tasks could be added to the queue</a:t>
+            </a:r>
+          </a:p>
+          <a:p>
+            <a:endParaRPr lang="en-US" dirty="0"/>
+          </a:p>
+        </p:txBody>
+      </p:sp>
+    </p:spTree>
+    <p:extLst>
+      <p:ext uri="{BB962C8B-B14F-4D97-AF65-F5344CB8AC3E}">
+        <p14:creationId xmlns:p14="http://schemas.microsoft.com/office/powerpoint/2010/main" val="1363206235"/>
+      </p:ext>
+    </p:extLst>
+  </p:cSld>
+  <p:clrMapOvr>
+    <a:masterClrMapping/>
+  </p:clrMapOvr>
+  <p:transition spd="med"/>
+</p:sld>
+</file>
+
+<file path=ppt/slides/slide17.xml><?xml version="1.0" encoding="utf-8"?>
+<p:sld xmlns:a="http://schemas.openxmlformats.org/drawingml/2006/main" xmlns:r="http://schemas.openxmlformats.org/officeDocument/2006/relationships" xmlns:p="http://schemas.openxmlformats.org/presentationml/2006/main">
+  <p:cSld>
+    <p:spTree>
+      <p:nvGrpSpPr>
+        <p:cNvPr id="1" name=""/>
+        <p:cNvGrpSpPr/>
+        <p:nvPr/>
+      </p:nvGrpSpPr>
+      <p:grpSpPr>
+        <a:xfrm>
+          <a:off x="0" y="0"/>
+          <a:ext cx="0" cy="0"/>
+          <a:chOff x="0" y="0"/>
+          <a:chExt cx="0" cy="0"/>
+        </a:xfrm>
+      </p:grpSpPr>
+      <p:sp>
+        <p:nvSpPr>
+          <p:cNvPr id="5" name="Title 4"/>
+          <p:cNvSpPr>
+            <a:spLocks noGrp="1"/>
+          </p:cNvSpPr>
+          <p:nvPr>
+            <p:ph type="title"/>
+          </p:nvPr>
+        </p:nvSpPr>
+        <p:spPr/>
+        <p:txBody>
+          <a:bodyPr/>
+          <a:lstStyle/>
+          <a:p>
+            <a:r>
+              <a:rPr lang="en-US" dirty="0" smtClean="0"/>
+              <a:t>Memory Model</a:t>
+            </a:r>
+            <a:endParaRPr lang="en-US" dirty="0"/>
+          </a:p>
+        </p:txBody>
+      </p:sp>
+    </p:spTree>
+    <p:extLst>
+      <p:ext uri="{BB962C8B-B14F-4D97-AF65-F5344CB8AC3E}">
+        <p14:creationId xmlns:p14="http://schemas.microsoft.com/office/powerpoint/2010/main" val="1815316440"/>
+      </p:ext>
+    </p:extLst>
+  </p:cSld>
+  <p:clrMapOvr>
+    <a:masterClrMapping/>
+  </p:clrMapOvr>
+  <p:transition spd="med"/>
+</p:sld>
+</file>
+
+<file path=ppt/slides/slide18.xml><?xml version="1.0" encoding="utf-8"?>
+<p:sld xmlns:a="http://schemas.openxmlformats.org/drawingml/2006/main" xmlns:r="http://schemas.openxmlformats.org/officeDocument/2006/relationships" xmlns:p="http://schemas.openxmlformats.org/presentationml/2006/main">
+  <p:cSld>
+    <p:spTree>
+      <p:nvGrpSpPr>
+        <p:cNvPr id="1" name=""/>
+        <p:cNvGrpSpPr/>
+        <p:nvPr/>
+      </p:nvGrpSpPr>
+      <p:grpSpPr>
+        <a:xfrm>
+          <a:off x="0" y="0"/>
+          <a:ext cx="0" cy="0"/>
+          <a:chOff x="0" y="0"/>
+          <a:chExt cx="0" cy="0"/>
+        </a:xfrm>
+      </p:grpSpPr>
+      <p:sp>
+        <p:nvSpPr>
+          <p:cNvPr id="2" name="Title 1"/>
+          <p:cNvSpPr>
+            <a:spLocks noGrp="1"/>
+          </p:cNvSpPr>
+          <p:nvPr>
+            <p:ph type="title"/>
+          </p:nvPr>
+        </p:nvSpPr>
+        <p:spPr/>
+        <p:txBody>
+          <a:bodyPr/>
+          <a:lstStyle/>
+          <a:p>
+            <a:r>
+              <a:rPr lang="en-US" dirty="0" smtClean="0"/>
+              <a:t>Questions</a:t>
+            </a:r>
+            <a:endParaRPr lang="en-US" dirty="0"/>
+          </a:p>
+        </p:txBody>
+      </p:sp>
+      <p:sp>
+        <p:nvSpPr>
+          <p:cNvPr id="3" name="Text Placeholder 2"/>
+          <p:cNvSpPr>
+            <a:spLocks noGrp="1"/>
+          </p:cNvSpPr>
+          <p:nvPr>
+            <p:ph type="body" idx="1"/>
+          </p:nvPr>
+        </p:nvSpPr>
+        <p:spPr>
+          <a:xfrm>
+            <a:off x="381000" y="2603500"/>
+            <a:ext cx="12325350" cy="6286500"/>
+          </a:xfrm>
+        </p:spPr>
+        <p:txBody>
+          <a:bodyPr>
+            <a:normAutofit/>
+          </a:bodyPr>
+          <a:lstStyle/>
+          <a:p>
+            <a:r>
+              <a:rPr lang="en-US" dirty="0" smtClean="0">
+                <a:latin typeface="Source Sans Pro" panose="020B0503030403020204" pitchFamily="34" charset="0"/>
+                <a:ea typeface="Source Sans Pro" panose="020B0503030403020204" pitchFamily="34" charset="0"/>
+              </a:rPr>
+              <a:t>Node bar = new Node();</a:t>
+            </a:r>
+          </a:p>
+          <a:p>
+            <a:pPr lvl="1"/>
+            <a:r>
+              <a:rPr lang="en-US" dirty="0"/>
+              <a:t>w</a:t>
+            </a:r>
+            <a:r>
+              <a:rPr lang="en-US" dirty="0" smtClean="0"/>
+              <a:t>hat is the variable “</a:t>
+            </a:r>
+            <a:r>
+              <a:rPr lang="en-US" i="1" dirty="0" smtClean="0"/>
+              <a:t>bar</a:t>
+            </a:r>
+            <a:r>
+              <a:rPr lang="en-US" dirty="0" smtClean="0"/>
+              <a:t>” </a:t>
+            </a:r>
+            <a:r>
+              <a:rPr lang="en-US" dirty="0"/>
+              <a:t>concretely</a:t>
+            </a:r>
+            <a:r>
+              <a:rPr lang="en-US" dirty="0" smtClean="0"/>
+              <a:t>?</a:t>
+            </a:r>
+          </a:p>
+          <a:p>
+            <a:pPr lvl="1"/>
+            <a:r>
+              <a:rPr lang="en-US" dirty="0" smtClean="0"/>
+              <a:t>what does “</a:t>
+            </a:r>
+            <a:r>
+              <a:rPr lang="en-US" i="1" dirty="0" smtClean="0"/>
+              <a:t>new</a:t>
+            </a:r>
+            <a:r>
+              <a:rPr lang="en-US" dirty="0" smtClean="0"/>
+              <a:t>” actually do?  </a:t>
+            </a:r>
+          </a:p>
+          <a:p>
+            <a:pPr lvl="1"/>
+            <a:r>
+              <a:rPr lang="en-US" dirty="0" smtClean="0"/>
+              <a:t>what is the difference between “</a:t>
+            </a:r>
+            <a:r>
+              <a:rPr lang="en-US" i="1" dirty="0" smtClean="0"/>
+              <a:t>bar</a:t>
+            </a:r>
+            <a:r>
+              <a:rPr lang="en-US" dirty="0" smtClean="0"/>
+              <a:t>” variable and the object  created by “</a:t>
+            </a:r>
+            <a:r>
+              <a:rPr lang="en-US" i="1" dirty="0" smtClean="0"/>
+              <a:t>new Node()</a:t>
+            </a:r>
+            <a:r>
+              <a:rPr lang="en-US" dirty="0" smtClean="0"/>
+              <a:t>”?</a:t>
+            </a:r>
+          </a:p>
+          <a:p>
+            <a:r>
+              <a:rPr lang="en-US" dirty="0" err="1">
+                <a:latin typeface="Source Sans Pro" panose="020B0503030403020204" pitchFamily="34" charset="0"/>
+                <a:ea typeface="Source Sans Pro" panose="020B0503030403020204" pitchFamily="34" charset="0"/>
+              </a:rPr>
+              <a:t>b</a:t>
+            </a:r>
+            <a:r>
+              <a:rPr lang="en-US" dirty="0" err="1" smtClean="0">
+                <a:latin typeface="Source Sans Pro" panose="020B0503030403020204" pitchFamily="34" charset="0"/>
+                <a:ea typeface="Source Sans Pro" panose="020B0503030403020204" pitchFamily="34" charset="0"/>
+              </a:rPr>
+              <a:t>ar.next</a:t>
+            </a:r>
+            <a:r>
+              <a:rPr lang="en-US" dirty="0" smtClean="0">
+                <a:latin typeface="Source Sans Pro" panose="020B0503030403020204" pitchFamily="34" charset="0"/>
+                <a:ea typeface="Source Sans Pro" panose="020B0503030403020204" pitchFamily="34" charset="0"/>
+              </a:rPr>
+              <a:t> = </a:t>
+            </a:r>
+            <a:r>
+              <a:rPr lang="en-US" dirty="0" err="1" smtClean="0">
+                <a:latin typeface="Source Sans Pro" panose="020B0503030403020204" pitchFamily="34" charset="0"/>
+                <a:ea typeface="Source Sans Pro" panose="020B0503030403020204" pitchFamily="34" charset="0"/>
+              </a:rPr>
+              <a:t>bar.next.next</a:t>
+            </a:r>
+            <a:r>
+              <a:rPr lang="en-US" dirty="0" smtClean="0">
+                <a:latin typeface="Source Sans Pro" panose="020B0503030403020204" pitchFamily="34" charset="0"/>
+                <a:ea typeface="Source Sans Pro" panose="020B0503030403020204" pitchFamily="34" charset="0"/>
+              </a:rPr>
+              <a:t>;</a:t>
+            </a:r>
+          </a:p>
+          <a:p>
+            <a:pPr lvl="1"/>
+            <a:r>
+              <a:rPr lang="en-US" dirty="0" smtClean="0"/>
+              <a:t>what is happening here?</a:t>
+            </a:r>
+          </a:p>
+          <a:p>
+            <a:pPr lvl="1"/>
+            <a:r>
+              <a:rPr lang="en-US" dirty="0"/>
+              <a:t>a</a:t>
+            </a:r>
+            <a:r>
+              <a:rPr lang="en-US" dirty="0" smtClean="0"/>
+              <a:t>re objects created or deleted? </a:t>
+            </a:r>
+          </a:p>
+        </p:txBody>
+      </p:sp>
+    </p:spTree>
+    <p:extLst>
+      <p:ext uri="{BB962C8B-B14F-4D97-AF65-F5344CB8AC3E}">
+        <p14:creationId xmlns:p14="http://schemas.microsoft.com/office/powerpoint/2010/main" val="2911189296"/>
+      </p:ext>
+    </p:extLst>
+  </p:cSld>
+  <p:clrMapOvr>
+    <a:masterClrMapping/>
+  </p:clrMapOvr>
+  <p:transition spd="med"/>
+</p:sld>
+</file>
+
+<file path=ppt/slides/slide19.xml><?xml version="1.0" encoding="utf-8"?>
+<p:sld xmlns:a="http://schemas.openxmlformats.org/drawingml/2006/main" xmlns:r="http://schemas.openxmlformats.org/officeDocument/2006/relationships" xmlns:p="http://schemas.openxmlformats.org/presentationml/2006/main">
+  <p:cSld>
+    <p:spTree>
+      <p:nvGrpSpPr>
+        <p:cNvPr id="1" name=""/>
+        <p:cNvGrpSpPr/>
+        <p:nvPr/>
+      </p:nvGrpSpPr>
+      <p:grpSpPr>
+        <a:xfrm>
+          <a:off x="0" y="0"/>
+          <a:ext cx="0" cy="0"/>
+          <a:chOff x="0" y="0"/>
+          <a:chExt cx="0" cy="0"/>
+        </a:xfrm>
+      </p:grpSpPr>
+      <p:sp>
+        <p:nvSpPr>
+          <p:cNvPr id="2" name="Title 1"/>
+          <p:cNvSpPr>
+            <a:spLocks noGrp="1"/>
+          </p:cNvSpPr>
+          <p:nvPr>
+            <p:ph type="title"/>
+          </p:nvPr>
+        </p:nvSpPr>
+        <p:spPr/>
+        <p:txBody>
+          <a:bodyPr/>
+          <a:lstStyle/>
+          <a:p>
+            <a:r>
+              <a:rPr lang="en-US" dirty="0" smtClean="0"/>
+              <a:t>Overview</a:t>
+            </a:r>
+            <a:endParaRPr lang="en-US" dirty="0"/>
+          </a:p>
+        </p:txBody>
+      </p:sp>
+      <p:sp>
+        <p:nvSpPr>
+          <p:cNvPr id="3" name="Text Placeholder 2"/>
+          <p:cNvSpPr>
+            <a:spLocks noGrp="1"/>
+          </p:cNvSpPr>
+          <p:nvPr>
+            <p:ph type="body" idx="1"/>
+          </p:nvPr>
+        </p:nvSpPr>
+        <p:spPr/>
+        <p:txBody>
+          <a:bodyPr>
+            <a:normAutofit/>
+          </a:bodyPr>
+          <a:lstStyle/>
+          <a:p>
+            <a:r>
+              <a:rPr lang="en-US" dirty="0"/>
+              <a:t>Before we go into details of how to implement a Stack or a Queue, we need to have clear understanding of how memory is handled in </a:t>
+            </a:r>
+            <a:r>
+              <a:rPr lang="en-US" dirty="0" smtClean="0"/>
+              <a:t>Java</a:t>
+            </a:r>
+          </a:p>
+          <a:p>
+            <a:r>
+              <a:rPr lang="en-US" i="1" dirty="0" smtClean="0"/>
+              <a:t>Pointers</a:t>
+            </a:r>
+            <a:r>
+              <a:rPr lang="en-US" dirty="0" smtClean="0"/>
+              <a:t> and </a:t>
+            </a:r>
+            <a:r>
+              <a:rPr lang="en-US" i="1" dirty="0" smtClean="0"/>
+              <a:t>memory</a:t>
+            </a:r>
+            <a:r>
+              <a:rPr lang="en-US" dirty="0" smtClean="0"/>
+              <a:t> are usually hard to understand… but critical, otherwise it will be nearly impossible to understand the data structures in this course</a:t>
+            </a:r>
+          </a:p>
+          <a:p>
+            <a:r>
+              <a:rPr lang="en-US" dirty="0" smtClean="0"/>
+              <a:t>Should had been covered in the 1</a:t>
+            </a:r>
+            <a:r>
+              <a:rPr lang="en-US" baseline="30000" dirty="0" smtClean="0"/>
+              <a:t>st</a:t>
+            </a:r>
+            <a:r>
+              <a:rPr lang="en-US" dirty="0" smtClean="0"/>
+              <a:t> year</a:t>
+            </a:r>
+          </a:p>
+          <a:p>
+            <a:pPr lvl="1"/>
+            <a:r>
+              <a:rPr lang="en-US" dirty="0"/>
+              <a:t>s</a:t>
+            </a:r>
+            <a:r>
+              <a:rPr lang="en-US" dirty="0" smtClean="0"/>
+              <a:t>o this is just a high level revision…</a:t>
+            </a:r>
+            <a:endParaRPr lang="en-US" dirty="0"/>
+          </a:p>
+        </p:txBody>
+      </p:sp>
+    </p:spTree>
+    <p:extLst>
+      <p:ext uri="{BB962C8B-B14F-4D97-AF65-F5344CB8AC3E}">
+        <p14:creationId xmlns:p14="http://schemas.microsoft.com/office/powerpoint/2010/main" val="1219543197"/>
+      </p:ext>
+    </p:extLst>
+  </p:cSld>
+  <p:clrMapOvr>
+    <a:masterClrMapping/>
+  </p:clrMapOvr>
+  <p:transition spd="med"/>
+</p:sld>
+</file>
+
+<file path=ppt/slides/slide2.xml><?xml version="1.0" encoding="utf-8"?>
+<p:sld xmlns:a="http://schemas.openxmlformats.org/drawingml/2006/main" xmlns:r="http://schemas.openxmlformats.org/officeDocument/2006/relationships" xmlns:p="http://schemas.openxmlformats.org/presentationml/2006/main">
+  <p:cSld>
+    <p:spTree>
+      <p:nvGrpSpPr>
+        <p:cNvPr id="1" name=""/>
+        <p:cNvGrpSpPr/>
+        <p:nvPr/>
+      </p:nvGrpSpPr>
+      <p:grpSpPr>
+        <a:xfrm>
+          <a:off x="0" y="0"/>
+          <a:ext cx="0" cy="0"/>
+          <a:chOff x="0" y="0"/>
+          <a:chExt cx="0" cy="0"/>
+        </a:xfrm>
+      </p:grpSpPr>
+      <p:sp>
+        <p:nvSpPr>
+          <p:cNvPr id="4" name="Title 3"/>
+          <p:cNvSpPr>
+            <a:spLocks noGrp="1"/>
+          </p:cNvSpPr>
+          <p:nvPr>
+            <p:ph type="title"/>
+          </p:nvPr>
+        </p:nvSpPr>
+        <p:spPr/>
+        <p:txBody>
+          <a:bodyPr/>
+          <a:lstStyle/>
+          <a:p>
+            <a:r>
+              <a:rPr lang="en-US" dirty="0" smtClean="0"/>
+              <a:t>Generics</a:t>
+            </a:r>
+            <a:endParaRPr lang="en-US" dirty="0"/>
+          </a:p>
+        </p:txBody>
+      </p:sp>
+    </p:spTree>
+    <p:extLst>
+      <p:ext uri="{BB962C8B-B14F-4D97-AF65-F5344CB8AC3E}">
+        <p14:creationId xmlns:p14="http://schemas.microsoft.com/office/powerpoint/2010/main" val="1577531917"/>
+      </p:ext>
+    </p:extLst>
+  </p:cSld>
+  <p:clrMapOvr>
+    <a:masterClrMapping/>
+  </p:clrMapOvr>
+  <p:transition spd="med"/>
+  <p:timing>
+    <p:tnLst>
+      <p:par>
+        <p:cTn id="1" dur="indefinite" restart="never" nodeType="tmRoot"/>
+      </p:par>
+    </p:tnLst>
+  </p:timing>
+</p:sld>
+</file>
+
+<file path=ppt/slides/slide20.xml><?xml version="1.0" encoding="utf-8"?>
+<p:sld xmlns:a="http://schemas.openxmlformats.org/drawingml/2006/main" xmlns:r="http://schemas.openxmlformats.org/officeDocument/2006/relationships" xmlns:p="http://schemas.openxmlformats.org/presentationml/2006/main">
+  <p:cSld>
+    <p:spTree>
+      <p:nvGrpSpPr>
+        <p:cNvPr id="1" name=""/>
+        <p:cNvGrpSpPr/>
+        <p:nvPr/>
+      </p:nvGrpSpPr>
+      <p:grpSpPr>
+        <a:xfrm>
+          <a:off x="0" y="0"/>
+          <a:ext cx="0" cy="0"/>
+          <a:chOff x="0" y="0"/>
+          <a:chExt cx="0" cy="0"/>
+        </a:xfrm>
+      </p:grpSpPr>
+      <p:sp>
+        <p:nvSpPr>
+          <p:cNvPr id="2" name="Title 1"/>
+          <p:cNvSpPr>
+            <a:spLocks noGrp="1"/>
+          </p:cNvSpPr>
+          <p:nvPr>
+            <p:ph type="title"/>
+          </p:nvPr>
+        </p:nvSpPr>
+        <p:spPr/>
+        <p:txBody>
+          <a:bodyPr/>
+          <a:lstStyle/>
+          <a:p>
+            <a:r>
+              <a:rPr lang="en-US" dirty="0" smtClean="0"/>
               <a:t>Very Simplified Model</a:t>
             </a:r>
             <a:endParaRPr lang="en-US" dirty="0"/>
@@ -3811,7 +6453,7 @@
 </p:sld>
 </file>
 
-<file path=ppt/slides/slide13.xml><?xml version="1.0" encoding="utf-8"?>
+<file path=ppt/slides/slide21.xml><?xml version="1.0" encoding="utf-8"?>
 <p:sld xmlns:a="http://schemas.openxmlformats.org/drawingml/2006/main" xmlns:r="http://schemas.openxmlformats.org/officeDocument/2006/relationships" xmlns:p="http://schemas.openxmlformats.org/presentationml/2006/main">
   <p:cSld>
     <p:spTree>
@@ -3866,7 +6508,7 @@
 </p:sld>
 </file>
 
-<file path=ppt/slides/slide14.xml><?xml version="1.0" encoding="utf-8"?>
+<file path=ppt/slides/slide22.xml><?xml version="1.0" encoding="utf-8"?>
 <p:sld xmlns:a="http://schemas.openxmlformats.org/drawingml/2006/main" xmlns:r="http://schemas.openxmlformats.org/officeDocument/2006/relationships" xmlns:p="http://schemas.openxmlformats.org/presentationml/2006/main">
   <p:cSld>
     <p:spTree>
@@ -4094,7 +6736,7 @@
 </p:sld>
 </file>
 
-<file path=ppt/slides/slide15.xml><?xml version="1.0" encoding="utf-8"?>
+<file path=ppt/slides/slide23.xml><?xml version="1.0" encoding="utf-8"?>
 <p:sld xmlns:a="http://schemas.openxmlformats.org/drawingml/2006/main" xmlns:r="http://schemas.openxmlformats.org/officeDocument/2006/relationships" xmlns:p="http://schemas.openxmlformats.org/presentationml/2006/main">
   <p:cSld>
     <p:spTree>
@@ -4756,7 +7398,7 @@
 </p:sld>
 </file>
 
-<file path=ppt/slides/slide16.xml><?xml version="1.0" encoding="utf-8"?>
+<file path=ppt/slides/slide24.xml><?xml version="1.0" encoding="utf-8"?>
 <p:sld xmlns:a="http://schemas.openxmlformats.org/drawingml/2006/main" xmlns:r="http://schemas.openxmlformats.org/officeDocument/2006/relationships" xmlns:p="http://schemas.openxmlformats.org/presentationml/2006/main">
   <p:cSld>
     <p:spTree>
@@ -4911,7 +7553,7 @@
 </p:sld>
 </file>
 
-<file path=ppt/slides/slide17.xml><?xml version="1.0" encoding="utf-8"?>
+<file path=ppt/slides/slide25.xml><?xml version="1.0" encoding="utf-8"?>
 <p:sld xmlns:a="http://schemas.openxmlformats.org/drawingml/2006/main" xmlns:r="http://schemas.openxmlformats.org/officeDocument/2006/relationships" xmlns:p="http://schemas.openxmlformats.org/presentationml/2006/main">
   <p:cSld>
     <p:spTree>
@@ -5783,7 +8425,7 @@
 </p:sld>
 </file>
 
-<file path=ppt/slides/slide18.xml><?xml version="1.0" encoding="utf-8"?>
+<file path=ppt/slides/slide26.xml><?xml version="1.0" encoding="utf-8"?>
 <p:sld xmlns:a="http://schemas.openxmlformats.org/drawingml/2006/main" xmlns:r="http://schemas.openxmlformats.org/officeDocument/2006/relationships" xmlns:p="http://schemas.openxmlformats.org/presentationml/2006/main">
   <p:cSld>
     <p:spTree>
@@ -6752,7 +9394,7 @@
 </p:sld>
 </file>
 
-<file path=ppt/slides/slide19.xml><?xml version="1.0" encoding="utf-8"?>
+<file path=ppt/slides/slide27.xml><?xml version="1.0" encoding="utf-8"?>
 <p:sld xmlns:a="http://schemas.openxmlformats.org/drawingml/2006/main" xmlns:r="http://schemas.openxmlformats.org/officeDocument/2006/relationships" xmlns:p="http://schemas.openxmlformats.org/presentationml/2006/main">
   <p:cSld>
     <p:spTree>
@@ -7571,178 +10213,7 @@
 </p:sld>
 </file>
 
-<file path=ppt/slides/slide2.xml><?xml version="1.0" encoding="utf-8"?>
-<p:sld xmlns:a="http://schemas.openxmlformats.org/drawingml/2006/main" xmlns:r="http://schemas.openxmlformats.org/officeDocument/2006/relationships" xmlns:p="http://schemas.openxmlformats.org/presentationml/2006/main">
-  <p:cSld>
-    <p:spTree>
-      <p:nvGrpSpPr>
-        <p:cNvPr id="1" name=""/>
-        <p:cNvGrpSpPr/>
-        <p:nvPr/>
-      </p:nvGrpSpPr>
-      <p:grpSpPr>
-        <a:xfrm>
-          <a:off x="0" y="0"/>
-          <a:ext cx="0" cy="0"/>
-          <a:chOff x="0" y="0"/>
-          <a:chExt cx="0" cy="0"/>
-        </a:xfrm>
-      </p:grpSpPr>
-      <p:sp>
-        <p:nvSpPr>
-          <p:cNvPr id="2" name="Title 1"/>
-          <p:cNvSpPr>
-            <a:spLocks noGrp="1"/>
-          </p:cNvSpPr>
-          <p:nvPr>
-            <p:ph type="title"/>
-          </p:nvPr>
-        </p:nvSpPr>
-        <p:spPr/>
-        <p:txBody>
-          <a:bodyPr/>
-          <a:lstStyle/>
-          <a:p>
-            <a:r>
-              <a:rPr lang="en-US" dirty="0" smtClean="0"/>
-              <a:t>Stack</a:t>
-            </a:r>
-            <a:endParaRPr lang="en-US" dirty="0"/>
-          </a:p>
-        </p:txBody>
-      </p:sp>
-      <p:sp>
-        <p:nvSpPr>
-          <p:cNvPr id="3" name="Text Placeholder 2"/>
-          <p:cNvSpPr>
-            <a:spLocks noGrp="1"/>
-          </p:cNvSpPr>
-          <p:nvPr>
-            <p:ph type="body" idx="1"/>
-          </p:nvPr>
-        </p:nvSpPr>
-        <p:spPr>
-          <a:xfrm>
-            <a:off x="952500" y="2603500"/>
-            <a:ext cx="6953250" cy="6286500"/>
-          </a:xfrm>
-        </p:spPr>
-        <p:txBody>
-          <a:bodyPr/>
-          <a:lstStyle/>
-          <a:p>
-            <a:r>
-              <a:rPr lang="en-US" dirty="0" smtClean="0"/>
-              <a:t>Type of collection</a:t>
-            </a:r>
-          </a:p>
-          <a:p>
-            <a:r>
-              <a:rPr lang="en-US" dirty="0" smtClean="0"/>
-              <a:t>Add on top of the stack (</a:t>
-            </a:r>
-            <a:r>
-              <a:rPr lang="en-US" b="1" dirty="0" smtClean="0"/>
-              <a:t>push</a:t>
-            </a:r>
-            <a:r>
-              <a:rPr lang="en-US" dirty="0" smtClean="0"/>
-              <a:t>) </a:t>
-            </a:r>
-          </a:p>
-          <a:p>
-            <a:r>
-              <a:rPr lang="en-US" dirty="0" smtClean="0"/>
-              <a:t>Remove from top (</a:t>
-            </a:r>
-            <a:r>
-              <a:rPr lang="en-US" b="1" dirty="0" smtClean="0"/>
-              <a:t>pop</a:t>
-            </a:r>
-            <a:r>
-              <a:rPr lang="en-US" dirty="0" smtClean="0"/>
-              <a:t>)</a:t>
-            </a:r>
-          </a:p>
-          <a:p>
-            <a:r>
-              <a:rPr lang="en-US" dirty="0" smtClean="0"/>
-              <a:t>Can only read from top (</a:t>
-            </a:r>
-            <a:r>
-              <a:rPr lang="en-US" b="1" dirty="0" smtClean="0"/>
-              <a:t>peek</a:t>
-            </a:r>
-            <a:r>
-              <a:rPr lang="en-US" dirty="0" smtClean="0"/>
-              <a:t>)</a:t>
-            </a:r>
-          </a:p>
-          <a:p>
-            <a:r>
-              <a:rPr lang="en-US" i="1" dirty="0" smtClean="0"/>
-              <a:t>LIFO: Last In, First Out</a:t>
-            </a:r>
-            <a:endParaRPr lang="en-US" i="1" dirty="0"/>
-          </a:p>
-        </p:txBody>
-      </p:sp>
-      <p:pic>
-        <p:nvPicPr>
-          <p:cNvPr id="1026" name="Picture 2" descr="Image result for stack plates"/>
-          <p:cNvPicPr>
-            <a:picLocks noChangeAspect="1" noChangeArrowheads="1"/>
-          </p:cNvPicPr>
-          <p:nvPr/>
-        </p:nvPicPr>
-        <p:blipFill>
-          <a:blip r:embed="rId2" cstate="print">
-            <a:extLst>
-              <a:ext uri="{28A0092B-C50C-407E-A947-70E740481C1C}">
-                <a14:useLocalDpi xmlns:a14="http://schemas.microsoft.com/office/drawing/2010/main" val="0"/>
-              </a:ext>
-            </a:extLst>
-          </a:blip>
-          <a:srcRect/>
-          <a:stretch>
-            <a:fillRect/>
-          </a:stretch>
-        </p:blipFill>
-        <p:spPr bwMode="auto">
-          <a:xfrm>
-            <a:off x="8267700" y="2979981"/>
-            <a:ext cx="4146550" cy="5533537"/>
-          </a:xfrm>
-          <a:prstGeom prst="rect">
-            <a:avLst/>
-          </a:prstGeom>
-          <a:noFill/>
-          <a:extLst>
-            <a:ext uri="{909E8E84-426E-40DD-AFC4-6F175D3DCCD1}">
-              <a14:hiddenFill xmlns:a14="http://schemas.microsoft.com/office/drawing/2010/main">
-                <a:solidFill>
-                  <a:srgbClr val="FFFFFF"/>
-                </a:solidFill>
-              </a14:hiddenFill>
-            </a:ext>
-          </a:extLst>
-        </p:spPr>
-      </p:pic>
-    </p:spTree>
-    <p:extLst>
-      <p:ext uri="{BB962C8B-B14F-4D97-AF65-F5344CB8AC3E}">
-        <p14:creationId xmlns:p14="http://schemas.microsoft.com/office/powerpoint/2010/main" val="2526421012"/>
-      </p:ext>
-    </p:extLst>
-  </p:cSld>
-  <p:clrMapOvr>
-    <a:masterClrMapping/>
-  </p:clrMapOvr>
-  <p:transition spd="med"/>
-</p:sld>
-</file>
-
-<file path=ppt/slides/slide20.xml><?xml version="1.0" encoding="utf-8"?>
+<file path=ppt/slides/slide28.xml><?xml version="1.0" encoding="utf-8"?>
 <p:sld xmlns:a="http://schemas.openxmlformats.org/drawingml/2006/main" xmlns:r="http://schemas.openxmlformats.org/officeDocument/2006/relationships" xmlns:p="http://schemas.openxmlformats.org/presentationml/2006/main">
   <p:cSld>
     <p:spTree>
@@ -8753,7 +11224,7 @@
           </a:ln>
           <a:extLst>
             <a:ext uri="{C572A759-6A51-4108-AA02-DFA0A04FC94B}">
-              <ma14:wrappingTextBoxFlag xmlns:ma14="http://schemas.microsoft.com/office/mac/drawingml/2011/main" xmlns="" val="1"/>
+              <ma14:wrappingTextBoxFlag xmlns="" xmlns:ma14="http://schemas.microsoft.com/office/mac/drawingml/2011/main" val="1"/>
             </a:ext>
           </a:extLst>
         </p:spPr>
@@ -9058,7 +11529,7 @@
 </p:sld>
 </file>
 
-<file path=ppt/slides/slide21.xml><?xml version="1.0" encoding="utf-8"?>
+<file path=ppt/slides/slide29.xml><?xml version="1.0" encoding="utf-8"?>
 <p:sld xmlns:a="http://schemas.openxmlformats.org/drawingml/2006/main" xmlns:r="http://schemas.openxmlformats.org/officeDocument/2006/relationships" xmlns:p="http://schemas.openxmlformats.org/presentationml/2006/main">
   <p:cSld>
     <p:spTree>
@@ -9679,7 +12150,7 @@
 </p:sld>
 </file>
 
-<file path=ppt/slides/slide22.xml><?xml version="1.0" encoding="utf-8"?>
+<file path=ppt/slides/slide3.xml><?xml version="1.0" encoding="utf-8"?>
 <p:sld xmlns:a="http://schemas.openxmlformats.org/drawingml/2006/main" xmlns:r="http://schemas.openxmlformats.org/officeDocument/2006/relationships" xmlns:p="http://schemas.openxmlformats.org/presentationml/2006/main">
   <p:cSld>
     <p:spTree>
@@ -9713,6 +12184,148 @@
           <a:p>
             <a:r>
               <a:rPr lang="en-US" dirty="0" smtClean="0"/>
+              <a:t>Data Types</a:t>
+            </a:r>
+            <a:endParaRPr lang="en-US" dirty="0"/>
+          </a:p>
+        </p:txBody>
+      </p:sp>
+      <p:sp>
+        <p:nvSpPr>
+          <p:cNvPr id="3" name="Text Placeholder 2"/>
+          <p:cNvSpPr>
+            <a:spLocks noGrp="1"/>
+          </p:cNvSpPr>
+          <p:nvPr>
+            <p:ph type="body" idx="1"/>
+          </p:nvPr>
+        </p:nvSpPr>
+        <p:spPr>
+          <a:xfrm>
+            <a:off x="461913" y="2603499"/>
+            <a:ext cx="12273699" cy="6832731"/>
+          </a:xfrm>
+        </p:spPr>
+        <p:txBody>
+          <a:bodyPr/>
+          <a:lstStyle/>
+          <a:p>
+            <a:r>
+              <a:rPr lang="en-US" dirty="0" smtClean="0"/>
+              <a:t>In Java (and </a:t>
+            </a:r>
+            <a:r>
+              <a:rPr lang="en-US" dirty="0" smtClean="0"/>
+              <a:t>other statically </a:t>
+            </a:r>
+            <a:r>
+              <a:rPr lang="en-US" dirty="0" smtClean="0"/>
+              <a:t>typed languages) you need to declare the </a:t>
+            </a:r>
+            <a:r>
+              <a:rPr lang="en-US" i="1" dirty="0" smtClean="0"/>
+              <a:t>type</a:t>
+            </a:r>
+            <a:r>
+              <a:rPr lang="en-US" dirty="0" smtClean="0"/>
+              <a:t> of the variable</a:t>
+            </a:r>
+          </a:p>
+          <a:p>
+            <a:pPr lvl="1"/>
+            <a:r>
+              <a:rPr lang="en-US" dirty="0" err="1" smtClean="0"/>
+              <a:t>eg</a:t>
+            </a:r>
+            <a:r>
+              <a:rPr lang="en-US" dirty="0" smtClean="0"/>
+              <a:t>, “</a:t>
+            </a:r>
+            <a:r>
+              <a:rPr lang="en-US" i="1" dirty="0" err="1" smtClean="0"/>
+              <a:t>int</a:t>
+            </a:r>
+            <a:r>
+              <a:rPr lang="en-US" i="1" dirty="0" smtClean="0"/>
+              <a:t> x</a:t>
+            </a:r>
+            <a:r>
+              <a:rPr lang="en-US" dirty="0" smtClean="0"/>
+              <a:t>” or “</a:t>
+            </a:r>
+            <a:r>
+              <a:rPr lang="en-US" i="1" dirty="0" smtClean="0"/>
+              <a:t>String y</a:t>
+            </a:r>
+            <a:r>
+              <a:rPr lang="en-US" dirty="0" smtClean="0"/>
+              <a:t>”</a:t>
+            </a:r>
+          </a:p>
+          <a:p>
+            <a:r>
+              <a:rPr lang="en-US" dirty="0" smtClean="0"/>
+              <a:t>In collections (arrays, lists, queues, stacks, etc.) you store data, but of which type?</a:t>
+            </a:r>
+            <a:endParaRPr lang="en-US" dirty="0"/>
+          </a:p>
+        </p:txBody>
+      </p:sp>
+    </p:spTree>
+    <p:extLst>
+      <p:ext uri="{BB962C8B-B14F-4D97-AF65-F5344CB8AC3E}">
+        <p14:creationId xmlns:p14="http://schemas.microsoft.com/office/powerpoint/2010/main" val="4059288620"/>
+      </p:ext>
+    </p:extLst>
+  </p:cSld>
+  <p:clrMapOvr>
+    <a:masterClrMapping/>
+  </p:clrMapOvr>
+  <p:transition spd="med"/>
+  <p:timing>
+    <p:tnLst>
+      <p:par>
+        <p:cTn id="1" dur="indefinite" restart="never" nodeType="tmRoot"/>
+      </p:par>
+    </p:tnLst>
+  </p:timing>
+</p:sld>
+</file>
+
+<file path=ppt/slides/slide30.xml><?xml version="1.0" encoding="utf-8"?>
+<p:sld xmlns:a="http://schemas.openxmlformats.org/drawingml/2006/main" xmlns:r="http://schemas.openxmlformats.org/officeDocument/2006/relationships" xmlns:p="http://schemas.openxmlformats.org/presentationml/2006/main">
+  <p:cSld>
+    <p:spTree>
+      <p:nvGrpSpPr>
+        <p:cNvPr id="1" name=""/>
+        <p:cNvGrpSpPr/>
+        <p:nvPr/>
+      </p:nvGrpSpPr>
+      <p:grpSpPr>
+        <a:xfrm>
+          <a:off x="0" y="0"/>
+          <a:ext cx="0" cy="0"/>
+          <a:chOff x="0" y="0"/>
+          <a:chExt cx="0" cy="0"/>
+        </a:xfrm>
+      </p:grpSpPr>
+      <p:sp>
+        <p:nvSpPr>
+          <p:cNvPr id="2" name="Title 1"/>
+          <p:cNvSpPr>
+            <a:spLocks noGrp="1"/>
+          </p:cNvSpPr>
+          <p:nvPr>
+            <p:ph type="title"/>
+          </p:nvPr>
+        </p:nvSpPr>
+        <p:spPr/>
+        <p:txBody>
+          <a:bodyPr/>
+          <a:lstStyle/>
+          <a:p>
+            <a:r>
+              <a:rPr lang="en-US" dirty="0" smtClean="0"/>
               <a:t>Pointers/References</a:t>
             </a:r>
             <a:endParaRPr lang="en-US" dirty="0"/>
@@ -9846,7 +12459,7 @@
 </p:sld>
 </file>
 
-<file path=ppt/slides/slide23.xml><?xml version="1.0" encoding="utf-8"?>
+<file path=ppt/slides/slide31.xml><?xml version="1.0" encoding="utf-8"?>
 <p:sld xmlns:a="http://schemas.openxmlformats.org/drawingml/2006/main" xmlns:r="http://schemas.openxmlformats.org/officeDocument/2006/relationships" xmlns:p="http://schemas.openxmlformats.org/presentationml/2006/main">
   <p:cSld>
     <p:spTree>
@@ -10600,7 +13213,7 @@
 </p:sld>
 </file>
 
-<file path=ppt/slides/slide24.xml><?xml version="1.0" encoding="utf-8"?>
+<file path=ppt/slides/slide32.xml><?xml version="1.0" encoding="utf-8"?>
 <p:sld xmlns:a="http://schemas.openxmlformats.org/drawingml/2006/main" xmlns:r="http://schemas.openxmlformats.org/officeDocument/2006/relationships" xmlns:p="http://schemas.openxmlformats.org/presentationml/2006/main">
   <p:cSld>
     <p:spTree>
@@ -11388,7 +14001,7 @@
 </p:sld>
 </file>
 
-<file path=ppt/slides/slide25.xml><?xml version="1.0" encoding="utf-8"?>
+<file path=ppt/slides/slide33.xml><?xml version="1.0" encoding="utf-8"?>
 <p:sld xmlns:a="http://schemas.openxmlformats.org/drawingml/2006/main" xmlns:r="http://schemas.openxmlformats.org/officeDocument/2006/relationships" xmlns:p="http://schemas.openxmlformats.org/presentationml/2006/main">
   <p:cSld>
     <p:spTree>
@@ -12716,7 +15329,7 @@
 </p:sld>
 </file>
 
-<file path=ppt/slides/slide26.xml><?xml version="1.0" encoding="utf-8"?>
+<file path=ppt/slides/slide34.xml><?xml version="1.0" encoding="utf-8"?>
 <p:sld xmlns:a="http://schemas.openxmlformats.org/drawingml/2006/main" xmlns:r="http://schemas.openxmlformats.org/officeDocument/2006/relationships" xmlns:p="http://schemas.openxmlformats.org/presentationml/2006/main">
   <p:cSld>
     <p:spTree>
@@ -14467,7 +17080,7 @@
 </p:sld>
 </file>
 
-<file path=ppt/slides/slide27.xml><?xml version="1.0" encoding="utf-8"?>
+<file path=ppt/slides/slide35.xml><?xml version="1.0" encoding="utf-8"?>
 <p:sld xmlns:a="http://schemas.openxmlformats.org/drawingml/2006/main" xmlns:r="http://schemas.openxmlformats.org/officeDocument/2006/relationships" xmlns:p="http://schemas.openxmlformats.org/presentationml/2006/main">
   <p:cSld>
     <p:spTree>
@@ -14888,7 +17501,7 @@
 </p:sld>
 </file>
 
-<file path=ppt/slides/slide28.xml><?xml version="1.0" encoding="utf-8"?>
+<file path=ppt/slides/slide36.xml><?xml version="1.0" encoding="utf-8"?>
 <p:sld xmlns:a="http://schemas.openxmlformats.org/drawingml/2006/main" xmlns:r="http://schemas.openxmlformats.org/officeDocument/2006/relationships" xmlns:p="http://schemas.openxmlformats.org/presentationml/2006/main">
   <p:cSld>
     <p:spTree>
@@ -16529,7 +19142,7 @@
 </p:sld>
 </file>
 
-<file path=ppt/slides/slide29.xml><?xml version="1.0" encoding="utf-8"?>
+<file path=ppt/slides/slide37.xml><?xml version="1.0" encoding="utf-8"?>
 <p:sld xmlns:a="http://schemas.openxmlformats.org/drawingml/2006/main" xmlns:r="http://schemas.openxmlformats.org/officeDocument/2006/relationships" xmlns:p="http://schemas.openxmlformats.org/presentationml/2006/main">
   <p:cSld>
     <p:spTree>
@@ -19072,98 +21685,7 @@
 </p:sld>
 </file>
 
-<file path=ppt/slides/slide3.xml><?xml version="1.0" encoding="utf-8"?>
-<p:sld xmlns:a="http://schemas.openxmlformats.org/drawingml/2006/main" xmlns:r="http://schemas.openxmlformats.org/officeDocument/2006/relationships" xmlns:p="http://schemas.openxmlformats.org/presentationml/2006/main">
-  <p:cSld>
-    <p:spTree>
-      <p:nvGrpSpPr>
-        <p:cNvPr id="1" name=""/>
-        <p:cNvGrpSpPr/>
-        <p:nvPr/>
-      </p:nvGrpSpPr>
-      <p:grpSpPr>
-        <a:xfrm>
-          <a:off x="0" y="0"/>
-          <a:ext cx="0" cy="0"/>
-          <a:chOff x="0" y="0"/>
-          <a:chExt cx="0" cy="0"/>
-        </a:xfrm>
-      </p:grpSpPr>
-      <p:sp>
-        <p:nvSpPr>
-          <p:cNvPr id="2" name="Title 1"/>
-          <p:cNvSpPr>
-            <a:spLocks noGrp="1"/>
-          </p:cNvSpPr>
-          <p:nvPr>
-            <p:ph type="title"/>
-          </p:nvPr>
-        </p:nvSpPr>
-        <p:spPr/>
-        <p:txBody>
-          <a:bodyPr/>
-          <a:lstStyle/>
-          <a:p>
-            <a:r>
-              <a:rPr lang="en-US" dirty="0" smtClean="0"/>
-              <a:t>Why?</a:t>
-            </a:r>
-            <a:endParaRPr lang="en-US" dirty="0"/>
-          </a:p>
-        </p:txBody>
-      </p:sp>
-      <p:sp>
-        <p:nvSpPr>
-          <p:cNvPr id="3" name="Text Placeholder 2"/>
-          <p:cNvSpPr>
-            <a:spLocks noGrp="1"/>
-          </p:cNvSpPr>
-          <p:nvPr>
-            <p:ph type="body" idx="1"/>
-          </p:nvPr>
-        </p:nvSpPr>
-        <p:spPr/>
-        <p:txBody>
-          <a:bodyPr/>
-          <a:lstStyle/>
-          <a:p>
-            <a:r>
-              <a:rPr lang="en-US" dirty="0" smtClean="0"/>
-              <a:t>The type of operations are more restricted compared to other collections we saw so far</a:t>
-            </a:r>
-          </a:p>
-          <a:p>
-            <a:r>
-              <a:rPr lang="en-US" dirty="0" smtClean="0"/>
-              <a:t>But if you are only interested in the operations of a stack, you can have specialized, </a:t>
-            </a:r>
-            <a:r>
-              <a:rPr lang="en-US" i="1" dirty="0" smtClean="0"/>
-              <a:t>high-performant</a:t>
-            </a:r>
-            <a:r>
-              <a:rPr lang="en-US" dirty="0" smtClean="0"/>
-              <a:t> implementations for it </a:t>
-            </a:r>
-            <a:endParaRPr lang="en-US" dirty="0"/>
-          </a:p>
-        </p:txBody>
-      </p:sp>
-    </p:spTree>
-    <p:extLst>
-      <p:ext uri="{BB962C8B-B14F-4D97-AF65-F5344CB8AC3E}">
-        <p14:creationId xmlns:p14="http://schemas.microsoft.com/office/powerpoint/2010/main" val="965660112"/>
-      </p:ext>
-    </p:extLst>
-  </p:cSld>
-  <p:clrMapOvr>
-    <a:masterClrMapping/>
-  </p:clrMapOvr>
-  <p:transition spd="med"/>
-</p:sld>
-</file>
-
-<file path=ppt/slides/slide30.xml><?xml version="1.0" encoding="utf-8"?>
+<file path=ppt/slides/slide38.xml><?xml version="1.0" encoding="utf-8"?>
 <p:sld xmlns:a="http://schemas.openxmlformats.org/drawingml/2006/main" xmlns:r="http://schemas.openxmlformats.org/officeDocument/2006/relationships" xmlns:p="http://schemas.openxmlformats.org/presentationml/2006/main">
   <p:cSld>
     <p:spTree>
@@ -20502,7 +23024,7 @@
 </p:sld>
 </file>
 
-<file path=ppt/slides/slide31.xml><?xml version="1.0" encoding="utf-8"?>
+<file path=ppt/slides/slide39.xml><?xml version="1.0" encoding="utf-8"?>
 <p:sld xmlns:a="http://schemas.openxmlformats.org/drawingml/2006/main" xmlns:r="http://schemas.openxmlformats.org/officeDocument/2006/relationships" xmlns:p="http://schemas.openxmlformats.org/presentationml/2006/main">
   <p:cSld>
     <p:spTree>
@@ -20633,7 +23155,157 @@
 </p:sld>
 </file>
 
-<file path=ppt/slides/slide32.xml><?xml version="1.0" encoding="utf-8"?>
+<file path=ppt/slides/slide4.xml><?xml version="1.0" encoding="utf-8"?>
+<p:sld xmlns:a="http://schemas.openxmlformats.org/drawingml/2006/main" xmlns:r="http://schemas.openxmlformats.org/officeDocument/2006/relationships" xmlns:p="http://schemas.openxmlformats.org/presentationml/2006/main">
+  <p:cSld>
+    <p:spTree>
+      <p:nvGrpSpPr>
+        <p:cNvPr id="1" name=""/>
+        <p:cNvGrpSpPr/>
+        <p:nvPr/>
+      </p:nvGrpSpPr>
+      <p:grpSpPr>
+        <a:xfrm>
+          <a:off x="0" y="0"/>
+          <a:ext cx="0" cy="0"/>
+          <a:chOff x="0" y="0"/>
+          <a:chExt cx="0" cy="0"/>
+        </a:xfrm>
+      </p:grpSpPr>
+      <p:sp>
+        <p:nvSpPr>
+          <p:cNvPr id="2" name="Title 1"/>
+          <p:cNvSpPr>
+            <a:spLocks noGrp="1"/>
+          </p:cNvSpPr>
+          <p:nvPr>
+            <p:ph type="title"/>
+          </p:nvPr>
+        </p:nvSpPr>
+        <p:spPr/>
+        <p:txBody>
+          <a:bodyPr/>
+          <a:lstStyle/>
+          <a:p>
+            <a:r>
+              <a:rPr lang="en-US" dirty="0" smtClean="0"/>
+              <a:t>Example</a:t>
+            </a:r>
+            <a:endParaRPr lang="en-US" dirty="0"/>
+          </a:p>
+        </p:txBody>
+      </p:sp>
+      <p:sp>
+        <p:nvSpPr>
+          <p:cNvPr id="3" name="Text Placeholder 2"/>
+          <p:cNvSpPr>
+            <a:spLocks noGrp="1"/>
+          </p:cNvSpPr>
+          <p:nvPr>
+            <p:ph type="body" idx="1"/>
+          </p:nvPr>
+        </p:nvSpPr>
+        <p:spPr>
+          <a:xfrm>
+            <a:off x="461913" y="2603499"/>
+            <a:ext cx="12141724" cy="6785597"/>
+          </a:xfrm>
+        </p:spPr>
+        <p:txBody>
+          <a:bodyPr>
+            <a:normAutofit lnSpcReduction="10000"/>
+          </a:bodyPr>
+          <a:lstStyle/>
+          <a:p>
+            <a:r>
+              <a:rPr lang="en-US" i="1" dirty="0" err="1" smtClean="0"/>
+              <a:t>StringContainer</a:t>
+            </a:r>
+            <a:r>
+              <a:rPr lang="en-US" dirty="0" smtClean="0"/>
+              <a:t>: to store strings</a:t>
+            </a:r>
+          </a:p>
+          <a:p>
+            <a:r>
+              <a:rPr lang="en-US" i="1" dirty="0" err="1" smtClean="0"/>
+              <a:t>IntegerContainer</a:t>
+            </a:r>
+            <a:r>
+              <a:rPr lang="en-US" dirty="0" smtClean="0"/>
+              <a:t>: to store integers</a:t>
+            </a:r>
+          </a:p>
+          <a:p>
+            <a:r>
+              <a:rPr lang="en-US" i="1" dirty="0" err="1" smtClean="0"/>
+              <a:t>WebSocketContainer</a:t>
+            </a:r>
+            <a:r>
+              <a:rPr lang="en-US" dirty="0" smtClean="0"/>
+              <a:t>: to store web socket objects</a:t>
+            </a:r>
+          </a:p>
+          <a:p>
+            <a:r>
+              <a:rPr lang="en-US" i="1" dirty="0" err="1" smtClean="0"/>
+              <a:t>SongContainer</a:t>
+            </a:r>
+            <a:r>
+              <a:rPr lang="en-US" dirty="0" smtClean="0"/>
+              <a:t>: to store song objects</a:t>
+            </a:r>
+          </a:p>
+          <a:p>
+            <a:r>
+              <a:rPr lang="en-US" i="1" dirty="0" err="1" smtClean="0"/>
+              <a:t>ShopCartContainer</a:t>
+            </a:r>
+            <a:r>
+              <a:rPr lang="en-US" dirty="0" smtClean="0"/>
+              <a:t>: to store items in a shop cart</a:t>
+            </a:r>
+          </a:p>
+          <a:p>
+            <a:r>
+              <a:rPr lang="en-US" dirty="0"/>
+              <a:t>e</a:t>
+            </a:r>
+            <a:r>
+              <a:rPr lang="en-US" dirty="0" smtClean="0"/>
+              <a:t>tc.</a:t>
+            </a:r>
+          </a:p>
+          <a:p>
+            <a:r>
+              <a:rPr lang="en-US" i="1" dirty="0" smtClean="0"/>
+              <a:t>Do you see the problem here?</a:t>
+            </a:r>
+          </a:p>
+        </p:txBody>
+      </p:sp>
+    </p:spTree>
+    <p:extLst>
+      <p:ext uri="{BB962C8B-B14F-4D97-AF65-F5344CB8AC3E}">
+        <p14:creationId xmlns:p14="http://schemas.microsoft.com/office/powerpoint/2010/main" val="3058887663"/>
+      </p:ext>
+    </p:extLst>
+  </p:cSld>
+  <p:clrMapOvr>
+    <a:masterClrMapping/>
+  </p:clrMapOvr>
+  <p:transition spd="med"/>
+  <p:timing>
+    <p:tnLst>
+      <p:par>
+        <p:cTn id="1" dur="indefinite" restart="never" nodeType="tmRoot"/>
+      </p:par>
+    </p:tnLst>
+  </p:timing>
+</p:sld>
+</file>
+
+<file path=ppt/slides/slide40.xml><?xml version="1.0" encoding="utf-8"?>
 <p:sld xmlns:a="http://schemas.openxmlformats.org/drawingml/2006/main" xmlns:r="http://schemas.openxmlformats.org/officeDocument/2006/relationships" xmlns:p="http://schemas.openxmlformats.org/presentationml/2006/main">
   <p:cSld>
     <p:spTree>
@@ -20667,7 +23339,7 @@
           <a:p>
             <a:r>
               <a:rPr lang="en-US" dirty="0" smtClean="0"/>
-              <a:t>Java Generics</a:t>
+              <a:t>Stack Implementations</a:t>
             </a:r>
             <a:endParaRPr lang="en-US" dirty="0"/>
           </a:p>
@@ -20676,7 +23348,7 @@
     </p:spTree>
     <p:extLst>
       <p:ext uri="{BB962C8B-B14F-4D97-AF65-F5344CB8AC3E}">
-        <p14:creationId xmlns:p14="http://schemas.microsoft.com/office/powerpoint/2010/main" val="1333761269"/>
+        <p14:creationId xmlns:p14="http://schemas.microsoft.com/office/powerpoint/2010/main" val="85046598"/>
       </p:ext>
     </p:extLst>
   </p:cSld>
@@ -20684,17 +23356,10 @@
     <a:masterClrMapping/>
   </p:clrMapOvr>
   <p:transition spd="med"/>
-  <p:timing>
-    <p:tnLst>
-      <p:par>
-        <p:cTn id="1" dur="indefinite" restart="never" nodeType="tmRoot"/>
-      </p:par>
-    </p:tnLst>
-  </p:timing>
 </p:sld>
 </file>
 
-<file path=ppt/slides/slide33.xml><?xml version="1.0" encoding="utf-8"?>
+<file path=ppt/slides/slide41.xml><?xml version="1.0" encoding="utf-8"?>
 <p:sld xmlns:a="http://schemas.openxmlformats.org/drawingml/2006/main" xmlns:r="http://schemas.openxmlformats.org/officeDocument/2006/relationships" xmlns:p="http://schemas.openxmlformats.org/presentationml/2006/main">
   <p:cSld>
     <p:spTree>
@@ -20726,11 +23391,7 @@
           <a:bodyPr/>
           <a:lstStyle/>
           <a:p>
-            <a:r>
-              <a:rPr lang="en-US" dirty="0" smtClean="0"/>
-              <a:t>Data Types</a:t>
-            </a:r>
-            <a:endParaRPr lang="en-US" dirty="0"/>
+            <a:endParaRPr lang="en-US"/>
           </a:p>
         </p:txBody>
       </p:sp>
@@ -20744,73 +23405,19 @@
             <p:ph type="body" idx="1"/>
           </p:nvPr>
         </p:nvSpPr>
-        <p:spPr>
-          <a:xfrm>
-            <a:off x="461913" y="2603499"/>
-            <a:ext cx="12273699" cy="6832731"/>
-          </a:xfrm>
-        </p:spPr>
+        <p:spPr/>
         <p:txBody>
           <a:bodyPr/>
           <a:lstStyle/>
           <a:p>
-            <a:r>
-              <a:rPr lang="en-US" dirty="0" smtClean="0"/>
-              <a:t>In Java (and statically typed languages) you need to declare the </a:t>
-            </a:r>
-            <a:r>
-              <a:rPr lang="en-US" i="1" dirty="0" smtClean="0"/>
-              <a:t>type</a:t>
-            </a:r>
-            <a:r>
-              <a:rPr lang="en-US" dirty="0" smtClean="0"/>
-              <a:t> of the variable</a:t>
-            </a:r>
-          </a:p>
-          <a:p>
-            <a:pPr lvl="1"/>
-            <a:r>
-              <a:rPr lang="en-US" dirty="0" err="1" smtClean="0"/>
-              <a:t>eg</a:t>
-            </a:r>
-            <a:r>
-              <a:rPr lang="en-US" dirty="0" smtClean="0"/>
-              <a:t>, “</a:t>
-            </a:r>
-            <a:r>
-              <a:rPr lang="en-US" i="1" dirty="0" err="1" smtClean="0"/>
-              <a:t>int</a:t>
-            </a:r>
-            <a:r>
-              <a:rPr lang="en-US" i="1" dirty="0" smtClean="0"/>
-              <a:t> x</a:t>
-            </a:r>
-            <a:r>
-              <a:rPr lang="en-US" dirty="0" smtClean="0"/>
-              <a:t>” or “</a:t>
-            </a:r>
-            <a:r>
-              <a:rPr lang="en-US" i="1" dirty="0" smtClean="0"/>
-              <a:t>String y</a:t>
-            </a:r>
-            <a:r>
-              <a:rPr lang="en-US" dirty="0" smtClean="0"/>
-              <a:t>”</a:t>
-            </a:r>
-          </a:p>
-          <a:p>
-            <a:r>
-              <a:rPr lang="en-US" dirty="0" smtClean="0"/>
-              <a:t>In collections (arrays, lists, queues, stacks, etc.) you store data, but of which type?</a:t>
-            </a:r>
-            <a:endParaRPr lang="en-US" dirty="0"/>
+            <a:endParaRPr lang="en-US"/>
           </a:p>
         </p:txBody>
       </p:sp>
     </p:spTree>
     <p:extLst>
       <p:ext uri="{BB962C8B-B14F-4D97-AF65-F5344CB8AC3E}">
-        <p14:creationId xmlns:p14="http://schemas.microsoft.com/office/powerpoint/2010/main" val="811167933"/>
+        <p14:creationId xmlns:p14="http://schemas.microsoft.com/office/powerpoint/2010/main" val="1348731066"/>
       </p:ext>
     </p:extLst>
   </p:cSld>
@@ -20818,17 +23425,69 @@
     <a:masterClrMapping/>
   </p:clrMapOvr>
   <p:transition spd="med"/>
-  <p:timing>
-    <p:tnLst>
-      <p:par>
-        <p:cTn id="1" dur="indefinite" restart="never" nodeType="tmRoot"/>
-      </p:par>
-    </p:tnLst>
-  </p:timing>
 </p:sld>
 </file>
 
-<file path=ppt/slides/slide34.xml><?xml version="1.0" encoding="utf-8"?>
+<file path=ppt/slides/slide42.xml><?xml version="1.0" encoding="utf-8"?>
+<p:sld xmlns:a="http://schemas.openxmlformats.org/drawingml/2006/main" xmlns:r="http://schemas.openxmlformats.org/officeDocument/2006/relationships" xmlns:p="http://schemas.openxmlformats.org/presentationml/2006/main">
+  <p:cSld>
+    <p:spTree>
+      <p:nvGrpSpPr>
+        <p:cNvPr id="1" name=""/>
+        <p:cNvGrpSpPr/>
+        <p:nvPr/>
+      </p:nvGrpSpPr>
+      <p:grpSpPr>
+        <a:xfrm>
+          <a:off x="0" y="0"/>
+          <a:ext cx="0" cy="0"/>
+          <a:chOff x="0" y="0"/>
+          <a:chExt cx="0" cy="0"/>
+        </a:xfrm>
+      </p:grpSpPr>
+      <p:sp>
+        <p:nvSpPr>
+          <p:cNvPr id="4" name="Title 3"/>
+          <p:cNvSpPr>
+            <a:spLocks noGrp="1"/>
+          </p:cNvSpPr>
+          <p:nvPr>
+            <p:ph type="title"/>
+          </p:nvPr>
+        </p:nvSpPr>
+        <p:spPr>
+          <a:xfrm>
+            <a:off x="599091" y="3225800"/>
+            <a:ext cx="11805218" cy="3302000"/>
+          </a:xfrm>
+        </p:spPr>
+        <p:txBody>
+          <a:bodyPr/>
+          <a:lstStyle/>
+          <a:p>
+            <a:r>
+              <a:rPr lang="en-US" dirty="0" smtClean="0"/>
+              <a:t>Queue Implementations</a:t>
+            </a:r>
+            <a:endParaRPr lang="en-US" dirty="0"/>
+          </a:p>
+        </p:txBody>
+      </p:sp>
+    </p:spTree>
+    <p:extLst>
+      <p:ext uri="{BB962C8B-B14F-4D97-AF65-F5344CB8AC3E}">
+        <p14:creationId xmlns:p14="http://schemas.microsoft.com/office/powerpoint/2010/main" val="300131670"/>
+      </p:ext>
+    </p:extLst>
+  </p:cSld>
+  <p:clrMapOvr>
+    <a:masterClrMapping/>
+  </p:clrMapOvr>
+  <p:transition spd="med"/>
+</p:sld>
+</file>
+
+<file path=ppt/slides/slide43.xml><?xml version="1.0" encoding="utf-8"?>
 <p:sld xmlns:a="http://schemas.openxmlformats.org/drawingml/2006/main" xmlns:r="http://schemas.openxmlformats.org/officeDocument/2006/relationships" xmlns:p="http://schemas.openxmlformats.org/presentationml/2006/main">
   <p:cSld>
     <p:spTree>
@@ -20860,11 +23519,7 @@
           <a:bodyPr/>
           <a:lstStyle/>
           <a:p>
-            <a:r>
-              <a:rPr lang="en-US" dirty="0" smtClean="0"/>
-              <a:t>Example</a:t>
-            </a:r>
-            <a:endParaRPr lang="en-US" dirty="0"/>
+            <a:endParaRPr lang="en-US"/>
           </a:p>
         </p:txBody>
       </p:sp>
@@ -20878,89 +23533,19 @@
             <p:ph type="body" idx="1"/>
           </p:nvPr>
         </p:nvSpPr>
-        <p:spPr>
-          <a:xfrm>
-            <a:off x="461913" y="2603499"/>
-            <a:ext cx="12141724" cy="6785597"/>
-          </a:xfrm>
-        </p:spPr>
+        <p:spPr/>
         <p:txBody>
-          <a:bodyPr>
-            <a:normAutofit lnSpcReduction="10000"/>
-          </a:bodyPr>
+          <a:bodyPr/>
           <a:lstStyle/>
           <a:p>
-            <a:r>
-              <a:rPr lang="en-US" i="1" dirty="0" err="1" smtClean="0"/>
-              <a:t>StringContainer</a:t>
-            </a:r>
-            <a:r>
-              <a:rPr lang="en-US" dirty="0" smtClean="0"/>
-              <a:t>: to store strings</a:t>
-            </a:r>
-          </a:p>
-          <a:p>
-            <a:r>
-              <a:rPr lang="en-US" i="1" dirty="0" err="1" smtClean="0"/>
-              <a:t>IntegerContainer</a:t>
-            </a:r>
-            <a:r>
-              <a:rPr lang="en-US" dirty="0" smtClean="0"/>
-              <a:t>: to store integers</a:t>
-            </a:r>
-          </a:p>
-          <a:p>
-            <a:r>
-              <a:rPr lang="en-US" i="1" dirty="0" err="1" smtClean="0"/>
-              <a:t>WebSocketContainer</a:t>
-            </a:r>
-            <a:r>
-              <a:rPr lang="en-US" dirty="0" smtClean="0"/>
-              <a:t>: to store web socket objects</a:t>
-            </a:r>
-          </a:p>
-          <a:p>
-            <a:r>
-              <a:rPr lang="en-US" i="1" dirty="0" err="1" smtClean="0"/>
-              <a:t>SongContainer</a:t>
-            </a:r>
-            <a:r>
-              <a:rPr lang="en-US" dirty="0" smtClean="0"/>
-              <a:t>: to store song objects</a:t>
-            </a:r>
-          </a:p>
-          <a:p>
-            <a:r>
-              <a:rPr lang="en-US" i="1" dirty="0" err="1" smtClean="0"/>
-              <a:t>ShopCartContainer</a:t>
-            </a:r>
-            <a:r>
-              <a:rPr lang="en-US" dirty="0" smtClean="0"/>
-              <a:t>: to store items in a shop cart</a:t>
-            </a:r>
-          </a:p>
-          <a:p>
-            <a:r>
-              <a:rPr lang="en-US" dirty="0"/>
-              <a:t>e</a:t>
-            </a:r>
-            <a:r>
-              <a:rPr lang="en-US" dirty="0" smtClean="0"/>
-              <a:t>tc.</a:t>
-            </a:r>
-          </a:p>
-          <a:p>
-            <a:r>
-              <a:rPr lang="en-US" i="1" dirty="0" smtClean="0"/>
-              <a:t>Do you see the problem here?</a:t>
-            </a:r>
+            <a:endParaRPr lang="en-US"/>
           </a:p>
         </p:txBody>
       </p:sp>
     </p:spTree>
     <p:extLst>
       <p:ext uri="{BB962C8B-B14F-4D97-AF65-F5344CB8AC3E}">
-        <p14:creationId xmlns:p14="http://schemas.microsoft.com/office/powerpoint/2010/main" val="593843825"/>
+        <p14:creationId xmlns:p14="http://schemas.microsoft.com/office/powerpoint/2010/main" val="2951585629"/>
       </p:ext>
     </p:extLst>
   </p:cSld>
@@ -20968,17 +23553,72 @@
     <a:masterClrMapping/>
   </p:clrMapOvr>
   <p:transition spd="med"/>
-  <p:timing>
-    <p:tnLst>
-      <p:par>
-        <p:cTn id="1" dur="indefinite" restart="never" nodeType="tmRoot"/>
-      </p:par>
-    </p:tnLst>
-  </p:timing>
 </p:sld>
 </file>
 
-<file path=ppt/slides/slide35.xml><?xml version="1.0" encoding="utf-8"?>
+<file path=ppt/slides/slide44.xml><?xml version="1.0" encoding="utf-8"?>
+<p:sld xmlns:a="http://schemas.openxmlformats.org/drawingml/2006/main" xmlns:r="http://schemas.openxmlformats.org/officeDocument/2006/relationships" xmlns:p="http://schemas.openxmlformats.org/presentationml/2006/main">
+  <p:cSld>
+    <p:spTree>
+      <p:nvGrpSpPr>
+        <p:cNvPr id="1" name=""/>
+        <p:cNvGrpSpPr/>
+        <p:nvPr/>
+      </p:nvGrpSpPr>
+      <p:grpSpPr>
+        <a:xfrm>
+          <a:off x="0" y="0"/>
+          <a:ext cx="0" cy="0"/>
+          <a:chOff x="0" y="0"/>
+          <a:chExt cx="0" cy="0"/>
+        </a:xfrm>
+      </p:grpSpPr>
+      <p:sp>
+        <p:nvSpPr>
+          <p:cNvPr id="4" name="Title 3"/>
+          <p:cNvSpPr>
+            <a:spLocks noGrp="1"/>
+          </p:cNvSpPr>
+          <p:nvPr>
+            <p:ph type="title"/>
+          </p:nvPr>
+        </p:nvSpPr>
+        <p:spPr/>
+        <p:txBody>
+          <a:bodyPr/>
+          <a:lstStyle/>
+          <a:p>
+            <a:r>
+              <a:rPr lang="en-US" dirty="0" smtClean="0"/>
+              <a:t>Arrays or </a:t>
+            </a:r>
+            <a:r>
+              <a:rPr lang="en-US" dirty="0" err="1" smtClean="0"/>
+              <a:t>LinkedLists</a:t>
+            </a:r>
+            <a:r>
+              <a:rPr lang="en-US" dirty="0" smtClean="0"/>
+              <a:t>?</a:t>
+            </a:r>
+            <a:endParaRPr lang="en-US" dirty="0"/>
+          </a:p>
+        </p:txBody>
+      </p:sp>
+    </p:spTree>
+    <p:extLst>
+      <p:ext uri="{BB962C8B-B14F-4D97-AF65-F5344CB8AC3E}">
+        <p14:creationId xmlns:p14="http://schemas.microsoft.com/office/powerpoint/2010/main" val="1149537003"/>
+      </p:ext>
+    </p:extLst>
+  </p:cSld>
+  <p:clrMapOvr>
+    <a:masterClrMapping/>
+  </p:clrMapOvr>
+  <p:transition spd="med"/>
+</p:sld>
+</file>
+
+<file path=ppt/slides/slide45.xml><?xml version="1.0" encoding="utf-8"?>
 <p:sld xmlns:a="http://schemas.openxmlformats.org/drawingml/2006/main" xmlns:r="http://schemas.openxmlformats.org/officeDocument/2006/relationships" xmlns:p="http://schemas.openxmlformats.org/presentationml/2006/main">
   <p:cSld>
     <p:spTree>
@@ -21010,6 +23650,193 @@
           <a:bodyPr/>
           <a:lstStyle/>
           <a:p>
+            <a:endParaRPr lang="en-US"/>
+          </a:p>
+        </p:txBody>
+      </p:sp>
+      <p:sp>
+        <p:nvSpPr>
+          <p:cNvPr id="3" name="Text Placeholder 2"/>
+          <p:cNvSpPr>
+            <a:spLocks noGrp="1"/>
+          </p:cNvSpPr>
+          <p:nvPr>
+            <p:ph type="body" idx="1"/>
+          </p:nvPr>
+        </p:nvSpPr>
+        <p:spPr/>
+        <p:txBody>
+          <a:bodyPr/>
+          <a:lstStyle/>
+          <a:p>
+            <a:endParaRPr lang="en-US"/>
+          </a:p>
+        </p:txBody>
+      </p:sp>
+    </p:spTree>
+    <p:extLst>
+      <p:ext uri="{BB962C8B-B14F-4D97-AF65-F5344CB8AC3E}">
+        <p14:creationId xmlns:p14="http://schemas.microsoft.com/office/powerpoint/2010/main" val="2884207090"/>
+      </p:ext>
+    </p:extLst>
+  </p:cSld>
+  <p:clrMapOvr>
+    <a:masterClrMapping/>
+  </p:clrMapOvr>
+  <p:transition spd="med"/>
+</p:sld>
+</file>
+
+<file path=ppt/slides/slide46.xml><?xml version="1.0" encoding="utf-8"?>
+<p:sld xmlns:a="http://schemas.openxmlformats.org/drawingml/2006/main" xmlns:r="http://schemas.openxmlformats.org/officeDocument/2006/relationships" xmlns:p="http://schemas.openxmlformats.org/presentationml/2006/main">
+  <p:cSld>
+    <p:spTree>
+      <p:nvGrpSpPr>
+        <p:cNvPr id="1" name=""/>
+        <p:cNvGrpSpPr/>
+        <p:nvPr/>
+      </p:nvGrpSpPr>
+      <p:grpSpPr>
+        <a:xfrm>
+          <a:off x="0" y="0"/>
+          <a:ext cx="0" cy="0"/>
+          <a:chOff x="0" y="0"/>
+          <a:chExt cx="0" cy="0"/>
+        </a:xfrm>
+      </p:grpSpPr>
+      <p:sp>
+        <p:nvSpPr>
+          <p:cNvPr id="2" name="Title 1"/>
+          <p:cNvSpPr>
+            <a:spLocks noGrp="1"/>
+          </p:cNvSpPr>
+          <p:nvPr>
+            <p:ph type="title"/>
+          </p:nvPr>
+        </p:nvSpPr>
+        <p:spPr/>
+        <p:txBody>
+          <a:bodyPr/>
+          <a:lstStyle/>
+          <a:p>
+            <a:r>
+              <a:rPr lang="en-US" dirty="0" smtClean="0"/>
+              <a:t>Homework</a:t>
+            </a:r>
+            <a:endParaRPr lang="en-US" dirty="0"/>
+          </a:p>
+        </p:txBody>
+      </p:sp>
+      <p:sp>
+        <p:nvSpPr>
+          <p:cNvPr id="3" name="Text Placeholder 2"/>
+          <p:cNvSpPr>
+            <a:spLocks noGrp="1"/>
+          </p:cNvSpPr>
+          <p:nvPr>
+            <p:ph type="body" idx="1"/>
+          </p:nvPr>
+        </p:nvSpPr>
+        <p:spPr/>
+        <p:txBody>
+          <a:bodyPr/>
+          <a:lstStyle/>
+          <a:p>
+            <a:r>
+              <a:rPr lang="en-US" dirty="0"/>
+              <a:t>Study Book Chapter </a:t>
+            </a:r>
+            <a:r>
+              <a:rPr lang="en-US" dirty="0" smtClean="0"/>
+              <a:t>1.3</a:t>
+            </a:r>
+          </a:p>
+          <a:p>
+            <a:r>
+              <a:rPr lang="en-US" dirty="0" smtClean="0"/>
+              <a:t>Study code in the </a:t>
+            </a:r>
+            <a:r>
+              <a:rPr lang="en-US" i="1" dirty="0" smtClean="0"/>
+              <a:t>org.pg4200.les02</a:t>
+            </a:r>
+            <a:r>
+              <a:rPr lang="en-US" dirty="0" smtClean="0"/>
+              <a:t> package</a:t>
+            </a:r>
+          </a:p>
+          <a:p>
+            <a:r>
+              <a:rPr lang="en-US" dirty="0" smtClean="0"/>
+              <a:t>Do exercises in </a:t>
+            </a:r>
+            <a:r>
+              <a:rPr lang="en-US" i="1" dirty="0" smtClean="0"/>
+              <a:t>exercises/ex02</a:t>
+            </a:r>
+          </a:p>
+          <a:p>
+            <a:r>
+              <a:rPr lang="en-US" dirty="0" smtClean="0"/>
+              <a:t>Extra: do exercises in the book</a:t>
+            </a:r>
+            <a:endParaRPr lang="en-US" dirty="0"/>
+          </a:p>
+        </p:txBody>
+      </p:sp>
+    </p:spTree>
+    <p:extLst>
+      <p:ext uri="{BB962C8B-B14F-4D97-AF65-F5344CB8AC3E}">
+        <p14:creationId xmlns:p14="http://schemas.microsoft.com/office/powerpoint/2010/main" val="3560069593"/>
+      </p:ext>
+    </p:extLst>
+  </p:cSld>
+  <p:clrMapOvr>
+    <a:masterClrMapping/>
+  </p:clrMapOvr>
+  <p:transition spd="med"/>
+  <p:timing>
+    <p:tnLst>
+      <p:par>
+        <p:cTn id="1" dur="indefinite" restart="never" nodeType="tmRoot"/>
+      </p:par>
+    </p:tnLst>
+  </p:timing>
+</p:sld>
+</file>
+
+<file path=ppt/slides/slide5.xml><?xml version="1.0" encoding="utf-8"?>
+<p:sld xmlns:a="http://schemas.openxmlformats.org/drawingml/2006/main" xmlns:r="http://schemas.openxmlformats.org/officeDocument/2006/relationships" xmlns:p="http://schemas.openxmlformats.org/presentationml/2006/main">
+  <p:cSld>
+    <p:spTree>
+      <p:nvGrpSpPr>
+        <p:cNvPr id="1" name=""/>
+        <p:cNvGrpSpPr/>
+        <p:nvPr/>
+      </p:nvGrpSpPr>
+      <p:grpSpPr>
+        <a:xfrm>
+          <a:off x="0" y="0"/>
+          <a:ext cx="0" cy="0"/>
+          <a:chOff x="0" y="0"/>
+          <a:chExt cx="0" cy="0"/>
+        </a:xfrm>
+      </p:grpSpPr>
+      <p:sp>
+        <p:nvSpPr>
+          <p:cNvPr id="2" name="Title 1"/>
+          <p:cNvSpPr>
+            <a:spLocks noGrp="1"/>
+          </p:cNvSpPr>
+          <p:nvPr>
+            <p:ph type="title"/>
+          </p:nvPr>
+        </p:nvSpPr>
+        <p:spPr/>
+        <p:txBody>
+          <a:bodyPr/>
+          <a:lstStyle/>
+          <a:p>
             <a:r>
               <a:rPr lang="en-US" dirty="0" smtClean="0"/>
               <a:t>Polymorphism?</a:t>
@@ -21147,7 +23974,7 @@
     </p:spTree>
     <p:extLst>
       <p:ext uri="{BB962C8B-B14F-4D97-AF65-F5344CB8AC3E}">
-        <p14:creationId xmlns:p14="http://schemas.microsoft.com/office/powerpoint/2010/main" val="1153917826"/>
+        <p14:creationId xmlns:p14="http://schemas.microsoft.com/office/powerpoint/2010/main" val="3494010785"/>
       </p:ext>
     </p:extLst>
   </p:cSld>
@@ -21165,7 +23992,7 @@
 </p:sld>
 </file>
 
-<file path=ppt/slides/slide36.xml><?xml version="1.0" encoding="utf-8"?>
+<file path=ppt/slides/slide6.xml><?xml version="1.0" encoding="utf-8"?>
 <p:sld xmlns:a="http://schemas.openxmlformats.org/drawingml/2006/main" xmlns:r="http://schemas.openxmlformats.org/officeDocument/2006/relationships" xmlns:p="http://schemas.openxmlformats.org/presentationml/2006/main">
   <p:cSld>
     <p:spTree>
@@ -21189,11 +24016,7 @@
             <a:graphicFrameLocks noGrp="1"/>
           </p:cNvGraphicFramePr>
           <p:nvPr>
-            <p:extLst>
-              <p:ext uri="{D42A27DB-BD31-4B8C-83A1-F6EECF244321}">
-                <p14:modId xmlns:p14="http://schemas.microsoft.com/office/powerpoint/2010/main" val="2890469853"/>
-              </p:ext>
-            </p:extLst>
+            <p:extLst/>
           </p:nvPr>
         </p:nvGraphicFramePr>
         <p:xfrm>
@@ -21845,7 +24668,7 @@
     </p:spTree>
     <p:extLst>
       <p:ext uri="{BB962C8B-B14F-4D97-AF65-F5344CB8AC3E}">
-        <p14:creationId xmlns:p14="http://schemas.microsoft.com/office/powerpoint/2010/main" val="441504905"/>
+        <p14:creationId xmlns:p14="http://schemas.microsoft.com/office/powerpoint/2010/main" val="427916363"/>
       </p:ext>
     </p:extLst>
   </p:cSld>
@@ -21860,2294 +24683,6 @@
       </p:par>
     </p:tnLst>
   </p:timing>
-</p:sld>
-</file>
-
-<file path=ppt/slides/slide37.xml><?xml version="1.0" encoding="utf-8"?>
-<p:sld xmlns:a="http://schemas.openxmlformats.org/drawingml/2006/main" xmlns:r="http://schemas.openxmlformats.org/officeDocument/2006/relationships" xmlns:p="http://schemas.openxmlformats.org/presentationml/2006/main">
-  <p:cSld>
-    <p:spTree>
-      <p:nvGrpSpPr>
-        <p:cNvPr id="1" name=""/>
-        <p:cNvGrpSpPr/>
-        <p:nvPr/>
-      </p:nvGrpSpPr>
-      <p:grpSpPr>
-        <a:xfrm>
-          <a:off x="0" y="0"/>
-          <a:ext cx="0" cy="0"/>
-          <a:chOff x="0" y="0"/>
-          <a:chExt cx="0" cy="0"/>
-        </a:xfrm>
-      </p:grpSpPr>
-      <p:sp>
-        <p:nvSpPr>
-          <p:cNvPr id="2" name="Title 1"/>
-          <p:cNvSpPr>
-            <a:spLocks noGrp="1"/>
-          </p:cNvSpPr>
-          <p:nvPr>
-            <p:ph type="title"/>
-          </p:nvPr>
-        </p:nvSpPr>
-        <p:spPr/>
-        <p:txBody>
-          <a:bodyPr/>
-          <a:lstStyle/>
-          <a:p>
-            <a:r>
-              <a:rPr lang="en-US" dirty="0" smtClean="0"/>
-              <a:t>Java Generics &lt;T&gt;</a:t>
-            </a:r>
-            <a:endParaRPr lang="en-US" dirty="0"/>
-          </a:p>
-        </p:txBody>
-      </p:sp>
-      <p:sp>
-        <p:nvSpPr>
-          <p:cNvPr id="3" name="Text Placeholder 2"/>
-          <p:cNvSpPr>
-            <a:spLocks noGrp="1"/>
-          </p:cNvSpPr>
-          <p:nvPr>
-            <p:ph type="body" idx="1"/>
-          </p:nvPr>
-        </p:nvSpPr>
-        <p:spPr>
-          <a:xfrm>
-            <a:off x="414779" y="2603500"/>
-            <a:ext cx="12301980" cy="6785598"/>
-          </a:xfrm>
-        </p:spPr>
-        <p:txBody>
-          <a:bodyPr/>
-          <a:lstStyle/>
-          <a:p>
-            <a:r>
-              <a:rPr lang="en-US" i="1" dirty="0" smtClean="0"/>
-              <a:t>List&lt;T&gt;</a:t>
-            </a:r>
-            <a:r>
-              <a:rPr lang="en-US" dirty="0" smtClean="0"/>
-              <a:t>: define a </a:t>
-            </a:r>
-            <a:r>
-              <a:rPr lang="en-US" i="1" dirty="0" smtClean="0"/>
-              <a:t>generic</a:t>
-            </a:r>
-            <a:r>
-              <a:rPr lang="en-US" dirty="0" smtClean="0"/>
-              <a:t> type, which can be substituted with any type</a:t>
-            </a:r>
-          </a:p>
-          <a:p>
-            <a:pPr lvl="1"/>
-            <a:r>
-              <a:rPr lang="en-US" dirty="0"/>
-              <a:t>n</a:t>
-            </a:r>
-            <a:r>
-              <a:rPr lang="en-US" dirty="0" smtClean="0"/>
-              <a:t>ote: “T” is just a label, could be anything</a:t>
-            </a:r>
-          </a:p>
-          <a:p>
-            <a:r>
-              <a:rPr lang="en-US" dirty="0" err="1" smtClean="0"/>
-              <a:t>Eg</a:t>
-            </a:r>
-            <a:r>
-              <a:rPr lang="en-US" dirty="0" smtClean="0"/>
-              <a:t>. </a:t>
-            </a:r>
-            <a:r>
-              <a:rPr lang="en-US" i="1" dirty="0" smtClean="0"/>
-              <a:t>List&lt;String&gt;, List&lt;Integer&gt;, List&lt;Song&gt;</a:t>
-            </a:r>
-            <a:r>
-              <a:rPr lang="en-US" dirty="0" smtClean="0"/>
-              <a:t> </a:t>
-            </a:r>
-          </a:p>
-          <a:p>
-            <a:r>
-              <a:rPr lang="en-US" dirty="0" smtClean="0"/>
-              <a:t>If I am only storing a variable (e.g., in a class field or array), I do need to care of its type, as not going to call any method on it</a:t>
-            </a:r>
-          </a:p>
-          <a:p>
-            <a:pPr lvl="1"/>
-            <a:r>
-              <a:rPr lang="en-US" dirty="0" err="1" smtClean="0"/>
-              <a:t>eg</a:t>
-            </a:r>
-            <a:r>
-              <a:rPr lang="en-US" dirty="0" smtClean="0"/>
-              <a:t>, “</a:t>
-            </a:r>
-            <a:r>
-              <a:rPr lang="en-US" i="1" dirty="0" smtClean="0"/>
-              <a:t>T x = input;</a:t>
-            </a:r>
-            <a:r>
-              <a:rPr lang="en-US" dirty="0" smtClean="0"/>
-              <a:t>”  do not need to care of actual type of T, as long as </a:t>
-            </a:r>
-            <a:r>
-              <a:rPr lang="en-US" i="1" dirty="0" smtClean="0"/>
-              <a:t>input</a:t>
-            </a:r>
-            <a:r>
-              <a:rPr lang="en-US" dirty="0" smtClean="0"/>
-              <a:t> is of that type</a:t>
-            </a:r>
-            <a:endParaRPr lang="en-US" dirty="0"/>
-          </a:p>
-        </p:txBody>
-      </p:sp>
-    </p:spTree>
-    <p:extLst>
-      <p:ext uri="{BB962C8B-B14F-4D97-AF65-F5344CB8AC3E}">
-        <p14:creationId xmlns:p14="http://schemas.microsoft.com/office/powerpoint/2010/main" val="370847235"/>
-      </p:ext>
-    </p:extLst>
-  </p:cSld>
-  <p:clrMapOvr>
-    <a:masterClrMapping/>
-  </p:clrMapOvr>
-  <p:transition spd="med"/>
-  <p:timing>
-    <p:tnLst>
-      <p:par>
-        <p:cTn id="1" dur="indefinite" restart="never" nodeType="tmRoot"/>
-      </p:par>
-    </p:tnLst>
-  </p:timing>
-</p:sld>
-</file>
-
-<file path=ppt/slides/slide38.xml><?xml version="1.0" encoding="utf-8"?>
-<p:sld xmlns:a="http://schemas.openxmlformats.org/drawingml/2006/main" xmlns:r="http://schemas.openxmlformats.org/officeDocument/2006/relationships" xmlns:p="http://schemas.openxmlformats.org/presentationml/2006/main">
-  <p:cSld>
-    <p:spTree>
-      <p:nvGrpSpPr>
-        <p:cNvPr id="1" name=""/>
-        <p:cNvGrpSpPr/>
-        <p:nvPr/>
-      </p:nvGrpSpPr>
-      <p:grpSpPr>
-        <a:xfrm>
-          <a:off x="0" y="0"/>
-          <a:ext cx="0" cy="0"/>
-          <a:chOff x="0" y="0"/>
-          <a:chExt cx="0" cy="0"/>
-        </a:xfrm>
-      </p:grpSpPr>
-      <p:sp>
-        <p:nvSpPr>
-          <p:cNvPr id="2" name="Title 1"/>
-          <p:cNvSpPr>
-            <a:spLocks noGrp="1"/>
-          </p:cNvSpPr>
-          <p:nvPr>
-            <p:ph type="title"/>
-          </p:nvPr>
-        </p:nvSpPr>
-        <p:spPr/>
-        <p:txBody>
-          <a:bodyPr/>
-          <a:lstStyle/>
-          <a:p>
-            <a:r>
-              <a:rPr lang="en-US" dirty="0" smtClean="0"/>
-              <a:t>&lt;T extends Foo&gt;</a:t>
-            </a:r>
-            <a:endParaRPr lang="en-US" dirty="0"/>
-          </a:p>
-        </p:txBody>
-      </p:sp>
-      <p:sp>
-        <p:nvSpPr>
-          <p:cNvPr id="3" name="Text Placeholder 2"/>
-          <p:cNvSpPr>
-            <a:spLocks noGrp="1"/>
-          </p:cNvSpPr>
-          <p:nvPr>
-            <p:ph type="body" idx="1"/>
-          </p:nvPr>
-        </p:nvSpPr>
-        <p:spPr>
-          <a:xfrm>
-            <a:off x="301658" y="2603499"/>
-            <a:ext cx="12424528" cy="6738463"/>
-          </a:xfrm>
-        </p:spPr>
-        <p:txBody>
-          <a:bodyPr/>
-          <a:lstStyle/>
-          <a:p>
-            <a:r>
-              <a:rPr lang="en-US" dirty="0" smtClean="0"/>
-              <a:t>In some cases you need Generics, but still need to call methods on it</a:t>
-            </a:r>
-          </a:p>
-          <a:p>
-            <a:r>
-              <a:rPr lang="en-US" dirty="0" smtClean="0"/>
-              <a:t>With </a:t>
-            </a:r>
-            <a:r>
-              <a:rPr lang="en-US" i="1" dirty="0" smtClean="0"/>
-              <a:t>&lt;T&gt;</a:t>
-            </a:r>
-            <a:r>
-              <a:rPr lang="en-US" dirty="0" smtClean="0"/>
-              <a:t> you would only be allowed to call methods from </a:t>
-            </a:r>
-            <a:r>
-              <a:rPr lang="en-US" i="1" dirty="0" err="1" smtClean="0"/>
-              <a:t>java.lang.Objects</a:t>
-            </a:r>
-            <a:endParaRPr lang="en-US" i="1" dirty="0" smtClean="0"/>
-          </a:p>
-          <a:p>
-            <a:r>
-              <a:rPr lang="en-US" i="1" dirty="0" smtClean="0"/>
-              <a:t>&lt;T extends Foo&gt;</a:t>
-            </a:r>
-            <a:r>
-              <a:rPr lang="en-US" dirty="0" smtClean="0"/>
-              <a:t> means any type that extends/implements the class/interface </a:t>
-            </a:r>
-            <a:r>
-              <a:rPr lang="en-US" i="1" dirty="0" smtClean="0"/>
-              <a:t>Foo </a:t>
-            </a:r>
-          </a:p>
-          <a:p>
-            <a:r>
-              <a:rPr lang="en-US" dirty="0" smtClean="0"/>
-              <a:t>Note: there is also a </a:t>
-            </a:r>
-            <a:r>
-              <a:rPr lang="en-US" i="1" dirty="0" smtClean="0"/>
-              <a:t>&lt;T super Foo&gt;</a:t>
-            </a:r>
-            <a:r>
-              <a:rPr lang="en-US" dirty="0" smtClean="0"/>
-              <a:t>, but we will not need it</a:t>
-            </a:r>
-            <a:endParaRPr lang="en-US" dirty="0"/>
-          </a:p>
-        </p:txBody>
-      </p:sp>
-    </p:spTree>
-    <p:extLst>
-      <p:ext uri="{BB962C8B-B14F-4D97-AF65-F5344CB8AC3E}">
-        <p14:creationId xmlns:p14="http://schemas.microsoft.com/office/powerpoint/2010/main" val="2079244274"/>
-      </p:ext>
-    </p:extLst>
-  </p:cSld>
-  <p:clrMapOvr>
-    <a:masterClrMapping/>
-  </p:clrMapOvr>
-  <p:transition spd="med"/>
-  <p:timing>
-    <p:tnLst>
-      <p:par>
-        <p:cTn id="1" dur="indefinite" restart="never" nodeType="tmRoot"/>
-      </p:par>
-    </p:tnLst>
-  </p:timing>
-</p:sld>
-</file>
-
-<file path=ppt/slides/slide39.xml><?xml version="1.0" encoding="utf-8"?>
-<p:sld xmlns:a="http://schemas.openxmlformats.org/drawingml/2006/main" xmlns:r="http://schemas.openxmlformats.org/officeDocument/2006/relationships" xmlns:p="http://schemas.openxmlformats.org/presentationml/2006/main">
-  <p:cSld>
-    <p:spTree>
-      <p:nvGrpSpPr>
-        <p:cNvPr id="1" name=""/>
-        <p:cNvGrpSpPr/>
-        <p:nvPr/>
-      </p:nvGrpSpPr>
-      <p:grpSpPr>
-        <a:xfrm>
-          <a:off x="0" y="0"/>
-          <a:ext cx="0" cy="0"/>
-          <a:chOff x="0" y="0"/>
-          <a:chExt cx="0" cy="0"/>
-        </a:xfrm>
-      </p:grpSpPr>
-      <p:sp>
-        <p:nvSpPr>
-          <p:cNvPr id="2" name="Title 1"/>
-          <p:cNvSpPr>
-            <a:spLocks noGrp="1"/>
-          </p:cNvSpPr>
-          <p:nvPr>
-            <p:ph type="title"/>
-          </p:nvPr>
-        </p:nvSpPr>
-        <p:spPr/>
-        <p:txBody>
-          <a:bodyPr/>
-          <a:lstStyle/>
-          <a:p>
-            <a:r>
-              <a:rPr lang="en-US" dirty="0" smtClean="0"/>
-              <a:t>Homework</a:t>
-            </a:r>
-            <a:endParaRPr lang="en-US" dirty="0"/>
-          </a:p>
-        </p:txBody>
-      </p:sp>
-      <p:sp>
-        <p:nvSpPr>
-          <p:cNvPr id="3" name="Text Placeholder 2"/>
-          <p:cNvSpPr>
-            <a:spLocks noGrp="1"/>
-          </p:cNvSpPr>
-          <p:nvPr>
-            <p:ph type="body" idx="1"/>
-          </p:nvPr>
-        </p:nvSpPr>
-        <p:spPr/>
-        <p:txBody>
-          <a:bodyPr/>
-          <a:lstStyle/>
-          <a:p>
-            <a:r>
-              <a:rPr lang="en-US" dirty="0"/>
-              <a:t>Study Book Chapter </a:t>
-            </a:r>
-            <a:r>
-              <a:rPr lang="en-US" dirty="0" smtClean="0"/>
-              <a:t>1.3</a:t>
-            </a:r>
-          </a:p>
-          <a:p>
-            <a:r>
-              <a:rPr lang="en-US" dirty="0" smtClean="0"/>
-              <a:t>Study code in the </a:t>
-            </a:r>
-            <a:r>
-              <a:rPr lang="en-US" i="1" dirty="0" smtClean="0"/>
-              <a:t>org.pg4200.les02</a:t>
-            </a:r>
-            <a:r>
-              <a:rPr lang="en-US" dirty="0" smtClean="0"/>
-              <a:t> package</a:t>
-            </a:r>
-          </a:p>
-          <a:p>
-            <a:r>
-              <a:rPr lang="en-US" dirty="0" smtClean="0"/>
-              <a:t>Do exercises in </a:t>
-            </a:r>
-            <a:r>
-              <a:rPr lang="en-US" i="1" dirty="0" smtClean="0"/>
-              <a:t>exercises/ex02</a:t>
-            </a:r>
-          </a:p>
-          <a:p>
-            <a:r>
-              <a:rPr lang="en-US" dirty="0" smtClean="0"/>
-              <a:t>Extra: do exercises in the book</a:t>
-            </a:r>
-            <a:endParaRPr lang="en-US" dirty="0"/>
-          </a:p>
-        </p:txBody>
-      </p:sp>
-    </p:spTree>
-    <p:extLst>
-      <p:ext uri="{BB962C8B-B14F-4D97-AF65-F5344CB8AC3E}">
-        <p14:creationId xmlns:p14="http://schemas.microsoft.com/office/powerpoint/2010/main" val="3560069593"/>
-      </p:ext>
-    </p:extLst>
-  </p:cSld>
-  <p:clrMapOvr>
-    <a:masterClrMapping/>
-  </p:clrMapOvr>
-  <p:transition spd="med"/>
-  <p:timing>
-    <p:tnLst>
-      <p:par>
-        <p:cTn id="1" dur="indefinite" restart="never" nodeType="tmRoot"/>
-      </p:par>
-    </p:tnLst>
-  </p:timing>
-</p:sld>
-</file>
-
-<file path=ppt/slides/slide4.xml><?xml version="1.0" encoding="utf-8"?>
-<p:sld xmlns:a="http://schemas.openxmlformats.org/drawingml/2006/main" xmlns:r="http://schemas.openxmlformats.org/officeDocument/2006/relationships" xmlns:p="http://schemas.openxmlformats.org/presentationml/2006/main">
-  <p:cSld>
-    <p:spTree>
-      <p:nvGrpSpPr>
-        <p:cNvPr id="1" name=""/>
-        <p:cNvGrpSpPr/>
-        <p:nvPr/>
-      </p:nvGrpSpPr>
-      <p:grpSpPr>
-        <a:xfrm>
-          <a:off x="0" y="0"/>
-          <a:ext cx="0" cy="0"/>
-          <a:chOff x="0" y="0"/>
-          <a:chExt cx="0" cy="0"/>
-        </a:xfrm>
-      </p:grpSpPr>
-      <p:sp>
-        <p:nvSpPr>
-          <p:cNvPr id="2" name="Title 1"/>
-          <p:cNvSpPr>
-            <a:spLocks noGrp="1"/>
-          </p:cNvSpPr>
-          <p:nvPr>
-            <p:ph type="title"/>
-          </p:nvPr>
-        </p:nvSpPr>
-        <p:spPr/>
-        <p:txBody>
-          <a:bodyPr/>
-          <a:lstStyle/>
-          <a:p>
-            <a:r>
-              <a:rPr lang="en-US" dirty="0" smtClean="0"/>
-              <a:t>Example</a:t>
-            </a:r>
-            <a:endParaRPr lang="en-US" dirty="0"/>
-          </a:p>
-        </p:txBody>
-      </p:sp>
-      <p:sp>
-        <p:nvSpPr>
-          <p:cNvPr id="3" name="Text Placeholder 2"/>
-          <p:cNvSpPr>
-            <a:spLocks noGrp="1"/>
-          </p:cNvSpPr>
-          <p:nvPr>
-            <p:ph type="body" idx="1"/>
-          </p:nvPr>
-        </p:nvSpPr>
-        <p:spPr/>
-        <p:txBody>
-          <a:bodyPr/>
-          <a:lstStyle/>
-          <a:p>
-            <a:r>
-              <a:rPr lang="en-US" dirty="0" smtClean="0"/>
-              <a:t>You need to work on some data X, so you push X on stack</a:t>
-            </a:r>
-          </a:p>
-          <a:p>
-            <a:r>
-              <a:rPr lang="en-US" dirty="0" smtClean="0"/>
-              <a:t>While working with X, you need to work on some other Y (</a:t>
-            </a:r>
-            <a:r>
-              <a:rPr lang="en-US" b="1" dirty="0" smtClean="0"/>
-              <a:t>push</a:t>
-            </a:r>
-            <a:r>
-              <a:rPr lang="en-US" dirty="0" smtClean="0"/>
-              <a:t> Y), but, once done with it (</a:t>
-            </a:r>
-            <a:r>
-              <a:rPr lang="en-US" b="1" dirty="0" smtClean="0"/>
-              <a:t>pop</a:t>
-            </a:r>
-            <a:r>
-              <a:rPr lang="en-US" dirty="0" smtClean="0"/>
-              <a:t>), need to go back to X (</a:t>
-            </a:r>
-            <a:r>
-              <a:rPr lang="en-US" b="1" dirty="0" smtClean="0"/>
-              <a:t>peek</a:t>
-            </a:r>
-            <a:r>
-              <a:rPr lang="en-US" dirty="0" smtClean="0"/>
-              <a:t>)</a:t>
-            </a:r>
-          </a:p>
-          <a:p>
-            <a:r>
-              <a:rPr lang="en-US" dirty="0" smtClean="0"/>
-              <a:t>While working on Y, might need to work on a Z (</a:t>
-            </a:r>
-            <a:r>
-              <a:rPr lang="en-US" b="1" dirty="0" smtClean="0"/>
-              <a:t>push</a:t>
-            </a:r>
-            <a:r>
-              <a:rPr lang="en-US" dirty="0" smtClean="0"/>
-              <a:t> Z), which itself might need to push more data on stack, etc.</a:t>
-            </a:r>
-            <a:endParaRPr lang="en-US" dirty="0"/>
-          </a:p>
-        </p:txBody>
-      </p:sp>
-    </p:spTree>
-    <p:extLst>
-      <p:ext uri="{BB962C8B-B14F-4D97-AF65-F5344CB8AC3E}">
-        <p14:creationId xmlns:p14="http://schemas.microsoft.com/office/powerpoint/2010/main" val="3388846950"/>
-      </p:ext>
-    </p:extLst>
-  </p:cSld>
-  <p:clrMapOvr>
-    <a:masterClrMapping/>
-  </p:clrMapOvr>
-  <p:transition spd="med"/>
-</p:sld>
-</file>
-
-<file path=ppt/slides/slide5.xml><?xml version="1.0" encoding="utf-8"?>
-<p:sld xmlns:a="http://schemas.openxmlformats.org/drawingml/2006/main" xmlns:r="http://schemas.openxmlformats.org/officeDocument/2006/relationships" xmlns:p="http://schemas.openxmlformats.org/presentationml/2006/main">
-  <p:cSld>
-    <p:spTree>
-      <p:nvGrpSpPr>
-        <p:cNvPr id="1" name=""/>
-        <p:cNvGrpSpPr/>
-        <p:nvPr/>
-      </p:nvGrpSpPr>
-      <p:grpSpPr>
-        <a:xfrm>
-          <a:off x="0" y="0"/>
-          <a:ext cx="0" cy="0"/>
-          <a:chOff x="0" y="0"/>
-          <a:chExt cx="0" cy="0"/>
-        </a:xfrm>
-      </p:grpSpPr>
-      <p:sp>
-        <p:nvSpPr>
-          <p:cNvPr id="2" name="Title 1"/>
-          <p:cNvSpPr>
-            <a:spLocks noGrp="1"/>
-          </p:cNvSpPr>
-          <p:nvPr>
-            <p:ph type="title"/>
-          </p:nvPr>
-        </p:nvSpPr>
-        <p:spPr/>
-        <p:txBody>
-          <a:bodyPr/>
-          <a:lstStyle/>
-          <a:p>
-            <a:r>
-              <a:rPr lang="en-US" dirty="0" smtClean="0"/>
-              <a:t>Method Call Stack</a:t>
-            </a:r>
-            <a:endParaRPr lang="en-US" dirty="0"/>
-          </a:p>
-        </p:txBody>
-      </p:sp>
-      <p:sp>
-        <p:nvSpPr>
-          <p:cNvPr id="3" name="Text Placeholder 2"/>
-          <p:cNvSpPr>
-            <a:spLocks noGrp="1"/>
-          </p:cNvSpPr>
-          <p:nvPr>
-            <p:ph type="body" idx="1"/>
-          </p:nvPr>
-        </p:nvSpPr>
-        <p:spPr>
-          <a:xfrm>
-            <a:off x="952500" y="2603500"/>
-            <a:ext cx="4057650" cy="6286500"/>
-          </a:xfrm>
-        </p:spPr>
-        <p:txBody>
-          <a:bodyPr>
-            <a:normAutofit lnSpcReduction="10000"/>
-          </a:bodyPr>
-          <a:lstStyle/>
-          <a:p>
-            <a:r>
-              <a:rPr lang="en-US" dirty="0" smtClean="0"/>
-              <a:t>For each method call, there is a frame, </a:t>
-            </a:r>
-            <a:r>
-              <a:rPr lang="en-US" dirty="0" err="1" smtClean="0"/>
-              <a:t>eg</a:t>
-            </a:r>
-            <a:r>
-              <a:rPr lang="en-US" dirty="0" smtClean="0"/>
-              <a:t> containing input parameters</a:t>
-            </a:r>
-          </a:p>
-          <a:p>
-            <a:r>
-              <a:rPr lang="en-US" dirty="0" smtClean="0"/>
-              <a:t>At each call, the JVM needs to push frame, and pop it once method is completed</a:t>
-            </a:r>
-            <a:endParaRPr lang="en-US" dirty="0"/>
-          </a:p>
-        </p:txBody>
-      </p:sp>
-      <p:sp>
-        <p:nvSpPr>
-          <p:cNvPr id="4" name="Rectangle 1"/>
-          <p:cNvSpPr>
-            <a:spLocks noChangeArrowheads="1"/>
-          </p:cNvSpPr>
-          <p:nvPr/>
-        </p:nvSpPr>
-        <p:spPr bwMode="auto">
-          <a:xfrm>
-            <a:off x="5381624" y="2756712"/>
-            <a:ext cx="7296151" cy="5632311"/>
-          </a:xfrm>
-          <a:prstGeom prst="rect">
-            <a:avLst/>
-          </a:prstGeom>
-          <a:solidFill>
-            <a:srgbClr val="FFFFFF"/>
-          </a:solidFill>
-          <a:ln>
-            <a:noFill/>
-          </a:ln>
-          <a:effectLst/>
-          <a:extLst>
-            <a:ext uri="{91240B29-F687-4F45-9708-019B960494DF}">
-              <a14:hiddenLine xmlns:a14="http://schemas.microsoft.com/office/drawing/2010/main" w="9525">
-                <a:solidFill>
-                  <a:schemeClr val="tx1"/>
-                </a:solidFill>
-                <a:miter lim="800000"/>
-                <a:headEnd/>
-                <a:tailEnd/>
-              </a14:hiddenLine>
-            </a:ext>
-            <a:ext uri="{AF507438-7753-43E0-B8FC-AC1667EBCBE1}">
-              <a14:hiddenEffects xmlns:a14="http://schemas.microsoft.com/office/drawing/2010/main">
-                <a:effectLst>
-                  <a:outerShdw dist="35921" dir="2700000" algn="ctr" rotWithShape="0">
-                    <a:schemeClr val="bg2"/>
-                  </a:outerShdw>
-                </a:effectLst>
-              </a14:hiddenEffects>
-            </a:ext>
-          </a:extLst>
-        </p:spPr>
-        <p:txBody>
-          <a:bodyPr vert="horz" wrap="square" lIns="91440" tIns="45720" rIns="91440" bIns="45720" numCol="1" anchor="ctr" anchorCtr="0" compatLnSpc="1">
-            <a:prstTxWarp prst="textNoShape">
-              <a:avLst/>
-            </a:prstTxWarp>
-            <a:spAutoFit/>
-          </a:bodyPr>
-          <a:lstStyle/>
-          <a:p>
-            <a:pPr marL="0" marR="0" lvl="0" indent="0" algn="l" defTabSz="914400" rtl="0" eaLnBrk="0" fontAlgn="base" latinLnBrk="0" hangingPunct="0">
-              <a:lnSpc>
-                <a:spcPct val="100000"/>
-              </a:lnSpc>
-              <a:spcBef>
-                <a:spcPct val="0"/>
-              </a:spcBef>
-              <a:spcAft>
-                <a:spcPct val="0"/>
-              </a:spcAft>
-              <a:buClrTx/>
-              <a:buSzTx/>
-              <a:buFontTx/>
-              <a:buNone/>
-              <a:tabLst/>
-            </a:pPr>
-            <a:r>
-              <a:rPr kumimoji="0" lang="en-US" altLang="en-US" sz="2000" b="1" i="0" u="none" strike="noStrike" cap="none" normalizeH="0" baseline="0" dirty="0" smtClean="0">
-                <a:ln>
-                  <a:noFill/>
-                </a:ln>
-                <a:solidFill>
-                  <a:srgbClr val="000080"/>
-                </a:solidFill>
-                <a:effectLst/>
-                <a:latin typeface="Courier New" panose="02070309020205020404" pitchFamily="49" charset="0"/>
-                <a:cs typeface="Courier New" panose="02070309020205020404" pitchFamily="49" charset="0"/>
-              </a:rPr>
-              <a:t>public class </a:t>
-            </a:r>
-            <a:r>
-              <a:rPr kumimoji="0" lang="en-US" altLang="en-US" sz="2000" b="0" i="0" u="none" strike="noStrike" cap="none" normalizeH="0" baseline="0" dirty="0" err="1" smtClean="0">
-                <a:ln>
-                  <a:noFill/>
-                </a:ln>
-                <a:solidFill>
-                  <a:srgbClr val="000000"/>
-                </a:solidFill>
-                <a:effectLst/>
-                <a:latin typeface="Courier New" panose="02070309020205020404" pitchFamily="49" charset="0"/>
-                <a:cs typeface="Courier New" panose="02070309020205020404" pitchFamily="49" charset="0"/>
-              </a:rPr>
-              <a:t>StackOverflow</a:t>
-            </a:r>
-            <a:r>
-              <a:rPr kumimoji="0" lang="en-US" altLang="en-US" sz="2000" b="0" i="0" u="none" strike="noStrike" cap="none" normalizeH="0" baseline="0" dirty="0" smtClean="0">
-                <a:ln>
-                  <a:noFill/>
-                </a:ln>
-                <a:solidFill>
-                  <a:srgbClr val="000000"/>
-                </a:solidFill>
-                <a:effectLst/>
-                <a:latin typeface="Courier New" panose="02070309020205020404" pitchFamily="49" charset="0"/>
-                <a:cs typeface="Courier New" panose="02070309020205020404" pitchFamily="49" charset="0"/>
-              </a:rPr>
-              <a:t> {</a:t>
-            </a:r>
-            <a:br>
-              <a:rPr kumimoji="0" lang="en-US" altLang="en-US" sz="2000" b="0" i="0" u="none" strike="noStrike" cap="none" normalizeH="0" baseline="0" dirty="0" smtClean="0">
-                <a:ln>
-                  <a:noFill/>
-                </a:ln>
-                <a:solidFill>
-                  <a:srgbClr val="000000"/>
-                </a:solidFill>
-                <a:effectLst/>
-                <a:latin typeface="Courier New" panose="02070309020205020404" pitchFamily="49" charset="0"/>
-                <a:cs typeface="Courier New" panose="02070309020205020404" pitchFamily="49" charset="0"/>
-              </a:rPr>
-            </a:br>
-            <a:r>
-              <a:rPr kumimoji="0" lang="en-US" altLang="en-US" sz="2000" b="0" i="0" u="none" strike="noStrike" cap="none" normalizeH="0" baseline="0" dirty="0" smtClean="0">
-                <a:ln>
-                  <a:noFill/>
-                </a:ln>
-                <a:solidFill>
-                  <a:srgbClr val="000000"/>
-                </a:solidFill>
-                <a:effectLst/>
-                <a:latin typeface="Courier New" panose="02070309020205020404" pitchFamily="49" charset="0"/>
-                <a:cs typeface="Courier New" panose="02070309020205020404" pitchFamily="49" charset="0"/>
-              </a:rPr>
-              <a:t/>
-            </a:r>
-            <a:br>
-              <a:rPr kumimoji="0" lang="en-US" altLang="en-US" sz="2000" b="0" i="0" u="none" strike="noStrike" cap="none" normalizeH="0" baseline="0" dirty="0" smtClean="0">
-                <a:ln>
-                  <a:noFill/>
-                </a:ln>
-                <a:solidFill>
-                  <a:srgbClr val="000000"/>
-                </a:solidFill>
-                <a:effectLst/>
-                <a:latin typeface="Courier New" panose="02070309020205020404" pitchFamily="49" charset="0"/>
-                <a:cs typeface="Courier New" panose="02070309020205020404" pitchFamily="49" charset="0"/>
-              </a:rPr>
-            </a:br>
-            <a:r>
-              <a:rPr kumimoji="0" lang="en-US" altLang="en-US" sz="2000" b="0" i="0" u="none" strike="noStrike" cap="none" normalizeH="0" baseline="0" dirty="0" smtClean="0">
-                <a:ln>
-                  <a:noFill/>
-                </a:ln>
-                <a:solidFill>
-                  <a:srgbClr val="000000"/>
-                </a:solidFill>
-                <a:effectLst/>
-                <a:latin typeface="Courier New" panose="02070309020205020404" pitchFamily="49" charset="0"/>
-                <a:cs typeface="Courier New" panose="02070309020205020404" pitchFamily="49" charset="0"/>
-              </a:rPr>
-              <a:t>    </a:t>
-            </a:r>
-            <a:r>
-              <a:rPr kumimoji="0" lang="en-US" altLang="en-US" sz="2000" b="1" i="0" u="none" strike="noStrike" cap="none" normalizeH="0" baseline="0" dirty="0" smtClean="0">
-                <a:ln>
-                  <a:noFill/>
-                </a:ln>
-                <a:solidFill>
-                  <a:srgbClr val="000080"/>
-                </a:solidFill>
-                <a:effectLst/>
-                <a:latin typeface="Courier New" panose="02070309020205020404" pitchFamily="49" charset="0"/>
-                <a:cs typeface="Courier New" panose="02070309020205020404" pitchFamily="49" charset="0"/>
-              </a:rPr>
-              <a:t>public static void </a:t>
-            </a:r>
-            <a:r>
-              <a:rPr kumimoji="0" lang="en-US" altLang="en-US" sz="2000" b="0" i="0" u="none" strike="noStrike" cap="none" normalizeH="0" baseline="0" dirty="0" smtClean="0">
-                <a:ln>
-                  <a:noFill/>
-                </a:ln>
-                <a:solidFill>
-                  <a:srgbClr val="000000"/>
-                </a:solidFill>
-                <a:effectLst/>
-                <a:latin typeface="Courier New" panose="02070309020205020404" pitchFamily="49" charset="0"/>
-                <a:cs typeface="Courier New" panose="02070309020205020404" pitchFamily="49" charset="0"/>
-              </a:rPr>
-              <a:t>main(String[] </a:t>
-            </a:r>
-            <a:r>
-              <a:rPr kumimoji="0" lang="en-US" altLang="en-US" sz="2000" b="0" i="0" u="none" strike="noStrike" cap="none" normalizeH="0" baseline="0" dirty="0" err="1" smtClean="0">
-                <a:ln>
-                  <a:noFill/>
-                </a:ln>
-                <a:solidFill>
-                  <a:srgbClr val="000000"/>
-                </a:solidFill>
-                <a:effectLst/>
-                <a:latin typeface="Courier New" panose="02070309020205020404" pitchFamily="49" charset="0"/>
-                <a:cs typeface="Courier New" panose="02070309020205020404" pitchFamily="49" charset="0"/>
-              </a:rPr>
-              <a:t>args</a:t>
-            </a:r>
-            <a:r>
-              <a:rPr kumimoji="0" lang="en-US" altLang="en-US" sz="2000" b="0" i="0" u="none" strike="noStrike" cap="none" normalizeH="0" baseline="0" dirty="0" smtClean="0">
-                <a:ln>
-                  <a:noFill/>
-                </a:ln>
-                <a:solidFill>
-                  <a:srgbClr val="000000"/>
-                </a:solidFill>
-                <a:effectLst/>
-                <a:latin typeface="Courier New" panose="02070309020205020404" pitchFamily="49" charset="0"/>
-                <a:cs typeface="Courier New" panose="02070309020205020404" pitchFamily="49" charset="0"/>
-              </a:rPr>
-              <a:t>){</a:t>
-            </a:r>
-            <a:br>
-              <a:rPr kumimoji="0" lang="en-US" altLang="en-US" sz="2000" b="0" i="0" u="none" strike="noStrike" cap="none" normalizeH="0" baseline="0" dirty="0" smtClean="0">
-                <a:ln>
-                  <a:noFill/>
-                </a:ln>
-                <a:solidFill>
-                  <a:srgbClr val="000000"/>
-                </a:solidFill>
-                <a:effectLst/>
-                <a:latin typeface="Courier New" panose="02070309020205020404" pitchFamily="49" charset="0"/>
-                <a:cs typeface="Courier New" panose="02070309020205020404" pitchFamily="49" charset="0"/>
-              </a:rPr>
-            </a:br>
-            <a:r>
-              <a:rPr kumimoji="0" lang="en-US" altLang="en-US" sz="2000" b="0" i="0" u="none" strike="noStrike" cap="none" normalizeH="0" baseline="0" dirty="0" smtClean="0">
-                <a:ln>
-                  <a:noFill/>
-                </a:ln>
-                <a:solidFill>
-                  <a:srgbClr val="000000"/>
-                </a:solidFill>
-                <a:effectLst/>
-                <a:latin typeface="Courier New" panose="02070309020205020404" pitchFamily="49" charset="0"/>
-                <a:cs typeface="Courier New" panose="02070309020205020404" pitchFamily="49" charset="0"/>
-              </a:rPr>
-              <a:t>        </a:t>
-            </a:r>
-            <a:r>
-              <a:rPr kumimoji="0" lang="en-US" altLang="en-US" sz="2000" b="0" i="1" u="none" strike="noStrike" cap="none" normalizeH="0" baseline="0" dirty="0" smtClean="0">
-                <a:ln>
-                  <a:noFill/>
-                </a:ln>
-                <a:solidFill>
-                  <a:srgbClr val="000000"/>
-                </a:solidFill>
-                <a:effectLst/>
-                <a:latin typeface="Courier New" panose="02070309020205020404" pitchFamily="49" charset="0"/>
-                <a:cs typeface="Courier New" panose="02070309020205020404" pitchFamily="49" charset="0"/>
-              </a:rPr>
-              <a:t>a</a:t>
-            </a:r>
-            <a:r>
-              <a:rPr kumimoji="0" lang="en-US" altLang="en-US" sz="2000" b="0" i="0" u="none" strike="noStrike" cap="none" normalizeH="0" baseline="0" dirty="0" smtClean="0">
-                <a:ln>
-                  <a:noFill/>
-                </a:ln>
-                <a:solidFill>
-                  <a:srgbClr val="000000"/>
-                </a:solidFill>
-                <a:effectLst/>
-                <a:latin typeface="Courier New" panose="02070309020205020404" pitchFamily="49" charset="0"/>
-                <a:cs typeface="Courier New" panose="02070309020205020404" pitchFamily="49" charset="0"/>
-              </a:rPr>
-              <a:t>(</a:t>
-            </a:r>
-            <a:r>
-              <a:rPr kumimoji="0" lang="en-US" altLang="en-US" sz="2000" b="0" i="0" u="none" strike="noStrike" cap="none" normalizeH="0" baseline="0" dirty="0" smtClean="0">
-                <a:ln>
-                  <a:noFill/>
-                </a:ln>
-                <a:solidFill>
-                  <a:srgbClr val="0000FF"/>
-                </a:solidFill>
-                <a:effectLst/>
-                <a:latin typeface="Courier New" panose="02070309020205020404" pitchFamily="49" charset="0"/>
-                <a:cs typeface="Courier New" panose="02070309020205020404" pitchFamily="49" charset="0"/>
-              </a:rPr>
-              <a:t>0</a:t>
-            </a:r>
-            <a:r>
-              <a:rPr kumimoji="0" lang="en-US" altLang="en-US" sz="2000" b="0" i="0" u="none" strike="noStrike" cap="none" normalizeH="0" baseline="0" dirty="0" smtClean="0">
-                <a:ln>
-                  <a:noFill/>
-                </a:ln>
-                <a:solidFill>
-                  <a:srgbClr val="000000"/>
-                </a:solidFill>
-                <a:effectLst/>
-                <a:latin typeface="Courier New" panose="02070309020205020404" pitchFamily="49" charset="0"/>
-                <a:cs typeface="Courier New" panose="02070309020205020404" pitchFamily="49" charset="0"/>
-              </a:rPr>
-              <a:t>);</a:t>
-            </a:r>
-            <a:br>
-              <a:rPr kumimoji="0" lang="en-US" altLang="en-US" sz="2000" b="0" i="0" u="none" strike="noStrike" cap="none" normalizeH="0" baseline="0" dirty="0" smtClean="0">
-                <a:ln>
-                  <a:noFill/>
-                </a:ln>
-                <a:solidFill>
-                  <a:srgbClr val="000000"/>
-                </a:solidFill>
-                <a:effectLst/>
-                <a:latin typeface="Courier New" panose="02070309020205020404" pitchFamily="49" charset="0"/>
-                <a:cs typeface="Courier New" panose="02070309020205020404" pitchFamily="49" charset="0"/>
-              </a:rPr>
-            </a:br>
-            <a:r>
-              <a:rPr kumimoji="0" lang="en-US" altLang="en-US" sz="2000" b="0" i="0" u="none" strike="noStrike" cap="none" normalizeH="0" baseline="0" dirty="0" smtClean="0">
-                <a:ln>
-                  <a:noFill/>
-                </a:ln>
-                <a:solidFill>
-                  <a:srgbClr val="000000"/>
-                </a:solidFill>
-                <a:effectLst/>
-                <a:latin typeface="Courier New" panose="02070309020205020404" pitchFamily="49" charset="0"/>
-                <a:cs typeface="Courier New" panose="02070309020205020404" pitchFamily="49" charset="0"/>
-              </a:rPr>
-              <a:t>    }</a:t>
-            </a:r>
-            <a:br>
-              <a:rPr kumimoji="0" lang="en-US" altLang="en-US" sz="2000" b="0" i="0" u="none" strike="noStrike" cap="none" normalizeH="0" baseline="0" dirty="0" smtClean="0">
-                <a:ln>
-                  <a:noFill/>
-                </a:ln>
-                <a:solidFill>
-                  <a:srgbClr val="000000"/>
-                </a:solidFill>
-                <a:effectLst/>
-                <a:latin typeface="Courier New" panose="02070309020205020404" pitchFamily="49" charset="0"/>
-                <a:cs typeface="Courier New" panose="02070309020205020404" pitchFamily="49" charset="0"/>
-              </a:rPr>
-            </a:br>
-            <a:r>
-              <a:rPr kumimoji="0" lang="en-US" altLang="en-US" sz="2000" b="0" i="0" u="none" strike="noStrike" cap="none" normalizeH="0" baseline="0" dirty="0" smtClean="0">
-                <a:ln>
-                  <a:noFill/>
-                </a:ln>
-                <a:solidFill>
-                  <a:srgbClr val="000000"/>
-                </a:solidFill>
-                <a:effectLst/>
-                <a:latin typeface="Courier New" panose="02070309020205020404" pitchFamily="49" charset="0"/>
-                <a:cs typeface="Courier New" panose="02070309020205020404" pitchFamily="49" charset="0"/>
-              </a:rPr>
-              <a:t/>
-            </a:r>
-            <a:br>
-              <a:rPr kumimoji="0" lang="en-US" altLang="en-US" sz="2000" b="0" i="0" u="none" strike="noStrike" cap="none" normalizeH="0" baseline="0" dirty="0" smtClean="0">
-                <a:ln>
-                  <a:noFill/>
-                </a:ln>
-                <a:solidFill>
-                  <a:srgbClr val="000000"/>
-                </a:solidFill>
-                <a:effectLst/>
-                <a:latin typeface="Courier New" panose="02070309020205020404" pitchFamily="49" charset="0"/>
-                <a:cs typeface="Courier New" panose="02070309020205020404" pitchFamily="49" charset="0"/>
-              </a:rPr>
-            </a:br>
-            <a:r>
-              <a:rPr kumimoji="0" lang="en-US" altLang="en-US" sz="2000" b="0" i="0" u="none" strike="noStrike" cap="none" normalizeH="0" baseline="0" dirty="0" smtClean="0">
-                <a:ln>
-                  <a:noFill/>
-                </a:ln>
-                <a:solidFill>
-                  <a:srgbClr val="000000"/>
-                </a:solidFill>
-                <a:effectLst/>
-                <a:latin typeface="Courier New" panose="02070309020205020404" pitchFamily="49" charset="0"/>
-                <a:cs typeface="Courier New" panose="02070309020205020404" pitchFamily="49" charset="0"/>
-              </a:rPr>
-              <a:t>    </a:t>
-            </a:r>
-            <a:r>
-              <a:rPr kumimoji="0" lang="en-US" altLang="en-US" sz="2000" b="1" i="0" u="none" strike="noStrike" cap="none" normalizeH="0" baseline="0" dirty="0" smtClean="0">
-                <a:ln>
-                  <a:noFill/>
-                </a:ln>
-                <a:solidFill>
-                  <a:srgbClr val="000080"/>
-                </a:solidFill>
-                <a:effectLst/>
-                <a:latin typeface="Courier New" panose="02070309020205020404" pitchFamily="49" charset="0"/>
-                <a:cs typeface="Courier New" panose="02070309020205020404" pitchFamily="49" charset="0"/>
-              </a:rPr>
-              <a:t>public static </a:t>
-            </a:r>
-            <a:r>
-              <a:rPr kumimoji="0" lang="en-US" altLang="en-US" sz="2000" b="1" i="0" u="none" strike="noStrike" cap="none" normalizeH="0" baseline="0" dirty="0" err="1" smtClean="0">
-                <a:ln>
-                  <a:noFill/>
-                </a:ln>
-                <a:solidFill>
-                  <a:srgbClr val="000080"/>
-                </a:solidFill>
-                <a:effectLst/>
-                <a:latin typeface="Courier New" panose="02070309020205020404" pitchFamily="49" charset="0"/>
-                <a:cs typeface="Courier New" panose="02070309020205020404" pitchFamily="49" charset="0"/>
-              </a:rPr>
-              <a:t>int</a:t>
-            </a:r>
-            <a:r>
-              <a:rPr kumimoji="0" lang="en-US" altLang="en-US" sz="2000" b="1" i="0" u="none" strike="noStrike" cap="none" normalizeH="0" baseline="0" dirty="0" smtClean="0">
-                <a:ln>
-                  <a:noFill/>
-                </a:ln>
-                <a:solidFill>
-                  <a:srgbClr val="000080"/>
-                </a:solidFill>
-                <a:effectLst/>
-                <a:latin typeface="Courier New" panose="02070309020205020404" pitchFamily="49" charset="0"/>
-                <a:cs typeface="Courier New" panose="02070309020205020404" pitchFamily="49" charset="0"/>
-              </a:rPr>
-              <a:t> </a:t>
-            </a:r>
-            <a:r>
-              <a:rPr kumimoji="0" lang="en-US" altLang="en-US" sz="2000" b="0" i="0" u="none" strike="noStrike" cap="none" normalizeH="0" baseline="0" dirty="0" smtClean="0">
-                <a:ln>
-                  <a:noFill/>
-                </a:ln>
-                <a:solidFill>
-                  <a:srgbClr val="000000"/>
-                </a:solidFill>
-                <a:effectLst/>
-                <a:latin typeface="Courier New" panose="02070309020205020404" pitchFamily="49" charset="0"/>
-                <a:cs typeface="Courier New" panose="02070309020205020404" pitchFamily="49" charset="0"/>
-              </a:rPr>
-              <a:t>a(</a:t>
-            </a:r>
-            <a:r>
-              <a:rPr kumimoji="0" lang="en-US" altLang="en-US" sz="2000" b="1" i="0" u="none" strike="noStrike" cap="none" normalizeH="0" baseline="0" dirty="0" err="1" smtClean="0">
-                <a:ln>
-                  <a:noFill/>
-                </a:ln>
-                <a:solidFill>
-                  <a:srgbClr val="000080"/>
-                </a:solidFill>
-                <a:effectLst/>
-                <a:latin typeface="Courier New" panose="02070309020205020404" pitchFamily="49" charset="0"/>
-                <a:cs typeface="Courier New" panose="02070309020205020404" pitchFamily="49" charset="0"/>
-              </a:rPr>
-              <a:t>int</a:t>
-            </a:r>
-            <a:r>
-              <a:rPr kumimoji="0" lang="en-US" altLang="en-US" sz="2000" b="1" i="0" u="none" strike="noStrike" cap="none" normalizeH="0" baseline="0" dirty="0" smtClean="0">
-                <a:ln>
-                  <a:noFill/>
-                </a:ln>
-                <a:solidFill>
-                  <a:srgbClr val="000080"/>
-                </a:solidFill>
-                <a:effectLst/>
-                <a:latin typeface="Courier New" panose="02070309020205020404" pitchFamily="49" charset="0"/>
-                <a:cs typeface="Courier New" panose="02070309020205020404" pitchFamily="49" charset="0"/>
-              </a:rPr>
-              <a:t> </a:t>
-            </a:r>
-            <a:r>
-              <a:rPr kumimoji="0" lang="en-US" altLang="en-US" sz="2000" b="0" i="0" u="none" strike="noStrike" cap="none" normalizeH="0" baseline="0" dirty="0" smtClean="0">
-                <a:ln>
-                  <a:noFill/>
-                </a:ln>
-                <a:solidFill>
-                  <a:srgbClr val="000000"/>
-                </a:solidFill>
-                <a:effectLst/>
-                <a:latin typeface="Courier New" panose="02070309020205020404" pitchFamily="49" charset="0"/>
-                <a:cs typeface="Courier New" panose="02070309020205020404" pitchFamily="49" charset="0"/>
-              </a:rPr>
-              <a:t>x){</a:t>
-            </a:r>
-            <a:br>
-              <a:rPr kumimoji="0" lang="en-US" altLang="en-US" sz="2000" b="0" i="0" u="none" strike="noStrike" cap="none" normalizeH="0" baseline="0" dirty="0" smtClean="0">
-                <a:ln>
-                  <a:noFill/>
-                </a:ln>
-                <a:solidFill>
-                  <a:srgbClr val="000000"/>
-                </a:solidFill>
-                <a:effectLst/>
-                <a:latin typeface="Courier New" panose="02070309020205020404" pitchFamily="49" charset="0"/>
-                <a:cs typeface="Courier New" panose="02070309020205020404" pitchFamily="49" charset="0"/>
-              </a:rPr>
-            </a:br>
-            <a:r>
-              <a:rPr kumimoji="0" lang="en-US" altLang="en-US" sz="2000" b="0" i="0" u="none" strike="noStrike" cap="none" normalizeH="0" baseline="0" dirty="0" smtClean="0">
-                <a:ln>
-                  <a:noFill/>
-                </a:ln>
-                <a:solidFill>
-                  <a:srgbClr val="000000"/>
-                </a:solidFill>
-                <a:effectLst/>
-                <a:latin typeface="Courier New" panose="02070309020205020404" pitchFamily="49" charset="0"/>
-                <a:cs typeface="Courier New" panose="02070309020205020404" pitchFamily="49" charset="0"/>
-              </a:rPr>
-              <a:t>        x++;</a:t>
-            </a:r>
-            <a:br>
-              <a:rPr kumimoji="0" lang="en-US" altLang="en-US" sz="2000" b="0" i="0" u="none" strike="noStrike" cap="none" normalizeH="0" baseline="0" dirty="0" smtClean="0">
-                <a:ln>
-                  <a:noFill/>
-                </a:ln>
-                <a:solidFill>
-                  <a:srgbClr val="000000"/>
-                </a:solidFill>
-                <a:effectLst/>
-                <a:latin typeface="Courier New" panose="02070309020205020404" pitchFamily="49" charset="0"/>
-                <a:cs typeface="Courier New" panose="02070309020205020404" pitchFamily="49" charset="0"/>
-              </a:rPr>
-            </a:br>
-            <a:r>
-              <a:rPr kumimoji="0" lang="en-US" altLang="en-US" sz="2000" b="0" i="0" u="none" strike="noStrike" cap="none" normalizeH="0" baseline="0" dirty="0" smtClean="0">
-                <a:ln>
-                  <a:noFill/>
-                </a:ln>
-                <a:solidFill>
-                  <a:srgbClr val="000000"/>
-                </a:solidFill>
-                <a:effectLst/>
-                <a:latin typeface="Courier New" panose="02070309020205020404" pitchFamily="49" charset="0"/>
-                <a:cs typeface="Courier New" panose="02070309020205020404" pitchFamily="49" charset="0"/>
-              </a:rPr>
-              <a:t/>
-            </a:r>
-            <a:br>
-              <a:rPr kumimoji="0" lang="en-US" altLang="en-US" sz="2000" b="0" i="0" u="none" strike="noStrike" cap="none" normalizeH="0" baseline="0" dirty="0" smtClean="0">
-                <a:ln>
-                  <a:noFill/>
-                </a:ln>
-                <a:solidFill>
-                  <a:srgbClr val="000000"/>
-                </a:solidFill>
-                <a:effectLst/>
-                <a:latin typeface="Courier New" panose="02070309020205020404" pitchFamily="49" charset="0"/>
-                <a:cs typeface="Courier New" panose="02070309020205020404" pitchFamily="49" charset="0"/>
-              </a:rPr>
-            </a:br>
-            <a:r>
-              <a:rPr kumimoji="0" lang="en-US" altLang="en-US" sz="2000" b="0" i="0" u="none" strike="noStrike" cap="none" normalizeH="0" baseline="0" dirty="0" smtClean="0">
-                <a:ln>
-                  <a:noFill/>
-                </a:ln>
-                <a:solidFill>
-                  <a:srgbClr val="000000"/>
-                </a:solidFill>
-                <a:effectLst/>
-                <a:latin typeface="Courier New" panose="02070309020205020404" pitchFamily="49" charset="0"/>
-                <a:cs typeface="Courier New" panose="02070309020205020404" pitchFamily="49" charset="0"/>
-              </a:rPr>
-              <a:t>        x = </a:t>
-            </a:r>
-            <a:r>
-              <a:rPr kumimoji="0" lang="en-US" altLang="en-US" sz="2000" b="0" i="1" u="none" strike="noStrike" cap="none" normalizeH="0" baseline="0" dirty="0" smtClean="0">
-                <a:ln>
-                  <a:noFill/>
-                </a:ln>
-                <a:solidFill>
-                  <a:srgbClr val="000000"/>
-                </a:solidFill>
-                <a:effectLst/>
-                <a:latin typeface="Courier New" panose="02070309020205020404" pitchFamily="49" charset="0"/>
-                <a:cs typeface="Courier New" panose="02070309020205020404" pitchFamily="49" charset="0"/>
-              </a:rPr>
-              <a:t>b</a:t>
-            </a:r>
-            <a:r>
-              <a:rPr kumimoji="0" lang="en-US" altLang="en-US" sz="2000" b="0" i="0" u="none" strike="noStrike" cap="none" normalizeH="0" baseline="0" dirty="0" smtClean="0">
-                <a:ln>
-                  <a:noFill/>
-                </a:ln>
-                <a:solidFill>
-                  <a:srgbClr val="000000"/>
-                </a:solidFill>
-                <a:effectLst/>
-                <a:latin typeface="Courier New" panose="02070309020205020404" pitchFamily="49" charset="0"/>
-                <a:cs typeface="Courier New" panose="02070309020205020404" pitchFamily="49" charset="0"/>
-              </a:rPr>
-              <a:t>(x);</a:t>
-            </a:r>
-            <a:br>
-              <a:rPr kumimoji="0" lang="en-US" altLang="en-US" sz="2000" b="0" i="0" u="none" strike="noStrike" cap="none" normalizeH="0" baseline="0" dirty="0" smtClean="0">
-                <a:ln>
-                  <a:noFill/>
-                </a:ln>
-                <a:solidFill>
-                  <a:srgbClr val="000000"/>
-                </a:solidFill>
-                <a:effectLst/>
-                <a:latin typeface="Courier New" panose="02070309020205020404" pitchFamily="49" charset="0"/>
-                <a:cs typeface="Courier New" panose="02070309020205020404" pitchFamily="49" charset="0"/>
-              </a:rPr>
-            </a:br>
-            <a:r>
-              <a:rPr kumimoji="0" lang="en-US" altLang="en-US" sz="2000" b="0" i="0" u="none" strike="noStrike" cap="none" normalizeH="0" baseline="0" dirty="0" smtClean="0">
-                <a:ln>
-                  <a:noFill/>
-                </a:ln>
-                <a:solidFill>
-                  <a:srgbClr val="000000"/>
-                </a:solidFill>
-                <a:effectLst/>
-                <a:latin typeface="Courier New" panose="02070309020205020404" pitchFamily="49" charset="0"/>
-                <a:cs typeface="Courier New" panose="02070309020205020404" pitchFamily="49" charset="0"/>
-              </a:rPr>
-              <a:t/>
-            </a:r>
-            <a:br>
-              <a:rPr kumimoji="0" lang="en-US" altLang="en-US" sz="2000" b="0" i="0" u="none" strike="noStrike" cap="none" normalizeH="0" baseline="0" dirty="0" smtClean="0">
-                <a:ln>
-                  <a:noFill/>
-                </a:ln>
-                <a:solidFill>
-                  <a:srgbClr val="000000"/>
-                </a:solidFill>
-                <a:effectLst/>
-                <a:latin typeface="Courier New" panose="02070309020205020404" pitchFamily="49" charset="0"/>
-                <a:cs typeface="Courier New" panose="02070309020205020404" pitchFamily="49" charset="0"/>
-              </a:rPr>
-            </a:br>
-            <a:r>
-              <a:rPr kumimoji="0" lang="en-US" altLang="en-US" sz="2000" b="0" i="0" u="none" strike="noStrike" cap="none" normalizeH="0" baseline="0" dirty="0" smtClean="0">
-                <a:ln>
-                  <a:noFill/>
-                </a:ln>
-                <a:solidFill>
-                  <a:srgbClr val="000000"/>
-                </a:solidFill>
-                <a:effectLst/>
-                <a:latin typeface="Courier New" panose="02070309020205020404" pitchFamily="49" charset="0"/>
-                <a:cs typeface="Courier New" panose="02070309020205020404" pitchFamily="49" charset="0"/>
-              </a:rPr>
-              <a:t>        </a:t>
-            </a:r>
-            <a:r>
-              <a:rPr kumimoji="0" lang="en-US" altLang="en-US" sz="2000" b="1" i="0" u="none" strike="noStrike" cap="none" normalizeH="0" baseline="0" dirty="0" smtClean="0">
-                <a:ln>
-                  <a:noFill/>
-                </a:ln>
-                <a:solidFill>
-                  <a:srgbClr val="000080"/>
-                </a:solidFill>
-                <a:effectLst/>
-                <a:latin typeface="Courier New" panose="02070309020205020404" pitchFamily="49" charset="0"/>
-                <a:cs typeface="Courier New" panose="02070309020205020404" pitchFamily="49" charset="0"/>
-              </a:rPr>
-              <a:t>return </a:t>
-            </a:r>
-            <a:r>
-              <a:rPr kumimoji="0" lang="en-US" altLang="en-US" sz="2000" b="0" i="0" u="none" strike="noStrike" cap="none" normalizeH="0" baseline="0" dirty="0" smtClean="0">
-                <a:ln>
-                  <a:noFill/>
-                </a:ln>
-                <a:solidFill>
-                  <a:srgbClr val="000000"/>
-                </a:solidFill>
-                <a:effectLst/>
-                <a:latin typeface="Courier New" panose="02070309020205020404" pitchFamily="49" charset="0"/>
-                <a:cs typeface="Courier New" panose="02070309020205020404" pitchFamily="49" charset="0"/>
-              </a:rPr>
-              <a:t>x;</a:t>
-            </a:r>
-            <a:br>
-              <a:rPr kumimoji="0" lang="en-US" altLang="en-US" sz="2000" b="0" i="0" u="none" strike="noStrike" cap="none" normalizeH="0" baseline="0" dirty="0" smtClean="0">
-                <a:ln>
-                  <a:noFill/>
-                </a:ln>
-                <a:solidFill>
-                  <a:srgbClr val="000000"/>
-                </a:solidFill>
-                <a:effectLst/>
-                <a:latin typeface="Courier New" panose="02070309020205020404" pitchFamily="49" charset="0"/>
-                <a:cs typeface="Courier New" panose="02070309020205020404" pitchFamily="49" charset="0"/>
-              </a:rPr>
-            </a:br>
-            <a:r>
-              <a:rPr kumimoji="0" lang="en-US" altLang="en-US" sz="2000" b="0" i="0" u="none" strike="noStrike" cap="none" normalizeH="0" baseline="0" dirty="0" smtClean="0">
-                <a:ln>
-                  <a:noFill/>
-                </a:ln>
-                <a:solidFill>
-                  <a:srgbClr val="000000"/>
-                </a:solidFill>
-                <a:effectLst/>
-                <a:latin typeface="Courier New" panose="02070309020205020404" pitchFamily="49" charset="0"/>
-                <a:cs typeface="Courier New" panose="02070309020205020404" pitchFamily="49" charset="0"/>
-              </a:rPr>
-              <a:t>    }</a:t>
-            </a:r>
-            <a:br>
-              <a:rPr kumimoji="0" lang="en-US" altLang="en-US" sz="2000" b="0" i="0" u="none" strike="noStrike" cap="none" normalizeH="0" baseline="0" dirty="0" smtClean="0">
-                <a:ln>
-                  <a:noFill/>
-                </a:ln>
-                <a:solidFill>
-                  <a:srgbClr val="000000"/>
-                </a:solidFill>
-                <a:effectLst/>
-                <a:latin typeface="Courier New" panose="02070309020205020404" pitchFamily="49" charset="0"/>
-                <a:cs typeface="Courier New" panose="02070309020205020404" pitchFamily="49" charset="0"/>
-              </a:rPr>
-            </a:br>
-            <a:r>
-              <a:rPr kumimoji="0" lang="en-US" altLang="en-US" sz="2000" b="0" i="0" u="none" strike="noStrike" cap="none" normalizeH="0" baseline="0" dirty="0" smtClean="0">
-                <a:ln>
-                  <a:noFill/>
-                </a:ln>
-                <a:solidFill>
-                  <a:srgbClr val="000000"/>
-                </a:solidFill>
-                <a:effectLst/>
-                <a:latin typeface="Courier New" panose="02070309020205020404" pitchFamily="49" charset="0"/>
-                <a:cs typeface="Courier New" panose="02070309020205020404" pitchFamily="49" charset="0"/>
-              </a:rPr>
-              <a:t/>
-            </a:r>
-            <a:br>
-              <a:rPr kumimoji="0" lang="en-US" altLang="en-US" sz="2000" b="0" i="0" u="none" strike="noStrike" cap="none" normalizeH="0" baseline="0" dirty="0" smtClean="0">
-                <a:ln>
-                  <a:noFill/>
-                </a:ln>
-                <a:solidFill>
-                  <a:srgbClr val="000000"/>
-                </a:solidFill>
-                <a:effectLst/>
-                <a:latin typeface="Courier New" panose="02070309020205020404" pitchFamily="49" charset="0"/>
-                <a:cs typeface="Courier New" panose="02070309020205020404" pitchFamily="49" charset="0"/>
-              </a:rPr>
-            </a:br>
-            <a:r>
-              <a:rPr kumimoji="0" lang="en-US" altLang="en-US" sz="2000" b="0" i="0" u="none" strike="noStrike" cap="none" normalizeH="0" baseline="0" dirty="0" smtClean="0">
-                <a:ln>
-                  <a:noFill/>
-                </a:ln>
-                <a:solidFill>
-                  <a:srgbClr val="000000"/>
-                </a:solidFill>
-                <a:effectLst/>
-                <a:latin typeface="Courier New" panose="02070309020205020404" pitchFamily="49" charset="0"/>
-                <a:cs typeface="Courier New" panose="02070309020205020404" pitchFamily="49" charset="0"/>
-              </a:rPr>
-              <a:t>    </a:t>
-            </a:r>
-            <a:r>
-              <a:rPr kumimoji="0" lang="en-US" altLang="en-US" sz="2000" b="1" i="0" u="none" strike="noStrike" cap="none" normalizeH="0" baseline="0" dirty="0" smtClean="0">
-                <a:ln>
-                  <a:noFill/>
-                </a:ln>
-                <a:solidFill>
-                  <a:srgbClr val="000080"/>
-                </a:solidFill>
-                <a:effectLst/>
-                <a:latin typeface="Courier New" panose="02070309020205020404" pitchFamily="49" charset="0"/>
-                <a:cs typeface="Courier New" panose="02070309020205020404" pitchFamily="49" charset="0"/>
-              </a:rPr>
-              <a:t>public static </a:t>
-            </a:r>
-            <a:r>
-              <a:rPr kumimoji="0" lang="en-US" altLang="en-US" sz="2000" b="1" i="0" u="none" strike="noStrike" cap="none" normalizeH="0" baseline="0" dirty="0" err="1" smtClean="0">
-                <a:ln>
-                  <a:noFill/>
-                </a:ln>
-                <a:solidFill>
-                  <a:srgbClr val="000080"/>
-                </a:solidFill>
-                <a:effectLst/>
-                <a:latin typeface="Courier New" panose="02070309020205020404" pitchFamily="49" charset="0"/>
-                <a:cs typeface="Courier New" panose="02070309020205020404" pitchFamily="49" charset="0"/>
-              </a:rPr>
-              <a:t>int</a:t>
-            </a:r>
-            <a:r>
-              <a:rPr kumimoji="0" lang="en-US" altLang="en-US" sz="2000" b="1" i="0" u="none" strike="noStrike" cap="none" normalizeH="0" baseline="0" dirty="0" smtClean="0">
-                <a:ln>
-                  <a:noFill/>
-                </a:ln>
-                <a:solidFill>
-                  <a:srgbClr val="000080"/>
-                </a:solidFill>
-                <a:effectLst/>
-                <a:latin typeface="Courier New" panose="02070309020205020404" pitchFamily="49" charset="0"/>
-                <a:cs typeface="Courier New" panose="02070309020205020404" pitchFamily="49" charset="0"/>
-              </a:rPr>
-              <a:t> </a:t>
-            </a:r>
-            <a:r>
-              <a:rPr kumimoji="0" lang="en-US" altLang="en-US" sz="2000" b="0" i="0" u="none" strike="noStrike" cap="none" normalizeH="0" baseline="0" dirty="0" smtClean="0">
-                <a:ln>
-                  <a:noFill/>
-                </a:ln>
-                <a:solidFill>
-                  <a:srgbClr val="000000"/>
-                </a:solidFill>
-                <a:effectLst/>
-                <a:latin typeface="Courier New" panose="02070309020205020404" pitchFamily="49" charset="0"/>
-                <a:cs typeface="Courier New" panose="02070309020205020404" pitchFamily="49" charset="0"/>
-              </a:rPr>
-              <a:t>b(</a:t>
-            </a:r>
-            <a:r>
-              <a:rPr kumimoji="0" lang="en-US" altLang="en-US" sz="2000" b="1" i="0" u="none" strike="noStrike" cap="none" normalizeH="0" baseline="0" dirty="0" err="1" smtClean="0">
-                <a:ln>
-                  <a:noFill/>
-                </a:ln>
-                <a:solidFill>
-                  <a:srgbClr val="000080"/>
-                </a:solidFill>
-                <a:effectLst/>
-                <a:latin typeface="Courier New" panose="02070309020205020404" pitchFamily="49" charset="0"/>
-                <a:cs typeface="Courier New" panose="02070309020205020404" pitchFamily="49" charset="0"/>
-              </a:rPr>
-              <a:t>int</a:t>
-            </a:r>
-            <a:r>
-              <a:rPr kumimoji="0" lang="en-US" altLang="en-US" sz="2000" b="1" i="0" u="none" strike="noStrike" cap="none" normalizeH="0" baseline="0" dirty="0" smtClean="0">
-                <a:ln>
-                  <a:noFill/>
-                </a:ln>
-                <a:solidFill>
-                  <a:srgbClr val="000080"/>
-                </a:solidFill>
-                <a:effectLst/>
-                <a:latin typeface="Courier New" panose="02070309020205020404" pitchFamily="49" charset="0"/>
-                <a:cs typeface="Courier New" panose="02070309020205020404" pitchFamily="49" charset="0"/>
-              </a:rPr>
-              <a:t> </a:t>
-            </a:r>
-            <a:r>
-              <a:rPr kumimoji="0" lang="en-US" altLang="en-US" sz="2000" b="0" i="0" u="none" strike="noStrike" cap="none" normalizeH="0" baseline="0" dirty="0" smtClean="0">
-                <a:ln>
-                  <a:noFill/>
-                </a:ln>
-                <a:solidFill>
-                  <a:srgbClr val="000000"/>
-                </a:solidFill>
-                <a:effectLst/>
-                <a:latin typeface="Courier New" panose="02070309020205020404" pitchFamily="49" charset="0"/>
-                <a:cs typeface="Courier New" panose="02070309020205020404" pitchFamily="49" charset="0"/>
-              </a:rPr>
-              <a:t>y){</a:t>
-            </a:r>
-            <a:br>
-              <a:rPr kumimoji="0" lang="en-US" altLang="en-US" sz="2000" b="0" i="0" u="none" strike="noStrike" cap="none" normalizeH="0" baseline="0" dirty="0" smtClean="0">
-                <a:ln>
-                  <a:noFill/>
-                </a:ln>
-                <a:solidFill>
-                  <a:srgbClr val="000000"/>
-                </a:solidFill>
-                <a:effectLst/>
-                <a:latin typeface="Courier New" panose="02070309020205020404" pitchFamily="49" charset="0"/>
-                <a:cs typeface="Courier New" panose="02070309020205020404" pitchFamily="49" charset="0"/>
-              </a:rPr>
-            </a:br>
-            <a:r>
-              <a:rPr kumimoji="0" lang="en-US" altLang="en-US" sz="2000" b="0" i="0" u="none" strike="noStrike" cap="none" normalizeH="0" baseline="0" dirty="0" smtClean="0">
-                <a:ln>
-                  <a:noFill/>
-                </a:ln>
-                <a:solidFill>
-                  <a:srgbClr val="000000"/>
-                </a:solidFill>
-                <a:effectLst/>
-                <a:latin typeface="Courier New" panose="02070309020205020404" pitchFamily="49" charset="0"/>
-                <a:cs typeface="Courier New" panose="02070309020205020404" pitchFamily="49" charset="0"/>
-              </a:rPr>
-              <a:t>        </a:t>
-            </a:r>
-            <a:r>
-              <a:rPr kumimoji="0" lang="en-US" altLang="en-US" sz="2000" b="1" i="0" u="none" strike="noStrike" cap="none" normalizeH="0" baseline="0" dirty="0" smtClean="0">
-                <a:ln>
-                  <a:noFill/>
-                </a:ln>
-                <a:solidFill>
-                  <a:srgbClr val="000080"/>
-                </a:solidFill>
-                <a:effectLst/>
-                <a:latin typeface="Courier New" panose="02070309020205020404" pitchFamily="49" charset="0"/>
-                <a:cs typeface="Courier New" panose="02070309020205020404" pitchFamily="49" charset="0"/>
-              </a:rPr>
-              <a:t>return </a:t>
-            </a:r>
-            <a:r>
-              <a:rPr kumimoji="0" lang="en-US" altLang="en-US" sz="2000" b="0" i="1" u="none" strike="noStrike" cap="none" normalizeH="0" baseline="0" dirty="0" smtClean="0">
-                <a:ln>
-                  <a:noFill/>
-                </a:ln>
-                <a:solidFill>
-                  <a:srgbClr val="000000"/>
-                </a:solidFill>
-                <a:effectLst/>
-                <a:latin typeface="Courier New" panose="02070309020205020404" pitchFamily="49" charset="0"/>
-                <a:cs typeface="Courier New" panose="02070309020205020404" pitchFamily="49" charset="0"/>
-              </a:rPr>
-              <a:t>a</a:t>
-            </a:r>
-            <a:r>
-              <a:rPr kumimoji="0" lang="en-US" altLang="en-US" sz="2000" b="0" i="0" u="none" strike="noStrike" cap="none" normalizeH="0" baseline="0" dirty="0" smtClean="0">
-                <a:ln>
-                  <a:noFill/>
-                </a:ln>
-                <a:solidFill>
-                  <a:srgbClr val="000000"/>
-                </a:solidFill>
-                <a:effectLst/>
-                <a:latin typeface="Courier New" panose="02070309020205020404" pitchFamily="49" charset="0"/>
-                <a:cs typeface="Courier New" panose="02070309020205020404" pitchFamily="49" charset="0"/>
-              </a:rPr>
-              <a:t>(y);</a:t>
-            </a:r>
-            <a:br>
-              <a:rPr kumimoji="0" lang="en-US" altLang="en-US" sz="2000" b="0" i="0" u="none" strike="noStrike" cap="none" normalizeH="0" baseline="0" dirty="0" smtClean="0">
-                <a:ln>
-                  <a:noFill/>
-                </a:ln>
-                <a:solidFill>
-                  <a:srgbClr val="000000"/>
-                </a:solidFill>
-                <a:effectLst/>
-                <a:latin typeface="Courier New" panose="02070309020205020404" pitchFamily="49" charset="0"/>
-                <a:cs typeface="Courier New" panose="02070309020205020404" pitchFamily="49" charset="0"/>
-              </a:rPr>
-            </a:br>
-            <a:r>
-              <a:rPr kumimoji="0" lang="en-US" altLang="en-US" sz="2000" b="0" i="0" u="none" strike="noStrike" cap="none" normalizeH="0" baseline="0" dirty="0" smtClean="0">
-                <a:ln>
-                  <a:noFill/>
-                </a:ln>
-                <a:solidFill>
-                  <a:srgbClr val="000000"/>
-                </a:solidFill>
-                <a:effectLst/>
-                <a:latin typeface="Courier New" panose="02070309020205020404" pitchFamily="49" charset="0"/>
-                <a:cs typeface="Courier New" panose="02070309020205020404" pitchFamily="49" charset="0"/>
-              </a:rPr>
-              <a:t>    }</a:t>
-            </a:r>
-            <a:br>
-              <a:rPr kumimoji="0" lang="en-US" altLang="en-US" sz="2000" b="0" i="0" u="none" strike="noStrike" cap="none" normalizeH="0" baseline="0" dirty="0" smtClean="0">
-                <a:ln>
-                  <a:noFill/>
-                </a:ln>
-                <a:solidFill>
-                  <a:srgbClr val="000000"/>
-                </a:solidFill>
-                <a:effectLst/>
-                <a:latin typeface="Courier New" panose="02070309020205020404" pitchFamily="49" charset="0"/>
-                <a:cs typeface="Courier New" panose="02070309020205020404" pitchFamily="49" charset="0"/>
-              </a:rPr>
-            </a:br>
-            <a:r>
-              <a:rPr kumimoji="0" lang="en-US" altLang="en-US" sz="2000" b="0" i="0" u="none" strike="noStrike" cap="none" normalizeH="0" baseline="0" dirty="0" smtClean="0">
-                <a:ln>
-                  <a:noFill/>
-                </a:ln>
-                <a:solidFill>
-                  <a:srgbClr val="000000"/>
-                </a:solidFill>
-                <a:effectLst/>
-                <a:latin typeface="Courier New" panose="02070309020205020404" pitchFamily="49" charset="0"/>
-                <a:cs typeface="Courier New" panose="02070309020205020404" pitchFamily="49" charset="0"/>
-              </a:rPr>
-              <a:t>}</a:t>
-            </a:r>
-            <a:endParaRPr kumimoji="0" lang="en-US" altLang="en-US" sz="2000" b="0" i="0" u="none" strike="noStrike" cap="none" normalizeH="0" baseline="0" dirty="0" smtClean="0">
-              <a:ln>
-                <a:noFill/>
-              </a:ln>
-              <a:solidFill>
-                <a:schemeClr val="tx1"/>
-              </a:solidFill>
-              <a:effectLst/>
-              <a:latin typeface="Arial" panose="020B0604020202020204" pitchFamily="34" charset="0"/>
-            </a:endParaRPr>
-          </a:p>
-        </p:txBody>
-      </p:sp>
-    </p:spTree>
-    <p:extLst>
-      <p:ext uri="{BB962C8B-B14F-4D97-AF65-F5344CB8AC3E}">
-        <p14:creationId xmlns:p14="http://schemas.microsoft.com/office/powerpoint/2010/main" val="2103447596"/>
-      </p:ext>
-    </p:extLst>
-  </p:cSld>
-  <p:clrMapOvr>
-    <a:masterClrMapping/>
-  </p:clrMapOvr>
-  <p:transition spd="med"/>
-</p:sld>
-</file>
-
-<file path=ppt/slides/slide6.xml><?xml version="1.0" encoding="utf-8"?>
-<p:sld xmlns:a="http://schemas.openxmlformats.org/drawingml/2006/main" xmlns:r="http://schemas.openxmlformats.org/officeDocument/2006/relationships" xmlns:p="http://schemas.openxmlformats.org/presentationml/2006/main">
-  <p:cSld>
-    <p:spTree>
-      <p:nvGrpSpPr>
-        <p:cNvPr id="1" name=""/>
-        <p:cNvGrpSpPr/>
-        <p:nvPr/>
-      </p:nvGrpSpPr>
-      <p:grpSpPr>
-        <a:xfrm>
-          <a:off x="0" y="0"/>
-          <a:ext cx="0" cy="0"/>
-          <a:chOff x="0" y="0"/>
-          <a:chExt cx="0" cy="0"/>
-        </a:xfrm>
-      </p:grpSpPr>
-      <p:sp>
-        <p:nvSpPr>
-          <p:cNvPr id="2" name="Title 1"/>
-          <p:cNvSpPr>
-            <a:spLocks noGrp="1"/>
-          </p:cNvSpPr>
-          <p:nvPr>
-            <p:ph type="title"/>
-          </p:nvPr>
-        </p:nvSpPr>
-        <p:spPr/>
-        <p:txBody>
-          <a:bodyPr/>
-          <a:lstStyle/>
-          <a:p>
-            <a:r>
-              <a:rPr lang="en-US" dirty="0" smtClean="0"/>
-              <a:t>Stack Overflow</a:t>
-            </a:r>
-            <a:endParaRPr lang="en-US" dirty="0"/>
-          </a:p>
-        </p:txBody>
-      </p:sp>
-      <p:sp>
-        <p:nvSpPr>
-          <p:cNvPr id="6" name="Rectangle 1"/>
-          <p:cNvSpPr>
-            <a:spLocks noChangeArrowheads="1"/>
-          </p:cNvSpPr>
-          <p:nvPr/>
-        </p:nvSpPr>
-        <p:spPr bwMode="auto">
-          <a:xfrm>
-            <a:off x="95250" y="2440990"/>
-            <a:ext cx="9458326" cy="4585871"/>
-          </a:xfrm>
-          <a:prstGeom prst="rect">
-            <a:avLst/>
-          </a:prstGeom>
-          <a:solidFill>
-            <a:srgbClr val="FFFFFF"/>
-          </a:solidFill>
-          <a:ln>
-            <a:noFill/>
-          </a:ln>
-          <a:effectLst/>
-          <a:extLst>
-            <a:ext uri="{91240B29-F687-4F45-9708-019B960494DF}">
-              <a14:hiddenLine xmlns:a14="http://schemas.microsoft.com/office/drawing/2010/main" w="9525">
-                <a:solidFill>
-                  <a:schemeClr val="tx1"/>
-                </a:solidFill>
-                <a:miter lim="800000"/>
-                <a:headEnd/>
-                <a:tailEnd/>
-              </a14:hiddenLine>
-            </a:ext>
-            <a:ext uri="{AF507438-7753-43E0-B8FC-AC1667EBCBE1}">
-              <a14:hiddenEffects xmlns:a14="http://schemas.microsoft.com/office/drawing/2010/main">
-                <a:effectLst>
-                  <a:outerShdw dist="35921" dir="2700000" algn="ctr" rotWithShape="0">
-                    <a:schemeClr val="bg2"/>
-                  </a:outerShdw>
-                </a:effectLst>
-              </a14:hiddenEffects>
-            </a:ext>
-          </a:extLst>
-        </p:spPr>
-        <p:txBody>
-          <a:bodyPr vert="horz" wrap="square" lIns="91440" tIns="45720" rIns="91440" bIns="45720" numCol="1" anchor="ctr" anchorCtr="0" compatLnSpc="1">
-            <a:prstTxWarp prst="textNoShape">
-              <a:avLst/>
-            </a:prstTxWarp>
-            <a:spAutoFit/>
-          </a:bodyPr>
-          <a:lstStyle/>
-          <a:p>
-            <a:pPr marL="0" marR="0" lvl="0" indent="0" algn="l" defTabSz="914400" rtl="0" eaLnBrk="0" fontAlgn="base" latinLnBrk="0" hangingPunct="0">
-              <a:lnSpc>
-                <a:spcPct val="100000"/>
-              </a:lnSpc>
-              <a:spcBef>
-                <a:spcPct val="0"/>
-              </a:spcBef>
-              <a:spcAft>
-                <a:spcPct val="0"/>
-              </a:spcAft>
-              <a:buClrTx/>
-              <a:buSzTx/>
-              <a:buFontTx/>
-              <a:buNone/>
-              <a:tabLst/>
-            </a:pPr>
-            <a:r>
-              <a:rPr kumimoji="0" lang="en-US" altLang="en-US" sz="1600" b="0" i="1" u="none" strike="noStrike" cap="none" normalizeH="0" baseline="0" dirty="0" smtClean="0">
-                <a:ln>
-                  <a:noFill/>
-                </a:ln>
-                <a:solidFill>
-                  <a:srgbClr val="808080"/>
-                </a:solidFill>
-                <a:effectLst/>
-                <a:latin typeface="Courier New" panose="02070309020205020404" pitchFamily="49" charset="0"/>
-                <a:cs typeface="Courier New" panose="02070309020205020404" pitchFamily="49" charset="0"/>
-              </a:rPr>
-              <a:t>Exception in thread "main" </a:t>
-            </a:r>
-            <a:r>
-              <a:rPr kumimoji="0" lang="en-US" altLang="en-US" sz="2000" b="1" i="1" u="none" strike="noStrike" cap="none" normalizeH="0" baseline="0" dirty="0" err="1" smtClean="0">
-                <a:ln>
-                  <a:noFill/>
-                </a:ln>
-                <a:solidFill>
-                  <a:srgbClr val="808080"/>
-                </a:solidFill>
-                <a:effectLst/>
-                <a:latin typeface="Courier New" panose="02070309020205020404" pitchFamily="49" charset="0"/>
-                <a:cs typeface="Courier New" panose="02070309020205020404" pitchFamily="49" charset="0"/>
-              </a:rPr>
-              <a:t>java.lang.StackOverflowError</a:t>
-            </a:r>
-            <a:r>
-              <a:rPr kumimoji="0" lang="en-US" altLang="en-US" sz="1600" b="1" i="1" u="none" strike="noStrike" cap="none" normalizeH="0" baseline="0" dirty="0" smtClean="0">
-                <a:ln>
-                  <a:noFill/>
-                </a:ln>
-                <a:solidFill>
-                  <a:srgbClr val="808080"/>
-                </a:solidFill>
-                <a:effectLst/>
-                <a:latin typeface="Courier New" panose="02070309020205020404" pitchFamily="49" charset="0"/>
-                <a:cs typeface="Courier New" panose="02070309020205020404" pitchFamily="49" charset="0"/>
-              </a:rPr>
-              <a:t/>
-            </a:r>
-            <a:br>
-              <a:rPr kumimoji="0" lang="en-US" altLang="en-US" sz="1600" b="1" i="1" u="none" strike="noStrike" cap="none" normalizeH="0" baseline="0" dirty="0" smtClean="0">
-                <a:ln>
-                  <a:noFill/>
-                </a:ln>
-                <a:solidFill>
-                  <a:srgbClr val="808080"/>
-                </a:solidFill>
-                <a:effectLst/>
-                <a:latin typeface="Courier New" panose="02070309020205020404" pitchFamily="49" charset="0"/>
-                <a:cs typeface="Courier New" panose="02070309020205020404" pitchFamily="49" charset="0"/>
-              </a:rPr>
-            </a:br>
-            <a:r>
-              <a:rPr kumimoji="0" lang="en-US" altLang="en-US" sz="1600" b="0" i="1" u="none" strike="noStrike" cap="none" normalizeH="0" baseline="0" dirty="0" smtClean="0">
-                <a:ln>
-                  <a:noFill/>
-                </a:ln>
-                <a:solidFill>
-                  <a:srgbClr val="808080"/>
-                </a:solidFill>
-                <a:effectLst/>
-                <a:latin typeface="Courier New" panose="02070309020205020404" pitchFamily="49" charset="0"/>
-                <a:cs typeface="Courier New" panose="02070309020205020404" pitchFamily="49" charset="0"/>
-              </a:rPr>
-              <a:t>   at org.pg4200.datastructure.stack.StackOverflow.b(StackOverflow.java:22)</a:t>
-            </a:r>
-            <a:br>
-              <a:rPr kumimoji="0" lang="en-US" altLang="en-US" sz="1600" b="0" i="1" u="none" strike="noStrike" cap="none" normalizeH="0" baseline="0" dirty="0" smtClean="0">
-                <a:ln>
-                  <a:noFill/>
-                </a:ln>
-                <a:solidFill>
-                  <a:srgbClr val="808080"/>
-                </a:solidFill>
-                <a:effectLst/>
-                <a:latin typeface="Courier New" panose="02070309020205020404" pitchFamily="49" charset="0"/>
-                <a:cs typeface="Courier New" panose="02070309020205020404" pitchFamily="49" charset="0"/>
-              </a:rPr>
-            </a:br>
-            <a:r>
-              <a:rPr kumimoji="0" lang="en-US" altLang="en-US" sz="1600" b="0" i="1" u="none" strike="noStrike" cap="none" normalizeH="0" baseline="0" dirty="0" smtClean="0">
-                <a:ln>
-                  <a:noFill/>
-                </a:ln>
-                <a:solidFill>
-                  <a:srgbClr val="808080"/>
-                </a:solidFill>
-                <a:effectLst/>
-                <a:latin typeface="Courier New" panose="02070309020205020404" pitchFamily="49" charset="0"/>
-                <a:cs typeface="Courier New" panose="02070309020205020404" pitchFamily="49" charset="0"/>
-              </a:rPr>
-              <a:t>   at org.pg4200.datastructure.stack.StackOverflow.a(StackOverflow.java:16)</a:t>
-            </a:r>
-            <a:br>
-              <a:rPr kumimoji="0" lang="en-US" altLang="en-US" sz="1600" b="0" i="1" u="none" strike="noStrike" cap="none" normalizeH="0" baseline="0" dirty="0" smtClean="0">
-                <a:ln>
-                  <a:noFill/>
-                </a:ln>
-                <a:solidFill>
-                  <a:srgbClr val="808080"/>
-                </a:solidFill>
-                <a:effectLst/>
-                <a:latin typeface="Courier New" panose="02070309020205020404" pitchFamily="49" charset="0"/>
-                <a:cs typeface="Courier New" panose="02070309020205020404" pitchFamily="49" charset="0"/>
-              </a:rPr>
-            </a:br>
-            <a:r>
-              <a:rPr kumimoji="0" lang="en-US" altLang="en-US" sz="1600" b="0" i="1" u="none" strike="noStrike" cap="none" normalizeH="0" baseline="0" dirty="0" smtClean="0">
-                <a:ln>
-                  <a:noFill/>
-                </a:ln>
-                <a:solidFill>
-                  <a:srgbClr val="808080"/>
-                </a:solidFill>
-                <a:effectLst/>
-                <a:latin typeface="Courier New" panose="02070309020205020404" pitchFamily="49" charset="0"/>
-                <a:cs typeface="Courier New" panose="02070309020205020404" pitchFamily="49" charset="0"/>
-              </a:rPr>
-              <a:t>   at org.pg4200.datastructure.stack.StackOverflow.b(StackOverflow.java:22)</a:t>
-            </a:r>
-            <a:br>
-              <a:rPr kumimoji="0" lang="en-US" altLang="en-US" sz="1600" b="0" i="1" u="none" strike="noStrike" cap="none" normalizeH="0" baseline="0" dirty="0" smtClean="0">
-                <a:ln>
-                  <a:noFill/>
-                </a:ln>
-                <a:solidFill>
-                  <a:srgbClr val="808080"/>
-                </a:solidFill>
-                <a:effectLst/>
-                <a:latin typeface="Courier New" panose="02070309020205020404" pitchFamily="49" charset="0"/>
-                <a:cs typeface="Courier New" panose="02070309020205020404" pitchFamily="49" charset="0"/>
-              </a:rPr>
-            </a:br>
-            <a:r>
-              <a:rPr kumimoji="0" lang="en-US" altLang="en-US" sz="1600" b="0" i="1" u="none" strike="noStrike" cap="none" normalizeH="0" baseline="0" dirty="0" smtClean="0">
-                <a:ln>
-                  <a:noFill/>
-                </a:ln>
-                <a:solidFill>
-                  <a:srgbClr val="808080"/>
-                </a:solidFill>
-                <a:effectLst/>
-                <a:latin typeface="Courier New" panose="02070309020205020404" pitchFamily="49" charset="0"/>
-                <a:cs typeface="Courier New" panose="02070309020205020404" pitchFamily="49" charset="0"/>
-              </a:rPr>
-              <a:t>   at org.pg4200.datastructure.stack.StackOverflow.a(StackOverflow.java:16)</a:t>
-            </a:r>
-            <a:br>
-              <a:rPr kumimoji="0" lang="en-US" altLang="en-US" sz="1600" b="0" i="1" u="none" strike="noStrike" cap="none" normalizeH="0" baseline="0" dirty="0" smtClean="0">
-                <a:ln>
-                  <a:noFill/>
-                </a:ln>
-                <a:solidFill>
-                  <a:srgbClr val="808080"/>
-                </a:solidFill>
-                <a:effectLst/>
-                <a:latin typeface="Courier New" panose="02070309020205020404" pitchFamily="49" charset="0"/>
-                <a:cs typeface="Courier New" panose="02070309020205020404" pitchFamily="49" charset="0"/>
-              </a:rPr>
-            </a:br>
-            <a:r>
-              <a:rPr kumimoji="0" lang="en-US" altLang="en-US" sz="1600" b="0" i="1" u="none" strike="noStrike" cap="none" normalizeH="0" baseline="0" dirty="0" smtClean="0">
-                <a:ln>
-                  <a:noFill/>
-                </a:ln>
-                <a:solidFill>
-                  <a:srgbClr val="808080"/>
-                </a:solidFill>
-                <a:effectLst/>
-                <a:latin typeface="Courier New" panose="02070309020205020404" pitchFamily="49" charset="0"/>
-                <a:cs typeface="Courier New" panose="02070309020205020404" pitchFamily="49" charset="0"/>
-              </a:rPr>
-              <a:t>   at org.pg4200.datastructure.stack.StackOverflow.b(StackOverflow.java:22)</a:t>
-            </a:r>
-            <a:br>
-              <a:rPr kumimoji="0" lang="en-US" altLang="en-US" sz="1600" b="0" i="1" u="none" strike="noStrike" cap="none" normalizeH="0" baseline="0" dirty="0" smtClean="0">
-                <a:ln>
-                  <a:noFill/>
-                </a:ln>
-                <a:solidFill>
-                  <a:srgbClr val="808080"/>
-                </a:solidFill>
-                <a:effectLst/>
-                <a:latin typeface="Courier New" panose="02070309020205020404" pitchFamily="49" charset="0"/>
-                <a:cs typeface="Courier New" panose="02070309020205020404" pitchFamily="49" charset="0"/>
-              </a:rPr>
-            </a:br>
-            <a:r>
-              <a:rPr kumimoji="0" lang="en-US" altLang="en-US" sz="1600" b="0" i="1" u="none" strike="noStrike" cap="none" normalizeH="0" baseline="0" dirty="0" smtClean="0">
-                <a:ln>
-                  <a:noFill/>
-                </a:ln>
-                <a:solidFill>
-                  <a:srgbClr val="808080"/>
-                </a:solidFill>
-                <a:effectLst/>
-                <a:latin typeface="Courier New" panose="02070309020205020404" pitchFamily="49" charset="0"/>
-                <a:cs typeface="Courier New" panose="02070309020205020404" pitchFamily="49" charset="0"/>
-              </a:rPr>
-              <a:t>   at org.pg4200.datastructure.stack.StackOverflow.a(StackOverflow.java:16)</a:t>
-            </a:r>
-            <a:br>
-              <a:rPr kumimoji="0" lang="en-US" altLang="en-US" sz="1600" b="0" i="1" u="none" strike="noStrike" cap="none" normalizeH="0" baseline="0" dirty="0" smtClean="0">
-                <a:ln>
-                  <a:noFill/>
-                </a:ln>
-                <a:solidFill>
-                  <a:srgbClr val="808080"/>
-                </a:solidFill>
-                <a:effectLst/>
-                <a:latin typeface="Courier New" panose="02070309020205020404" pitchFamily="49" charset="0"/>
-                <a:cs typeface="Courier New" panose="02070309020205020404" pitchFamily="49" charset="0"/>
-              </a:rPr>
-            </a:br>
-            <a:r>
-              <a:rPr kumimoji="0" lang="en-US" altLang="en-US" sz="1600" b="0" i="1" u="none" strike="noStrike" cap="none" normalizeH="0" baseline="0" dirty="0" smtClean="0">
-                <a:ln>
-                  <a:noFill/>
-                </a:ln>
-                <a:solidFill>
-                  <a:srgbClr val="808080"/>
-                </a:solidFill>
-                <a:effectLst/>
-                <a:latin typeface="Courier New" panose="02070309020205020404" pitchFamily="49" charset="0"/>
-                <a:cs typeface="Courier New" panose="02070309020205020404" pitchFamily="49" charset="0"/>
-              </a:rPr>
-              <a:t>   at org.pg4200.datastructure.stack.StackOverflow.b(StackOverflow.java:22)</a:t>
-            </a:r>
-            <a:br>
-              <a:rPr kumimoji="0" lang="en-US" altLang="en-US" sz="1600" b="0" i="1" u="none" strike="noStrike" cap="none" normalizeH="0" baseline="0" dirty="0" smtClean="0">
-                <a:ln>
-                  <a:noFill/>
-                </a:ln>
-                <a:solidFill>
-                  <a:srgbClr val="808080"/>
-                </a:solidFill>
-                <a:effectLst/>
-                <a:latin typeface="Courier New" panose="02070309020205020404" pitchFamily="49" charset="0"/>
-                <a:cs typeface="Courier New" panose="02070309020205020404" pitchFamily="49" charset="0"/>
-              </a:rPr>
-            </a:br>
-            <a:r>
-              <a:rPr kumimoji="0" lang="en-US" altLang="en-US" sz="1600" b="0" i="1" u="none" strike="noStrike" cap="none" normalizeH="0" baseline="0" dirty="0" smtClean="0">
-                <a:ln>
-                  <a:noFill/>
-                </a:ln>
-                <a:solidFill>
-                  <a:srgbClr val="808080"/>
-                </a:solidFill>
-                <a:effectLst/>
-                <a:latin typeface="Courier New" panose="02070309020205020404" pitchFamily="49" charset="0"/>
-                <a:cs typeface="Courier New" panose="02070309020205020404" pitchFamily="49" charset="0"/>
-              </a:rPr>
-              <a:t>   at org.pg4200.datastructure.stack.StackOverflow.a(StackOverflow.java:16)</a:t>
-            </a:r>
-            <a:br>
-              <a:rPr kumimoji="0" lang="en-US" altLang="en-US" sz="1600" b="0" i="1" u="none" strike="noStrike" cap="none" normalizeH="0" baseline="0" dirty="0" smtClean="0">
-                <a:ln>
-                  <a:noFill/>
-                </a:ln>
-                <a:solidFill>
-                  <a:srgbClr val="808080"/>
-                </a:solidFill>
-                <a:effectLst/>
-                <a:latin typeface="Courier New" panose="02070309020205020404" pitchFamily="49" charset="0"/>
-                <a:cs typeface="Courier New" panose="02070309020205020404" pitchFamily="49" charset="0"/>
-              </a:rPr>
-            </a:br>
-            <a:r>
-              <a:rPr kumimoji="0" lang="en-US" altLang="en-US" sz="1600" b="0" i="1" u="none" strike="noStrike" cap="none" normalizeH="0" baseline="0" dirty="0" smtClean="0">
-                <a:ln>
-                  <a:noFill/>
-                </a:ln>
-                <a:solidFill>
-                  <a:srgbClr val="808080"/>
-                </a:solidFill>
-                <a:effectLst/>
-                <a:latin typeface="Courier New" panose="02070309020205020404" pitchFamily="49" charset="0"/>
-                <a:cs typeface="Courier New" panose="02070309020205020404" pitchFamily="49" charset="0"/>
-              </a:rPr>
-              <a:t>   at org.pg4200.datastructure.stack.StackOverflow.b(StackOverflow.java:22)</a:t>
-            </a:r>
-            <a:br>
-              <a:rPr kumimoji="0" lang="en-US" altLang="en-US" sz="1600" b="0" i="1" u="none" strike="noStrike" cap="none" normalizeH="0" baseline="0" dirty="0" smtClean="0">
-                <a:ln>
-                  <a:noFill/>
-                </a:ln>
-                <a:solidFill>
-                  <a:srgbClr val="808080"/>
-                </a:solidFill>
-                <a:effectLst/>
-                <a:latin typeface="Courier New" panose="02070309020205020404" pitchFamily="49" charset="0"/>
-                <a:cs typeface="Courier New" panose="02070309020205020404" pitchFamily="49" charset="0"/>
-              </a:rPr>
-            </a:br>
-            <a:r>
-              <a:rPr kumimoji="0" lang="en-US" altLang="en-US" sz="1600" b="0" i="1" u="none" strike="noStrike" cap="none" normalizeH="0" baseline="0" dirty="0" smtClean="0">
-                <a:ln>
-                  <a:noFill/>
-                </a:ln>
-                <a:solidFill>
-                  <a:srgbClr val="808080"/>
-                </a:solidFill>
-                <a:effectLst/>
-                <a:latin typeface="Courier New" panose="02070309020205020404" pitchFamily="49" charset="0"/>
-                <a:cs typeface="Courier New" panose="02070309020205020404" pitchFamily="49" charset="0"/>
-              </a:rPr>
-              <a:t>   at org.pg4200.datastructure.stack.StackOverflow.a(StackOverflow.java:16)</a:t>
-            </a:r>
-            <a:br>
-              <a:rPr kumimoji="0" lang="en-US" altLang="en-US" sz="1600" b="0" i="1" u="none" strike="noStrike" cap="none" normalizeH="0" baseline="0" dirty="0" smtClean="0">
-                <a:ln>
-                  <a:noFill/>
-                </a:ln>
-                <a:solidFill>
-                  <a:srgbClr val="808080"/>
-                </a:solidFill>
-                <a:effectLst/>
-                <a:latin typeface="Courier New" panose="02070309020205020404" pitchFamily="49" charset="0"/>
-                <a:cs typeface="Courier New" panose="02070309020205020404" pitchFamily="49" charset="0"/>
-              </a:rPr>
-            </a:br>
-            <a:r>
-              <a:rPr kumimoji="0" lang="en-US" altLang="en-US" sz="1600" b="0" i="1" u="none" strike="noStrike" cap="none" normalizeH="0" baseline="0" dirty="0" smtClean="0">
-                <a:ln>
-                  <a:noFill/>
-                </a:ln>
-                <a:solidFill>
-                  <a:srgbClr val="808080"/>
-                </a:solidFill>
-                <a:effectLst/>
-                <a:latin typeface="Courier New" panose="02070309020205020404" pitchFamily="49" charset="0"/>
-                <a:cs typeface="Courier New" panose="02070309020205020404" pitchFamily="49" charset="0"/>
-              </a:rPr>
-              <a:t>   at org.pg4200.datastructure.stack.StackOverflow.b(StackOverflow.java:22)</a:t>
-            </a:r>
-            <a:br>
-              <a:rPr kumimoji="0" lang="en-US" altLang="en-US" sz="1600" b="0" i="1" u="none" strike="noStrike" cap="none" normalizeH="0" baseline="0" dirty="0" smtClean="0">
-                <a:ln>
-                  <a:noFill/>
-                </a:ln>
-                <a:solidFill>
-                  <a:srgbClr val="808080"/>
-                </a:solidFill>
-                <a:effectLst/>
-                <a:latin typeface="Courier New" panose="02070309020205020404" pitchFamily="49" charset="0"/>
-                <a:cs typeface="Courier New" panose="02070309020205020404" pitchFamily="49" charset="0"/>
-              </a:rPr>
-            </a:br>
-            <a:r>
-              <a:rPr kumimoji="0" lang="en-US" altLang="en-US" sz="1600" b="0" i="1" u="none" strike="noStrike" cap="none" normalizeH="0" baseline="0" dirty="0" smtClean="0">
-                <a:ln>
-                  <a:noFill/>
-                </a:ln>
-                <a:solidFill>
-                  <a:srgbClr val="808080"/>
-                </a:solidFill>
-                <a:effectLst/>
-                <a:latin typeface="Courier New" panose="02070309020205020404" pitchFamily="49" charset="0"/>
-                <a:cs typeface="Courier New" panose="02070309020205020404" pitchFamily="49" charset="0"/>
-              </a:rPr>
-              <a:t>   at org.pg4200.datastructure.stack.StackOverflow.a(StackOverflow.java:16)</a:t>
-            </a:r>
-            <a:br>
-              <a:rPr kumimoji="0" lang="en-US" altLang="en-US" sz="1600" b="0" i="1" u="none" strike="noStrike" cap="none" normalizeH="0" baseline="0" dirty="0" smtClean="0">
-                <a:ln>
-                  <a:noFill/>
-                </a:ln>
-                <a:solidFill>
-                  <a:srgbClr val="808080"/>
-                </a:solidFill>
-                <a:effectLst/>
-                <a:latin typeface="Courier New" panose="02070309020205020404" pitchFamily="49" charset="0"/>
-                <a:cs typeface="Courier New" panose="02070309020205020404" pitchFamily="49" charset="0"/>
-              </a:rPr>
-            </a:br>
-            <a:r>
-              <a:rPr kumimoji="0" lang="en-US" altLang="en-US" sz="1600" b="0" i="1" u="none" strike="noStrike" cap="none" normalizeH="0" baseline="0" dirty="0" smtClean="0">
-                <a:ln>
-                  <a:noFill/>
-                </a:ln>
-                <a:solidFill>
-                  <a:srgbClr val="808080"/>
-                </a:solidFill>
-                <a:effectLst/>
-                <a:latin typeface="Courier New" panose="02070309020205020404" pitchFamily="49" charset="0"/>
-                <a:cs typeface="Courier New" panose="02070309020205020404" pitchFamily="49" charset="0"/>
-              </a:rPr>
-              <a:t>   at org.pg4200.datastructure.stack.StackOverflow.b(StackOverflow.java:22)</a:t>
-            </a:r>
-            <a:br>
-              <a:rPr kumimoji="0" lang="en-US" altLang="en-US" sz="1600" b="0" i="1" u="none" strike="noStrike" cap="none" normalizeH="0" baseline="0" dirty="0" smtClean="0">
-                <a:ln>
-                  <a:noFill/>
-                </a:ln>
-                <a:solidFill>
-                  <a:srgbClr val="808080"/>
-                </a:solidFill>
-                <a:effectLst/>
-                <a:latin typeface="Courier New" panose="02070309020205020404" pitchFamily="49" charset="0"/>
-                <a:cs typeface="Courier New" panose="02070309020205020404" pitchFamily="49" charset="0"/>
-              </a:rPr>
-            </a:br>
-            <a:r>
-              <a:rPr kumimoji="0" lang="en-US" altLang="en-US" sz="1600" b="0" i="1" u="none" strike="noStrike" cap="none" normalizeH="0" baseline="0" dirty="0" smtClean="0">
-                <a:ln>
-                  <a:noFill/>
-                </a:ln>
-                <a:solidFill>
-                  <a:srgbClr val="808080"/>
-                </a:solidFill>
-                <a:effectLst/>
-                <a:latin typeface="Courier New" panose="02070309020205020404" pitchFamily="49" charset="0"/>
-                <a:cs typeface="Courier New" panose="02070309020205020404" pitchFamily="49" charset="0"/>
-              </a:rPr>
-              <a:t>   at org.pg4200.datastructure.stack.StackOverflow.a(StackOverflow.java:16)</a:t>
-            </a:r>
-            <a:br>
-              <a:rPr kumimoji="0" lang="en-US" altLang="en-US" sz="1600" b="0" i="1" u="none" strike="noStrike" cap="none" normalizeH="0" baseline="0" dirty="0" smtClean="0">
-                <a:ln>
-                  <a:noFill/>
-                </a:ln>
-                <a:solidFill>
-                  <a:srgbClr val="808080"/>
-                </a:solidFill>
-                <a:effectLst/>
-                <a:latin typeface="Courier New" panose="02070309020205020404" pitchFamily="49" charset="0"/>
-                <a:cs typeface="Courier New" panose="02070309020205020404" pitchFamily="49" charset="0"/>
-              </a:rPr>
-            </a:br>
-            <a:r>
-              <a:rPr kumimoji="0" lang="en-US" altLang="en-US" sz="1600" b="0" i="1" u="none" strike="noStrike" cap="none" normalizeH="0" baseline="0" dirty="0" smtClean="0">
-                <a:ln>
-                  <a:noFill/>
-                </a:ln>
-                <a:solidFill>
-                  <a:srgbClr val="808080"/>
-                </a:solidFill>
-                <a:effectLst/>
-                <a:latin typeface="Courier New" panose="02070309020205020404" pitchFamily="49" charset="0"/>
-                <a:cs typeface="Courier New" panose="02070309020205020404" pitchFamily="49" charset="0"/>
-              </a:rPr>
-              <a:t>   at org.pg4200.datastructure.stack.StackOverflow.b(StackOverflow.java:22)</a:t>
-            </a:r>
-            <a:br>
-              <a:rPr kumimoji="0" lang="en-US" altLang="en-US" sz="1600" b="0" i="1" u="none" strike="noStrike" cap="none" normalizeH="0" baseline="0" dirty="0" smtClean="0">
-                <a:ln>
-                  <a:noFill/>
-                </a:ln>
-                <a:solidFill>
-                  <a:srgbClr val="808080"/>
-                </a:solidFill>
-                <a:effectLst/>
-                <a:latin typeface="Courier New" panose="02070309020205020404" pitchFamily="49" charset="0"/>
-                <a:cs typeface="Courier New" panose="02070309020205020404" pitchFamily="49" charset="0"/>
-              </a:rPr>
-            </a:br>
-            <a:r>
-              <a:rPr kumimoji="0" lang="en-US" altLang="en-US" sz="1600" b="0" i="1" u="none" strike="noStrike" cap="none" normalizeH="0" baseline="0" dirty="0" smtClean="0">
-                <a:ln>
-                  <a:noFill/>
-                </a:ln>
-                <a:solidFill>
-                  <a:srgbClr val="808080"/>
-                </a:solidFill>
-                <a:effectLst/>
-                <a:latin typeface="Courier New" panose="02070309020205020404" pitchFamily="49" charset="0"/>
-                <a:cs typeface="Courier New" panose="02070309020205020404" pitchFamily="49" charset="0"/>
-              </a:rPr>
-              <a:t>   at org.pg4200.datastructure.stack.StackOverflow.a(StackOverflow.java:16)</a:t>
-            </a:r>
-            <a:br>
-              <a:rPr kumimoji="0" lang="en-US" altLang="en-US" sz="1600" b="0" i="1" u="none" strike="noStrike" cap="none" normalizeH="0" baseline="0" dirty="0" smtClean="0">
-                <a:ln>
-                  <a:noFill/>
-                </a:ln>
-                <a:solidFill>
-                  <a:srgbClr val="808080"/>
-                </a:solidFill>
-                <a:effectLst/>
-                <a:latin typeface="Courier New" panose="02070309020205020404" pitchFamily="49" charset="0"/>
-                <a:cs typeface="Courier New" panose="02070309020205020404" pitchFamily="49" charset="0"/>
-              </a:rPr>
-            </a:br>
-            <a:r>
-              <a:rPr kumimoji="0" lang="en-US" altLang="en-US" sz="1600" b="0" i="1" u="none" strike="noStrike" cap="none" normalizeH="0" baseline="0" dirty="0" smtClean="0">
-                <a:ln>
-                  <a:noFill/>
-                </a:ln>
-                <a:solidFill>
-                  <a:srgbClr val="808080"/>
-                </a:solidFill>
-                <a:effectLst/>
-                <a:latin typeface="Courier New" panose="02070309020205020404" pitchFamily="49" charset="0"/>
-                <a:cs typeface="Courier New" panose="02070309020205020404" pitchFamily="49" charset="0"/>
-              </a:rPr>
-              <a:t>   ...</a:t>
-            </a:r>
-            <a:endParaRPr kumimoji="0" lang="en-US" altLang="en-US" sz="1600" b="0" i="0" u="none" strike="noStrike" cap="none" normalizeH="0" baseline="0" dirty="0" smtClean="0">
-              <a:ln>
-                <a:noFill/>
-              </a:ln>
-              <a:solidFill>
-                <a:schemeClr val="tx1"/>
-              </a:solidFill>
-              <a:effectLst/>
-              <a:latin typeface="Arial" panose="020B0604020202020204" pitchFamily="34" charset="0"/>
-            </a:endParaRPr>
-          </a:p>
-        </p:txBody>
-      </p:sp>
-      <p:pic>
-        <p:nvPicPr>
-          <p:cNvPr id="7" name="Picture 6"/>
-          <p:cNvPicPr>
-            <a:picLocks noChangeAspect="1"/>
-          </p:cNvPicPr>
-          <p:nvPr/>
-        </p:nvPicPr>
-        <p:blipFill>
-          <a:blip r:embed="rId2"/>
-          <a:stretch>
-            <a:fillRect/>
-          </a:stretch>
-        </p:blipFill>
-        <p:spPr>
-          <a:xfrm>
-            <a:off x="6257925" y="5730782"/>
-            <a:ext cx="6178550" cy="3292569"/>
-          </a:xfrm>
-          <a:prstGeom prst="rect">
-            <a:avLst/>
-          </a:prstGeom>
-        </p:spPr>
-      </p:pic>
-    </p:spTree>
-    <p:extLst>
-      <p:ext uri="{BB962C8B-B14F-4D97-AF65-F5344CB8AC3E}">
-        <p14:creationId xmlns:p14="http://schemas.microsoft.com/office/powerpoint/2010/main" val="2778162561"/>
-      </p:ext>
-    </p:extLst>
-  </p:cSld>
-  <p:clrMapOvr>
-    <a:masterClrMapping/>
-  </p:clrMapOvr>
-  <p:transition spd="med"/>
 </p:sld>
 </file>
 
@@ -24185,7 +24720,7 @@
           <a:p>
             <a:r>
               <a:rPr lang="en-US" dirty="0" smtClean="0"/>
-              <a:t>Queue</a:t>
+              <a:t>Java Generics &lt;T&gt;</a:t>
             </a:r>
             <a:endParaRPr lang="en-US" dirty="0"/>
           </a:p>
@@ -24203,8 +24738,8 @@
         </p:nvSpPr>
         <p:spPr>
           <a:xfrm>
-            <a:off x="381000" y="2603500"/>
-            <a:ext cx="5857875" cy="6286500"/>
+            <a:off x="414779" y="2603500"/>
+            <a:ext cx="12301980" cy="6785598"/>
           </a:xfrm>
         </p:spPr>
         <p:txBody>
@@ -24212,143 +24747,91 @@
           <a:lstStyle/>
           <a:p>
             <a:r>
+              <a:rPr lang="en-US" i="1" dirty="0" smtClean="0"/>
+              <a:t>List&lt;T&gt;</a:t>
+            </a:r>
+            <a:r>
               <a:rPr lang="en-US" dirty="0" smtClean="0"/>
-              <a:t>Type of collection</a:t>
-            </a:r>
-          </a:p>
-          <a:p>
+              <a:t>: define a </a:t>
+            </a:r>
+            <a:r>
+              <a:rPr lang="en-US" i="1" dirty="0" smtClean="0"/>
+              <a:t>generic</a:t>
+            </a:r>
             <a:r>
               <a:rPr lang="en-US" dirty="0" smtClean="0"/>
-              <a:t>Add at the back, </a:t>
+              <a:t> type, which can be substituted with any type</a:t>
+            </a:r>
+          </a:p>
+          <a:p>
+            <a:pPr lvl="1"/>
+            <a:r>
+              <a:rPr lang="en-US" dirty="0"/>
+              <a:t>n</a:t>
+            </a:r>
+            <a:r>
+              <a:rPr lang="en-US" dirty="0" smtClean="0"/>
+              <a:t>ote: “T” is just a label, could be anything</a:t>
+            </a:r>
+          </a:p>
+          <a:p>
+            <a:r>
+              <a:rPr lang="en-US" dirty="0" err="1" smtClean="0"/>
+              <a:t>Eg</a:t>
+            </a:r>
+            <a:r>
+              <a:rPr lang="en-US" dirty="0" smtClean="0"/>
+              <a:t>. </a:t>
             </a:r>
             <a:r>
               <a:rPr lang="en-US" i="1" dirty="0" smtClean="0"/>
-              <a:t>tail</a:t>
+              <a:t>List&lt;String&gt;, List&lt;Integer&gt;, List&lt;Song&gt;</a:t>
             </a:r>
             <a:r>
               <a:rPr lang="en-US" dirty="0" smtClean="0"/>
-              <a:t> of the queue/line (</a:t>
-            </a:r>
-            <a:r>
-              <a:rPr lang="en-US" b="1" dirty="0" err="1" smtClean="0"/>
-              <a:t>enqueue</a:t>
-            </a:r>
+              <a:t> </a:t>
+            </a:r>
+          </a:p>
+          <a:p>
             <a:r>
               <a:rPr lang="en-US" dirty="0" smtClean="0"/>
-              <a:t>)</a:t>
-            </a:r>
-          </a:p>
-          <a:p>
+              <a:t>If I am only storing a variable (e.g., in a class field or array), I do need to care of its type, as not going to call any method on it</a:t>
+            </a:r>
+          </a:p>
+          <a:p>
+            <a:pPr lvl="1"/>
+            <a:r>
+              <a:rPr lang="en-US" dirty="0" err="1" smtClean="0"/>
+              <a:t>eg</a:t>
+            </a:r>
             <a:r>
               <a:rPr lang="en-US" dirty="0" smtClean="0"/>
-              <a:t>Remove from the head of the line (</a:t>
-            </a:r>
-            <a:r>
-              <a:rPr lang="en-US" b="1" dirty="0" err="1" smtClean="0"/>
-              <a:t>dequeue</a:t>
+              <a:t>, “</a:t>
+            </a:r>
+            <a:r>
+              <a:rPr lang="en-US" i="1" dirty="0" smtClean="0"/>
+              <a:t>T x = input;</a:t>
             </a:r>
             <a:r>
               <a:rPr lang="en-US" dirty="0" smtClean="0"/>
-              <a:t>)</a:t>
-            </a:r>
-          </a:p>
-          <a:p>
+              <a:t>”  do not need to care of actual type of T, as long as </a:t>
+            </a:r>
             <a:r>
               <a:rPr lang="en-US" i="1" dirty="0" smtClean="0"/>
-              <a:t>FIFO: First In, First Out</a:t>
-            </a:r>
-          </a:p>
-          <a:p>
+              <a:t>input</a:t>
+            </a:r>
+            <a:r>
+              <a:rPr lang="en-US" dirty="0" smtClean="0"/>
+              <a:t> is of that type</a:t>
+            </a:r>
             <a:endParaRPr lang="en-US" dirty="0"/>
           </a:p>
         </p:txBody>
       </p:sp>
-      <p:pic>
-        <p:nvPicPr>
-          <p:cNvPr id="4098" name="Picture 2" descr="Image result for systembolaget line"/>
-          <p:cNvPicPr>
-            <a:picLocks noChangeAspect="1" noChangeArrowheads="1"/>
-          </p:cNvPicPr>
-          <p:nvPr/>
-        </p:nvPicPr>
-        <p:blipFill>
-          <a:blip r:embed="rId2">
-            <a:extLst>
-              <a:ext uri="{28A0092B-C50C-407E-A947-70E740481C1C}">
-                <a14:useLocalDpi xmlns:a14="http://schemas.microsoft.com/office/drawing/2010/main" val="0"/>
-              </a:ext>
-            </a:extLst>
-          </a:blip>
-          <a:srcRect/>
-          <a:stretch>
-            <a:fillRect/>
-          </a:stretch>
-        </p:blipFill>
-        <p:spPr bwMode="auto">
-          <a:xfrm>
-            <a:off x="9095636" y="7219950"/>
-            <a:ext cx="3528164" cy="1981200"/>
-          </a:xfrm>
-          <a:prstGeom prst="rect">
-            <a:avLst/>
-          </a:prstGeom>
-          <a:noFill/>
-          <a:extLst>
-            <a:ext uri="{909E8E84-426E-40DD-AFC4-6F175D3DCCD1}">
-              <a14:hiddenFill xmlns:a14="http://schemas.microsoft.com/office/drawing/2010/main">
-                <a:solidFill>
-                  <a:srgbClr val="FFFFFF"/>
-                </a:solidFill>
-              </a14:hiddenFill>
-            </a:ext>
-          </a:extLst>
-        </p:spPr>
-      </p:pic>
-      <p:pic>
-        <p:nvPicPr>
-          <p:cNvPr id="4100" name="Picture 4" descr="Image result for queue"/>
-          <p:cNvPicPr>
-            <a:picLocks noChangeAspect="1" noChangeArrowheads="1"/>
-          </p:cNvPicPr>
-          <p:nvPr/>
-        </p:nvPicPr>
-        <p:blipFill>
-          <a:blip r:embed="rId3">
-            <a:extLst>
-              <a:ext uri="{28A0092B-C50C-407E-A947-70E740481C1C}">
-                <a14:useLocalDpi xmlns:a14="http://schemas.microsoft.com/office/drawing/2010/main" val="0"/>
-              </a:ext>
-            </a:extLst>
-          </a:blip>
-          <a:srcRect/>
-          <a:stretch>
-            <a:fillRect/>
-          </a:stretch>
-        </p:blipFill>
-        <p:spPr bwMode="auto">
-          <a:xfrm>
-            <a:off x="6362700" y="2487082"/>
-            <a:ext cx="6413500" cy="4275667"/>
-          </a:xfrm>
-          <a:prstGeom prst="rect">
-            <a:avLst/>
-          </a:prstGeom>
-          <a:noFill/>
-          <a:extLst>
-            <a:ext uri="{909E8E84-426E-40DD-AFC4-6F175D3DCCD1}">
-              <a14:hiddenFill xmlns:a14="http://schemas.microsoft.com/office/drawing/2010/main">
-                <a:solidFill>
-                  <a:srgbClr val="FFFFFF"/>
-                </a:solidFill>
-              </a14:hiddenFill>
-            </a:ext>
-          </a:extLst>
-        </p:spPr>
-      </p:pic>
     </p:spTree>
     <p:extLst>
       <p:ext uri="{BB962C8B-B14F-4D97-AF65-F5344CB8AC3E}">
-        <p14:creationId xmlns:p14="http://schemas.microsoft.com/office/powerpoint/2010/main" val="1078409934"/>
+        <p14:creationId xmlns:p14="http://schemas.microsoft.com/office/powerpoint/2010/main" val="2742113242"/>
       </p:ext>
     </p:extLst>
   </p:cSld>
@@ -24356,6 +24839,13 @@
     <a:masterClrMapping/>
   </p:clrMapOvr>
   <p:transition spd="med"/>
+  <p:timing>
+    <p:tnLst>
+      <p:par>
+        <p:cTn id="1" dur="indefinite" restart="never" nodeType="tmRoot"/>
+      </p:par>
+    </p:tnLst>
+  </p:timing>
 </p:sld>
 </file>
 
@@ -24388,21 +24878,12 @@
         </p:nvSpPr>
         <p:spPr/>
         <p:txBody>
-          <a:bodyPr>
-            <a:normAutofit fontScale="90000"/>
-          </a:bodyPr>
+          <a:bodyPr/>
           <a:lstStyle/>
           <a:p>
             <a:r>
               <a:rPr lang="en-US" dirty="0" smtClean="0"/>
-              <a:t>Example: </a:t>
-            </a:r>
-            <a:br>
-              <a:rPr lang="en-US" dirty="0" smtClean="0"/>
-            </a:br>
-            <a:r>
-              <a:rPr lang="en-US" dirty="0" smtClean="0"/>
-              <a:t>Task Scheduler</a:t>
+              <a:t>&lt;T extends Foo&gt;</a:t>
             </a:r>
             <a:endParaRPr lang="en-US" dirty="0"/>
           </a:p>
@@ -24420,8 +24901,8 @@
         </p:nvSpPr>
         <p:spPr>
           <a:xfrm>
-            <a:off x="952500" y="3136900"/>
-            <a:ext cx="11099800" cy="6286500"/>
+            <a:off x="301658" y="2603499"/>
+            <a:ext cx="12424528" cy="6738463"/>
           </a:xfrm>
         </p:spPr>
         <p:txBody>
@@ -24430,52 +24911,55 @@
           <a:p>
             <a:r>
               <a:rPr lang="en-US" dirty="0" smtClean="0"/>
-              <a:t>Process/thread add </a:t>
+              <a:t>In some cases you need Generics, but still need to call methods on it</a:t>
+            </a:r>
+          </a:p>
+          <a:p>
+            <a:r>
+              <a:rPr lang="en-US" dirty="0" smtClean="0"/>
+              <a:t>With </a:t>
             </a:r>
             <a:r>
               <a:rPr lang="en-US" i="1" dirty="0" smtClean="0"/>
-              <a:t>tasks to do </a:t>
+              <a:t>&lt;T&gt;</a:t>
             </a:r>
             <a:r>
               <a:rPr lang="en-US" dirty="0" smtClean="0"/>
-              <a:t>on a queue</a:t>
-            </a:r>
-          </a:p>
-          <a:p>
+              <a:t> you would only be allowed to call methods from </a:t>
+            </a:r>
+            <a:r>
+              <a:rPr lang="en-US" i="1" dirty="0" err="1" smtClean="0"/>
+              <a:t>java.lang.Objects</a:t>
+            </a:r>
+            <a:endParaRPr lang="en-US" i="1" dirty="0" smtClean="0"/>
+          </a:p>
+          <a:p>
+            <a:r>
+              <a:rPr lang="en-US" i="1" dirty="0" smtClean="0"/>
+              <a:t>&lt;T extends Foo&gt;</a:t>
+            </a:r>
             <a:r>
               <a:rPr lang="en-US" dirty="0" smtClean="0"/>
-              <a:t>Other process/thread workers read from queue and execute the task</a:t>
+              <a:t> means any type that extends/implements the class/interface </a:t>
+            </a:r>
+            <a:r>
+              <a:rPr lang="en-US" i="1" dirty="0" smtClean="0"/>
+              <a:t>Foo </a:t>
             </a:r>
           </a:p>
           <a:p>
             <a:r>
               <a:rPr lang="en-US" dirty="0" smtClean="0"/>
-              <a:t>The </a:t>
+              <a:t>Note: there is also a </a:t>
             </a:r>
             <a:r>
               <a:rPr lang="en-US" i="1" dirty="0" smtClean="0"/>
-              <a:t>oldest</a:t>
+              <a:t>&lt;T super Foo&gt;</a:t>
             </a:r>
             <a:r>
               <a:rPr lang="en-US" dirty="0" smtClean="0"/>
-              <a:t> tasks need to be completed </a:t>
-            </a:r>
-            <a:r>
-              <a:rPr lang="en-US" i="1" dirty="0" smtClean="0"/>
-              <a:t>first</a:t>
-            </a:r>
-            <a:r>
-              <a:rPr lang="en-US" dirty="0" smtClean="0"/>
-              <a:t> </a:t>
-            </a:r>
-          </a:p>
-          <a:p>
-            <a:r>
-              <a:rPr lang="en-US" dirty="0" smtClean="0"/>
-              <a:t>While workers are executing tasks, new tasks could be added to the queue</a:t>
-            </a:r>
-          </a:p>
-          <a:p>
+              <a:t>, but we will not need it</a:t>
+            </a:r>
             <a:endParaRPr lang="en-US" dirty="0"/>
           </a:p>
         </p:txBody>
@@ -24483,7 +24967,7 @@
     </p:spTree>
     <p:extLst>
       <p:ext uri="{BB962C8B-B14F-4D97-AF65-F5344CB8AC3E}">
-        <p14:creationId xmlns:p14="http://schemas.microsoft.com/office/powerpoint/2010/main" val="1363206235"/>
+        <p14:creationId xmlns:p14="http://schemas.microsoft.com/office/powerpoint/2010/main" val="2883708869"/>
       </p:ext>
     </p:extLst>
   </p:cSld>
@@ -24491,6 +24975,13 @@
     <a:masterClrMapping/>
   </p:clrMapOvr>
   <p:transition spd="med"/>
+  <p:timing>
+    <p:tnLst>
+      <p:par>
+        <p:cTn id="1" dur="indefinite" restart="never" nodeType="tmRoot"/>
+      </p:par>
+    </p:tnLst>
+  </p:timing>
 </p:sld>
 </file>
 
@@ -24513,7 +25004,7 @@
       </p:grpSpPr>
       <p:sp>
         <p:nvSpPr>
-          <p:cNvPr id="5" name="Title 4"/>
+          <p:cNvPr id="4" name="Title 3"/>
           <p:cNvSpPr>
             <a:spLocks noGrp="1"/>
           </p:cNvSpPr>
@@ -24528,7 +25019,7 @@
           <a:p>
             <a:r>
               <a:rPr lang="en-US" dirty="0" smtClean="0"/>
-              <a:t>Memory Model</a:t>
+              <a:t>Stacks and Queues</a:t>
             </a:r>
             <a:endParaRPr lang="en-US" dirty="0"/>
           </a:p>
@@ -24537,7 +25028,7 @@
     </p:spTree>
     <p:extLst>
       <p:ext uri="{BB962C8B-B14F-4D97-AF65-F5344CB8AC3E}">
-        <p14:creationId xmlns:p14="http://schemas.microsoft.com/office/powerpoint/2010/main" val="1815316440"/>
+        <p14:creationId xmlns:p14="http://schemas.microsoft.com/office/powerpoint/2010/main" val="71015173"/>
       </p:ext>
     </p:extLst>
   </p:cSld>

--- a/docs/slides/02/02_stack_queue.pptx
+++ b/docs/slides/02/02_stack_queue.pptx
@@ -2339,7 +2339,7 @@
           </a:ln>
           <a:extLst>
             <a:ext uri="{C572A759-6A51-4108-AA02-DFA0A04FC94B}">
-              <ma14:wrappingTextBoxFlag xmlns="" xmlns:ma14="http://schemas.microsoft.com/office/mac/drawingml/2011/main" val="1"/>
+              <ma14:wrappingTextBoxFlag xmlns:ma14="http://schemas.microsoft.com/office/mac/drawingml/2011/main" xmlns="" val="1"/>
             </a:ext>
           </a:extLst>
         </p:spPr>
@@ -2378,7 +2378,7 @@
           </a:ln>
           <a:extLst>
             <a:ext uri="{C572A759-6A51-4108-AA02-DFA0A04FC94B}">
-              <ma14:wrappingTextBoxFlag xmlns="" xmlns:ma14="http://schemas.microsoft.com/office/mac/drawingml/2011/main" val="1"/>
+              <ma14:wrappingTextBoxFlag xmlns:ma14="http://schemas.microsoft.com/office/mac/drawingml/2011/main" xmlns="" val="1"/>
             </a:ext>
           </a:extLst>
         </p:spPr>
@@ -3353,8 +3353,16 @@
           <a:p>
             <a:pPr algn="r"/>
             <a:r>
+              <a:rPr lang="en-US" smtClean="0"/>
+              <a:t>Prof</a:t>
+            </a:r>
+            <a:r>
+              <a:rPr lang="en-US" smtClean="0"/>
+              <a:t>. </a:t>
+            </a:r>
+            <a:r>
               <a:rPr lang="en-US" dirty="0" smtClean="0"/>
-              <a:t>Dr. Andrea Arcuri</a:t>
+              <a:t>Andrea Arcuri</a:t>
             </a:r>
             <a:endParaRPr lang="en-US" dirty="0"/>
           </a:p>
@@ -11812,7 +11820,7 @@
           </a:ln>
           <a:extLst>
             <a:ext uri="{C572A759-6A51-4108-AA02-DFA0A04FC94B}">
-              <ma14:wrappingTextBoxFlag xmlns:ma14="http://schemas.microsoft.com/office/mac/drawingml/2011/main" xmlns="" val="1"/>
+              <ma14:wrappingTextBoxFlag xmlns="" xmlns:ma14="http://schemas.microsoft.com/office/mac/drawingml/2011/main" val="1"/>
             </a:ext>
           </a:extLst>
         </p:spPr>
@@ -17564,11 +17572,7 @@
             </a:r>
             <a:r>
               <a:rPr lang="en-US" dirty="0" smtClean="0"/>
-              <a:t> </a:t>
-            </a:r>
-            <a:r>
-              <a:rPr lang="en-US" dirty="0" smtClean="0"/>
-              <a:t>Example</a:t>
+              <a:t> Example</a:t>
             </a:r>
             <a:endParaRPr lang="en-US" dirty="0"/>
           </a:p>
@@ -17608,11 +17612,7 @@
             </a:r>
             <a:r>
               <a:rPr lang="en-US" dirty="0" smtClean="0"/>
-              <a:t> </a:t>
-            </a:r>
-            <a:r>
-              <a:rPr lang="en-US" dirty="0" smtClean="0"/>
-              <a:t>based on nodes</a:t>
+              <a:t> based on nodes</a:t>
             </a:r>
           </a:p>
           <a:p>
@@ -33446,11 +33446,7 @@
             </a:r>
             <a:r>
               <a:rPr lang="en-US" i="1" dirty="0" err="1" smtClean="0"/>
-              <a:t>ArrayList</a:t>
-            </a:r>
-            <a:r>
-              <a:rPr lang="en-US" i="1" dirty="0" err="1" smtClean="0"/>
-              <a:t>s</a:t>
+              <a:t>ArrayLists</a:t>
             </a:r>
             <a:r>
               <a:rPr lang="en-US" dirty="0" smtClean="0"/>

--- a/docs/slides/02/02_stack_queue.pptx
+++ b/docs/slides/02/02_stack_queue.pptx
@@ -667,6 +667,67 @@
           <a:bodyPr/>
           <a:lstStyle/>
           <a:p>
+            <a:endParaRPr lang="en-GB" dirty="0"/>
+          </a:p>
+        </p:txBody>
+      </p:sp>
+    </p:spTree>
+    <p:extLst>
+      <p:ext uri="{BB962C8B-B14F-4D97-AF65-F5344CB8AC3E}">
+        <p14:creationId xmlns:p14="http://schemas.microsoft.com/office/powerpoint/2010/main" val="2311335209"/>
+      </p:ext>
+    </p:extLst>
+  </p:cSld>
+  <p:clrMapOvr>
+    <a:masterClrMapping/>
+  </p:clrMapOvr>
+</p:notes>
+</file>
+
+<file path=ppt/notesSlides/notesSlide3.xml><?xml version="1.0" encoding="utf-8"?>
+<p:notes xmlns:a="http://schemas.openxmlformats.org/drawingml/2006/main" xmlns:r="http://schemas.openxmlformats.org/officeDocument/2006/relationships" xmlns:p="http://schemas.openxmlformats.org/presentationml/2006/main">
+  <p:cSld>
+    <p:spTree>
+      <p:nvGrpSpPr>
+        <p:cNvPr id="1" name=""/>
+        <p:cNvGrpSpPr/>
+        <p:nvPr/>
+      </p:nvGrpSpPr>
+      <p:grpSpPr>
+        <a:xfrm>
+          <a:off x="0" y="0"/>
+          <a:ext cx="0" cy="0"/>
+          <a:chOff x="0" y="0"/>
+          <a:chExt cx="0" cy="0"/>
+        </a:xfrm>
+      </p:grpSpPr>
+      <p:sp>
+        <p:nvSpPr>
+          <p:cNvPr id="2" name="Slide Image Placeholder 1"/>
+          <p:cNvSpPr>
+            <a:spLocks noGrp="1" noRot="1" noChangeAspect="1"/>
+          </p:cNvSpPr>
+          <p:nvPr>
+            <p:ph type="sldImg"/>
+          </p:nvPr>
+        </p:nvSpPr>
+        <p:spPr/>
+      </p:sp>
+      <p:sp>
+        <p:nvSpPr>
+          <p:cNvPr id="3" name="Notes Placeholder 2"/>
+          <p:cNvSpPr>
+            <a:spLocks noGrp="1"/>
+          </p:cNvSpPr>
+          <p:nvPr>
+            <p:ph type="body" idx="1"/>
+          </p:nvPr>
+        </p:nvSpPr>
+        <p:spPr/>
+        <p:txBody>
+          <a:bodyPr/>
+          <a:lstStyle/>
+          <a:p>
             <a:endParaRPr lang="en-US" dirty="0"/>
           </a:p>
         </p:txBody>
@@ -2339,7 +2400,7 @@
           </a:ln>
           <a:extLst>
             <a:ext uri="{C572A759-6A51-4108-AA02-DFA0A04FC94B}">
-              <ma14:wrappingTextBoxFlag xmlns="" xmlns:ma14="http://schemas.microsoft.com/office/mac/drawingml/2011/main" val="1"/>
+              <ma14:wrappingTextBoxFlag xmlns:ma14="http://schemas.microsoft.com/office/mac/drawingml/2011/main" xmlns="" val="1"/>
             </a:ext>
           </a:extLst>
         </p:spPr>
@@ -2378,7 +2439,7 @@
           </a:ln>
           <a:extLst>
             <a:ext uri="{C572A759-6A51-4108-AA02-DFA0A04FC94B}">
-              <ma14:wrappingTextBoxFlag xmlns="" xmlns:ma14="http://schemas.microsoft.com/office/mac/drawingml/2011/main" val="1"/>
+              <ma14:wrappingTextBoxFlag xmlns:ma14="http://schemas.microsoft.com/office/mac/drawingml/2011/main" xmlns="" val="1"/>
             </a:ext>
           </a:extLst>
         </p:spPr>
@@ -3348,13 +3409,14 @@
           <a:p>
             <a:pPr algn="r"/>
             <a:r>
-              <a:rPr lang="en-US"/>
-              <a:t>Prof. </a:t>
-            </a:r>
-            <a:r>
               <a:rPr lang="en-US" dirty="0"/>
-              <a:t>Andrea Arcuri</a:t>
-            </a:r>
+              <a:t>Bogdan </a:t>
+            </a:r>
+            <a:r>
+              <a:rPr lang="en-US" dirty="0" err="1"/>
+              <a:t>Marculescu</a:t>
+            </a:r>
+            <a:endParaRPr lang="en-US" dirty="0"/>
           </a:p>
         </p:txBody>
       </p:sp>
@@ -6916,9 +6978,7 @@
           <p:cNvGraphicFramePr>
             <a:graphicFrameLocks noGrp="1"/>
           </p:cNvGraphicFramePr>
-          <p:nvPr>
-            <p:extLst/>
-          </p:nvPr>
+          <p:nvPr/>
         </p:nvGraphicFramePr>
         <p:xfrm>
           <a:off x="922867" y="2603500"/>
@@ -8321,9 +8381,7 @@
           <p:cNvGraphicFramePr>
             <a:graphicFrameLocks noGrp="1"/>
           </p:cNvGraphicFramePr>
-          <p:nvPr>
-            <p:extLst/>
-          </p:nvPr>
+          <p:nvPr/>
         </p:nvGraphicFramePr>
         <p:xfrm>
           <a:off x="8915400" y="5095875"/>
@@ -9149,9 +9207,7 @@
           <p:cNvGraphicFramePr>
             <a:graphicFrameLocks noGrp="1"/>
           </p:cNvGraphicFramePr>
-          <p:nvPr>
-            <p:extLst/>
-          </p:nvPr>
+          <p:nvPr/>
         </p:nvGraphicFramePr>
         <p:xfrm>
           <a:off x="8810625" y="3133725"/>
@@ -10207,9 +10263,7 @@
           <p:cNvGraphicFramePr>
             <a:graphicFrameLocks noGrp="1"/>
           </p:cNvGraphicFramePr>
-          <p:nvPr>
-            <p:extLst/>
-          </p:nvPr>
+          <p:nvPr/>
         </p:nvGraphicFramePr>
         <p:xfrm>
           <a:off x="8915400" y="5095875"/>
@@ -10543,9 +10597,7 @@
           <p:cNvGraphicFramePr>
             <a:graphicFrameLocks noGrp="1"/>
           </p:cNvGraphicFramePr>
-          <p:nvPr>
-            <p:extLst/>
-          </p:nvPr>
+          <p:nvPr/>
         </p:nvGraphicFramePr>
         <p:xfrm>
           <a:off x="614891" y="2901244"/>
@@ -10830,9 +10882,7 @@
           <p:cNvGraphicFramePr>
             <a:graphicFrameLocks noGrp="1"/>
           </p:cNvGraphicFramePr>
-          <p:nvPr>
-            <p:extLst/>
-          </p:nvPr>
+          <p:nvPr/>
         </p:nvGraphicFramePr>
         <p:xfrm>
           <a:off x="5323945" y="2897363"/>
@@ -11133,9 +11183,7 @@
           <p:cNvGraphicFramePr>
             <a:graphicFrameLocks noGrp="1"/>
           </p:cNvGraphicFramePr>
-          <p:nvPr>
-            <p:extLst/>
-          </p:nvPr>
+          <p:nvPr/>
         </p:nvGraphicFramePr>
         <p:xfrm>
           <a:off x="9829800" y="2901244"/>
@@ -11439,7 +11487,7 @@
           </a:ln>
           <a:extLst>
             <a:ext uri="{C572A759-6A51-4108-AA02-DFA0A04FC94B}">
-              <ma14:wrappingTextBoxFlag xmlns:ma14="http://schemas.microsoft.com/office/mac/drawingml/2011/main" xmlns="" val="1"/>
+              <ma14:wrappingTextBoxFlag xmlns="" xmlns:ma14="http://schemas.microsoft.com/office/mac/drawingml/2011/main" val="1"/>
             </a:ext>
           </a:extLst>
         </p:spPr>
@@ -13573,9 +13621,7 @@
           <p:cNvGraphicFramePr>
             <a:graphicFrameLocks noGrp="1"/>
           </p:cNvGraphicFramePr>
-          <p:nvPr>
-            <p:extLst/>
-          </p:nvPr>
+          <p:nvPr/>
         </p:nvGraphicFramePr>
         <p:xfrm>
           <a:off x="952500" y="4158544"/>
@@ -14360,9 +14406,7 @@
           <p:cNvGraphicFramePr>
             <a:graphicFrameLocks noGrp="1"/>
           </p:cNvGraphicFramePr>
-          <p:nvPr>
-            <p:extLst/>
-          </p:nvPr>
+          <p:nvPr/>
         </p:nvGraphicFramePr>
         <p:xfrm>
           <a:off x="952500" y="4472869"/>
@@ -15643,9 +15687,7 @@
           <p:cNvGraphicFramePr>
             <a:graphicFrameLocks noGrp="1"/>
           </p:cNvGraphicFramePr>
-          <p:nvPr>
-            <p:extLst/>
-          </p:nvPr>
+          <p:nvPr/>
         </p:nvGraphicFramePr>
         <p:xfrm>
           <a:off x="952500" y="4472869"/>
@@ -17710,9 +17752,7 @@
           <p:cNvGraphicFramePr>
             <a:graphicFrameLocks noGrp="1"/>
           </p:cNvGraphicFramePr>
-          <p:nvPr>
-            <p:extLst/>
-          </p:nvPr>
+          <p:nvPr/>
         </p:nvGraphicFramePr>
         <p:xfrm>
           <a:off x="424905" y="7048392"/>
@@ -19027,9 +19067,7 @@
           <p:cNvGraphicFramePr>
             <a:graphicFrameLocks noGrp="1"/>
           </p:cNvGraphicFramePr>
-          <p:nvPr>
-            <p:extLst/>
-          </p:nvPr>
+          <p:nvPr/>
         </p:nvGraphicFramePr>
         <p:xfrm>
           <a:off x="424905" y="1419117"/>
@@ -20167,9 +20205,7 @@
           <p:cNvGraphicFramePr>
             <a:graphicFrameLocks noGrp="1"/>
           </p:cNvGraphicFramePr>
-          <p:nvPr>
-            <p:extLst/>
-          </p:nvPr>
+          <p:nvPr/>
         </p:nvGraphicFramePr>
         <p:xfrm>
           <a:off x="439191" y="7315092"/>
@@ -21543,9 +21579,7 @@
           <p:cNvGraphicFramePr>
             <a:graphicFrameLocks noGrp="1"/>
           </p:cNvGraphicFramePr>
-          <p:nvPr>
-            <p:extLst/>
-          </p:nvPr>
+          <p:nvPr/>
         </p:nvGraphicFramePr>
         <p:xfrm>
           <a:off x="273546" y="1295292"/>
@@ -35812,9 +35846,7 @@
           <p:cNvGraphicFramePr>
             <a:graphicFrameLocks noGrp="1"/>
           </p:cNvGraphicFramePr>
-          <p:nvPr>
-            <p:extLst/>
-          </p:nvPr>
+          <p:nvPr/>
         </p:nvGraphicFramePr>
         <p:xfrm>
           <a:off x="7824246" y="3073138"/>
